--- a/docs/STRUCTURE.pptx
+++ b/docs/STRUCTURE.pptx
@@ -5,7 +5,7 @@
     <p:sldMasterId id="2147483648" r:id="rId1"/>
   </p:sldMasterIdLst>
   <p:notesMasterIdLst>
-    <p:notesMasterId r:id="rId20"/>
+    <p:notesMasterId r:id="rId18"/>
   </p:notesMasterIdLst>
   <p:sldIdLst>
     <p:sldId id="257" r:id="rId2"/>
@@ -16,16 +16,14 @@
     <p:sldId id="264" r:id="rId7"/>
     <p:sldId id="263" r:id="rId8"/>
     <p:sldId id="273" r:id="rId9"/>
-    <p:sldId id="274" r:id="rId10"/>
-    <p:sldId id="256" r:id="rId11"/>
-    <p:sldId id="271" r:id="rId12"/>
-    <p:sldId id="258" r:id="rId13"/>
-    <p:sldId id="272" r:id="rId14"/>
-    <p:sldId id="277" r:id="rId15"/>
-    <p:sldId id="280" r:id="rId16"/>
-    <p:sldId id="281" r:id="rId17"/>
-    <p:sldId id="278" r:id="rId18"/>
-    <p:sldId id="279" r:id="rId19"/>
+    <p:sldId id="277" r:id="rId10"/>
+    <p:sldId id="280" r:id="rId11"/>
+    <p:sldId id="281" r:id="rId12"/>
+    <p:sldId id="278" r:id="rId13"/>
+    <p:sldId id="256" r:id="rId14"/>
+    <p:sldId id="271" r:id="rId15"/>
+    <p:sldId id="258" r:id="rId16"/>
+    <p:sldId id="272" r:id="rId17"/>
   </p:sldIdLst>
   <p:sldSz cx="12192000" cy="6858000"/>
   <p:notesSz cx="6858000" cy="9144000"/>
@@ -136,29 +134,27 @@
             <p14:sldId id="276"/>
           </p14:sldIdLst>
         </p14:section>
-        <p14:section name="Memory" id="{0998914E-3D70-4A99-AD94-B923318979F0}">
+        <p14:section name="Rag" id="{0998914E-3D70-4A99-AD94-B923318979F0}">
           <p14:sldIdLst>
             <p14:sldId id="264"/>
             <p14:sldId id="263"/>
             <p14:sldId id="273"/>
-            <p14:sldId id="274"/>
           </p14:sldIdLst>
         </p14:section>
-        <p14:section name="Agent" id="{0486F936-7451-4B65-A87D-885C67BEA5D5}">
+        <p14:section name="Agent" id="{97D09B7C-89D6-4996-96CB-331A4A436431}">
+          <p14:sldIdLst>
+            <p14:sldId id="277"/>
+            <p14:sldId id="280"/>
+            <p14:sldId id="281"/>
+            <p14:sldId id="278"/>
+          </p14:sldIdLst>
+        </p14:section>
+        <p14:section name="Reference" id="{0486F936-7451-4B65-A87D-885C67BEA5D5}">
           <p14:sldIdLst>
             <p14:sldId id="256"/>
             <p14:sldId id="271"/>
             <p14:sldId id="258"/>
             <p14:sldId id="272"/>
-          </p14:sldIdLst>
-        </p14:section>
-        <p14:section name="Software-Design" id="{97D09B7C-89D6-4996-96CB-331A4A436431}">
-          <p14:sldIdLst>
-            <p14:sldId id="277"/>
-            <p14:sldId id="280"/>
-            <p14:sldId id="281"/>
-            <p14:sldId id="278"/>
-            <p14:sldId id="279"/>
           </p14:sldIdLst>
         </p14:section>
       </p14:sectionLst>
@@ -252,7 +248,7 @@
           <a:p>
             <a:fld id="{6687B94C-1665-4908-8FE0-ED182C7E5EF6}" type="datetimeFigureOut">
               <a:rPr lang="ko-KR" altLang="en-US" smtClean="0"/>
-              <a:t>2025-02-18</a:t>
+              <a:t>2025-02-19</a:t>
             </a:fld>
             <a:endParaRPr lang="ko-KR" altLang="en-US"/>
           </a:p>
@@ -834,7 +830,7 @@
           <a:p>
             <a:fld id="{C7A64008-E368-4B02-AA8A-14F001AD3B84}" type="datetimeFigureOut">
               <a:rPr lang="ko-KR" altLang="en-US" smtClean="0"/>
-              <a:t>2025-02-18</a:t>
+              <a:t>2025-02-19</a:t>
             </a:fld>
             <a:endParaRPr lang="ko-KR" altLang="en-US"/>
           </a:p>
@@ -1032,7 +1028,7 @@
           <a:p>
             <a:fld id="{C7A64008-E368-4B02-AA8A-14F001AD3B84}" type="datetimeFigureOut">
               <a:rPr lang="ko-KR" altLang="en-US" smtClean="0"/>
-              <a:t>2025-02-18</a:t>
+              <a:t>2025-02-19</a:t>
             </a:fld>
             <a:endParaRPr lang="ko-KR" altLang="en-US"/>
           </a:p>
@@ -1240,7 +1236,7 @@
           <a:p>
             <a:fld id="{C7A64008-E368-4B02-AA8A-14F001AD3B84}" type="datetimeFigureOut">
               <a:rPr lang="ko-KR" altLang="en-US" smtClean="0"/>
-              <a:t>2025-02-18</a:t>
+              <a:t>2025-02-19</a:t>
             </a:fld>
             <a:endParaRPr lang="ko-KR" altLang="en-US"/>
           </a:p>
@@ -1438,7 +1434,7 @@
           <a:p>
             <a:fld id="{C7A64008-E368-4B02-AA8A-14F001AD3B84}" type="datetimeFigureOut">
               <a:rPr lang="ko-KR" altLang="en-US" smtClean="0"/>
-              <a:t>2025-02-18</a:t>
+              <a:t>2025-02-19</a:t>
             </a:fld>
             <a:endParaRPr lang="ko-KR" altLang="en-US"/>
           </a:p>
@@ -1713,7 +1709,7 @@
           <a:p>
             <a:fld id="{C7A64008-E368-4B02-AA8A-14F001AD3B84}" type="datetimeFigureOut">
               <a:rPr lang="ko-KR" altLang="en-US" smtClean="0"/>
-              <a:t>2025-02-18</a:t>
+              <a:t>2025-02-19</a:t>
             </a:fld>
             <a:endParaRPr lang="ko-KR" altLang="en-US"/>
           </a:p>
@@ -1978,7 +1974,7 @@
           <a:p>
             <a:fld id="{C7A64008-E368-4B02-AA8A-14F001AD3B84}" type="datetimeFigureOut">
               <a:rPr lang="ko-KR" altLang="en-US" smtClean="0"/>
-              <a:t>2025-02-18</a:t>
+              <a:t>2025-02-19</a:t>
             </a:fld>
             <a:endParaRPr lang="ko-KR" altLang="en-US"/>
           </a:p>
@@ -2390,7 +2386,7 @@
           <a:p>
             <a:fld id="{C7A64008-E368-4B02-AA8A-14F001AD3B84}" type="datetimeFigureOut">
               <a:rPr lang="ko-KR" altLang="en-US" smtClean="0"/>
-              <a:t>2025-02-18</a:t>
+              <a:t>2025-02-19</a:t>
             </a:fld>
             <a:endParaRPr lang="ko-KR" altLang="en-US"/>
           </a:p>
@@ -2531,7 +2527,7 @@
           <a:p>
             <a:fld id="{C7A64008-E368-4B02-AA8A-14F001AD3B84}" type="datetimeFigureOut">
               <a:rPr lang="ko-KR" altLang="en-US" smtClean="0"/>
-              <a:t>2025-02-18</a:t>
+              <a:t>2025-02-19</a:t>
             </a:fld>
             <a:endParaRPr lang="ko-KR" altLang="en-US"/>
           </a:p>
@@ -2644,7 +2640,7 @@
           <a:p>
             <a:fld id="{C7A64008-E368-4B02-AA8A-14F001AD3B84}" type="datetimeFigureOut">
               <a:rPr lang="ko-KR" altLang="en-US" smtClean="0"/>
-              <a:t>2025-02-18</a:t>
+              <a:t>2025-02-19</a:t>
             </a:fld>
             <a:endParaRPr lang="ko-KR" altLang="en-US"/>
           </a:p>
@@ -2955,7 +2951,7 @@
           <a:p>
             <a:fld id="{C7A64008-E368-4B02-AA8A-14F001AD3B84}" type="datetimeFigureOut">
               <a:rPr lang="ko-KR" altLang="en-US" smtClean="0"/>
-              <a:t>2025-02-18</a:t>
+              <a:t>2025-02-19</a:t>
             </a:fld>
             <a:endParaRPr lang="ko-KR" altLang="en-US"/>
           </a:p>
@@ -3243,7 +3239,7 @@
           <a:p>
             <a:fld id="{C7A64008-E368-4B02-AA8A-14F001AD3B84}" type="datetimeFigureOut">
               <a:rPr lang="ko-KR" altLang="en-US" smtClean="0"/>
-              <a:t>2025-02-18</a:t>
+              <a:t>2025-02-19</a:t>
             </a:fld>
             <a:endParaRPr lang="ko-KR" altLang="en-US"/>
           </a:p>
@@ -3484,7 +3480,7 @@
           <a:p>
             <a:fld id="{C7A64008-E368-4B02-AA8A-14F001AD3B84}" type="datetimeFigureOut">
               <a:rPr lang="ko-KR" altLang="en-US" smtClean="0"/>
-              <a:t>2025-02-18</a:t>
+              <a:t>2025-02-19</a:t>
             </a:fld>
             <a:endParaRPr lang="ko-KR" altLang="en-US"/>
           </a:p>
@@ -4686,4101 +4682,6 @@
   <p:cSld>
     <p:spTree>
       <p:nvGrpSpPr>
-        <p:cNvPr id="1" name=""/>
-        <p:cNvGrpSpPr/>
-        <p:nvPr/>
-      </p:nvGrpSpPr>
-      <p:grpSpPr>
-        <a:xfrm>
-          <a:off x="0" y="0"/>
-          <a:ext cx="0" cy="0"/>
-          <a:chOff x="0" y="0"/>
-          <a:chExt cx="0" cy="0"/>
-        </a:xfrm>
-      </p:grpSpPr>
-      <p:sp>
-        <p:nvSpPr>
-          <p:cNvPr id="10" name="순서도: 대체 처리 9">
-            <a:extLst>
-              <a:ext uri="{FF2B5EF4-FFF2-40B4-BE49-F238E27FC236}">
-                <a16:creationId xmlns:a16="http://schemas.microsoft.com/office/drawing/2014/main" id="{724C97D8-D9E3-C9B3-4682-11DAC36E2691}"/>
-              </a:ext>
-            </a:extLst>
-          </p:cNvPr>
-          <p:cNvSpPr/>
-          <p:nvPr/>
-        </p:nvSpPr>
-        <p:spPr>
-          <a:xfrm>
-            <a:off x="1179341" y="1416146"/>
-            <a:ext cx="8635219" cy="2602523"/>
-          </a:xfrm>
-          <a:prstGeom prst="flowChartAlternateProcess">
-            <a:avLst/>
-          </a:prstGeom>
-          <a:solidFill>
-            <a:schemeClr val="accent1">
-              <a:lumMod val="20000"/>
-              <a:lumOff val="80000"/>
-            </a:schemeClr>
-          </a:solidFill>
-        </p:spPr>
-        <p:style>
-          <a:lnRef idx="2">
-            <a:schemeClr val="accent1">
-              <a:shade val="15000"/>
-            </a:schemeClr>
-          </a:lnRef>
-          <a:fillRef idx="1">
-            <a:schemeClr val="accent1"/>
-          </a:fillRef>
-          <a:effectRef idx="0">
-            <a:schemeClr val="accent1"/>
-          </a:effectRef>
-          <a:fontRef idx="minor">
-            <a:schemeClr val="lt1"/>
-          </a:fontRef>
-        </p:style>
-        <p:txBody>
-          <a:bodyPr rtlCol="0" anchor="ctr"/>
-          <a:lstStyle/>
-          <a:p>
-            <a:pPr algn="ctr"/>
-            <a:endParaRPr lang="ko-KR" altLang="en-US"/>
-          </a:p>
-        </p:txBody>
-      </p:sp>
-      <p:sp>
-        <p:nvSpPr>
-          <p:cNvPr id="4" name="타원 3">
-            <a:extLst>
-              <a:ext uri="{FF2B5EF4-FFF2-40B4-BE49-F238E27FC236}">
-                <a16:creationId xmlns:a16="http://schemas.microsoft.com/office/drawing/2014/main" id="{77A06D7F-148C-D4EB-7899-D9DBE4D48062}"/>
-              </a:ext>
-            </a:extLst>
-          </p:cNvPr>
-          <p:cNvSpPr/>
-          <p:nvPr/>
-        </p:nvSpPr>
-        <p:spPr>
-          <a:xfrm>
-            <a:off x="1938997" y="2319992"/>
-            <a:ext cx="1167617" cy="1167617"/>
-          </a:xfrm>
-          <a:prstGeom prst="ellipse">
-            <a:avLst/>
-          </a:prstGeom>
-          <a:solidFill>
-            <a:schemeClr val="bg2"/>
-          </a:solidFill>
-        </p:spPr>
-        <p:style>
-          <a:lnRef idx="2">
-            <a:schemeClr val="accent1">
-              <a:shade val="15000"/>
-            </a:schemeClr>
-          </a:lnRef>
-          <a:fillRef idx="1">
-            <a:schemeClr val="accent1"/>
-          </a:fillRef>
-          <a:effectRef idx="0">
-            <a:schemeClr val="accent1"/>
-          </a:effectRef>
-          <a:fontRef idx="minor">
-            <a:schemeClr val="lt1"/>
-          </a:fontRef>
-        </p:style>
-        <p:txBody>
-          <a:bodyPr rtlCol="0" anchor="ctr"/>
-          <a:lstStyle/>
-          <a:p>
-            <a:pPr algn="dist"/>
-            <a:r>
-              <a:rPr lang="en-US" altLang="ko-KR" dirty="0">
-                <a:solidFill>
-                  <a:sysClr val="windowText" lastClr="000000"/>
-                </a:solidFill>
-              </a:rPr>
-              <a:t>Agent</a:t>
-            </a:r>
-            <a:endParaRPr lang="ko-KR" altLang="en-US" dirty="0">
-              <a:solidFill>
-                <a:sysClr val="windowText" lastClr="000000"/>
-              </a:solidFill>
-            </a:endParaRPr>
-          </a:p>
-        </p:txBody>
-      </p:sp>
-      <p:sp>
-        <p:nvSpPr>
-          <p:cNvPr id="5" name="타원 4">
-            <a:extLst>
-              <a:ext uri="{FF2B5EF4-FFF2-40B4-BE49-F238E27FC236}">
-                <a16:creationId xmlns:a16="http://schemas.microsoft.com/office/drawing/2014/main" id="{460E86A9-60CB-486E-0D7F-B0F3EC48B081}"/>
-              </a:ext>
-            </a:extLst>
-          </p:cNvPr>
-          <p:cNvSpPr/>
-          <p:nvPr/>
-        </p:nvSpPr>
-        <p:spPr>
-          <a:xfrm>
-            <a:off x="5001205" y="2319993"/>
-            <a:ext cx="1167617" cy="1167617"/>
-          </a:xfrm>
-          <a:prstGeom prst="ellipse">
-            <a:avLst/>
-          </a:prstGeom>
-          <a:solidFill>
-            <a:schemeClr val="bg2"/>
-          </a:solidFill>
-        </p:spPr>
-        <p:style>
-          <a:lnRef idx="2">
-            <a:schemeClr val="accent1">
-              <a:shade val="15000"/>
-            </a:schemeClr>
-          </a:lnRef>
-          <a:fillRef idx="1">
-            <a:schemeClr val="accent1"/>
-          </a:fillRef>
-          <a:effectRef idx="0">
-            <a:schemeClr val="accent1"/>
-          </a:effectRef>
-          <a:fontRef idx="minor">
-            <a:schemeClr val="lt1"/>
-          </a:fontRef>
-        </p:style>
-        <p:txBody>
-          <a:bodyPr rtlCol="0" anchor="ctr"/>
-          <a:lstStyle/>
-          <a:p>
-            <a:pPr algn="dist"/>
-            <a:r>
-              <a:rPr lang="en-US" altLang="ko-KR" dirty="0">
-                <a:solidFill>
-                  <a:sysClr val="windowText" lastClr="000000"/>
-                </a:solidFill>
-              </a:rPr>
-              <a:t>Agent</a:t>
-            </a:r>
-            <a:endParaRPr lang="ko-KR" altLang="en-US" dirty="0">
-              <a:solidFill>
-                <a:sysClr val="windowText" lastClr="000000"/>
-              </a:solidFill>
-            </a:endParaRPr>
-          </a:p>
-        </p:txBody>
-      </p:sp>
-      <p:sp>
-        <p:nvSpPr>
-          <p:cNvPr id="6" name="타원 5">
-            <a:extLst>
-              <a:ext uri="{FF2B5EF4-FFF2-40B4-BE49-F238E27FC236}">
-                <a16:creationId xmlns:a16="http://schemas.microsoft.com/office/drawing/2014/main" id="{7F70E4CA-8996-E22B-14C5-F95B71FD4B46}"/>
-              </a:ext>
-            </a:extLst>
-          </p:cNvPr>
-          <p:cNvSpPr/>
-          <p:nvPr/>
-        </p:nvSpPr>
-        <p:spPr>
-          <a:xfrm>
-            <a:off x="3470101" y="2319994"/>
-            <a:ext cx="1167617" cy="1167617"/>
-          </a:xfrm>
-          <a:prstGeom prst="ellipse">
-            <a:avLst/>
-          </a:prstGeom>
-          <a:solidFill>
-            <a:schemeClr val="bg2"/>
-          </a:solidFill>
-        </p:spPr>
-        <p:style>
-          <a:lnRef idx="2">
-            <a:schemeClr val="accent1">
-              <a:shade val="15000"/>
-            </a:schemeClr>
-          </a:lnRef>
-          <a:fillRef idx="1">
-            <a:schemeClr val="accent1"/>
-          </a:fillRef>
-          <a:effectRef idx="0">
-            <a:schemeClr val="accent1"/>
-          </a:effectRef>
-          <a:fontRef idx="minor">
-            <a:schemeClr val="lt1"/>
-          </a:fontRef>
-        </p:style>
-        <p:txBody>
-          <a:bodyPr rtlCol="0" anchor="ctr"/>
-          <a:lstStyle/>
-          <a:p>
-            <a:pPr algn="dist"/>
-            <a:r>
-              <a:rPr lang="en-US" altLang="ko-KR" dirty="0">
-                <a:solidFill>
-                  <a:sysClr val="windowText" lastClr="000000"/>
-                </a:solidFill>
-              </a:rPr>
-              <a:t>Agent</a:t>
-            </a:r>
-            <a:endParaRPr lang="ko-KR" altLang="en-US" dirty="0">
-              <a:solidFill>
-                <a:sysClr val="windowText" lastClr="000000"/>
-              </a:solidFill>
-            </a:endParaRPr>
-          </a:p>
-        </p:txBody>
-      </p:sp>
-      <p:sp>
-        <p:nvSpPr>
-          <p:cNvPr id="7" name="TextBox 6">
-            <a:extLst>
-              <a:ext uri="{FF2B5EF4-FFF2-40B4-BE49-F238E27FC236}">
-                <a16:creationId xmlns:a16="http://schemas.microsoft.com/office/drawing/2014/main" id="{9AB560F0-928A-DB6C-CF30-2546640B4175}"/>
-              </a:ext>
-            </a:extLst>
-          </p:cNvPr>
-          <p:cNvSpPr txBox="1"/>
-          <p:nvPr/>
-        </p:nvSpPr>
-        <p:spPr>
-          <a:xfrm>
-            <a:off x="126609" y="126609"/>
-            <a:ext cx="4501663" cy="369332"/>
-          </a:xfrm>
-          <a:prstGeom prst="rect">
-            <a:avLst/>
-          </a:prstGeom>
-          <a:noFill/>
-        </p:spPr>
-        <p:txBody>
-          <a:bodyPr wrap="square" rtlCol="0">
-            <a:spAutoFit/>
-          </a:bodyPr>
-          <a:lstStyle/>
-          <a:p>
-            <a:r>
-              <a:rPr lang="en-US" altLang="ko-KR" dirty="0"/>
-              <a:t>Semantic-Kernel : Agent Group</a:t>
-            </a:r>
-            <a:endParaRPr lang="ko-KR" altLang="en-US" dirty="0"/>
-          </a:p>
-        </p:txBody>
-      </p:sp>
-      <p:sp>
-        <p:nvSpPr>
-          <p:cNvPr id="8" name="타원 7">
-            <a:extLst>
-              <a:ext uri="{FF2B5EF4-FFF2-40B4-BE49-F238E27FC236}">
-                <a16:creationId xmlns:a16="http://schemas.microsoft.com/office/drawing/2014/main" id="{95A9917E-8B6C-EF6A-7C9E-5D80CB626C3B}"/>
-              </a:ext>
-            </a:extLst>
-          </p:cNvPr>
-          <p:cNvSpPr/>
-          <p:nvPr/>
-        </p:nvSpPr>
-        <p:spPr>
-          <a:xfrm>
-            <a:off x="6532309" y="2319992"/>
-            <a:ext cx="1167617" cy="1167617"/>
-          </a:xfrm>
-          <a:prstGeom prst="ellipse">
-            <a:avLst/>
-          </a:prstGeom>
-          <a:solidFill>
-            <a:schemeClr val="bg2"/>
-          </a:solidFill>
-        </p:spPr>
-        <p:style>
-          <a:lnRef idx="2">
-            <a:schemeClr val="accent1">
-              <a:shade val="15000"/>
-            </a:schemeClr>
-          </a:lnRef>
-          <a:fillRef idx="1">
-            <a:schemeClr val="accent1"/>
-          </a:fillRef>
-          <a:effectRef idx="0">
-            <a:schemeClr val="accent1"/>
-          </a:effectRef>
-          <a:fontRef idx="minor">
-            <a:schemeClr val="lt1"/>
-          </a:fontRef>
-        </p:style>
-        <p:txBody>
-          <a:bodyPr rtlCol="0" anchor="ctr"/>
-          <a:lstStyle/>
-          <a:p>
-            <a:pPr algn="dist"/>
-            <a:r>
-              <a:rPr lang="en-US" altLang="ko-KR" dirty="0">
-                <a:solidFill>
-                  <a:sysClr val="windowText" lastClr="000000"/>
-                </a:solidFill>
-              </a:rPr>
-              <a:t>Agent</a:t>
-            </a:r>
-            <a:endParaRPr lang="ko-KR" altLang="en-US" dirty="0">
-              <a:solidFill>
-                <a:sysClr val="windowText" lastClr="000000"/>
-              </a:solidFill>
-            </a:endParaRPr>
-          </a:p>
-        </p:txBody>
-      </p:sp>
-      <p:sp>
-        <p:nvSpPr>
-          <p:cNvPr id="9" name="타원 8">
-            <a:extLst>
-              <a:ext uri="{FF2B5EF4-FFF2-40B4-BE49-F238E27FC236}">
-                <a16:creationId xmlns:a16="http://schemas.microsoft.com/office/drawing/2014/main" id="{1133F41B-3A31-B4EF-1726-C60F45B7F7CB}"/>
-              </a:ext>
-            </a:extLst>
-          </p:cNvPr>
-          <p:cNvSpPr/>
-          <p:nvPr/>
-        </p:nvSpPr>
-        <p:spPr>
-          <a:xfrm>
-            <a:off x="8063414" y="2319992"/>
-            <a:ext cx="1167617" cy="1167617"/>
-          </a:xfrm>
-          <a:prstGeom prst="ellipse">
-            <a:avLst/>
-          </a:prstGeom>
-          <a:solidFill>
-            <a:schemeClr val="bg2"/>
-          </a:solidFill>
-        </p:spPr>
-        <p:style>
-          <a:lnRef idx="2">
-            <a:schemeClr val="accent1">
-              <a:shade val="15000"/>
-            </a:schemeClr>
-          </a:lnRef>
-          <a:fillRef idx="1">
-            <a:schemeClr val="accent1"/>
-          </a:fillRef>
-          <a:effectRef idx="0">
-            <a:schemeClr val="accent1"/>
-          </a:effectRef>
-          <a:fontRef idx="minor">
-            <a:schemeClr val="lt1"/>
-          </a:fontRef>
-        </p:style>
-        <p:txBody>
-          <a:bodyPr rtlCol="0" anchor="ctr"/>
-          <a:lstStyle/>
-          <a:p>
-            <a:pPr algn="dist"/>
-            <a:r>
-              <a:rPr lang="en-US" altLang="ko-KR" dirty="0">
-                <a:solidFill>
-                  <a:sysClr val="windowText" lastClr="000000"/>
-                </a:solidFill>
-              </a:rPr>
-              <a:t>Agent</a:t>
-            </a:r>
-            <a:endParaRPr lang="ko-KR" altLang="en-US" dirty="0">
-              <a:solidFill>
-                <a:sysClr val="windowText" lastClr="000000"/>
-              </a:solidFill>
-            </a:endParaRPr>
-          </a:p>
-        </p:txBody>
-      </p:sp>
-      <p:sp>
-        <p:nvSpPr>
-          <p:cNvPr id="12" name="TextBox 11">
-            <a:extLst>
-              <a:ext uri="{FF2B5EF4-FFF2-40B4-BE49-F238E27FC236}">
-                <a16:creationId xmlns:a16="http://schemas.microsoft.com/office/drawing/2014/main" id="{ABACB585-1EFF-E344-E2C8-5B533260543E}"/>
-              </a:ext>
-            </a:extLst>
-          </p:cNvPr>
-          <p:cNvSpPr txBox="1"/>
-          <p:nvPr/>
-        </p:nvSpPr>
-        <p:spPr>
-          <a:xfrm>
-            <a:off x="4560275" y="1467960"/>
-            <a:ext cx="2049196" cy="400110"/>
-          </a:xfrm>
-          <a:prstGeom prst="rect">
-            <a:avLst/>
-          </a:prstGeom>
-          <a:noFill/>
-        </p:spPr>
-        <p:txBody>
-          <a:bodyPr wrap="square">
-            <a:spAutoFit/>
-          </a:bodyPr>
-          <a:lstStyle/>
-          <a:p>
-            <a:pPr algn="ctr"/>
-            <a:r>
-              <a:rPr lang="en-US" altLang="ko-KR" sz="2000" b="1" dirty="0"/>
-              <a:t>Agent Group</a:t>
-            </a:r>
-            <a:endParaRPr lang="ko-KR" altLang="en-US" sz="2000" b="1" dirty="0"/>
-          </a:p>
-        </p:txBody>
-      </p:sp>
-      <p:cxnSp>
-        <p:nvCxnSpPr>
-          <p:cNvPr id="14" name="연결선: 꺾임 13">
-            <a:extLst>
-              <a:ext uri="{FF2B5EF4-FFF2-40B4-BE49-F238E27FC236}">
-                <a16:creationId xmlns:a16="http://schemas.microsoft.com/office/drawing/2014/main" id="{B43E7B74-BD44-F3F8-C235-392976793617}"/>
-              </a:ext>
-            </a:extLst>
-          </p:cNvPr>
-          <p:cNvCxnSpPr>
-            <a:cxnSpLocks/>
-            <a:stCxn id="4" idx="4"/>
-            <a:endCxn id="15" idx="0"/>
-          </p:cNvCxnSpPr>
-          <p:nvPr/>
-        </p:nvCxnSpPr>
-        <p:spPr>
-          <a:xfrm rot="16200000" flipH="1">
-            <a:off x="2947998" y="3062417"/>
-            <a:ext cx="1656475" cy="2506858"/>
-          </a:xfrm>
-          <a:prstGeom prst="bentConnector3">
-            <a:avLst>
-              <a:gd name="adj1" fmla="val 50000"/>
-            </a:avLst>
-          </a:prstGeom>
-        </p:spPr>
-        <p:style>
-          <a:lnRef idx="2">
-            <a:schemeClr val="accent1"/>
-          </a:lnRef>
-          <a:fillRef idx="0">
-            <a:schemeClr val="accent1"/>
-          </a:fillRef>
-          <a:effectRef idx="1">
-            <a:schemeClr val="accent1"/>
-          </a:effectRef>
-          <a:fontRef idx="minor">
-            <a:schemeClr val="tx1"/>
-          </a:fontRef>
-        </p:style>
-      </p:cxnSp>
-      <p:sp>
-        <p:nvSpPr>
-          <p:cNvPr id="15" name="TextBox 14">
-            <a:extLst>
-              <a:ext uri="{FF2B5EF4-FFF2-40B4-BE49-F238E27FC236}">
-                <a16:creationId xmlns:a16="http://schemas.microsoft.com/office/drawing/2014/main" id="{8552AE20-1454-6096-5F2B-EDA7E6029A2F}"/>
-              </a:ext>
-            </a:extLst>
-          </p:cNvPr>
-          <p:cNvSpPr txBox="1"/>
-          <p:nvPr/>
-        </p:nvSpPr>
-        <p:spPr>
-          <a:xfrm>
-            <a:off x="4000792" y="5144084"/>
-            <a:ext cx="2057744" cy="400110"/>
-          </a:xfrm>
-          <a:prstGeom prst="rect">
-            <a:avLst/>
-          </a:prstGeom>
-          <a:noFill/>
-        </p:spPr>
-        <p:txBody>
-          <a:bodyPr wrap="square" rtlCol="0">
-            <a:spAutoFit/>
-          </a:bodyPr>
-          <a:lstStyle/>
-          <a:p>
-            <a:r>
-              <a:rPr lang="en-US" altLang="ko-KR" sz="2000" b="1" dirty="0"/>
-              <a:t>Select Strategy</a:t>
-            </a:r>
-            <a:endParaRPr lang="ko-KR" altLang="en-US" sz="2000" b="1" dirty="0"/>
-          </a:p>
-        </p:txBody>
-      </p:sp>
-      <p:sp>
-        <p:nvSpPr>
-          <p:cNvPr id="16" name="TextBox 15">
-            <a:extLst>
-              <a:ext uri="{FF2B5EF4-FFF2-40B4-BE49-F238E27FC236}">
-                <a16:creationId xmlns:a16="http://schemas.microsoft.com/office/drawing/2014/main" id="{2BEEFC0C-DADA-AD11-C1EC-0ECEBD859C58}"/>
-              </a:ext>
-            </a:extLst>
-          </p:cNvPr>
-          <p:cNvSpPr txBox="1"/>
-          <p:nvPr/>
-        </p:nvSpPr>
-        <p:spPr>
-          <a:xfrm>
-            <a:off x="7165145" y="5144083"/>
-            <a:ext cx="2600987" cy="400110"/>
-          </a:xfrm>
-          <a:prstGeom prst="rect">
-            <a:avLst/>
-          </a:prstGeom>
-          <a:noFill/>
-        </p:spPr>
-        <p:txBody>
-          <a:bodyPr wrap="square" rtlCol="0">
-            <a:spAutoFit/>
-          </a:bodyPr>
-          <a:lstStyle/>
-          <a:p>
-            <a:r>
-              <a:rPr lang="en-US" altLang="ko-KR" sz="2000" b="1" dirty="0"/>
-              <a:t>Terminate Strategy</a:t>
-            </a:r>
-            <a:endParaRPr lang="ko-KR" altLang="en-US" sz="2000" b="1" dirty="0"/>
-          </a:p>
-        </p:txBody>
-      </p:sp>
-      <p:sp>
-        <p:nvSpPr>
-          <p:cNvPr id="17" name="TextBox 16">
-            <a:extLst>
-              <a:ext uri="{FF2B5EF4-FFF2-40B4-BE49-F238E27FC236}">
-                <a16:creationId xmlns:a16="http://schemas.microsoft.com/office/drawing/2014/main" id="{29352870-B32B-7C4C-8CC0-2429EA03E954}"/>
-              </a:ext>
-            </a:extLst>
-          </p:cNvPr>
-          <p:cNvSpPr txBox="1"/>
-          <p:nvPr/>
-        </p:nvSpPr>
-        <p:spPr>
-          <a:xfrm>
-            <a:off x="463498" y="5144084"/>
-            <a:ext cx="891689" cy="400110"/>
-          </a:xfrm>
-          <a:prstGeom prst="rect">
-            <a:avLst/>
-          </a:prstGeom>
-          <a:noFill/>
-        </p:spPr>
-        <p:txBody>
-          <a:bodyPr wrap="square" rtlCol="0">
-            <a:spAutoFit/>
-          </a:bodyPr>
-          <a:lstStyle/>
-          <a:p>
-            <a:r>
-              <a:rPr lang="en-US" altLang="ko-KR" sz="2000" b="1" dirty="0"/>
-              <a:t>Input</a:t>
-            </a:r>
-            <a:endParaRPr lang="ko-KR" altLang="en-US" sz="2000" b="1" dirty="0"/>
-          </a:p>
-        </p:txBody>
-      </p:sp>
-      <p:cxnSp>
-        <p:nvCxnSpPr>
-          <p:cNvPr id="19" name="연결선: 꺾임 18">
-            <a:extLst>
-              <a:ext uri="{FF2B5EF4-FFF2-40B4-BE49-F238E27FC236}">
-                <a16:creationId xmlns:a16="http://schemas.microsoft.com/office/drawing/2014/main" id="{A1C8CF7F-C41A-1E98-845F-516CCC1BA851}"/>
-              </a:ext>
-            </a:extLst>
-          </p:cNvPr>
-          <p:cNvCxnSpPr>
-            <a:cxnSpLocks/>
-            <a:stCxn id="6" idx="4"/>
-            <a:endCxn id="15" idx="0"/>
-          </p:cNvCxnSpPr>
-          <p:nvPr/>
-        </p:nvCxnSpPr>
-        <p:spPr>
-          <a:xfrm rot="16200000" flipH="1">
-            <a:off x="3713551" y="3827970"/>
-            <a:ext cx="1656473" cy="975754"/>
-          </a:xfrm>
-          <a:prstGeom prst="bentConnector3">
-            <a:avLst>
-              <a:gd name="adj1" fmla="val 50000"/>
-            </a:avLst>
-          </a:prstGeom>
-        </p:spPr>
-        <p:style>
-          <a:lnRef idx="2">
-            <a:schemeClr val="accent1"/>
-          </a:lnRef>
-          <a:fillRef idx="0">
-            <a:schemeClr val="accent1"/>
-          </a:fillRef>
-          <a:effectRef idx="1">
-            <a:schemeClr val="accent1"/>
-          </a:effectRef>
-          <a:fontRef idx="minor">
-            <a:schemeClr val="tx1"/>
-          </a:fontRef>
-        </p:style>
-      </p:cxnSp>
-      <p:cxnSp>
-        <p:nvCxnSpPr>
-          <p:cNvPr id="20" name="연결선: 꺾임 19">
-            <a:extLst>
-              <a:ext uri="{FF2B5EF4-FFF2-40B4-BE49-F238E27FC236}">
-                <a16:creationId xmlns:a16="http://schemas.microsoft.com/office/drawing/2014/main" id="{E0CC2557-C5B2-9385-828D-6F31F18F6CD6}"/>
-              </a:ext>
-            </a:extLst>
-          </p:cNvPr>
-          <p:cNvCxnSpPr>
-            <a:cxnSpLocks/>
-            <a:stCxn id="5" idx="4"/>
-            <a:endCxn id="15" idx="0"/>
-          </p:cNvCxnSpPr>
-          <p:nvPr/>
-        </p:nvCxnSpPr>
-        <p:spPr>
-          <a:xfrm rot="5400000">
-            <a:off x="4479102" y="4038172"/>
-            <a:ext cx="1656474" cy="555350"/>
-          </a:xfrm>
-          <a:prstGeom prst="bentConnector3">
-            <a:avLst>
-              <a:gd name="adj1" fmla="val 50000"/>
-            </a:avLst>
-          </a:prstGeom>
-        </p:spPr>
-        <p:style>
-          <a:lnRef idx="2">
-            <a:schemeClr val="accent1"/>
-          </a:lnRef>
-          <a:fillRef idx="0">
-            <a:schemeClr val="accent1"/>
-          </a:fillRef>
-          <a:effectRef idx="1">
-            <a:schemeClr val="accent1"/>
-          </a:effectRef>
-          <a:fontRef idx="minor">
-            <a:schemeClr val="tx1"/>
-          </a:fontRef>
-        </p:style>
-      </p:cxnSp>
-      <p:cxnSp>
-        <p:nvCxnSpPr>
-          <p:cNvPr id="21" name="연결선: 꺾임 20">
-            <a:extLst>
-              <a:ext uri="{FF2B5EF4-FFF2-40B4-BE49-F238E27FC236}">
-                <a16:creationId xmlns:a16="http://schemas.microsoft.com/office/drawing/2014/main" id="{4700C522-89F6-DB0B-0777-71C3FF4C822E}"/>
-              </a:ext>
-            </a:extLst>
-          </p:cNvPr>
-          <p:cNvCxnSpPr>
-            <a:cxnSpLocks/>
-            <a:stCxn id="8" idx="4"/>
-            <a:endCxn id="15" idx="0"/>
-          </p:cNvCxnSpPr>
-          <p:nvPr/>
-        </p:nvCxnSpPr>
-        <p:spPr>
-          <a:xfrm rot="5400000">
-            <a:off x="5244654" y="3272619"/>
-            <a:ext cx="1656475" cy="2086454"/>
-          </a:xfrm>
-          <a:prstGeom prst="bentConnector3">
-            <a:avLst>
-              <a:gd name="adj1" fmla="val 50000"/>
-            </a:avLst>
-          </a:prstGeom>
-        </p:spPr>
-        <p:style>
-          <a:lnRef idx="2">
-            <a:schemeClr val="accent1"/>
-          </a:lnRef>
-          <a:fillRef idx="0">
-            <a:schemeClr val="accent1"/>
-          </a:fillRef>
-          <a:effectRef idx="1">
-            <a:schemeClr val="accent1"/>
-          </a:effectRef>
-          <a:fontRef idx="minor">
-            <a:schemeClr val="tx1"/>
-          </a:fontRef>
-        </p:style>
-      </p:cxnSp>
-      <p:cxnSp>
-        <p:nvCxnSpPr>
-          <p:cNvPr id="22" name="연결선: 꺾임 21">
-            <a:extLst>
-              <a:ext uri="{FF2B5EF4-FFF2-40B4-BE49-F238E27FC236}">
-                <a16:creationId xmlns:a16="http://schemas.microsoft.com/office/drawing/2014/main" id="{F8AEDDC6-3CBD-F50E-3621-7E2E4A0ED586}"/>
-              </a:ext>
-            </a:extLst>
-          </p:cNvPr>
-          <p:cNvCxnSpPr>
-            <a:cxnSpLocks/>
-            <a:stCxn id="9" idx="4"/>
-            <a:endCxn id="15" idx="0"/>
-          </p:cNvCxnSpPr>
-          <p:nvPr/>
-        </p:nvCxnSpPr>
-        <p:spPr>
-          <a:xfrm rot="5400000">
-            <a:off x="6010207" y="2507067"/>
-            <a:ext cx="1656475" cy="3617559"/>
-          </a:xfrm>
-          <a:prstGeom prst="bentConnector3">
-            <a:avLst>
-              <a:gd name="adj1" fmla="val 50000"/>
-            </a:avLst>
-          </a:prstGeom>
-        </p:spPr>
-        <p:style>
-          <a:lnRef idx="2">
-            <a:schemeClr val="accent1"/>
-          </a:lnRef>
-          <a:fillRef idx="0">
-            <a:schemeClr val="accent1"/>
-          </a:fillRef>
-          <a:effectRef idx="1">
-            <a:schemeClr val="accent1"/>
-          </a:effectRef>
-          <a:fontRef idx="minor">
-            <a:schemeClr val="tx1"/>
-          </a:fontRef>
-        </p:style>
-      </p:cxnSp>
-      <p:cxnSp>
-        <p:nvCxnSpPr>
-          <p:cNvPr id="35" name="직선 화살표 연결선 34">
-            <a:extLst>
-              <a:ext uri="{FF2B5EF4-FFF2-40B4-BE49-F238E27FC236}">
-                <a16:creationId xmlns:a16="http://schemas.microsoft.com/office/drawing/2014/main" id="{F3B7C695-328A-5FC3-9D2E-62DD1AF558EE}"/>
-              </a:ext>
-            </a:extLst>
-          </p:cNvPr>
-          <p:cNvCxnSpPr>
-            <a:stCxn id="17" idx="3"/>
-            <a:endCxn id="15" idx="1"/>
-          </p:cNvCxnSpPr>
-          <p:nvPr/>
-        </p:nvCxnSpPr>
-        <p:spPr>
-          <a:xfrm>
-            <a:off x="1355187" y="5344139"/>
-            <a:ext cx="2645605" cy="0"/>
-          </a:xfrm>
-          <a:prstGeom prst="straightConnector1">
-            <a:avLst/>
-          </a:prstGeom>
-          <a:ln>
-            <a:tailEnd type="triangle"/>
-          </a:ln>
-        </p:spPr>
-        <p:style>
-          <a:lnRef idx="2">
-            <a:schemeClr val="accent1"/>
-          </a:lnRef>
-          <a:fillRef idx="0">
-            <a:schemeClr val="accent1"/>
-          </a:fillRef>
-          <a:effectRef idx="1">
-            <a:schemeClr val="accent1"/>
-          </a:effectRef>
-          <a:fontRef idx="minor">
-            <a:schemeClr val="tx1"/>
-          </a:fontRef>
-        </p:style>
-      </p:cxnSp>
-      <p:cxnSp>
-        <p:nvCxnSpPr>
-          <p:cNvPr id="36" name="직선 화살표 연결선 35">
-            <a:extLst>
-              <a:ext uri="{FF2B5EF4-FFF2-40B4-BE49-F238E27FC236}">
-                <a16:creationId xmlns:a16="http://schemas.microsoft.com/office/drawing/2014/main" id="{018B8DB7-6A9E-68E8-A4CD-6351DE3E429E}"/>
-              </a:ext>
-            </a:extLst>
-          </p:cNvPr>
-          <p:cNvCxnSpPr>
-            <a:cxnSpLocks/>
-            <a:stCxn id="16" idx="3"/>
-            <a:endCxn id="11" idx="1"/>
-          </p:cNvCxnSpPr>
-          <p:nvPr/>
-        </p:nvCxnSpPr>
-        <p:spPr>
-          <a:xfrm flipV="1">
-            <a:off x="9766132" y="5340972"/>
-            <a:ext cx="1106609" cy="3166"/>
-          </a:xfrm>
-          <a:prstGeom prst="straightConnector1">
-            <a:avLst/>
-          </a:prstGeom>
-          <a:ln>
-            <a:tailEnd type="triangle"/>
-          </a:ln>
-        </p:spPr>
-        <p:style>
-          <a:lnRef idx="2">
-            <a:schemeClr val="accent1"/>
-          </a:lnRef>
-          <a:fillRef idx="0">
-            <a:schemeClr val="accent1"/>
-          </a:fillRef>
-          <a:effectRef idx="1">
-            <a:schemeClr val="accent1"/>
-          </a:effectRef>
-          <a:fontRef idx="minor">
-            <a:schemeClr val="tx1"/>
-          </a:fontRef>
-        </p:style>
-      </p:cxnSp>
-      <p:cxnSp>
-        <p:nvCxnSpPr>
-          <p:cNvPr id="42" name="연결선: 꺾임 41">
-            <a:extLst>
-              <a:ext uri="{FF2B5EF4-FFF2-40B4-BE49-F238E27FC236}">
-                <a16:creationId xmlns:a16="http://schemas.microsoft.com/office/drawing/2014/main" id="{8B851049-0FD0-879D-19B1-4EC359B64B2F}"/>
-              </a:ext>
-            </a:extLst>
-          </p:cNvPr>
-          <p:cNvCxnSpPr>
-            <a:cxnSpLocks/>
-            <a:stCxn id="10" idx="3"/>
-            <a:endCxn id="16" idx="0"/>
-          </p:cNvCxnSpPr>
-          <p:nvPr/>
-        </p:nvCxnSpPr>
-        <p:spPr>
-          <a:xfrm flipH="1">
-            <a:off x="8465639" y="2717408"/>
-            <a:ext cx="1348921" cy="2426675"/>
-          </a:xfrm>
-          <a:prstGeom prst="bentConnector4">
-            <a:avLst>
-              <a:gd name="adj1" fmla="val -16947"/>
-              <a:gd name="adj2" fmla="val 76812"/>
-            </a:avLst>
-          </a:prstGeom>
-          <a:ln>
-            <a:tailEnd type="triangle"/>
-          </a:ln>
-        </p:spPr>
-        <p:style>
-          <a:lnRef idx="2">
-            <a:schemeClr val="accent1"/>
-          </a:lnRef>
-          <a:fillRef idx="0">
-            <a:schemeClr val="accent1"/>
-          </a:fillRef>
-          <a:effectRef idx="1">
-            <a:schemeClr val="accent1"/>
-          </a:effectRef>
-          <a:fontRef idx="minor">
-            <a:schemeClr val="tx1"/>
-          </a:fontRef>
-        </p:style>
-      </p:cxnSp>
-      <p:cxnSp>
-        <p:nvCxnSpPr>
-          <p:cNvPr id="43" name="직선 화살표 연결선 42">
-            <a:extLst>
-              <a:ext uri="{FF2B5EF4-FFF2-40B4-BE49-F238E27FC236}">
-                <a16:creationId xmlns:a16="http://schemas.microsoft.com/office/drawing/2014/main" id="{F9F22246-01AD-1326-81B6-F4D366B9844E}"/>
-              </a:ext>
-            </a:extLst>
-          </p:cNvPr>
-          <p:cNvCxnSpPr>
-            <a:cxnSpLocks/>
-            <a:stCxn id="16" idx="1"/>
-            <a:endCxn id="15" idx="3"/>
-          </p:cNvCxnSpPr>
-          <p:nvPr/>
-        </p:nvCxnSpPr>
-        <p:spPr>
-          <a:xfrm flipH="1">
-            <a:off x="6058536" y="5344138"/>
-            <a:ext cx="1106609" cy="1"/>
-          </a:xfrm>
-          <a:prstGeom prst="straightConnector1">
-            <a:avLst/>
-          </a:prstGeom>
-          <a:ln>
-            <a:tailEnd type="triangle"/>
-          </a:ln>
-        </p:spPr>
-        <p:style>
-          <a:lnRef idx="2">
-            <a:schemeClr val="accent1"/>
-          </a:lnRef>
-          <a:fillRef idx="0">
-            <a:schemeClr val="accent1"/>
-          </a:fillRef>
-          <a:effectRef idx="1">
-            <a:schemeClr val="accent1"/>
-          </a:effectRef>
-          <a:fontRef idx="minor">
-            <a:schemeClr val="tx1"/>
-          </a:fontRef>
-        </p:style>
-      </p:cxnSp>
-      <p:sp>
-        <p:nvSpPr>
-          <p:cNvPr id="11" name="TextBox 10">
-            <a:extLst>
-              <a:ext uri="{FF2B5EF4-FFF2-40B4-BE49-F238E27FC236}">
-                <a16:creationId xmlns:a16="http://schemas.microsoft.com/office/drawing/2014/main" id="{FD2962AC-B3BD-A2DE-FC19-9AD72843B47C}"/>
-              </a:ext>
-            </a:extLst>
-          </p:cNvPr>
-          <p:cNvSpPr txBox="1"/>
-          <p:nvPr/>
-        </p:nvSpPr>
-        <p:spPr>
-          <a:xfrm>
-            <a:off x="10872741" y="5140917"/>
-            <a:ext cx="1105899" cy="400110"/>
-          </a:xfrm>
-          <a:prstGeom prst="rect">
-            <a:avLst/>
-          </a:prstGeom>
-          <a:noFill/>
-        </p:spPr>
-        <p:txBody>
-          <a:bodyPr wrap="square" rtlCol="0">
-            <a:spAutoFit/>
-          </a:bodyPr>
-          <a:lstStyle/>
-          <a:p>
-            <a:r>
-              <a:rPr lang="en-US" altLang="ko-KR" sz="2000" b="1" dirty="0"/>
-              <a:t>Output</a:t>
-            </a:r>
-            <a:endParaRPr lang="ko-KR" altLang="en-US" sz="2000" b="1" dirty="0"/>
-          </a:p>
-        </p:txBody>
-      </p:sp>
-    </p:spTree>
-    <p:extLst>
-      <p:ext uri="{BB962C8B-B14F-4D97-AF65-F5344CB8AC3E}">
-        <p14:creationId xmlns:p14="http://schemas.microsoft.com/office/powerpoint/2010/main" val="968393601"/>
-      </p:ext>
-    </p:extLst>
-  </p:cSld>
-  <p:clrMapOvr>
-    <a:masterClrMapping/>
-  </p:clrMapOvr>
-</p:sld>
-</file>
-
-<file path=ppt/slides/slide11.xml><?xml version="1.0" encoding="utf-8"?>
-<p:sld xmlns:a="http://schemas.openxmlformats.org/drawingml/2006/main" xmlns:r="http://schemas.openxmlformats.org/officeDocument/2006/relationships" xmlns:p="http://schemas.openxmlformats.org/presentationml/2006/main">
-  <p:cSld>
-    <p:spTree>
-      <p:nvGrpSpPr>
-        <p:cNvPr id="1" name="">
-          <a:extLst>
-            <a:ext uri="{FF2B5EF4-FFF2-40B4-BE49-F238E27FC236}">
-              <a16:creationId xmlns:a16="http://schemas.microsoft.com/office/drawing/2014/main" id="{321E4A71-13DB-9740-AB00-199FBF6A445F}"/>
-            </a:ext>
-          </a:extLst>
-        </p:cNvPr>
-        <p:cNvGrpSpPr/>
-        <p:nvPr/>
-      </p:nvGrpSpPr>
-      <p:grpSpPr>
-        <a:xfrm>
-          <a:off x="0" y="0"/>
-          <a:ext cx="0" cy="0"/>
-          <a:chOff x="0" y="0"/>
-          <a:chExt cx="0" cy="0"/>
-        </a:xfrm>
-      </p:grpSpPr>
-      <p:sp>
-        <p:nvSpPr>
-          <p:cNvPr id="12" name="사각형: 둥근 모서리 11">
-            <a:extLst>
-              <a:ext uri="{FF2B5EF4-FFF2-40B4-BE49-F238E27FC236}">
-                <a16:creationId xmlns:a16="http://schemas.microsoft.com/office/drawing/2014/main" id="{72E686F6-0BC7-B3C1-3DA1-64E0D199E263}"/>
-              </a:ext>
-            </a:extLst>
-          </p:cNvPr>
-          <p:cNvSpPr/>
-          <p:nvPr/>
-        </p:nvSpPr>
-        <p:spPr>
-          <a:xfrm>
-            <a:off x="3108960" y="701040"/>
-            <a:ext cx="5882640" cy="5836920"/>
-          </a:xfrm>
-          <a:prstGeom prst="roundRect">
-            <a:avLst/>
-          </a:prstGeom>
-          <a:solidFill>
-            <a:schemeClr val="accent1">
-              <a:lumMod val="20000"/>
-              <a:lumOff val="80000"/>
-            </a:schemeClr>
-          </a:solidFill>
-        </p:spPr>
-        <p:style>
-          <a:lnRef idx="2">
-            <a:schemeClr val="accent1">
-              <a:shade val="15000"/>
-            </a:schemeClr>
-          </a:lnRef>
-          <a:fillRef idx="1">
-            <a:schemeClr val="accent1"/>
-          </a:fillRef>
-          <a:effectRef idx="0">
-            <a:schemeClr val="accent1"/>
-          </a:effectRef>
-          <a:fontRef idx="minor">
-            <a:schemeClr val="lt1"/>
-          </a:fontRef>
-        </p:style>
-        <p:txBody>
-          <a:bodyPr rtlCol="0" anchor="ctr"/>
-          <a:lstStyle/>
-          <a:p>
-            <a:pPr algn="ctr"/>
-            <a:endParaRPr lang="ko-KR" altLang="en-US"/>
-          </a:p>
-        </p:txBody>
-      </p:sp>
-      <p:sp>
-        <p:nvSpPr>
-          <p:cNvPr id="11" name="직사각형 10">
-            <a:extLst>
-              <a:ext uri="{FF2B5EF4-FFF2-40B4-BE49-F238E27FC236}">
-                <a16:creationId xmlns:a16="http://schemas.microsoft.com/office/drawing/2014/main" id="{774D7B31-0450-E814-C72D-6DE6677F8505}"/>
-              </a:ext>
-            </a:extLst>
-          </p:cNvPr>
-          <p:cNvSpPr/>
-          <p:nvPr/>
-        </p:nvSpPr>
-        <p:spPr>
-          <a:xfrm>
-            <a:off x="5455920" y="3017520"/>
-            <a:ext cx="1737360" cy="1021080"/>
-          </a:xfrm>
-          <a:prstGeom prst="rect">
-            <a:avLst/>
-          </a:prstGeom>
-          <a:solidFill>
-            <a:schemeClr val="bg1">
-              <a:lumMod val="95000"/>
-            </a:schemeClr>
-          </a:solidFill>
-        </p:spPr>
-        <p:style>
-          <a:lnRef idx="2">
-            <a:schemeClr val="accent1">
-              <a:shade val="15000"/>
-            </a:schemeClr>
-          </a:lnRef>
-          <a:fillRef idx="1">
-            <a:schemeClr val="accent1"/>
-          </a:fillRef>
-          <a:effectRef idx="0">
-            <a:schemeClr val="accent1"/>
-          </a:effectRef>
-          <a:fontRef idx="minor">
-            <a:schemeClr val="lt1"/>
-          </a:fontRef>
-        </p:style>
-        <p:txBody>
-          <a:bodyPr rtlCol="0" anchor="ctr"/>
-          <a:lstStyle/>
-          <a:p>
-            <a:pPr algn="ctr"/>
-            <a:endParaRPr lang="ko-KR" altLang="en-US"/>
-          </a:p>
-        </p:txBody>
-      </p:sp>
-      <p:sp>
-        <p:nvSpPr>
-          <p:cNvPr id="10" name="직사각형 9">
-            <a:extLst>
-              <a:ext uri="{FF2B5EF4-FFF2-40B4-BE49-F238E27FC236}">
-                <a16:creationId xmlns:a16="http://schemas.microsoft.com/office/drawing/2014/main" id="{46CBC565-7C81-3485-F774-9892E8F23BE0}"/>
-              </a:ext>
-            </a:extLst>
-          </p:cNvPr>
-          <p:cNvSpPr/>
-          <p:nvPr/>
-        </p:nvSpPr>
-        <p:spPr>
-          <a:xfrm>
-            <a:off x="5303520" y="2865120"/>
-            <a:ext cx="1737360" cy="1021080"/>
-          </a:xfrm>
-          <a:prstGeom prst="rect">
-            <a:avLst/>
-          </a:prstGeom>
-          <a:solidFill>
-            <a:schemeClr val="bg1">
-              <a:lumMod val="95000"/>
-            </a:schemeClr>
-          </a:solidFill>
-        </p:spPr>
-        <p:style>
-          <a:lnRef idx="2">
-            <a:schemeClr val="accent1">
-              <a:shade val="15000"/>
-            </a:schemeClr>
-          </a:lnRef>
-          <a:fillRef idx="1">
-            <a:schemeClr val="accent1"/>
-          </a:fillRef>
-          <a:effectRef idx="0">
-            <a:schemeClr val="accent1"/>
-          </a:effectRef>
-          <a:fontRef idx="minor">
-            <a:schemeClr val="lt1"/>
-          </a:fontRef>
-        </p:style>
-        <p:txBody>
-          <a:bodyPr rtlCol="0" anchor="ctr"/>
-          <a:lstStyle/>
-          <a:p>
-            <a:pPr algn="ctr"/>
-            <a:endParaRPr lang="ko-KR" altLang="en-US"/>
-          </a:p>
-        </p:txBody>
-      </p:sp>
-      <p:sp>
-        <p:nvSpPr>
-          <p:cNvPr id="9" name="직사각형 8">
-            <a:extLst>
-              <a:ext uri="{FF2B5EF4-FFF2-40B4-BE49-F238E27FC236}">
-                <a16:creationId xmlns:a16="http://schemas.microsoft.com/office/drawing/2014/main" id="{5FDFC7E9-9AEB-20A5-C0A7-D0D0656A9E8B}"/>
-              </a:ext>
-            </a:extLst>
-          </p:cNvPr>
-          <p:cNvSpPr/>
-          <p:nvPr/>
-        </p:nvSpPr>
-        <p:spPr>
-          <a:xfrm>
-            <a:off x="5151120" y="2712720"/>
-            <a:ext cx="1737360" cy="1021080"/>
-          </a:xfrm>
-          <a:prstGeom prst="rect">
-            <a:avLst/>
-          </a:prstGeom>
-          <a:solidFill>
-            <a:schemeClr val="bg1">
-              <a:lumMod val="95000"/>
-            </a:schemeClr>
-          </a:solidFill>
-        </p:spPr>
-        <p:style>
-          <a:lnRef idx="2">
-            <a:schemeClr val="accent1">
-              <a:shade val="15000"/>
-            </a:schemeClr>
-          </a:lnRef>
-          <a:fillRef idx="1">
-            <a:schemeClr val="accent1"/>
-          </a:fillRef>
-          <a:effectRef idx="0">
-            <a:schemeClr val="accent1"/>
-          </a:effectRef>
-          <a:fontRef idx="minor">
-            <a:schemeClr val="lt1"/>
-          </a:fontRef>
-        </p:style>
-        <p:txBody>
-          <a:bodyPr rtlCol="0" anchor="ctr"/>
-          <a:lstStyle/>
-          <a:p>
-            <a:pPr algn="ctr"/>
-            <a:endParaRPr lang="ko-KR" altLang="en-US"/>
-          </a:p>
-        </p:txBody>
-      </p:sp>
-      <p:sp>
-        <p:nvSpPr>
-          <p:cNvPr id="8" name="직사각형 7">
-            <a:extLst>
-              <a:ext uri="{FF2B5EF4-FFF2-40B4-BE49-F238E27FC236}">
-                <a16:creationId xmlns:a16="http://schemas.microsoft.com/office/drawing/2014/main" id="{901B57DE-EB93-4318-5C17-0454155761B3}"/>
-              </a:ext>
-            </a:extLst>
-          </p:cNvPr>
-          <p:cNvSpPr/>
-          <p:nvPr/>
-        </p:nvSpPr>
-        <p:spPr>
-          <a:xfrm>
-            <a:off x="4998720" y="2560320"/>
-            <a:ext cx="1737360" cy="1021080"/>
-          </a:xfrm>
-          <a:prstGeom prst="rect">
-            <a:avLst/>
-          </a:prstGeom>
-          <a:solidFill>
-            <a:schemeClr val="bg1">
-              <a:lumMod val="95000"/>
-            </a:schemeClr>
-          </a:solidFill>
-        </p:spPr>
-        <p:style>
-          <a:lnRef idx="2">
-            <a:schemeClr val="accent1">
-              <a:shade val="15000"/>
-            </a:schemeClr>
-          </a:lnRef>
-          <a:fillRef idx="1">
-            <a:schemeClr val="accent1"/>
-          </a:fillRef>
-          <a:effectRef idx="0">
-            <a:schemeClr val="accent1"/>
-          </a:effectRef>
-          <a:fontRef idx="minor">
-            <a:schemeClr val="lt1"/>
-          </a:fontRef>
-        </p:style>
-        <p:txBody>
-          <a:bodyPr rtlCol="0" anchor="ctr"/>
-          <a:lstStyle/>
-          <a:p>
-            <a:pPr algn="ctr"/>
-            <a:endParaRPr lang="ko-KR" altLang="en-US"/>
-          </a:p>
-        </p:txBody>
-      </p:sp>
-      <p:sp>
-        <p:nvSpPr>
-          <p:cNvPr id="2" name="TextBox 1">
-            <a:extLst>
-              <a:ext uri="{FF2B5EF4-FFF2-40B4-BE49-F238E27FC236}">
-                <a16:creationId xmlns:a16="http://schemas.microsoft.com/office/drawing/2014/main" id="{06AE0E53-6D0B-E435-5AB1-E8485DA86F93}"/>
-              </a:ext>
-            </a:extLst>
-          </p:cNvPr>
-          <p:cNvSpPr txBox="1"/>
-          <p:nvPr/>
-        </p:nvSpPr>
-        <p:spPr>
-          <a:xfrm>
-            <a:off x="126609" y="126609"/>
-            <a:ext cx="4501663" cy="369332"/>
-          </a:xfrm>
-          <a:prstGeom prst="rect">
-            <a:avLst/>
-          </a:prstGeom>
-          <a:noFill/>
-        </p:spPr>
-        <p:txBody>
-          <a:bodyPr wrap="square" rtlCol="0">
-            <a:spAutoFit/>
-          </a:bodyPr>
-          <a:lstStyle/>
-          <a:p>
-            <a:r>
-              <a:rPr lang="en-US" altLang="ko-KR" dirty="0"/>
-              <a:t>Semantic-Kernel : Process</a:t>
-            </a:r>
-            <a:endParaRPr lang="ko-KR" altLang="en-US" dirty="0"/>
-          </a:p>
-        </p:txBody>
-      </p:sp>
-      <p:sp>
-        <p:nvSpPr>
-          <p:cNvPr id="7" name="직사각형 6">
-            <a:extLst>
-              <a:ext uri="{FF2B5EF4-FFF2-40B4-BE49-F238E27FC236}">
-                <a16:creationId xmlns:a16="http://schemas.microsoft.com/office/drawing/2014/main" id="{A9F21D65-80E0-5B5F-84FE-3A3E9B9D20E0}"/>
-              </a:ext>
-            </a:extLst>
-          </p:cNvPr>
-          <p:cNvSpPr/>
-          <p:nvPr/>
-        </p:nvSpPr>
-        <p:spPr>
-          <a:xfrm>
-            <a:off x="4846320" y="2407920"/>
-            <a:ext cx="1737360" cy="1021080"/>
-          </a:xfrm>
-          <a:prstGeom prst="rect">
-            <a:avLst/>
-          </a:prstGeom>
-          <a:solidFill>
-            <a:schemeClr val="bg1">
-              <a:lumMod val="95000"/>
-            </a:schemeClr>
-          </a:solidFill>
-        </p:spPr>
-        <p:style>
-          <a:lnRef idx="2">
-            <a:schemeClr val="accent1">
-              <a:shade val="15000"/>
-            </a:schemeClr>
-          </a:lnRef>
-          <a:fillRef idx="1">
-            <a:schemeClr val="accent1"/>
-          </a:fillRef>
-          <a:effectRef idx="0">
-            <a:schemeClr val="accent1"/>
-          </a:effectRef>
-          <a:fontRef idx="minor">
-            <a:schemeClr val="lt1"/>
-          </a:fontRef>
-        </p:style>
-        <p:txBody>
-          <a:bodyPr rtlCol="0" anchor="ctr"/>
-          <a:lstStyle/>
-          <a:p>
-            <a:pPr algn="ctr"/>
-            <a:r>
-              <a:rPr lang="en-US" altLang="ko-KR" dirty="0">
-                <a:solidFill>
-                  <a:schemeClr val="tx1"/>
-                </a:solidFill>
-              </a:rPr>
-              <a:t>Step</a:t>
-            </a:r>
-            <a:endParaRPr lang="ko-KR" altLang="en-US" dirty="0">
-              <a:solidFill>
-                <a:schemeClr val="tx1"/>
-              </a:solidFill>
-            </a:endParaRPr>
-          </a:p>
-        </p:txBody>
-      </p:sp>
-      <p:sp>
-        <p:nvSpPr>
-          <p:cNvPr id="13" name="TextBox 12">
-            <a:extLst>
-              <a:ext uri="{FF2B5EF4-FFF2-40B4-BE49-F238E27FC236}">
-                <a16:creationId xmlns:a16="http://schemas.microsoft.com/office/drawing/2014/main" id="{D3011BDF-1805-E24C-24C2-0636CE1DC6C6}"/>
-              </a:ext>
-            </a:extLst>
-          </p:cNvPr>
-          <p:cNvSpPr txBox="1"/>
-          <p:nvPr/>
-        </p:nvSpPr>
-        <p:spPr>
-          <a:xfrm>
-            <a:off x="5059680" y="878115"/>
-            <a:ext cx="2049196" cy="400110"/>
-          </a:xfrm>
-          <a:prstGeom prst="rect">
-            <a:avLst/>
-          </a:prstGeom>
-          <a:noFill/>
-        </p:spPr>
-        <p:txBody>
-          <a:bodyPr wrap="square">
-            <a:spAutoFit/>
-          </a:bodyPr>
-          <a:lstStyle/>
-          <a:p>
-            <a:pPr algn="ctr"/>
-            <a:r>
-              <a:rPr lang="en-US" altLang="ko-KR" sz="2000" b="1" dirty="0"/>
-              <a:t>Process</a:t>
-            </a:r>
-            <a:endParaRPr lang="ko-KR" altLang="en-US" sz="2000" b="1" dirty="0"/>
-          </a:p>
-        </p:txBody>
-      </p:sp>
-      <p:sp>
-        <p:nvSpPr>
-          <p:cNvPr id="14" name="TextBox 13">
-            <a:extLst>
-              <a:ext uri="{FF2B5EF4-FFF2-40B4-BE49-F238E27FC236}">
-                <a16:creationId xmlns:a16="http://schemas.microsoft.com/office/drawing/2014/main" id="{900EF213-B6C7-938D-B1CF-7332E67D90CD}"/>
-              </a:ext>
-            </a:extLst>
-          </p:cNvPr>
-          <p:cNvSpPr txBox="1"/>
-          <p:nvPr/>
-        </p:nvSpPr>
-        <p:spPr>
-          <a:xfrm>
-            <a:off x="1211431" y="2758440"/>
-            <a:ext cx="891689" cy="400110"/>
-          </a:xfrm>
-          <a:prstGeom prst="rect">
-            <a:avLst/>
-          </a:prstGeom>
-          <a:noFill/>
-        </p:spPr>
-        <p:txBody>
-          <a:bodyPr wrap="square" rtlCol="0">
-            <a:spAutoFit/>
-          </a:bodyPr>
-          <a:lstStyle/>
-          <a:p>
-            <a:r>
-              <a:rPr lang="en-US" altLang="ko-KR" sz="2000" b="1" dirty="0"/>
-              <a:t>Input</a:t>
-            </a:r>
-            <a:endParaRPr lang="ko-KR" altLang="en-US" sz="2000" b="1" dirty="0"/>
-          </a:p>
-        </p:txBody>
-      </p:sp>
-      <p:sp>
-        <p:nvSpPr>
-          <p:cNvPr id="15" name="TextBox 14">
-            <a:extLst>
-              <a:ext uri="{FF2B5EF4-FFF2-40B4-BE49-F238E27FC236}">
-                <a16:creationId xmlns:a16="http://schemas.microsoft.com/office/drawing/2014/main" id="{91FDBB93-42B5-4B7C-840B-E35BCD83478A}"/>
-              </a:ext>
-            </a:extLst>
-          </p:cNvPr>
-          <p:cNvSpPr txBox="1"/>
-          <p:nvPr/>
-        </p:nvSpPr>
-        <p:spPr>
-          <a:xfrm>
-            <a:off x="9936480" y="3307080"/>
-            <a:ext cx="1188720" cy="400110"/>
-          </a:xfrm>
-          <a:prstGeom prst="rect">
-            <a:avLst/>
-          </a:prstGeom>
-          <a:noFill/>
-        </p:spPr>
-        <p:txBody>
-          <a:bodyPr wrap="square" rtlCol="0">
-            <a:spAutoFit/>
-          </a:bodyPr>
-          <a:lstStyle/>
-          <a:p>
-            <a:r>
-              <a:rPr lang="en-US" altLang="ko-KR" sz="2000" b="1" dirty="0"/>
-              <a:t>Output</a:t>
-            </a:r>
-            <a:endParaRPr lang="ko-KR" altLang="en-US" sz="2000" b="1" dirty="0"/>
-          </a:p>
-        </p:txBody>
-      </p:sp>
-      <p:cxnSp>
-        <p:nvCxnSpPr>
-          <p:cNvPr id="17" name="직선 화살표 연결선 16">
-            <a:extLst>
-              <a:ext uri="{FF2B5EF4-FFF2-40B4-BE49-F238E27FC236}">
-                <a16:creationId xmlns:a16="http://schemas.microsoft.com/office/drawing/2014/main" id="{67A149B3-7E4C-A838-AB1D-9D4877B651A6}"/>
-              </a:ext>
-            </a:extLst>
-          </p:cNvPr>
-          <p:cNvCxnSpPr>
-            <a:stCxn id="14" idx="3"/>
-            <a:endCxn id="7" idx="1"/>
-          </p:cNvCxnSpPr>
-          <p:nvPr/>
-        </p:nvCxnSpPr>
-        <p:spPr>
-          <a:xfrm flipV="1">
-            <a:off x="2103120" y="2918460"/>
-            <a:ext cx="2743200" cy="40035"/>
-          </a:xfrm>
-          <a:prstGeom prst="straightConnector1">
-            <a:avLst/>
-          </a:prstGeom>
-          <a:ln>
-            <a:tailEnd type="triangle"/>
-          </a:ln>
-        </p:spPr>
-        <p:style>
-          <a:lnRef idx="2">
-            <a:schemeClr val="accent1"/>
-          </a:lnRef>
-          <a:fillRef idx="0">
-            <a:schemeClr val="accent1"/>
-          </a:fillRef>
-          <a:effectRef idx="1">
-            <a:schemeClr val="accent1"/>
-          </a:effectRef>
-          <a:fontRef idx="minor">
-            <a:schemeClr val="tx1"/>
-          </a:fontRef>
-        </p:style>
-      </p:cxnSp>
-      <p:cxnSp>
-        <p:nvCxnSpPr>
-          <p:cNvPr id="18" name="직선 화살표 연결선 17">
-            <a:extLst>
-              <a:ext uri="{FF2B5EF4-FFF2-40B4-BE49-F238E27FC236}">
-                <a16:creationId xmlns:a16="http://schemas.microsoft.com/office/drawing/2014/main" id="{0E9155FF-B83C-FDC9-227B-7CF582C3F3A2}"/>
-              </a:ext>
-            </a:extLst>
-          </p:cNvPr>
-          <p:cNvCxnSpPr>
-            <a:cxnSpLocks/>
-            <a:stCxn id="11" idx="3"/>
-            <a:endCxn id="15" idx="1"/>
-          </p:cNvCxnSpPr>
-          <p:nvPr/>
-        </p:nvCxnSpPr>
-        <p:spPr>
-          <a:xfrm flipV="1">
-            <a:off x="7193280" y="3507135"/>
-            <a:ext cx="2743200" cy="20925"/>
-          </a:xfrm>
-          <a:prstGeom prst="straightConnector1">
-            <a:avLst/>
-          </a:prstGeom>
-          <a:ln>
-            <a:tailEnd type="triangle"/>
-          </a:ln>
-        </p:spPr>
-        <p:style>
-          <a:lnRef idx="2">
-            <a:schemeClr val="accent1"/>
-          </a:lnRef>
-          <a:fillRef idx="0">
-            <a:schemeClr val="accent1"/>
-          </a:fillRef>
-          <a:effectRef idx="1">
-            <a:schemeClr val="accent1"/>
-          </a:effectRef>
-          <a:fontRef idx="minor">
-            <a:schemeClr val="tx1"/>
-          </a:fontRef>
-        </p:style>
-      </p:cxnSp>
-      <p:sp>
-        <p:nvSpPr>
-          <p:cNvPr id="21" name="TextBox 20">
-            <a:extLst>
-              <a:ext uri="{FF2B5EF4-FFF2-40B4-BE49-F238E27FC236}">
-                <a16:creationId xmlns:a16="http://schemas.microsoft.com/office/drawing/2014/main" id="{589CBF45-CD56-FFE0-3C5B-280EAF9B71E9}"/>
-              </a:ext>
-            </a:extLst>
-          </p:cNvPr>
-          <p:cNvSpPr txBox="1"/>
-          <p:nvPr/>
-        </p:nvSpPr>
-        <p:spPr>
-          <a:xfrm>
-            <a:off x="3358403" y="3025914"/>
-            <a:ext cx="1207993" cy="707886"/>
-          </a:xfrm>
-          <a:prstGeom prst="rect">
-            <a:avLst/>
-          </a:prstGeom>
-          <a:noFill/>
-        </p:spPr>
-        <p:txBody>
-          <a:bodyPr wrap="square" rtlCol="0">
-            <a:spAutoFit/>
-          </a:bodyPr>
-          <a:lstStyle/>
-          <a:p>
-            <a:pPr algn="ctr"/>
-            <a:r>
-              <a:rPr lang="en-US" altLang="ko-KR" sz="2000" b="1" dirty="0" err="1"/>
-              <a:t>OnInput</a:t>
-            </a:r>
-            <a:endParaRPr lang="en-US" altLang="ko-KR" sz="2000" b="1" dirty="0"/>
-          </a:p>
-          <a:p>
-            <a:pPr algn="ctr"/>
-            <a:r>
-              <a:rPr lang="en-US" altLang="ko-KR" sz="2000" b="1" dirty="0"/>
-              <a:t>Event</a:t>
-            </a:r>
-            <a:endParaRPr lang="ko-KR" altLang="en-US" sz="2000" b="1" dirty="0"/>
-          </a:p>
-        </p:txBody>
-      </p:sp>
-      <p:sp>
-        <p:nvSpPr>
-          <p:cNvPr id="22" name="TextBox 21">
-            <a:extLst>
-              <a:ext uri="{FF2B5EF4-FFF2-40B4-BE49-F238E27FC236}">
-                <a16:creationId xmlns:a16="http://schemas.microsoft.com/office/drawing/2014/main" id="{362F7C90-9802-A158-5CC2-11D0526266ED}"/>
-              </a:ext>
-            </a:extLst>
-          </p:cNvPr>
-          <p:cNvSpPr txBox="1"/>
-          <p:nvPr/>
-        </p:nvSpPr>
-        <p:spPr>
-          <a:xfrm>
-            <a:off x="7833360" y="3581400"/>
-            <a:ext cx="1207993" cy="400110"/>
-          </a:xfrm>
-          <a:prstGeom prst="rect">
-            <a:avLst/>
-          </a:prstGeom>
-          <a:noFill/>
-        </p:spPr>
-        <p:txBody>
-          <a:bodyPr wrap="square" rtlCol="0">
-            <a:spAutoFit/>
-          </a:bodyPr>
-          <a:lstStyle/>
-          <a:p>
-            <a:pPr algn="ctr"/>
-            <a:r>
-              <a:rPr lang="en-US" altLang="ko-KR" sz="2000" b="1" dirty="0"/>
-              <a:t>Stop</a:t>
-            </a:r>
-          </a:p>
-        </p:txBody>
-      </p:sp>
-      <p:cxnSp>
-        <p:nvCxnSpPr>
-          <p:cNvPr id="24" name="연결선: 구부러짐 23">
-            <a:extLst>
-              <a:ext uri="{FF2B5EF4-FFF2-40B4-BE49-F238E27FC236}">
-                <a16:creationId xmlns:a16="http://schemas.microsoft.com/office/drawing/2014/main" id="{A0F2106C-AF1B-B631-B430-052B68F19FE6}"/>
-              </a:ext>
-            </a:extLst>
-          </p:cNvPr>
-          <p:cNvCxnSpPr>
-            <a:cxnSpLocks/>
-            <a:stCxn id="11" idx="2"/>
-            <a:endCxn id="7" idx="0"/>
-          </p:cNvCxnSpPr>
-          <p:nvPr/>
-        </p:nvCxnSpPr>
-        <p:spPr>
-          <a:xfrm rot="5400000" flipH="1">
-            <a:off x="5204460" y="2918460"/>
-            <a:ext cx="1630680" cy="609600"/>
-          </a:xfrm>
-          <a:prstGeom prst="curvedConnector5">
-            <a:avLst>
-              <a:gd name="adj1" fmla="val -59812"/>
-              <a:gd name="adj2" fmla="val -247500"/>
-              <a:gd name="adj3" fmla="val 148598"/>
-            </a:avLst>
-          </a:prstGeom>
-          <a:ln>
-            <a:tailEnd type="triangle"/>
-          </a:ln>
-        </p:spPr>
-        <p:style>
-          <a:lnRef idx="2">
-            <a:schemeClr val="accent1"/>
-          </a:lnRef>
-          <a:fillRef idx="0">
-            <a:schemeClr val="accent1"/>
-          </a:fillRef>
-          <a:effectRef idx="1">
-            <a:schemeClr val="accent1"/>
-          </a:effectRef>
-          <a:fontRef idx="minor">
-            <a:schemeClr val="tx1"/>
-          </a:fontRef>
-        </p:style>
-      </p:cxnSp>
-      <p:sp>
-        <p:nvSpPr>
-          <p:cNvPr id="36" name="TextBox 35">
-            <a:extLst>
-              <a:ext uri="{FF2B5EF4-FFF2-40B4-BE49-F238E27FC236}">
-                <a16:creationId xmlns:a16="http://schemas.microsoft.com/office/drawing/2014/main" id="{62235E7B-1CBF-AFFC-E30A-A1F058E03D5E}"/>
-              </a:ext>
-            </a:extLst>
-          </p:cNvPr>
-          <p:cNvSpPr txBox="1"/>
-          <p:nvPr/>
-        </p:nvSpPr>
-        <p:spPr>
-          <a:xfrm>
-            <a:off x="6436883" y="5166360"/>
-            <a:ext cx="1207993" cy="707886"/>
-          </a:xfrm>
-          <a:prstGeom prst="rect">
-            <a:avLst/>
-          </a:prstGeom>
-          <a:noFill/>
-        </p:spPr>
-        <p:txBody>
-          <a:bodyPr wrap="square" rtlCol="0">
-            <a:spAutoFit/>
-          </a:bodyPr>
-          <a:lstStyle/>
-          <a:p>
-            <a:pPr algn="ctr"/>
-            <a:r>
-              <a:rPr lang="en-US" altLang="ko-KR" sz="2000" b="1" dirty="0"/>
-              <a:t>Send</a:t>
-            </a:r>
-          </a:p>
-          <a:p>
-            <a:pPr algn="ctr"/>
-            <a:r>
-              <a:rPr lang="en-US" altLang="ko-KR" sz="2000" b="1" dirty="0" err="1"/>
-              <a:t>EventTo</a:t>
-            </a:r>
-            <a:endParaRPr lang="ko-KR" altLang="en-US" sz="2000" b="1" dirty="0"/>
-          </a:p>
-        </p:txBody>
-      </p:sp>
-    </p:spTree>
-    <p:extLst>
-      <p:ext uri="{BB962C8B-B14F-4D97-AF65-F5344CB8AC3E}">
-        <p14:creationId xmlns:p14="http://schemas.microsoft.com/office/powerpoint/2010/main" val="2178062196"/>
-      </p:ext>
-    </p:extLst>
-  </p:cSld>
-  <p:clrMapOvr>
-    <a:masterClrMapping/>
-  </p:clrMapOvr>
-</p:sld>
-</file>
-
-<file path=ppt/slides/slide12.xml><?xml version="1.0" encoding="utf-8"?>
-<p:sld xmlns:a="http://schemas.openxmlformats.org/drawingml/2006/main" xmlns:r="http://schemas.openxmlformats.org/officeDocument/2006/relationships" xmlns:p="http://schemas.openxmlformats.org/presentationml/2006/main">
-  <p:cSld>
-    <p:spTree>
-      <p:nvGrpSpPr>
-        <p:cNvPr id="1" name="">
-          <a:extLst>
-            <a:ext uri="{FF2B5EF4-FFF2-40B4-BE49-F238E27FC236}">
-              <a16:creationId xmlns:a16="http://schemas.microsoft.com/office/drawing/2014/main" id="{4D7B6FAB-C9FA-4230-6776-34FC2B4988EA}"/>
-            </a:ext>
-          </a:extLst>
-        </p:cNvPr>
-        <p:cNvGrpSpPr/>
-        <p:nvPr/>
-      </p:nvGrpSpPr>
-      <p:grpSpPr>
-        <a:xfrm>
-          <a:off x="0" y="0"/>
-          <a:ext cx="0" cy="0"/>
-          <a:chOff x="0" y="0"/>
-          <a:chExt cx="0" cy="0"/>
-        </a:xfrm>
-      </p:grpSpPr>
-      <p:sp>
-        <p:nvSpPr>
-          <p:cNvPr id="2" name="TextBox 1">
-            <a:extLst>
-              <a:ext uri="{FF2B5EF4-FFF2-40B4-BE49-F238E27FC236}">
-                <a16:creationId xmlns:a16="http://schemas.microsoft.com/office/drawing/2014/main" id="{A31E2F63-2A08-95FB-18AE-CFC5369BA78D}"/>
-              </a:ext>
-            </a:extLst>
-          </p:cNvPr>
-          <p:cNvSpPr txBox="1"/>
-          <p:nvPr/>
-        </p:nvSpPr>
-        <p:spPr>
-          <a:xfrm>
-            <a:off x="126609" y="126609"/>
-            <a:ext cx="4501663" cy="369332"/>
-          </a:xfrm>
-          <a:prstGeom prst="rect">
-            <a:avLst/>
-          </a:prstGeom>
-          <a:noFill/>
-        </p:spPr>
-        <p:txBody>
-          <a:bodyPr wrap="square" rtlCol="0">
-            <a:spAutoFit/>
-          </a:bodyPr>
-          <a:lstStyle/>
-          <a:p>
-            <a:r>
-              <a:rPr lang="en-US" altLang="ko-KR" dirty="0" err="1"/>
-              <a:t>CrewAI</a:t>
-            </a:r>
-            <a:r>
-              <a:rPr lang="en-US" altLang="ko-KR" dirty="0"/>
-              <a:t> : Crews</a:t>
-            </a:r>
-            <a:endParaRPr lang="ko-KR" altLang="en-US" dirty="0"/>
-          </a:p>
-        </p:txBody>
-      </p:sp>
-      <p:sp>
-        <p:nvSpPr>
-          <p:cNvPr id="3" name="사각형: 둥근 모서리 2">
-            <a:extLst>
-              <a:ext uri="{FF2B5EF4-FFF2-40B4-BE49-F238E27FC236}">
-                <a16:creationId xmlns:a16="http://schemas.microsoft.com/office/drawing/2014/main" id="{C72DFD40-ED89-D97A-3FEC-C074FE03C70F}"/>
-              </a:ext>
-            </a:extLst>
-          </p:cNvPr>
-          <p:cNvSpPr/>
-          <p:nvPr/>
-        </p:nvSpPr>
-        <p:spPr>
-          <a:xfrm>
-            <a:off x="822960" y="868680"/>
-            <a:ext cx="4678680" cy="5631180"/>
-          </a:xfrm>
-          <a:prstGeom prst="roundRect">
-            <a:avLst/>
-          </a:prstGeom>
-          <a:solidFill>
-            <a:schemeClr val="accent1">
-              <a:lumMod val="20000"/>
-              <a:lumOff val="80000"/>
-            </a:schemeClr>
-          </a:solidFill>
-        </p:spPr>
-        <p:style>
-          <a:lnRef idx="2">
-            <a:schemeClr val="accent1">
-              <a:shade val="15000"/>
-            </a:schemeClr>
-          </a:lnRef>
-          <a:fillRef idx="1">
-            <a:schemeClr val="accent1"/>
-          </a:fillRef>
-          <a:effectRef idx="0">
-            <a:schemeClr val="accent1"/>
-          </a:effectRef>
-          <a:fontRef idx="minor">
-            <a:schemeClr val="lt1"/>
-          </a:fontRef>
-        </p:style>
-        <p:txBody>
-          <a:bodyPr rtlCol="0" anchor="ctr"/>
-          <a:lstStyle/>
-          <a:p>
-            <a:pPr algn="ctr"/>
-            <a:endParaRPr lang="ko-KR" altLang="en-US"/>
-          </a:p>
-        </p:txBody>
-      </p:sp>
-      <p:sp>
-        <p:nvSpPr>
-          <p:cNvPr id="7" name="사각형: 둥근 모서리 6">
-            <a:extLst>
-              <a:ext uri="{FF2B5EF4-FFF2-40B4-BE49-F238E27FC236}">
-                <a16:creationId xmlns:a16="http://schemas.microsoft.com/office/drawing/2014/main" id="{0F65811C-ACA6-86C4-1B90-7390C4551DE2}"/>
-              </a:ext>
-            </a:extLst>
-          </p:cNvPr>
-          <p:cNvSpPr/>
-          <p:nvPr/>
-        </p:nvSpPr>
-        <p:spPr>
-          <a:xfrm>
-            <a:off x="6690362" y="868680"/>
-            <a:ext cx="4678680" cy="4038600"/>
-          </a:xfrm>
-          <a:prstGeom prst="roundRect">
-            <a:avLst/>
-          </a:prstGeom>
-          <a:solidFill>
-            <a:schemeClr val="accent1">
-              <a:lumMod val="20000"/>
-              <a:lumOff val="80000"/>
-            </a:schemeClr>
-          </a:solidFill>
-        </p:spPr>
-        <p:style>
-          <a:lnRef idx="2">
-            <a:schemeClr val="accent1">
-              <a:shade val="15000"/>
-            </a:schemeClr>
-          </a:lnRef>
-          <a:fillRef idx="1">
-            <a:schemeClr val="accent1"/>
-          </a:fillRef>
-          <a:effectRef idx="0">
-            <a:schemeClr val="accent1"/>
-          </a:effectRef>
-          <a:fontRef idx="minor">
-            <a:schemeClr val="lt1"/>
-          </a:fontRef>
-        </p:style>
-        <p:txBody>
-          <a:bodyPr rtlCol="0" anchor="ctr"/>
-          <a:lstStyle/>
-          <a:p>
-            <a:pPr algn="ctr"/>
-            <a:endParaRPr lang="ko-KR" altLang="en-US"/>
-          </a:p>
-        </p:txBody>
-      </p:sp>
-      <p:sp>
-        <p:nvSpPr>
-          <p:cNvPr id="8" name="직사각형 7">
-            <a:extLst>
-              <a:ext uri="{FF2B5EF4-FFF2-40B4-BE49-F238E27FC236}">
-                <a16:creationId xmlns:a16="http://schemas.microsoft.com/office/drawing/2014/main" id="{A06FF5FB-1D94-88F2-60B0-409FFA62E2AD}"/>
-              </a:ext>
-            </a:extLst>
-          </p:cNvPr>
-          <p:cNvSpPr/>
-          <p:nvPr/>
-        </p:nvSpPr>
-        <p:spPr>
-          <a:xfrm>
-            <a:off x="1522681" y="1783079"/>
-            <a:ext cx="1326320" cy="853441"/>
-          </a:xfrm>
-          <a:prstGeom prst="rect">
-            <a:avLst/>
-          </a:prstGeom>
-          <a:solidFill>
-            <a:schemeClr val="bg1">
-              <a:lumMod val="95000"/>
-            </a:schemeClr>
-          </a:solidFill>
-        </p:spPr>
-        <p:style>
-          <a:lnRef idx="2">
-            <a:schemeClr val="accent1">
-              <a:shade val="15000"/>
-            </a:schemeClr>
-          </a:lnRef>
-          <a:fillRef idx="1">
-            <a:schemeClr val="accent1"/>
-          </a:fillRef>
-          <a:effectRef idx="0">
-            <a:schemeClr val="accent1"/>
-          </a:effectRef>
-          <a:fontRef idx="minor">
-            <a:schemeClr val="lt1"/>
-          </a:fontRef>
-        </p:style>
-        <p:txBody>
-          <a:bodyPr rtlCol="0" anchor="ctr"/>
-          <a:lstStyle/>
-          <a:p>
-            <a:pPr algn="ctr"/>
-            <a:r>
-              <a:rPr lang="en-US" altLang="ko-KR" dirty="0">
-                <a:solidFill>
-                  <a:schemeClr val="tx1"/>
-                </a:solidFill>
-              </a:rPr>
-              <a:t>Task</a:t>
-            </a:r>
-            <a:endParaRPr lang="ko-KR" altLang="en-US" dirty="0">
-              <a:solidFill>
-                <a:schemeClr val="tx1"/>
-              </a:solidFill>
-            </a:endParaRPr>
-          </a:p>
-        </p:txBody>
-      </p:sp>
-      <p:sp>
-        <p:nvSpPr>
-          <p:cNvPr id="9" name="타원 8">
-            <a:extLst>
-              <a:ext uri="{FF2B5EF4-FFF2-40B4-BE49-F238E27FC236}">
-                <a16:creationId xmlns:a16="http://schemas.microsoft.com/office/drawing/2014/main" id="{929D6B14-1D92-929A-57EE-C563C7ABD0F7}"/>
-              </a:ext>
-            </a:extLst>
-          </p:cNvPr>
-          <p:cNvSpPr/>
-          <p:nvPr/>
-        </p:nvSpPr>
-        <p:spPr>
-          <a:xfrm>
-            <a:off x="3591512" y="1630678"/>
-            <a:ext cx="1167617" cy="1167617"/>
-          </a:xfrm>
-          <a:prstGeom prst="ellipse">
-            <a:avLst/>
-          </a:prstGeom>
-          <a:solidFill>
-            <a:schemeClr val="bg2"/>
-          </a:solidFill>
-        </p:spPr>
-        <p:style>
-          <a:lnRef idx="2">
-            <a:schemeClr val="accent1">
-              <a:shade val="15000"/>
-            </a:schemeClr>
-          </a:lnRef>
-          <a:fillRef idx="1">
-            <a:schemeClr val="accent1"/>
-          </a:fillRef>
-          <a:effectRef idx="0">
-            <a:schemeClr val="accent1"/>
-          </a:effectRef>
-          <a:fontRef idx="minor">
-            <a:schemeClr val="lt1"/>
-          </a:fontRef>
-        </p:style>
-        <p:txBody>
-          <a:bodyPr rtlCol="0" anchor="ctr"/>
-          <a:lstStyle/>
-          <a:p>
-            <a:pPr algn="dist"/>
-            <a:r>
-              <a:rPr lang="en-US" altLang="ko-KR" dirty="0">
-                <a:solidFill>
-                  <a:sysClr val="windowText" lastClr="000000"/>
-                </a:solidFill>
-              </a:rPr>
-              <a:t>Agent</a:t>
-            </a:r>
-            <a:endParaRPr lang="ko-KR" altLang="en-US" dirty="0">
-              <a:solidFill>
-                <a:sysClr val="windowText" lastClr="000000"/>
-              </a:solidFill>
-            </a:endParaRPr>
-          </a:p>
-        </p:txBody>
-      </p:sp>
-      <p:cxnSp>
-        <p:nvCxnSpPr>
-          <p:cNvPr id="15" name="직선 연결선 14">
-            <a:extLst>
-              <a:ext uri="{FF2B5EF4-FFF2-40B4-BE49-F238E27FC236}">
-                <a16:creationId xmlns:a16="http://schemas.microsoft.com/office/drawing/2014/main" id="{54E2FE0D-FB07-77E8-54AE-3A9C6A4D9122}"/>
-              </a:ext>
-            </a:extLst>
-          </p:cNvPr>
-          <p:cNvCxnSpPr>
-            <a:stCxn id="8" idx="3"/>
-            <a:endCxn id="9" idx="2"/>
-          </p:cNvCxnSpPr>
-          <p:nvPr/>
-        </p:nvCxnSpPr>
-        <p:spPr>
-          <a:xfrm>
-            <a:off x="2849001" y="2209800"/>
-            <a:ext cx="742511" cy="4687"/>
-          </a:xfrm>
-          <a:prstGeom prst="line">
-            <a:avLst/>
-          </a:prstGeom>
-        </p:spPr>
-        <p:style>
-          <a:lnRef idx="2">
-            <a:schemeClr val="accent1"/>
-          </a:lnRef>
-          <a:fillRef idx="0">
-            <a:schemeClr val="accent1"/>
-          </a:fillRef>
-          <a:effectRef idx="1">
-            <a:schemeClr val="accent1"/>
-          </a:effectRef>
-          <a:fontRef idx="minor">
-            <a:schemeClr val="tx1"/>
-          </a:fontRef>
-        </p:style>
-      </p:cxnSp>
-      <p:sp>
-        <p:nvSpPr>
-          <p:cNvPr id="16" name="직사각형 15">
-            <a:extLst>
-              <a:ext uri="{FF2B5EF4-FFF2-40B4-BE49-F238E27FC236}">
-                <a16:creationId xmlns:a16="http://schemas.microsoft.com/office/drawing/2014/main" id="{E49711C3-38C0-40D4-CD14-7C60C512D5C9}"/>
-              </a:ext>
-            </a:extLst>
-          </p:cNvPr>
-          <p:cNvSpPr/>
-          <p:nvPr/>
-        </p:nvSpPr>
-        <p:spPr>
-          <a:xfrm>
-            <a:off x="1522681" y="3262475"/>
-            <a:ext cx="1326320" cy="853441"/>
-          </a:xfrm>
-          <a:prstGeom prst="rect">
-            <a:avLst/>
-          </a:prstGeom>
-          <a:solidFill>
-            <a:schemeClr val="bg1">
-              <a:lumMod val="95000"/>
-            </a:schemeClr>
-          </a:solidFill>
-        </p:spPr>
-        <p:style>
-          <a:lnRef idx="2">
-            <a:schemeClr val="accent1">
-              <a:shade val="15000"/>
-            </a:schemeClr>
-          </a:lnRef>
-          <a:fillRef idx="1">
-            <a:schemeClr val="accent1"/>
-          </a:fillRef>
-          <a:effectRef idx="0">
-            <a:schemeClr val="accent1"/>
-          </a:effectRef>
-          <a:fontRef idx="minor">
-            <a:schemeClr val="lt1"/>
-          </a:fontRef>
-        </p:style>
-        <p:txBody>
-          <a:bodyPr rtlCol="0" anchor="ctr"/>
-          <a:lstStyle/>
-          <a:p>
-            <a:pPr algn="ctr"/>
-            <a:r>
-              <a:rPr lang="en-US" altLang="ko-KR" dirty="0">
-                <a:solidFill>
-                  <a:schemeClr val="tx1"/>
-                </a:solidFill>
-              </a:rPr>
-              <a:t>Task</a:t>
-            </a:r>
-            <a:endParaRPr lang="ko-KR" altLang="en-US" dirty="0">
-              <a:solidFill>
-                <a:schemeClr val="tx1"/>
-              </a:solidFill>
-            </a:endParaRPr>
-          </a:p>
-        </p:txBody>
-      </p:sp>
-      <p:sp>
-        <p:nvSpPr>
-          <p:cNvPr id="17" name="타원 16">
-            <a:extLst>
-              <a:ext uri="{FF2B5EF4-FFF2-40B4-BE49-F238E27FC236}">
-                <a16:creationId xmlns:a16="http://schemas.microsoft.com/office/drawing/2014/main" id="{3B182012-4EFB-705C-93C9-508D02B0915A}"/>
-              </a:ext>
-            </a:extLst>
-          </p:cNvPr>
-          <p:cNvSpPr/>
-          <p:nvPr/>
-        </p:nvSpPr>
-        <p:spPr>
-          <a:xfrm>
-            <a:off x="3591512" y="3110074"/>
-            <a:ext cx="1167617" cy="1167617"/>
-          </a:xfrm>
-          <a:prstGeom prst="ellipse">
-            <a:avLst/>
-          </a:prstGeom>
-          <a:solidFill>
-            <a:schemeClr val="bg2"/>
-          </a:solidFill>
-        </p:spPr>
-        <p:style>
-          <a:lnRef idx="2">
-            <a:schemeClr val="accent1">
-              <a:shade val="15000"/>
-            </a:schemeClr>
-          </a:lnRef>
-          <a:fillRef idx="1">
-            <a:schemeClr val="accent1"/>
-          </a:fillRef>
-          <a:effectRef idx="0">
-            <a:schemeClr val="accent1"/>
-          </a:effectRef>
-          <a:fontRef idx="minor">
-            <a:schemeClr val="lt1"/>
-          </a:fontRef>
-        </p:style>
-        <p:txBody>
-          <a:bodyPr rtlCol="0" anchor="ctr"/>
-          <a:lstStyle/>
-          <a:p>
-            <a:pPr algn="dist"/>
-            <a:r>
-              <a:rPr lang="en-US" altLang="ko-KR" dirty="0">
-                <a:solidFill>
-                  <a:sysClr val="windowText" lastClr="000000"/>
-                </a:solidFill>
-              </a:rPr>
-              <a:t>Agent</a:t>
-            </a:r>
-            <a:endParaRPr lang="ko-KR" altLang="en-US" dirty="0">
-              <a:solidFill>
-                <a:sysClr val="windowText" lastClr="000000"/>
-              </a:solidFill>
-            </a:endParaRPr>
-          </a:p>
-        </p:txBody>
-      </p:sp>
-      <p:cxnSp>
-        <p:nvCxnSpPr>
-          <p:cNvPr id="18" name="직선 연결선 17">
-            <a:extLst>
-              <a:ext uri="{FF2B5EF4-FFF2-40B4-BE49-F238E27FC236}">
-                <a16:creationId xmlns:a16="http://schemas.microsoft.com/office/drawing/2014/main" id="{68C4A089-3F7A-28A4-7F33-FE8634B70977}"/>
-              </a:ext>
-            </a:extLst>
-          </p:cNvPr>
-          <p:cNvCxnSpPr>
-            <a:stCxn id="16" idx="3"/>
-            <a:endCxn id="17" idx="2"/>
-          </p:cNvCxnSpPr>
-          <p:nvPr/>
-        </p:nvCxnSpPr>
-        <p:spPr>
-          <a:xfrm>
-            <a:off x="2849001" y="3689196"/>
-            <a:ext cx="742511" cy="4687"/>
-          </a:xfrm>
-          <a:prstGeom prst="line">
-            <a:avLst/>
-          </a:prstGeom>
-        </p:spPr>
-        <p:style>
-          <a:lnRef idx="2">
-            <a:schemeClr val="accent1"/>
-          </a:lnRef>
-          <a:fillRef idx="0">
-            <a:schemeClr val="accent1"/>
-          </a:fillRef>
-          <a:effectRef idx="1">
-            <a:schemeClr val="accent1"/>
-          </a:effectRef>
-          <a:fontRef idx="minor">
-            <a:schemeClr val="tx1"/>
-          </a:fontRef>
-        </p:style>
-      </p:cxnSp>
-      <p:sp>
-        <p:nvSpPr>
-          <p:cNvPr id="19" name="직사각형 18">
-            <a:extLst>
-              <a:ext uri="{FF2B5EF4-FFF2-40B4-BE49-F238E27FC236}">
-                <a16:creationId xmlns:a16="http://schemas.microsoft.com/office/drawing/2014/main" id="{4F8C5861-478F-D1B1-65BB-17E2515DDBFA}"/>
-              </a:ext>
-            </a:extLst>
-          </p:cNvPr>
-          <p:cNvSpPr/>
-          <p:nvPr/>
-        </p:nvSpPr>
-        <p:spPr>
-          <a:xfrm>
-            <a:off x="1522681" y="4697329"/>
-            <a:ext cx="1326320" cy="853441"/>
-          </a:xfrm>
-          <a:prstGeom prst="rect">
-            <a:avLst/>
-          </a:prstGeom>
-          <a:solidFill>
-            <a:schemeClr val="bg1">
-              <a:lumMod val="95000"/>
-            </a:schemeClr>
-          </a:solidFill>
-        </p:spPr>
-        <p:style>
-          <a:lnRef idx="2">
-            <a:schemeClr val="accent1">
-              <a:shade val="15000"/>
-            </a:schemeClr>
-          </a:lnRef>
-          <a:fillRef idx="1">
-            <a:schemeClr val="accent1"/>
-          </a:fillRef>
-          <a:effectRef idx="0">
-            <a:schemeClr val="accent1"/>
-          </a:effectRef>
-          <a:fontRef idx="minor">
-            <a:schemeClr val="lt1"/>
-          </a:fontRef>
-        </p:style>
-        <p:txBody>
-          <a:bodyPr rtlCol="0" anchor="ctr"/>
-          <a:lstStyle/>
-          <a:p>
-            <a:pPr algn="ctr"/>
-            <a:r>
-              <a:rPr lang="en-US" altLang="ko-KR" dirty="0">
-                <a:solidFill>
-                  <a:schemeClr val="tx1"/>
-                </a:solidFill>
-              </a:rPr>
-              <a:t>Task</a:t>
-            </a:r>
-            <a:endParaRPr lang="ko-KR" altLang="en-US" dirty="0">
-              <a:solidFill>
-                <a:schemeClr val="tx1"/>
-              </a:solidFill>
-            </a:endParaRPr>
-          </a:p>
-        </p:txBody>
-      </p:sp>
-      <p:sp>
-        <p:nvSpPr>
-          <p:cNvPr id="20" name="타원 19">
-            <a:extLst>
-              <a:ext uri="{FF2B5EF4-FFF2-40B4-BE49-F238E27FC236}">
-                <a16:creationId xmlns:a16="http://schemas.microsoft.com/office/drawing/2014/main" id="{02785A4C-108B-BC12-2C43-81837048FDE3}"/>
-              </a:ext>
-            </a:extLst>
-          </p:cNvPr>
-          <p:cNvSpPr/>
-          <p:nvPr/>
-        </p:nvSpPr>
-        <p:spPr>
-          <a:xfrm>
-            <a:off x="3591512" y="4544928"/>
-            <a:ext cx="1167617" cy="1167617"/>
-          </a:xfrm>
-          <a:prstGeom prst="ellipse">
-            <a:avLst/>
-          </a:prstGeom>
-          <a:solidFill>
-            <a:schemeClr val="bg2"/>
-          </a:solidFill>
-        </p:spPr>
-        <p:style>
-          <a:lnRef idx="2">
-            <a:schemeClr val="accent1">
-              <a:shade val="15000"/>
-            </a:schemeClr>
-          </a:lnRef>
-          <a:fillRef idx="1">
-            <a:schemeClr val="accent1"/>
-          </a:fillRef>
-          <a:effectRef idx="0">
-            <a:schemeClr val="accent1"/>
-          </a:effectRef>
-          <a:fontRef idx="minor">
-            <a:schemeClr val="lt1"/>
-          </a:fontRef>
-        </p:style>
-        <p:txBody>
-          <a:bodyPr rtlCol="0" anchor="ctr"/>
-          <a:lstStyle/>
-          <a:p>
-            <a:pPr algn="dist"/>
-            <a:r>
-              <a:rPr lang="en-US" altLang="ko-KR" dirty="0">
-                <a:solidFill>
-                  <a:sysClr val="windowText" lastClr="000000"/>
-                </a:solidFill>
-              </a:rPr>
-              <a:t>Agent</a:t>
-            </a:r>
-            <a:endParaRPr lang="ko-KR" altLang="en-US" dirty="0">
-              <a:solidFill>
-                <a:sysClr val="windowText" lastClr="000000"/>
-              </a:solidFill>
-            </a:endParaRPr>
-          </a:p>
-        </p:txBody>
-      </p:sp>
-      <p:cxnSp>
-        <p:nvCxnSpPr>
-          <p:cNvPr id="21" name="직선 연결선 20">
-            <a:extLst>
-              <a:ext uri="{FF2B5EF4-FFF2-40B4-BE49-F238E27FC236}">
-                <a16:creationId xmlns:a16="http://schemas.microsoft.com/office/drawing/2014/main" id="{990384C5-5772-BB9C-FFBA-9973296FF364}"/>
-              </a:ext>
-            </a:extLst>
-          </p:cNvPr>
-          <p:cNvCxnSpPr>
-            <a:stCxn id="19" idx="3"/>
-            <a:endCxn id="20" idx="2"/>
-          </p:cNvCxnSpPr>
-          <p:nvPr/>
-        </p:nvCxnSpPr>
-        <p:spPr>
-          <a:xfrm>
-            <a:off x="2849001" y="5124050"/>
-            <a:ext cx="742511" cy="4687"/>
-          </a:xfrm>
-          <a:prstGeom prst="line">
-            <a:avLst/>
-          </a:prstGeom>
-        </p:spPr>
-        <p:style>
-          <a:lnRef idx="2">
-            <a:schemeClr val="accent1"/>
-          </a:lnRef>
-          <a:fillRef idx="0">
-            <a:schemeClr val="accent1"/>
-          </a:fillRef>
-          <a:effectRef idx="1">
-            <a:schemeClr val="accent1"/>
-          </a:effectRef>
-          <a:fontRef idx="minor">
-            <a:schemeClr val="tx1"/>
-          </a:fontRef>
-        </p:style>
-      </p:cxnSp>
-      <p:sp>
-        <p:nvSpPr>
-          <p:cNvPr id="22" name="직사각형 21">
-            <a:extLst>
-              <a:ext uri="{FF2B5EF4-FFF2-40B4-BE49-F238E27FC236}">
-                <a16:creationId xmlns:a16="http://schemas.microsoft.com/office/drawing/2014/main" id="{BA783A60-D6EF-3086-F563-E9A02F437025}"/>
-              </a:ext>
-            </a:extLst>
-          </p:cNvPr>
-          <p:cNvSpPr/>
-          <p:nvPr/>
-        </p:nvSpPr>
-        <p:spPr>
-          <a:xfrm>
-            <a:off x="7432871" y="1769943"/>
-            <a:ext cx="1326320" cy="853441"/>
-          </a:xfrm>
-          <a:prstGeom prst="rect">
-            <a:avLst/>
-          </a:prstGeom>
-          <a:solidFill>
-            <a:schemeClr val="bg1">
-              <a:lumMod val="95000"/>
-            </a:schemeClr>
-          </a:solidFill>
-        </p:spPr>
-        <p:style>
-          <a:lnRef idx="2">
-            <a:schemeClr val="accent1">
-              <a:shade val="15000"/>
-            </a:schemeClr>
-          </a:lnRef>
-          <a:fillRef idx="1">
-            <a:schemeClr val="accent1"/>
-          </a:fillRef>
-          <a:effectRef idx="0">
-            <a:schemeClr val="accent1"/>
-          </a:effectRef>
-          <a:fontRef idx="minor">
-            <a:schemeClr val="lt1"/>
-          </a:fontRef>
-        </p:style>
-        <p:txBody>
-          <a:bodyPr rtlCol="0" anchor="ctr"/>
-          <a:lstStyle/>
-          <a:p>
-            <a:pPr algn="ctr"/>
-            <a:r>
-              <a:rPr lang="en-US" altLang="ko-KR" dirty="0">
-                <a:solidFill>
-                  <a:schemeClr val="tx1"/>
-                </a:solidFill>
-              </a:rPr>
-              <a:t>Task</a:t>
-            </a:r>
-            <a:endParaRPr lang="ko-KR" altLang="en-US" dirty="0">
-              <a:solidFill>
-                <a:schemeClr val="tx1"/>
-              </a:solidFill>
-            </a:endParaRPr>
-          </a:p>
-        </p:txBody>
-      </p:sp>
-      <p:sp>
-        <p:nvSpPr>
-          <p:cNvPr id="23" name="타원 22">
-            <a:extLst>
-              <a:ext uri="{FF2B5EF4-FFF2-40B4-BE49-F238E27FC236}">
-                <a16:creationId xmlns:a16="http://schemas.microsoft.com/office/drawing/2014/main" id="{EDDAA906-E0DC-54F9-EDA0-6E29486EA828}"/>
-              </a:ext>
-            </a:extLst>
-          </p:cNvPr>
-          <p:cNvSpPr/>
-          <p:nvPr/>
-        </p:nvSpPr>
-        <p:spPr>
-          <a:xfrm>
-            <a:off x="9501702" y="1617542"/>
-            <a:ext cx="1167617" cy="1167617"/>
-          </a:xfrm>
-          <a:prstGeom prst="ellipse">
-            <a:avLst/>
-          </a:prstGeom>
-          <a:solidFill>
-            <a:schemeClr val="bg2"/>
-          </a:solidFill>
-        </p:spPr>
-        <p:style>
-          <a:lnRef idx="2">
-            <a:schemeClr val="accent1">
-              <a:shade val="15000"/>
-            </a:schemeClr>
-          </a:lnRef>
-          <a:fillRef idx="1">
-            <a:schemeClr val="accent1"/>
-          </a:fillRef>
-          <a:effectRef idx="0">
-            <a:schemeClr val="accent1"/>
-          </a:effectRef>
-          <a:fontRef idx="minor">
-            <a:schemeClr val="lt1"/>
-          </a:fontRef>
-        </p:style>
-        <p:txBody>
-          <a:bodyPr rtlCol="0" anchor="ctr"/>
-          <a:lstStyle/>
-          <a:p>
-            <a:pPr algn="dist"/>
-            <a:r>
-              <a:rPr lang="en-US" altLang="ko-KR" dirty="0">
-                <a:solidFill>
-                  <a:sysClr val="windowText" lastClr="000000"/>
-                </a:solidFill>
-              </a:rPr>
-              <a:t>Agent</a:t>
-            </a:r>
-            <a:endParaRPr lang="ko-KR" altLang="en-US" dirty="0">
-              <a:solidFill>
-                <a:sysClr val="windowText" lastClr="000000"/>
-              </a:solidFill>
-            </a:endParaRPr>
-          </a:p>
-        </p:txBody>
-      </p:sp>
-      <p:cxnSp>
-        <p:nvCxnSpPr>
-          <p:cNvPr id="24" name="직선 연결선 23">
-            <a:extLst>
-              <a:ext uri="{FF2B5EF4-FFF2-40B4-BE49-F238E27FC236}">
-                <a16:creationId xmlns:a16="http://schemas.microsoft.com/office/drawing/2014/main" id="{44EF5841-E7BF-8F82-5FC6-732A68FA75C2}"/>
-              </a:ext>
-            </a:extLst>
-          </p:cNvPr>
-          <p:cNvCxnSpPr>
-            <a:stCxn id="22" idx="3"/>
-            <a:endCxn id="23" idx="2"/>
-          </p:cNvCxnSpPr>
-          <p:nvPr/>
-        </p:nvCxnSpPr>
-        <p:spPr>
-          <a:xfrm>
-            <a:off x="8759191" y="2196664"/>
-            <a:ext cx="742511" cy="4687"/>
-          </a:xfrm>
-          <a:prstGeom prst="line">
-            <a:avLst/>
-          </a:prstGeom>
-        </p:spPr>
-        <p:style>
-          <a:lnRef idx="2">
-            <a:schemeClr val="accent1"/>
-          </a:lnRef>
-          <a:fillRef idx="0">
-            <a:schemeClr val="accent1"/>
-          </a:fillRef>
-          <a:effectRef idx="1">
-            <a:schemeClr val="accent1"/>
-          </a:effectRef>
-          <a:fontRef idx="minor">
-            <a:schemeClr val="tx1"/>
-          </a:fontRef>
-        </p:style>
-      </p:cxnSp>
-      <p:sp>
-        <p:nvSpPr>
-          <p:cNvPr id="25" name="직사각형 24">
-            <a:extLst>
-              <a:ext uri="{FF2B5EF4-FFF2-40B4-BE49-F238E27FC236}">
-                <a16:creationId xmlns:a16="http://schemas.microsoft.com/office/drawing/2014/main" id="{67F3B4B4-D120-1A95-96AF-A7A0C23EDB44}"/>
-              </a:ext>
-            </a:extLst>
-          </p:cNvPr>
-          <p:cNvSpPr/>
-          <p:nvPr/>
-        </p:nvSpPr>
-        <p:spPr>
-          <a:xfrm>
-            <a:off x="7429429" y="3333924"/>
-            <a:ext cx="1326320" cy="853441"/>
-          </a:xfrm>
-          <a:prstGeom prst="rect">
-            <a:avLst/>
-          </a:prstGeom>
-          <a:solidFill>
-            <a:schemeClr val="bg1">
-              <a:lumMod val="95000"/>
-            </a:schemeClr>
-          </a:solidFill>
-        </p:spPr>
-        <p:style>
-          <a:lnRef idx="2">
-            <a:schemeClr val="accent1">
-              <a:shade val="15000"/>
-            </a:schemeClr>
-          </a:lnRef>
-          <a:fillRef idx="1">
-            <a:schemeClr val="accent1"/>
-          </a:fillRef>
-          <a:effectRef idx="0">
-            <a:schemeClr val="accent1"/>
-          </a:effectRef>
-          <a:fontRef idx="minor">
-            <a:schemeClr val="lt1"/>
-          </a:fontRef>
-        </p:style>
-        <p:txBody>
-          <a:bodyPr rtlCol="0" anchor="ctr"/>
-          <a:lstStyle/>
-          <a:p>
-            <a:pPr algn="ctr"/>
-            <a:r>
-              <a:rPr lang="en-US" altLang="ko-KR" dirty="0">
-                <a:solidFill>
-                  <a:schemeClr val="tx1"/>
-                </a:solidFill>
-              </a:rPr>
-              <a:t>Task</a:t>
-            </a:r>
-            <a:endParaRPr lang="ko-KR" altLang="en-US" dirty="0">
-              <a:solidFill>
-                <a:schemeClr val="tx1"/>
-              </a:solidFill>
-            </a:endParaRPr>
-          </a:p>
-        </p:txBody>
-      </p:sp>
-      <p:sp>
-        <p:nvSpPr>
-          <p:cNvPr id="26" name="타원 25">
-            <a:extLst>
-              <a:ext uri="{FF2B5EF4-FFF2-40B4-BE49-F238E27FC236}">
-                <a16:creationId xmlns:a16="http://schemas.microsoft.com/office/drawing/2014/main" id="{5240F2F2-E13E-4B31-E7ED-6213200C77DD}"/>
-              </a:ext>
-            </a:extLst>
-          </p:cNvPr>
-          <p:cNvSpPr/>
-          <p:nvPr/>
-        </p:nvSpPr>
-        <p:spPr>
-          <a:xfrm>
-            <a:off x="9498260" y="3181523"/>
-            <a:ext cx="1167617" cy="1167617"/>
-          </a:xfrm>
-          <a:prstGeom prst="ellipse">
-            <a:avLst/>
-          </a:prstGeom>
-          <a:solidFill>
-            <a:schemeClr val="bg2"/>
-          </a:solidFill>
-        </p:spPr>
-        <p:style>
-          <a:lnRef idx="2">
-            <a:schemeClr val="accent1">
-              <a:shade val="15000"/>
-            </a:schemeClr>
-          </a:lnRef>
-          <a:fillRef idx="1">
-            <a:schemeClr val="accent1"/>
-          </a:fillRef>
-          <a:effectRef idx="0">
-            <a:schemeClr val="accent1"/>
-          </a:effectRef>
-          <a:fontRef idx="minor">
-            <a:schemeClr val="lt1"/>
-          </a:fontRef>
-        </p:style>
-        <p:txBody>
-          <a:bodyPr rtlCol="0" anchor="ctr"/>
-          <a:lstStyle/>
-          <a:p>
-            <a:pPr algn="dist"/>
-            <a:r>
-              <a:rPr lang="en-US" altLang="ko-KR" dirty="0">
-                <a:solidFill>
-                  <a:sysClr val="windowText" lastClr="000000"/>
-                </a:solidFill>
-              </a:rPr>
-              <a:t>Agent</a:t>
-            </a:r>
-            <a:endParaRPr lang="ko-KR" altLang="en-US" dirty="0">
-              <a:solidFill>
-                <a:sysClr val="windowText" lastClr="000000"/>
-              </a:solidFill>
-            </a:endParaRPr>
-          </a:p>
-        </p:txBody>
-      </p:sp>
-      <p:cxnSp>
-        <p:nvCxnSpPr>
-          <p:cNvPr id="27" name="직선 연결선 26">
-            <a:extLst>
-              <a:ext uri="{FF2B5EF4-FFF2-40B4-BE49-F238E27FC236}">
-                <a16:creationId xmlns:a16="http://schemas.microsoft.com/office/drawing/2014/main" id="{FDD12A8B-0314-51FE-7ED6-98B7960B476B}"/>
-              </a:ext>
-            </a:extLst>
-          </p:cNvPr>
-          <p:cNvCxnSpPr>
-            <a:stCxn id="25" idx="3"/>
-            <a:endCxn id="26" idx="2"/>
-          </p:cNvCxnSpPr>
-          <p:nvPr/>
-        </p:nvCxnSpPr>
-        <p:spPr>
-          <a:xfrm>
-            <a:off x="8755749" y="3760645"/>
-            <a:ext cx="742511" cy="4687"/>
-          </a:xfrm>
-          <a:prstGeom prst="line">
-            <a:avLst/>
-          </a:prstGeom>
-        </p:spPr>
-        <p:style>
-          <a:lnRef idx="2">
-            <a:schemeClr val="accent1"/>
-          </a:lnRef>
-          <a:fillRef idx="0">
-            <a:schemeClr val="accent1"/>
-          </a:fillRef>
-          <a:effectRef idx="1">
-            <a:schemeClr val="accent1"/>
-          </a:effectRef>
-          <a:fontRef idx="minor">
-            <a:schemeClr val="tx1"/>
-          </a:fontRef>
-        </p:style>
-      </p:cxnSp>
-      <p:sp>
-        <p:nvSpPr>
-          <p:cNvPr id="28" name="타원 27">
-            <a:extLst>
-              <a:ext uri="{FF2B5EF4-FFF2-40B4-BE49-F238E27FC236}">
-                <a16:creationId xmlns:a16="http://schemas.microsoft.com/office/drawing/2014/main" id="{1AD1E1EF-BF39-963D-E899-D7AFE73D663A}"/>
-              </a:ext>
-            </a:extLst>
-          </p:cNvPr>
-          <p:cNvSpPr/>
-          <p:nvPr/>
-        </p:nvSpPr>
-        <p:spPr>
-          <a:xfrm>
-            <a:off x="8543195" y="5275271"/>
-            <a:ext cx="1167617" cy="1167617"/>
-          </a:xfrm>
-          <a:prstGeom prst="ellipse">
-            <a:avLst/>
-          </a:prstGeom>
-          <a:solidFill>
-            <a:schemeClr val="bg2"/>
-          </a:solidFill>
-        </p:spPr>
-        <p:style>
-          <a:lnRef idx="2">
-            <a:schemeClr val="accent1">
-              <a:shade val="15000"/>
-            </a:schemeClr>
-          </a:lnRef>
-          <a:fillRef idx="1">
-            <a:schemeClr val="accent1"/>
-          </a:fillRef>
-          <a:effectRef idx="0">
-            <a:schemeClr val="accent1"/>
-          </a:effectRef>
-          <a:fontRef idx="minor">
-            <a:schemeClr val="lt1"/>
-          </a:fontRef>
-        </p:style>
-        <p:txBody>
-          <a:bodyPr rtlCol="0" anchor="ctr"/>
-          <a:lstStyle/>
-          <a:p>
-            <a:pPr algn="dist"/>
-            <a:r>
-              <a:rPr lang="en-US" altLang="ko-KR" dirty="0">
-                <a:solidFill>
-                  <a:sysClr val="windowText" lastClr="000000"/>
-                </a:solidFill>
-              </a:rPr>
-              <a:t>Agent</a:t>
-            </a:r>
-            <a:endParaRPr lang="ko-KR" altLang="en-US" dirty="0">
-              <a:solidFill>
-                <a:sysClr val="windowText" lastClr="000000"/>
-              </a:solidFill>
-            </a:endParaRPr>
-          </a:p>
-        </p:txBody>
-      </p:sp>
-      <p:sp>
-        <p:nvSpPr>
-          <p:cNvPr id="29" name="TextBox 28">
-            <a:extLst>
-              <a:ext uri="{FF2B5EF4-FFF2-40B4-BE49-F238E27FC236}">
-                <a16:creationId xmlns:a16="http://schemas.microsoft.com/office/drawing/2014/main" id="{1899DD3A-FFD8-3329-C30A-73D748CC3089}"/>
-              </a:ext>
-            </a:extLst>
-          </p:cNvPr>
-          <p:cNvSpPr txBox="1"/>
-          <p:nvPr/>
-        </p:nvSpPr>
-        <p:spPr>
-          <a:xfrm>
-            <a:off x="1911226" y="969554"/>
-            <a:ext cx="2502148" cy="400110"/>
-          </a:xfrm>
-          <a:prstGeom prst="rect">
-            <a:avLst/>
-          </a:prstGeom>
-          <a:noFill/>
-        </p:spPr>
-        <p:txBody>
-          <a:bodyPr wrap="square">
-            <a:spAutoFit/>
-          </a:bodyPr>
-          <a:lstStyle/>
-          <a:p>
-            <a:pPr algn="ctr"/>
-            <a:r>
-              <a:rPr lang="en-US" altLang="ko-KR" sz="2000" b="1" i="0" dirty="0">
-                <a:effectLst/>
-                <a:latin typeface="__Inter_e5ab12"/>
-              </a:rPr>
-              <a:t>Sequential </a:t>
-            </a:r>
-            <a:r>
-              <a:rPr lang="en-US" altLang="ko-KR" sz="2000" b="1" dirty="0"/>
-              <a:t>Process</a:t>
-            </a:r>
-            <a:endParaRPr lang="ko-KR" altLang="en-US" sz="2000" b="1" dirty="0"/>
-          </a:p>
-        </p:txBody>
-      </p:sp>
-      <p:sp>
-        <p:nvSpPr>
-          <p:cNvPr id="30" name="TextBox 29">
-            <a:extLst>
-              <a:ext uri="{FF2B5EF4-FFF2-40B4-BE49-F238E27FC236}">
-                <a16:creationId xmlns:a16="http://schemas.microsoft.com/office/drawing/2014/main" id="{EAE34BE1-68D3-93C0-B2D7-D0739A862C1C}"/>
-              </a:ext>
-            </a:extLst>
-          </p:cNvPr>
-          <p:cNvSpPr txBox="1"/>
-          <p:nvPr/>
-        </p:nvSpPr>
-        <p:spPr>
-          <a:xfrm>
-            <a:off x="7814969" y="969554"/>
-            <a:ext cx="2502148" cy="400110"/>
-          </a:xfrm>
-          <a:prstGeom prst="rect">
-            <a:avLst/>
-          </a:prstGeom>
-          <a:noFill/>
-        </p:spPr>
-        <p:txBody>
-          <a:bodyPr wrap="square">
-            <a:spAutoFit/>
-          </a:bodyPr>
-          <a:lstStyle/>
-          <a:p>
-            <a:pPr algn="ctr"/>
-            <a:r>
-              <a:rPr lang="en-US" altLang="ko-KR" sz="2000" b="1" i="0" dirty="0">
-                <a:effectLst/>
-                <a:latin typeface="__Inter_e5ab12"/>
-              </a:rPr>
-              <a:t>Hierarchical </a:t>
-            </a:r>
-            <a:r>
-              <a:rPr lang="en-US" altLang="ko-KR" sz="2000" b="1" dirty="0"/>
-              <a:t>Process</a:t>
-            </a:r>
-            <a:endParaRPr lang="ko-KR" altLang="en-US" sz="2000" b="1" dirty="0"/>
-          </a:p>
-        </p:txBody>
-      </p:sp>
-      <p:cxnSp>
-        <p:nvCxnSpPr>
-          <p:cNvPr id="32" name="연결선: 꺾임 31">
-            <a:extLst>
-              <a:ext uri="{FF2B5EF4-FFF2-40B4-BE49-F238E27FC236}">
-                <a16:creationId xmlns:a16="http://schemas.microsoft.com/office/drawing/2014/main" id="{8F32BEB9-CFFC-A82E-EF6A-2ABD148F2350}"/>
-              </a:ext>
-            </a:extLst>
-          </p:cNvPr>
-          <p:cNvCxnSpPr>
-            <a:stCxn id="22" idx="1"/>
-            <a:endCxn id="28" idx="2"/>
-          </p:cNvCxnSpPr>
-          <p:nvPr/>
-        </p:nvCxnSpPr>
-        <p:spPr>
-          <a:xfrm rot="10800000" flipH="1" flipV="1">
-            <a:off x="7432871" y="2196664"/>
-            <a:ext cx="1110324" cy="3662416"/>
-          </a:xfrm>
-          <a:prstGeom prst="bentConnector3">
-            <a:avLst>
-              <a:gd name="adj1" fmla="val -20589"/>
-            </a:avLst>
-          </a:prstGeom>
-        </p:spPr>
-        <p:style>
-          <a:lnRef idx="2">
-            <a:schemeClr val="accent1"/>
-          </a:lnRef>
-          <a:fillRef idx="0">
-            <a:schemeClr val="accent1"/>
-          </a:fillRef>
-          <a:effectRef idx="1">
-            <a:schemeClr val="accent1"/>
-          </a:effectRef>
-          <a:fontRef idx="minor">
-            <a:schemeClr val="tx1"/>
-          </a:fontRef>
-        </p:style>
-      </p:cxnSp>
-      <p:cxnSp>
-        <p:nvCxnSpPr>
-          <p:cNvPr id="33" name="연결선: 꺾임 32">
-            <a:extLst>
-              <a:ext uri="{FF2B5EF4-FFF2-40B4-BE49-F238E27FC236}">
-                <a16:creationId xmlns:a16="http://schemas.microsoft.com/office/drawing/2014/main" id="{69C75F89-6459-F5D8-0663-0F3CA5C997C5}"/>
-              </a:ext>
-            </a:extLst>
-          </p:cNvPr>
-          <p:cNvCxnSpPr>
-            <a:cxnSpLocks/>
-            <a:stCxn id="25" idx="1"/>
-            <a:endCxn id="28" idx="2"/>
-          </p:cNvCxnSpPr>
-          <p:nvPr/>
-        </p:nvCxnSpPr>
-        <p:spPr>
-          <a:xfrm rot="10800000" flipH="1" flipV="1">
-            <a:off x="7429429" y="3760644"/>
-            <a:ext cx="1113766" cy="2098435"/>
-          </a:xfrm>
-          <a:prstGeom prst="bentConnector3">
-            <a:avLst>
-              <a:gd name="adj1" fmla="val -20525"/>
-            </a:avLst>
-          </a:prstGeom>
-        </p:spPr>
-        <p:style>
-          <a:lnRef idx="2">
-            <a:schemeClr val="accent1"/>
-          </a:lnRef>
-          <a:fillRef idx="0">
-            <a:schemeClr val="accent1"/>
-          </a:fillRef>
-          <a:effectRef idx="1">
-            <a:schemeClr val="accent1"/>
-          </a:effectRef>
-          <a:fontRef idx="minor">
-            <a:schemeClr val="tx1"/>
-          </a:fontRef>
-        </p:style>
-      </p:cxnSp>
-      <p:sp>
-        <p:nvSpPr>
-          <p:cNvPr id="36" name="TextBox 35">
-            <a:extLst>
-              <a:ext uri="{FF2B5EF4-FFF2-40B4-BE49-F238E27FC236}">
-                <a16:creationId xmlns:a16="http://schemas.microsoft.com/office/drawing/2014/main" id="{B62BE92F-57E1-82D8-2CC3-497B6236765E}"/>
-              </a:ext>
-            </a:extLst>
-          </p:cNvPr>
-          <p:cNvSpPr txBox="1"/>
-          <p:nvPr/>
-        </p:nvSpPr>
-        <p:spPr>
-          <a:xfrm>
-            <a:off x="7335202" y="5950929"/>
-            <a:ext cx="1207993" cy="400110"/>
-          </a:xfrm>
-          <a:prstGeom prst="rect">
-            <a:avLst/>
-          </a:prstGeom>
-          <a:noFill/>
-        </p:spPr>
-        <p:txBody>
-          <a:bodyPr wrap="square" rtlCol="0">
-            <a:spAutoFit/>
-          </a:bodyPr>
-          <a:lstStyle/>
-          <a:p>
-            <a:pPr algn="ctr"/>
-            <a:r>
-              <a:rPr lang="en-US" altLang="ko-KR" sz="2000" b="1" dirty="0"/>
-              <a:t>Select</a:t>
-            </a:r>
-          </a:p>
-        </p:txBody>
-      </p:sp>
-      <p:cxnSp>
-        <p:nvCxnSpPr>
-          <p:cNvPr id="38" name="직선 화살표 연결선 37">
-            <a:extLst>
-              <a:ext uri="{FF2B5EF4-FFF2-40B4-BE49-F238E27FC236}">
-                <a16:creationId xmlns:a16="http://schemas.microsoft.com/office/drawing/2014/main" id="{83408AC2-F292-23A4-C529-0E93D149C700}"/>
-              </a:ext>
-            </a:extLst>
-          </p:cNvPr>
-          <p:cNvCxnSpPr>
-            <a:stCxn id="8" idx="2"/>
-            <a:endCxn id="16" idx="0"/>
-          </p:cNvCxnSpPr>
-          <p:nvPr/>
-        </p:nvCxnSpPr>
-        <p:spPr>
-          <a:xfrm>
-            <a:off x="2185841" y="2636520"/>
-            <a:ext cx="0" cy="625955"/>
-          </a:xfrm>
-          <a:prstGeom prst="straightConnector1">
-            <a:avLst/>
-          </a:prstGeom>
-          <a:ln>
-            <a:tailEnd type="triangle"/>
-          </a:ln>
-        </p:spPr>
-        <p:style>
-          <a:lnRef idx="2">
-            <a:schemeClr val="accent1"/>
-          </a:lnRef>
-          <a:fillRef idx="0">
-            <a:schemeClr val="accent1"/>
-          </a:fillRef>
-          <a:effectRef idx="1">
-            <a:schemeClr val="accent1"/>
-          </a:effectRef>
-          <a:fontRef idx="minor">
-            <a:schemeClr val="tx1"/>
-          </a:fontRef>
-        </p:style>
-      </p:cxnSp>
-      <p:cxnSp>
-        <p:nvCxnSpPr>
-          <p:cNvPr id="39" name="직선 화살표 연결선 38">
-            <a:extLst>
-              <a:ext uri="{FF2B5EF4-FFF2-40B4-BE49-F238E27FC236}">
-                <a16:creationId xmlns:a16="http://schemas.microsoft.com/office/drawing/2014/main" id="{1E1ABB62-CF64-0481-93C0-3E85F0B29079}"/>
-              </a:ext>
-            </a:extLst>
-          </p:cNvPr>
-          <p:cNvCxnSpPr>
-            <a:cxnSpLocks/>
-            <a:stCxn id="16" idx="2"/>
-            <a:endCxn id="19" idx="0"/>
-          </p:cNvCxnSpPr>
-          <p:nvPr/>
-        </p:nvCxnSpPr>
-        <p:spPr>
-          <a:xfrm>
-            <a:off x="2185841" y="4115916"/>
-            <a:ext cx="0" cy="581413"/>
-          </a:xfrm>
-          <a:prstGeom prst="straightConnector1">
-            <a:avLst/>
-          </a:prstGeom>
-          <a:ln>
-            <a:tailEnd type="triangle"/>
-          </a:ln>
-        </p:spPr>
-        <p:style>
-          <a:lnRef idx="2">
-            <a:schemeClr val="accent1"/>
-          </a:lnRef>
-          <a:fillRef idx="0">
-            <a:schemeClr val="accent1"/>
-          </a:fillRef>
-          <a:effectRef idx="1">
-            <a:schemeClr val="accent1"/>
-          </a:effectRef>
-          <a:fontRef idx="minor">
-            <a:schemeClr val="tx1"/>
-          </a:fontRef>
-        </p:style>
-      </p:cxnSp>
-    </p:spTree>
-    <p:extLst>
-      <p:ext uri="{BB962C8B-B14F-4D97-AF65-F5344CB8AC3E}">
-        <p14:creationId xmlns:p14="http://schemas.microsoft.com/office/powerpoint/2010/main" val="1525461706"/>
-      </p:ext>
-    </p:extLst>
-  </p:cSld>
-  <p:clrMapOvr>
-    <a:masterClrMapping/>
-  </p:clrMapOvr>
-</p:sld>
-</file>
-
-<file path=ppt/slides/slide13.xml><?xml version="1.0" encoding="utf-8"?>
-<p:sld xmlns:a="http://schemas.openxmlformats.org/drawingml/2006/main" xmlns:r="http://schemas.openxmlformats.org/officeDocument/2006/relationships" xmlns:p="http://schemas.openxmlformats.org/presentationml/2006/main">
-  <p:cSld>
-    <p:spTree>
-      <p:nvGrpSpPr>
-        <p:cNvPr id="1" name="">
-          <a:extLst>
-            <a:ext uri="{FF2B5EF4-FFF2-40B4-BE49-F238E27FC236}">
-              <a16:creationId xmlns:a16="http://schemas.microsoft.com/office/drawing/2014/main" id="{1B322608-C3A9-4E3D-89DF-C4E565492583}"/>
-            </a:ext>
-          </a:extLst>
-        </p:cNvPr>
-        <p:cNvGrpSpPr/>
-        <p:nvPr/>
-      </p:nvGrpSpPr>
-      <p:grpSpPr>
-        <a:xfrm>
-          <a:off x="0" y="0"/>
-          <a:ext cx="0" cy="0"/>
-          <a:chOff x="0" y="0"/>
-          <a:chExt cx="0" cy="0"/>
-        </a:xfrm>
-      </p:grpSpPr>
-    </p:spTree>
-    <p:extLst>
-      <p:ext uri="{BB962C8B-B14F-4D97-AF65-F5344CB8AC3E}">
-        <p14:creationId xmlns:p14="http://schemas.microsoft.com/office/powerpoint/2010/main" val="2821367248"/>
-      </p:ext>
-    </p:extLst>
-  </p:cSld>
-  <p:clrMapOvr>
-    <a:masterClrMapping/>
-  </p:clrMapOvr>
-</p:sld>
-</file>
-
-<file path=ppt/slides/slide14.xml><?xml version="1.0" encoding="utf-8"?>
-<p:sld xmlns:a="http://schemas.openxmlformats.org/drawingml/2006/main" xmlns:r="http://schemas.openxmlformats.org/officeDocument/2006/relationships" xmlns:p="http://schemas.openxmlformats.org/presentationml/2006/main">
-  <p:cSld>
-    <p:spTree>
-      <p:nvGrpSpPr>
-        <p:cNvPr id="1" name=""/>
-        <p:cNvGrpSpPr/>
-        <p:nvPr/>
-      </p:nvGrpSpPr>
-      <p:grpSpPr>
-        <a:xfrm>
-          <a:off x="0" y="0"/>
-          <a:ext cx="0" cy="0"/>
-          <a:chOff x="0" y="0"/>
-          <a:chExt cx="0" cy="0"/>
-        </a:xfrm>
-      </p:grpSpPr>
-      <p:sp>
-        <p:nvSpPr>
-          <p:cNvPr id="7" name="타원 6">
-            <a:extLst>
-              <a:ext uri="{FF2B5EF4-FFF2-40B4-BE49-F238E27FC236}">
-                <a16:creationId xmlns:a16="http://schemas.microsoft.com/office/drawing/2014/main" id="{B81D355E-CF28-EC78-133F-4B584F1E800B}"/>
-              </a:ext>
-            </a:extLst>
-          </p:cNvPr>
-          <p:cNvSpPr/>
-          <p:nvPr/>
-        </p:nvSpPr>
-        <p:spPr>
-          <a:xfrm>
-            <a:off x="398928" y="716642"/>
-            <a:ext cx="1468665" cy="1468665"/>
-          </a:xfrm>
-          <a:prstGeom prst="ellipse">
-            <a:avLst/>
-          </a:prstGeom>
-        </p:spPr>
-        <p:style>
-          <a:lnRef idx="2">
-            <a:schemeClr val="accent1">
-              <a:shade val="15000"/>
-            </a:schemeClr>
-          </a:lnRef>
-          <a:fillRef idx="1">
-            <a:schemeClr val="accent1"/>
-          </a:fillRef>
-          <a:effectRef idx="0">
-            <a:schemeClr val="accent1"/>
-          </a:effectRef>
-          <a:fontRef idx="minor">
-            <a:schemeClr val="lt1"/>
-          </a:fontRef>
-        </p:style>
-        <p:txBody>
-          <a:bodyPr rtlCol="0" anchor="ctr"/>
-          <a:lstStyle/>
-          <a:p>
-            <a:pPr algn="ctr"/>
-            <a:r>
-              <a:rPr lang="en-US" altLang="ko-KR" dirty="0"/>
-              <a:t>Chat</a:t>
-            </a:r>
-          </a:p>
-          <a:p>
-            <a:pPr algn="ctr"/>
-            <a:r>
-              <a:rPr lang="en-US" altLang="ko-KR" dirty="0"/>
-              <a:t>Session</a:t>
-            </a:r>
-            <a:endParaRPr lang="ko-KR" altLang="en-US" dirty="0"/>
-          </a:p>
-        </p:txBody>
-      </p:sp>
-      <p:sp>
-        <p:nvSpPr>
-          <p:cNvPr id="8" name="타원 7">
-            <a:extLst>
-              <a:ext uri="{FF2B5EF4-FFF2-40B4-BE49-F238E27FC236}">
-                <a16:creationId xmlns:a16="http://schemas.microsoft.com/office/drawing/2014/main" id="{2722E318-DC5A-9A85-58B0-E37275B7A0C9}"/>
-              </a:ext>
-            </a:extLst>
-          </p:cNvPr>
-          <p:cNvSpPr/>
-          <p:nvPr/>
-        </p:nvSpPr>
-        <p:spPr>
-          <a:xfrm>
-            <a:off x="1697725" y="3072039"/>
-            <a:ext cx="1468665" cy="1468665"/>
-          </a:xfrm>
-          <a:prstGeom prst="ellipse">
-            <a:avLst/>
-          </a:prstGeom>
-        </p:spPr>
-        <p:style>
-          <a:lnRef idx="2">
-            <a:schemeClr val="accent1">
-              <a:shade val="15000"/>
-            </a:schemeClr>
-          </a:lnRef>
-          <a:fillRef idx="1">
-            <a:schemeClr val="accent1"/>
-          </a:fillRef>
-          <a:effectRef idx="0">
-            <a:schemeClr val="accent1"/>
-          </a:effectRef>
-          <a:fontRef idx="minor">
-            <a:schemeClr val="lt1"/>
-          </a:fontRef>
-        </p:style>
-        <p:txBody>
-          <a:bodyPr rtlCol="0" anchor="ctr"/>
-          <a:lstStyle/>
-          <a:p>
-            <a:pPr algn="ctr"/>
-            <a:r>
-              <a:rPr lang="en-US" altLang="ko-KR" dirty="0"/>
-              <a:t>Agent</a:t>
-            </a:r>
-            <a:endParaRPr lang="ko-KR" altLang="en-US" dirty="0"/>
-          </a:p>
-        </p:txBody>
-      </p:sp>
-      <p:sp>
-        <p:nvSpPr>
-          <p:cNvPr id="9" name="타원 8">
-            <a:extLst>
-              <a:ext uri="{FF2B5EF4-FFF2-40B4-BE49-F238E27FC236}">
-                <a16:creationId xmlns:a16="http://schemas.microsoft.com/office/drawing/2014/main" id="{F9633076-A23B-8C1F-9FBA-F74910AA925F}"/>
-              </a:ext>
-            </a:extLst>
-          </p:cNvPr>
-          <p:cNvSpPr/>
-          <p:nvPr/>
-        </p:nvSpPr>
-        <p:spPr>
-          <a:xfrm>
-            <a:off x="1678810" y="673099"/>
-            <a:ext cx="1468665" cy="1468665"/>
-          </a:xfrm>
-          <a:prstGeom prst="ellipse">
-            <a:avLst/>
-          </a:prstGeom>
-        </p:spPr>
-        <p:style>
-          <a:lnRef idx="2">
-            <a:schemeClr val="accent1">
-              <a:shade val="15000"/>
-            </a:schemeClr>
-          </a:lnRef>
-          <a:fillRef idx="1">
-            <a:schemeClr val="accent1"/>
-          </a:fillRef>
-          <a:effectRef idx="0">
-            <a:schemeClr val="accent1"/>
-          </a:effectRef>
-          <a:fontRef idx="minor">
-            <a:schemeClr val="lt1"/>
-          </a:fontRef>
-        </p:style>
-        <p:txBody>
-          <a:bodyPr rtlCol="0" anchor="ctr"/>
-          <a:lstStyle/>
-          <a:p>
-            <a:pPr algn="ctr"/>
-            <a:r>
-              <a:rPr lang="en-US" altLang="ko-KR" dirty="0"/>
-              <a:t>DB</a:t>
-            </a:r>
-          </a:p>
-          <a:p>
-            <a:pPr algn="ctr"/>
-            <a:r>
-              <a:rPr lang="en-US" altLang="ko-KR" dirty="0"/>
-              <a:t>Job</a:t>
-            </a:r>
-            <a:endParaRPr lang="ko-KR" altLang="en-US" dirty="0"/>
-          </a:p>
-        </p:txBody>
-      </p:sp>
-      <p:sp>
-        <p:nvSpPr>
-          <p:cNvPr id="10" name="타원 9">
-            <a:extLst>
-              <a:ext uri="{FF2B5EF4-FFF2-40B4-BE49-F238E27FC236}">
-                <a16:creationId xmlns:a16="http://schemas.microsoft.com/office/drawing/2014/main" id="{815952A6-DDBE-964C-C58D-97185E2BAC0A}"/>
-              </a:ext>
-            </a:extLst>
-          </p:cNvPr>
-          <p:cNvSpPr/>
-          <p:nvPr/>
-        </p:nvSpPr>
-        <p:spPr>
-          <a:xfrm>
-            <a:off x="4521861" y="-600087"/>
-            <a:ext cx="1074550" cy="1074550"/>
-          </a:xfrm>
-          <a:prstGeom prst="ellipse">
-            <a:avLst/>
-          </a:prstGeom>
-        </p:spPr>
-        <p:style>
-          <a:lnRef idx="2">
-            <a:schemeClr val="accent1">
-              <a:shade val="15000"/>
-            </a:schemeClr>
-          </a:lnRef>
-          <a:fillRef idx="1">
-            <a:schemeClr val="accent1"/>
-          </a:fillRef>
-          <a:effectRef idx="0">
-            <a:schemeClr val="accent1"/>
-          </a:effectRef>
-          <a:fontRef idx="minor">
-            <a:schemeClr val="lt1"/>
-          </a:fontRef>
-        </p:style>
-        <p:txBody>
-          <a:bodyPr rtlCol="0" anchor="ctr"/>
-          <a:lstStyle/>
-          <a:p>
-            <a:pPr algn="ctr"/>
-            <a:r>
-              <a:rPr lang="en-US" altLang="ko-KR" dirty="0"/>
-              <a:t>Workflow</a:t>
-            </a:r>
-            <a:endParaRPr lang="ko-KR" altLang="en-US" dirty="0"/>
-          </a:p>
-        </p:txBody>
-      </p:sp>
-      <p:sp>
-        <p:nvSpPr>
-          <p:cNvPr id="13" name="순서도: 대체 처리 12">
-            <a:extLst>
-              <a:ext uri="{FF2B5EF4-FFF2-40B4-BE49-F238E27FC236}">
-                <a16:creationId xmlns:a16="http://schemas.microsoft.com/office/drawing/2014/main" id="{DEEE1E5C-E076-50D4-CC64-9F711AA8D2B1}"/>
-              </a:ext>
-            </a:extLst>
-          </p:cNvPr>
-          <p:cNvSpPr/>
-          <p:nvPr/>
-        </p:nvSpPr>
-        <p:spPr>
-          <a:xfrm>
-            <a:off x="5102678" y="2868839"/>
-            <a:ext cx="6763657" cy="3663498"/>
-          </a:xfrm>
-          <a:prstGeom prst="flowChartAlternateProcess">
-            <a:avLst/>
-          </a:prstGeom>
-        </p:spPr>
-        <p:style>
-          <a:lnRef idx="2">
-            <a:schemeClr val="accent1">
-              <a:shade val="15000"/>
-            </a:schemeClr>
-          </a:lnRef>
-          <a:fillRef idx="1">
-            <a:schemeClr val="accent1"/>
-          </a:fillRef>
-          <a:effectRef idx="0">
-            <a:schemeClr val="accent1"/>
-          </a:effectRef>
-          <a:fontRef idx="minor">
-            <a:schemeClr val="lt1"/>
-          </a:fontRef>
-        </p:style>
-        <p:txBody>
-          <a:bodyPr rtlCol="0" anchor="ctr"/>
-          <a:lstStyle/>
-          <a:p>
-            <a:pPr algn="ctr"/>
-            <a:r>
-              <a:rPr lang="en-US" altLang="ko-KR" dirty="0" err="1"/>
-              <a:t>HiveMind</a:t>
-            </a:r>
-            <a:endParaRPr lang="ko-KR" altLang="en-US" dirty="0"/>
-          </a:p>
-        </p:txBody>
-      </p:sp>
-      <p:cxnSp>
-        <p:nvCxnSpPr>
-          <p:cNvPr id="15" name="직선 화살표 연결선 14">
-            <a:extLst>
-              <a:ext uri="{FF2B5EF4-FFF2-40B4-BE49-F238E27FC236}">
-                <a16:creationId xmlns:a16="http://schemas.microsoft.com/office/drawing/2014/main" id="{61D5A8AE-AEB7-7D36-B246-C57244ED9D21}"/>
-              </a:ext>
-            </a:extLst>
-          </p:cNvPr>
-          <p:cNvCxnSpPr>
-            <a:cxnSpLocks/>
-            <a:stCxn id="8" idx="0"/>
-            <a:endCxn id="7" idx="4"/>
-          </p:cNvCxnSpPr>
-          <p:nvPr/>
-        </p:nvCxnSpPr>
-        <p:spPr>
-          <a:xfrm flipH="1" flipV="1">
-            <a:off x="1133261" y="2185307"/>
-            <a:ext cx="1298797" cy="886732"/>
-          </a:xfrm>
-          <a:prstGeom prst="straightConnector1">
-            <a:avLst/>
-          </a:prstGeom>
-          <a:ln>
-            <a:tailEnd type="triangle"/>
-          </a:ln>
-        </p:spPr>
-        <p:style>
-          <a:lnRef idx="2">
-            <a:schemeClr val="accent1"/>
-          </a:lnRef>
-          <a:fillRef idx="0">
-            <a:schemeClr val="accent1"/>
-          </a:fillRef>
-          <a:effectRef idx="1">
-            <a:schemeClr val="accent1"/>
-          </a:effectRef>
-          <a:fontRef idx="minor">
-            <a:schemeClr val="tx1"/>
-          </a:fontRef>
-        </p:style>
-      </p:cxnSp>
-      <p:cxnSp>
-        <p:nvCxnSpPr>
-          <p:cNvPr id="17" name="직선 화살표 연결선 16">
-            <a:extLst>
-              <a:ext uri="{FF2B5EF4-FFF2-40B4-BE49-F238E27FC236}">
-                <a16:creationId xmlns:a16="http://schemas.microsoft.com/office/drawing/2014/main" id="{7699D5F1-D4B5-B6DF-DF9E-D85DE929F64B}"/>
-              </a:ext>
-            </a:extLst>
-          </p:cNvPr>
-          <p:cNvCxnSpPr>
-            <a:cxnSpLocks/>
-            <a:stCxn id="8" idx="0"/>
-            <a:endCxn id="9" idx="4"/>
-          </p:cNvCxnSpPr>
-          <p:nvPr/>
-        </p:nvCxnSpPr>
-        <p:spPr>
-          <a:xfrm flipH="1" flipV="1">
-            <a:off x="2413143" y="2141764"/>
-            <a:ext cx="18915" cy="930275"/>
-          </a:xfrm>
-          <a:prstGeom prst="straightConnector1">
-            <a:avLst/>
-          </a:prstGeom>
-          <a:ln>
-            <a:tailEnd type="triangle"/>
-          </a:ln>
-        </p:spPr>
-        <p:style>
-          <a:lnRef idx="2">
-            <a:schemeClr val="accent1"/>
-          </a:lnRef>
-          <a:fillRef idx="0">
-            <a:schemeClr val="accent1"/>
-          </a:fillRef>
-          <a:effectRef idx="1">
-            <a:schemeClr val="accent1"/>
-          </a:effectRef>
-          <a:fontRef idx="minor">
-            <a:schemeClr val="tx1"/>
-          </a:fontRef>
-        </p:style>
-      </p:cxnSp>
-      <p:sp>
-        <p:nvSpPr>
-          <p:cNvPr id="23" name="타원 22">
-            <a:extLst>
-              <a:ext uri="{FF2B5EF4-FFF2-40B4-BE49-F238E27FC236}">
-                <a16:creationId xmlns:a16="http://schemas.microsoft.com/office/drawing/2014/main" id="{8C8FBEC1-540A-CA1D-F9E9-E7CF5EFF4CAD}"/>
-              </a:ext>
-            </a:extLst>
-          </p:cNvPr>
-          <p:cNvSpPr/>
-          <p:nvPr/>
-        </p:nvSpPr>
-        <p:spPr>
-          <a:xfrm>
-            <a:off x="8439610" y="4944382"/>
-            <a:ext cx="1468665" cy="1468665"/>
-          </a:xfrm>
-          <a:prstGeom prst="ellipse">
-            <a:avLst/>
-          </a:prstGeom>
-        </p:spPr>
-        <p:style>
-          <a:lnRef idx="2">
-            <a:schemeClr val="accent1">
-              <a:shade val="15000"/>
-            </a:schemeClr>
-          </a:lnRef>
-          <a:fillRef idx="1">
-            <a:schemeClr val="accent1"/>
-          </a:fillRef>
-          <a:effectRef idx="0">
-            <a:schemeClr val="accent1"/>
-          </a:effectRef>
-          <a:fontRef idx="minor">
-            <a:schemeClr val="lt1"/>
-          </a:fontRef>
-        </p:style>
-        <p:txBody>
-          <a:bodyPr rtlCol="0" anchor="ctr"/>
-          <a:lstStyle/>
-          <a:p>
-            <a:pPr algn="ctr"/>
-            <a:r>
-              <a:rPr lang="en-US" altLang="ko-KR" dirty="0"/>
-              <a:t>Agent</a:t>
-            </a:r>
-            <a:endParaRPr lang="ko-KR" altLang="en-US" dirty="0"/>
-          </a:p>
-        </p:txBody>
-      </p:sp>
-      <p:sp>
-        <p:nvSpPr>
-          <p:cNvPr id="24" name="타원 23">
-            <a:extLst>
-              <a:ext uri="{FF2B5EF4-FFF2-40B4-BE49-F238E27FC236}">
-                <a16:creationId xmlns:a16="http://schemas.microsoft.com/office/drawing/2014/main" id="{3962CE19-D107-8C20-4EFA-CAB97195D57D}"/>
-              </a:ext>
-            </a:extLst>
-          </p:cNvPr>
-          <p:cNvSpPr/>
-          <p:nvPr/>
-        </p:nvSpPr>
-        <p:spPr>
-          <a:xfrm>
-            <a:off x="9173942" y="4944382"/>
-            <a:ext cx="1468665" cy="1468665"/>
-          </a:xfrm>
-          <a:prstGeom prst="ellipse">
-            <a:avLst/>
-          </a:prstGeom>
-        </p:spPr>
-        <p:style>
-          <a:lnRef idx="2">
-            <a:schemeClr val="accent1">
-              <a:shade val="15000"/>
-            </a:schemeClr>
-          </a:lnRef>
-          <a:fillRef idx="1">
-            <a:schemeClr val="accent1"/>
-          </a:fillRef>
-          <a:effectRef idx="0">
-            <a:schemeClr val="accent1"/>
-          </a:effectRef>
-          <a:fontRef idx="minor">
-            <a:schemeClr val="lt1"/>
-          </a:fontRef>
-        </p:style>
-        <p:txBody>
-          <a:bodyPr rtlCol="0" anchor="ctr"/>
-          <a:lstStyle/>
-          <a:p>
-            <a:pPr algn="ctr"/>
-            <a:r>
-              <a:rPr lang="en-US" altLang="ko-KR" dirty="0"/>
-              <a:t>Agent</a:t>
-            </a:r>
-            <a:endParaRPr lang="ko-KR" altLang="en-US" dirty="0"/>
-          </a:p>
-        </p:txBody>
-      </p:sp>
-      <p:sp>
-        <p:nvSpPr>
-          <p:cNvPr id="25" name="타원 24">
-            <a:extLst>
-              <a:ext uri="{FF2B5EF4-FFF2-40B4-BE49-F238E27FC236}">
-                <a16:creationId xmlns:a16="http://schemas.microsoft.com/office/drawing/2014/main" id="{E2CE61B7-B9FD-D852-9EC6-E79712364267}"/>
-              </a:ext>
-            </a:extLst>
-          </p:cNvPr>
-          <p:cNvSpPr/>
-          <p:nvPr/>
-        </p:nvSpPr>
-        <p:spPr>
-          <a:xfrm>
-            <a:off x="9920105" y="4944382"/>
-            <a:ext cx="1468665" cy="1468665"/>
-          </a:xfrm>
-          <a:prstGeom prst="ellipse">
-            <a:avLst/>
-          </a:prstGeom>
-        </p:spPr>
-        <p:style>
-          <a:lnRef idx="2">
-            <a:schemeClr val="accent1">
-              <a:shade val="15000"/>
-            </a:schemeClr>
-          </a:lnRef>
-          <a:fillRef idx="1">
-            <a:schemeClr val="accent1"/>
-          </a:fillRef>
-          <a:effectRef idx="0">
-            <a:schemeClr val="accent1"/>
-          </a:effectRef>
-          <a:fontRef idx="minor">
-            <a:schemeClr val="lt1"/>
-          </a:fontRef>
-        </p:style>
-        <p:txBody>
-          <a:bodyPr rtlCol="0" anchor="ctr"/>
-          <a:lstStyle/>
-          <a:p>
-            <a:pPr algn="ctr"/>
-            <a:r>
-              <a:rPr lang="en-US" altLang="ko-KR" dirty="0"/>
-              <a:t>Agent</a:t>
-            </a:r>
-            <a:endParaRPr lang="ko-KR" altLang="en-US" dirty="0"/>
-          </a:p>
-        </p:txBody>
-      </p:sp>
-      <p:sp>
-        <p:nvSpPr>
-          <p:cNvPr id="26" name="타원 25">
-            <a:extLst>
-              <a:ext uri="{FF2B5EF4-FFF2-40B4-BE49-F238E27FC236}">
-                <a16:creationId xmlns:a16="http://schemas.microsoft.com/office/drawing/2014/main" id="{7F78E4B2-29A2-C279-0C71-D77DE6C6F2DD}"/>
-              </a:ext>
-            </a:extLst>
-          </p:cNvPr>
-          <p:cNvSpPr/>
-          <p:nvPr/>
-        </p:nvSpPr>
-        <p:spPr>
-          <a:xfrm>
-            <a:off x="5253952" y="3057525"/>
-            <a:ext cx="1468665" cy="1468665"/>
-          </a:xfrm>
-          <a:prstGeom prst="ellipse">
-            <a:avLst/>
-          </a:prstGeom>
-        </p:spPr>
-        <p:style>
-          <a:lnRef idx="2">
-            <a:schemeClr val="accent1">
-              <a:shade val="15000"/>
-            </a:schemeClr>
-          </a:lnRef>
-          <a:fillRef idx="1">
-            <a:schemeClr val="accent1"/>
-          </a:fillRef>
-          <a:effectRef idx="0">
-            <a:schemeClr val="accent1"/>
-          </a:effectRef>
-          <a:fontRef idx="minor">
-            <a:schemeClr val="lt1"/>
-          </a:fontRef>
-        </p:style>
-        <p:txBody>
-          <a:bodyPr rtlCol="0" anchor="ctr"/>
-          <a:lstStyle/>
-          <a:p>
-            <a:pPr algn="ctr"/>
-            <a:r>
-              <a:rPr lang="en-US" altLang="ko-KR" dirty="0"/>
-              <a:t>Chat</a:t>
-            </a:r>
-          </a:p>
-          <a:p>
-            <a:pPr algn="ctr"/>
-            <a:r>
-              <a:rPr lang="en-US" altLang="ko-KR" dirty="0"/>
-              <a:t>Session</a:t>
-            </a:r>
-            <a:endParaRPr lang="ko-KR" altLang="en-US" dirty="0"/>
-          </a:p>
-        </p:txBody>
-      </p:sp>
-      <p:sp>
-        <p:nvSpPr>
-          <p:cNvPr id="27" name="타원 26">
-            <a:extLst>
-              <a:ext uri="{FF2B5EF4-FFF2-40B4-BE49-F238E27FC236}">
-                <a16:creationId xmlns:a16="http://schemas.microsoft.com/office/drawing/2014/main" id="{7834B259-DFE8-428B-26F8-9192C44CDA7F}"/>
-              </a:ext>
-            </a:extLst>
-          </p:cNvPr>
-          <p:cNvSpPr/>
-          <p:nvPr/>
-        </p:nvSpPr>
-        <p:spPr>
-          <a:xfrm>
-            <a:off x="6247908" y="3088777"/>
-            <a:ext cx="1468665" cy="1468665"/>
-          </a:xfrm>
-          <a:prstGeom prst="ellipse">
-            <a:avLst/>
-          </a:prstGeom>
-        </p:spPr>
-        <p:style>
-          <a:lnRef idx="2">
-            <a:schemeClr val="accent1">
-              <a:shade val="15000"/>
-            </a:schemeClr>
-          </a:lnRef>
-          <a:fillRef idx="1">
-            <a:schemeClr val="accent1"/>
-          </a:fillRef>
-          <a:effectRef idx="0">
-            <a:schemeClr val="accent1"/>
-          </a:effectRef>
-          <a:fontRef idx="minor">
-            <a:schemeClr val="lt1"/>
-          </a:fontRef>
-        </p:style>
-        <p:txBody>
-          <a:bodyPr rtlCol="0" anchor="ctr"/>
-          <a:lstStyle/>
-          <a:p>
-            <a:pPr algn="ctr"/>
-            <a:r>
-              <a:rPr lang="en-US" altLang="ko-KR" dirty="0"/>
-              <a:t>Job</a:t>
-            </a:r>
-            <a:endParaRPr lang="ko-KR" altLang="en-US" dirty="0"/>
-          </a:p>
-        </p:txBody>
-      </p:sp>
-      <p:sp>
-        <p:nvSpPr>
-          <p:cNvPr id="28" name="타원 27">
-            <a:extLst>
-              <a:ext uri="{FF2B5EF4-FFF2-40B4-BE49-F238E27FC236}">
-                <a16:creationId xmlns:a16="http://schemas.microsoft.com/office/drawing/2014/main" id="{D07129B4-F1DC-DF01-285D-A49496814CC6}"/>
-              </a:ext>
-            </a:extLst>
-          </p:cNvPr>
-          <p:cNvSpPr/>
-          <p:nvPr/>
-        </p:nvSpPr>
-        <p:spPr>
-          <a:xfrm>
-            <a:off x="1697724" y="4787674"/>
-            <a:ext cx="1468665" cy="1468665"/>
-          </a:xfrm>
-          <a:prstGeom prst="ellipse">
-            <a:avLst/>
-          </a:prstGeom>
-        </p:spPr>
-        <p:style>
-          <a:lnRef idx="2">
-            <a:schemeClr val="accent1">
-              <a:shade val="15000"/>
-            </a:schemeClr>
-          </a:lnRef>
-          <a:fillRef idx="1">
-            <a:schemeClr val="accent1"/>
-          </a:fillRef>
-          <a:effectRef idx="0">
-            <a:schemeClr val="accent1"/>
-          </a:effectRef>
-          <a:fontRef idx="minor">
-            <a:schemeClr val="lt1"/>
-          </a:fontRef>
-        </p:style>
-        <p:txBody>
-          <a:bodyPr rtlCol="0" anchor="ctr"/>
-          <a:lstStyle/>
-          <a:p>
-            <a:pPr algn="ctr"/>
-            <a:r>
-              <a:rPr lang="en-US" altLang="ko-KR" dirty="0" err="1"/>
-              <a:t>IService</a:t>
-            </a:r>
-            <a:endParaRPr lang="ko-KR" altLang="en-US" dirty="0"/>
-          </a:p>
-        </p:txBody>
-      </p:sp>
-      <p:cxnSp>
-        <p:nvCxnSpPr>
-          <p:cNvPr id="29" name="직선 연결선 28">
-            <a:extLst>
-              <a:ext uri="{FF2B5EF4-FFF2-40B4-BE49-F238E27FC236}">
-                <a16:creationId xmlns:a16="http://schemas.microsoft.com/office/drawing/2014/main" id="{D594718F-32E2-6220-0C4A-49BA0027C4D0}"/>
-              </a:ext>
-            </a:extLst>
-          </p:cNvPr>
-          <p:cNvCxnSpPr>
-            <a:cxnSpLocks/>
-            <a:stCxn id="8" idx="4"/>
-            <a:endCxn id="28" idx="0"/>
-          </p:cNvCxnSpPr>
-          <p:nvPr/>
-        </p:nvCxnSpPr>
-        <p:spPr>
-          <a:xfrm flipH="1">
-            <a:off x="2432057" y="4540704"/>
-            <a:ext cx="1" cy="246970"/>
-          </a:xfrm>
-          <a:prstGeom prst="line">
-            <a:avLst/>
-          </a:prstGeom>
-        </p:spPr>
-        <p:style>
-          <a:lnRef idx="2">
-            <a:schemeClr val="accent1"/>
-          </a:lnRef>
-          <a:fillRef idx="0">
-            <a:schemeClr val="accent1"/>
-          </a:fillRef>
-          <a:effectRef idx="1">
-            <a:schemeClr val="accent1"/>
-          </a:effectRef>
-          <a:fontRef idx="minor">
-            <a:schemeClr val="tx1"/>
-          </a:fontRef>
-        </p:style>
-      </p:cxnSp>
-      <p:sp>
-        <p:nvSpPr>
-          <p:cNvPr id="37" name="타원 36">
-            <a:extLst>
-              <a:ext uri="{FF2B5EF4-FFF2-40B4-BE49-F238E27FC236}">
-                <a16:creationId xmlns:a16="http://schemas.microsoft.com/office/drawing/2014/main" id="{71ABD378-FDDB-06CC-8383-836FF036A859}"/>
-              </a:ext>
-            </a:extLst>
-          </p:cNvPr>
-          <p:cNvSpPr/>
-          <p:nvPr/>
-        </p:nvSpPr>
-        <p:spPr>
-          <a:xfrm>
-            <a:off x="3021149" y="745557"/>
-            <a:ext cx="1468665" cy="1468665"/>
-          </a:xfrm>
-          <a:prstGeom prst="ellipse">
-            <a:avLst/>
-          </a:prstGeom>
-        </p:spPr>
-        <p:style>
-          <a:lnRef idx="2">
-            <a:schemeClr val="accent1">
-              <a:shade val="15000"/>
-            </a:schemeClr>
-          </a:lnRef>
-          <a:fillRef idx="1">
-            <a:schemeClr val="accent1"/>
-          </a:fillRef>
-          <a:effectRef idx="0">
-            <a:schemeClr val="accent1"/>
-          </a:effectRef>
-          <a:fontRef idx="minor">
-            <a:schemeClr val="lt1"/>
-          </a:fontRef>
-        </p:style>
-        <p:txBody>
-          <a:bodyPr rtlCol="0" anchor="ctr"/>
-          <a:lstStyle/>
-          <a:p>
-            <a:pPr algn="ctr"/>
-            <a:r>
-              <a:rPr lang="en-US" altLang="ko-KR" dirty="0"/>
-              <a:t>Summa</a:t>
-            </a:r>
-          </a:p>
-          <a:p>
-            <a:pPr algn="ctr"/>
-            <a:r>
-              <a:rPr lang="en-US" altLang="ko-KR" dirty="0"/>
-              <a:t>Job</a:t>
-            </a:r>
-            <a:endParaRPr lang="ko-KR" altLang="en-US" dirty="0"/>
-          </a:p>
-        </p:txBody>
-      </p:sp>
-      <p:cxnSp>
-        <p:nvCxnSpPr>
-          <p:cNvPr id="39" name="직선 화살표 연결선 38">
-            <a:extLst>
-              <a:ext uri="{FF2B5EF4-FFF2-40B4-BE49-F238E27FC236}">
-                <a16:creationId xmlns:a16="http://schemas.microsoft.com/office/drawing/2014/main" id="{BF2C511D-6083-D4B6-8E4D-2DC2483A77FB}"/>
-              </a:ext>
-            </a:extLst>
-          </p:cNvPr>
-          <p:cNvCxnSpPr>
-            <a:cxnSpLocks/>
-            <a:stCxn id="8" idx="0"/>
-            <a:endCxn id="37" idx="4"/>
-          </p:cNvCxnSpPr>
-          <p:nvPr/>
-        </p:nvCxnSpPr>
-        <p:spPr>
-          <a:xfrm flipV="1">
-            <a:off x="2432058" y="2214222"/>
-            <a:ext cx="1323424" cy="857817"/>
-          </a:xfrm>
-          <a:prstGeom prst="straightConnector1">
-            <a:avLst/>
-          </a:prstGeom>
-          <a:ln>
-            <a:tailEnd type="triangle"/>
-          </a:ln>
-        </p:spPr>
-        <p:style>
-          <a:lnRef idx="2">
-            <a:schemeClr val="accent1"/>
-          </a:lnRef>
-          <a:fillRef idx="0">
-            <a:schemeClr val="accent1"/>
-          </a:fillRef>
-          <a:effectRef idx="1">
-            <a:schemeClr val="accent1"/>
-          </a:effectRef>
-          <a:fontRef idx="minor">
-            <a:schemeClr val="tx1"/>
-          </a:fontRef>
-        </p:style>
-      </p:cxnSp>
-      <p:sp>
-        <p:nvSpPr>
-          <p:cNvPr id="46" name="타원 45">
-            <a:extLst>
-              <a:ext uri="{FF2B5EF4-FFF2-40B4-BE49-F238E27FC236}">
-                <a16:creationId xmlns:a16="http://schemas.microsoft.com/office/drawing/2014/main" id="{7051D9B0-73BB-BBC9-AA37-7205D644CB7A}"/>
-              </a:ext>
-            </a:extLst>
-          </p:cNvPr>
-          <p:cNvSpPr/>
-          <p:nvPr/>
-        </p:nvSpPr>
-        <p:spPr>
-          <a:xfrm>
-            <a:off x="4319945" y="783033"/>
-            <a:ext cx="1468665" cy="1468665"/>
-          </a:xfrm>
-          <a:prstGeom prst="ellipse">
-            <a:avLst/>
-          </a:prstGeom>
-        </p:spPr>
-        <p:style>
-          <a:lnRef idx="2">
-            <a:schemeClr val="accent1">
-              <a:shade val="15000"/>
-            </a:schemeClr>
-          </a:lnRef>
-          <a:fillRef idx="1">
-            <a:schemeClr val="accent1"/>
-          </a:fillRef>
-          <a:effectRef idx="0">
-            <a:schemeClr val="accent1"/>
-          </a:effectRef>
-          <a:fontRef idx="minor">
-            <a:schemeClr val="lt1"/>
-          </a:fontRef>
-        </p:style>
-        <p:txBody>
-          <a:bodyPr rtlCol="0" anchor="ctr"/>
-          <a:lstStyle/>
-          <a:p>
-            <a:pPr algn="ctr"/>
-            <a:r>
-              <a:rPr lang="en-US" altLang="ko-KR" dirty="0"/>
-              <a:t>User</a:t>
-            </a:r>
-          </a:p>
-          <a:p>
-            <a:pPr algn="ctr"/>
-            <a:r>
-              <a:rPr lang="en-US" altLang="ko-KR" dirty="0"/>
-              <a:t>Job</a:t>
-            </a:r>
-            <a:endParaRPr lang="ko-KR" altLang="en-US" dirty="0"/>
-          </a:p>
-        </p:txBody>
-      </p:sp>
-      <p:cxnSp>
-        <p:nvCxnSpPr>
-          <p:cNvPr id="47" name="직선 화살표 연결선 46">
-            <a:extLst>
-              <a:ext uri="{FF2B5EF4-FFF2-40B4-BE49-F238E27FC236}">
-                <a16:creationId xmlns:a16="http://schemas.microsoft.com/office/drawing/2014/main" id="{2297FAEA-3378-AFEA-2343-29A3F5CEAB89}"/>
-              </a:ext>
-            </a:extLst>
-          </p:cNvPr>
-          <p:cNvCxnSpPr>
-            <a:cxnSpLocks/>
-            <a:stCxn id="8" idx="0"/>
-            <a:endCxn id="46" idx="4"/>
-          </p:cNvCxnSpPr>
-          <p:nvPr/>
-        </p:nvCxnSpPr>
-        <p:spPr>
-          <a:xfrm flipV="1">
-            <a:off x="2432058" y="2251698"/>
-            <a:ext cx="2622220" cy="820341"/>
-          </a:xfrm>
-          <a:prstGeom prst="straightConnector1">
-            <a:avLst/>
-          </a:prstGeom>
-          <a:ln>
-            <a:tailEnd type="triangle"/>
-          </a:ln>
-        </p:spPr>
-        <p:style>
-          <a:lnRef idx="2">
-            <a:schemeClr val="accent1"/>
-          </a:lnRef>
-          <a:fillRef idx="0">
-            <a:schemeClr val="accent1"/>
-          </a:fillRef>
-          <a:effectRef idx="1">
-            <a:schemeClr val="accent1"/>
-          </a:effectRef>
-          <a:fontRef idx="minor">
-            <a:schemeClr val="tx1"/>
-          </a:fontRef>
-        </p:style>
-      </p:cxnSp>
-      <p:cxnSp>
-        <p:nvCxnSpPr>
-          <p:cNvPr id="51" name="직선 연결선 50">
-            <a:extLst>
-              <a:ext uri="{FF2B5EF4-FFF2-40B4-BE49-F238E27FC236}">
-                <a16:creationId xmlns:a16="http://schemas.microsoft.com/office/drawing/2014/main" id="{F8AF8BA9-5AB9-E3DD-9308-E94E634F8B9B}"/>
-              </a:ext>
-            </a:extLst>
-          </p:cNvPr>
-          <p:cNvCxnSpPr>
-            <a:stCxn id="10" idx="4"/>
-            <a:endCxn id="46" idx="0"/>
-          </p:cNvCxnSpPr>
-          <p:nvPr/>
-        </p:nvCxnSpPr>
-        <p:spPr>
-          <a:xfrm flipH="1">
-            <a:off x="5054278" y="474463"/>
-            <a:ext cx="4858" cy="308570"/>
-          </a:xfrm>
-          <a:prstGeom prst="line">
-            <a:avLst/>
-          </a:prstGeom>
-        </p:spPr>
-        <p:style>
-          <a:lnRef idx="2">
-            <a:schemeClr val="accent1"/>
-          </a:lnRef>
-          <a:fillRef idx="0">
-            <a:schemeClr val="accent1"/>
-          </a:fillRef>
-          <a:effectRef idx="1">
-            <a:schemeClr val="accent1"/>
-          </a:effectRef>
-          <a:fontRef idx="minor">
-            <a:schemeClr val="tx1"/>
-          </a:fontRef>
-        </p:style>
-      </p:cxnSp>
-    </p:spTree>
-    <p:extLst>
-      <p:ext uri="{BB962C8B-B14F-4D97-AF65-F5344CB8AC3E}">
-        <p14:creationId xmlns:p14="http://schemas.microsoft.com/office/powerpoint/2010/main" val="2635623590"/>
-      </p:ext>
-    </p:extLst>
-  </p:cSld>
-  <p:clrMapOvr>
-    <a:masterClrMapping/>
-  </p:clrMapOvr>
-</p:sld>
-</file>
-
-<file path=ppt/slides/slide15.xml><?xml version="1.0" encoding="utf-8"?>
-<p:sld xmlns:a="http://schemas.openxmlformats.org/drawingml/2006/main" xmlns:r="http://schemas.openxmlformats.org/officeDocument/2006/relationships" xmlns:p="http://schemas.openxmlformats.org/presentationml/2006/main">
-  <p:cSld>
-    <p:spTree>
-      <p:nvGrpSpPr>
         <p:cNvPr id="1" name="">
           <a:extLst>
             <a:ext uri="{FF2B5EF4-FFF2-40B4-BE49-F238E27FC236}">
@@ -8813,7 +4714,7 @@
         </p:nvSpPr>
         <p:spPr>
           <a:xfrm>
-            <a:off x="602124" y="716642"/>
+            <a:off x="2616905" y="716642"/>
             <a:ext cx="1468665" cy="1468665"/>
           </a:xfrm>
           <a:prstGeom prst="ellipse">
@@ -8870,7 +4771,7 @@
         </p:nvSpPr>
         <p:spPr>
           <a:xfrm>
-            <a:off x="3330846" y="716642"/>
+            <a:off x="5361125" y="716642"/>
             <a:ext cx="1468665" cy="1468665"/>
           </a:xfrm>
           <a:prstGeom prst="ellipse">
@@ -8920,7 +4821,7 @@
         </p:nvSpPr>
         <p:spPr>
           <a:xfrm>
-            <a:off x="602123" y="2471057"/>
+            <a:off x="2601406" y="2471057"/>
             <a:ext cx="1468665" cy="1468665"/>
           </a:xfrm>
           <a:prstGeom prst="ellipse">
@@ -8977,8 +4878,8 @@
         </p:nvSpPr>
         <p:spPr>
           <a:xfrm>
-            <a:off x="5102678" y="2868839"/>
-            <a:ext cx="6763657" cy="3663498"/>
+            <a:off x="5966847" y="2929179"/>
+            <a:ext cx="5899488" cy="3603157"/>
           </a:xfrm>
           <a:prstGeom prst="flowChartAlternateProcess">
             <a:avLst/>
@@ -9007,7 +4908,7 @@
             <a:pPr algn="ctr"/>
             <a:r>
               <a:rPr lang="en-US" altLang="ko-KR" dirty="0" err="1"/>
-              <a:t>HiveMind</a:t>
+              <a:t>IHive</a:t>
             </a:r>
             <a:endParaRPr lang="ko-KR" altLang="en-US" dirty="0"/>
           </a:p>
@@ -9027,7 +4928,7 @@
         </p:nvSpPr>
         <p:spPr>
           <a:xfrm>
-            <a:off x="8439610" y="4944382"/>
+            <a:off x="8656582" y="4944382"/>
             <a:ext cx="1468665" cy="1468665"/>
           </a:xfrm>
           <a:prstGeom prst="ellipse">
@@ -9077,7 +4978,7 @@
         </p:nvSpPr>
         <p:spPr>
           <a:xfrm>
-            <a:off x="9173942" y="4944382"/>
+            <a:off x="9390914" y="4944382"/>
             <a:ext cx="1468665" cy="1468665"/>
           </a:xfrm>
           <a:prstGeom prst="ellipse">
@@ -9127,7 +5028,7 @@
         </p:nvSpPr>
         <p:spPr>
           <a:xfrm>
-            <a:off x="9920105" y="4944382"/>
+            <a:off x="10137077" y="4944382"/>
             <a:ext cx="1468665" cy="1468665"/>
           </a:xfrm>
           <a:prstGeom prst="ellipse">
@@ -9177,7 +5078,7 @@
         </p:nvSpPr>
         <p:spPr>
           <a:xfrm>
-            <a:off x="648169" y="-1006578"/>
+            <a:off x="2647452" y="-1006578"/>
             <a:ext cx="1393591" cy="1393591"/>
           </a:xfrm>
           <a:prstGeom prst="ellipse">
@@ -9234,7 +5135,7 @@
         </p:nvSpPr>
         <p:spPr>
           <a:xfrm>
-            <a:off x="606757" y="4350657"/>
+            <a:off x="2606040" y="4350657"/>
             <a:ext cx="1468665" cy="1468665"/>
           </a:xfrm>
           <a:prstGeom prst="ellipse">
@@ -9295,8 +5196,8 @@
         </p:nvCxnSpPr>
         <p:spPr>
           <a:xfrm flipH="1">
-            <a:off x="2070789" y="1450975"/>
-            <a:ext cx="1260057" cy="0"/>
+            <a:off x="4085570" y="1450975"/>
+            <a:ext cx="1275555" cy="0"/>
           </a:xfrm>
           <a:prstGeom prst="line">
             <a:avLst/>
@@ -9335,8 +5236,8 @@
         </p:nvCxnSpPr>
         <p:spPr>
           <a:xfrm flipH="1">
-            <a:off x="2070788" y="1450975"/>
-            <a:ext cx="1260058" cy="1754415"/>
+            <a:off x="4070071" y="1450975"/>
+            <a:ext cx="1291054" cy="1754415"/>
           </a:xfrm>
           <a:prstGeom prst="line">
             <a:avLst/>
@@ -9375,8 +5276,8 @@
         </p:nvCxnSpPr>
         <p:spPr>
           <a:xfrm flipH="1">
-            <a:off x="2075422" y="1450975"/>
-            <a:ext cx="1255424" cy="3634015"/>
+            <a:off x="4074705" y="1450975"/>
+            <a:ext cx="1286420" cy="3634015"/>
           </a:xfrm>
           <a:prstGeom prst="line">
             <a:avLst/>
@@ -9411,7 +5312,7 @@
         </p:nvSpPr>
         <p:spPr>
           <a:xfrm>
-            <a:off x="5102678" y="716641"/>
+            <a:off x="7194949" y="716641"/>
             <a:ext cx="1468665" cy="1468665"/>
           </a:xfrm>
           <a:prstGeom prst="ellipse">
@@ -9464,8 +5365,8 @@
         </p:nvCxnSpPr>
         <p:spPr>
           <a:xfrm flipV="1">
-            <a:off x="4799511" y="1450974"/>
-            <a:ext cx="303167" cy="1"/>
+            <a:off x="6829790" y="1450974"/>
+            <a:ext cx="365159" cy="1"/>
           </a:xfrm>
           <a:prstGeom prst="line">
             <a:avLst/>
@@ -9502,9 +5403,9 @@
           <p:nvPr/>
         </p:nvCxnSpPr>
         <p:spPr>
-          <a:xfrm flipV="1">
-            <a:off x="1336457" y="387013"/>
-            <a:ext cx="8508" cy="329629"/>
+          <a:xfrm flipH="1" flipV="1">
+            <a:off x="3344248" y="387013"/>
+            <a:ext cx="6990" cy="329629"/>
           </a:xfrm>
           <a:prstGeom prst="straightConnector1">
             <a:avLst/>
@@ -9542,7 +5443,7 @@
         </p:nvSpPr>
         <p:spPr>
           <a:xfrm>
-            <a:off x="516523" y="6123667"/>
+            <a:off x="408577" y="722489"/>
             <a:ext cx="1468665" cy="1468665"/>
           </a:xfrm>
           <a:prstGeom prst="ellipse">
@@ -9596,15 +5497,15 @@
           </p:cNvPr>
           <p:cNvCxnSpPr>
             <a:cxnSpLocks/>
-            <a:stCxn id="8" idx="2"/>
+            <a:stCxn id="7" idx="2"/>
             <a:endCxn id="42" idx="6"/>
           </p:cNvCxnSpPr>
           <p:nvPr/>
         </p:nvCxnSpPr>
         <p:spPr>
           <a:xfrm flipH="1">
-            <a:off x="1985188" y="1450975"/>
-            <a:ext cx="1345658" cy="5407025"/>
+            <a:off x="1877242" y="1450975"/>
+            <a:ext cx="739663" cy="5847"/>
           </a:xfrm>
           <a:prstGeom prst="line">
             <a:avLst/>
@@ -9625,6 +5526,63 @@
           </a:fontRef>
         </p:style>
       </p:cxnSp>
+      <p:sp>
+        <p:nvSpPr>
+          <p:cNvPr id="3" name="타원 2">
+            <a:extLst>
+              <a:ext uri="{FF2B5EF4-FFF2-40B4-BE49-F238E27FC236}">
+                <a16:creationId xmlns:a16="http://schemas.microsoft.com/office/drawing/2014/main" id="{E7016FA1-52D4-313B-6E76-E4CDA7E004C2}"/>
+              </a:ext>
+            </a:extLst>
+          </p:cNvPr>
+          <p:cNvSpPr/>
+          <p:nvPr/>
+        </p:nvSpPr>
+        <p:spPr>
+          <a:xfrm>
+            <a:off x="10009595" y="716641"/>
+            <a:ext cx="1468665" cy="1468665"/>
+          </a:xfrm>
+          <a:prstGeom prst="ellipse">
+            <a:avLst/>
+          </a:prstGeom>
+        </p:spPr>
+        <p:style>
+          <a:lnRef idx="2">
+            <a:schemeClr val="accent1">
+              <a:shade val="15000"/>
+            </a:schemeClr>
+          </a:lnRef>
+          <a:fillRef idx="1">
+            <a:schemeClr val="accent1"/>
+          </a:fillRef>
+          <a:effectRef idx="0">
+            <a:schemeClr val="accent1"/>
+          </a:effectRef>
+          <a:fontRef idx="minor">
+            <a:schemeClr val="lt1"/>
+          </a:fontRef>
+        </p:style>
+        <p:txBody>
+          <a:bodyPr rtlCol="0" anchor="ctr"/>
+          <a:lstStyle/>
+          <a:p>
+            <a:pPr algn="ctr"/>
+            <a:r>
+              <a:rPr lang="en-US" altLang="ko-KR" dirty="0"/>
+              <a:t>Chat</a:t>
+            </a:r>
+          </a:p>
+          <a:p>
+            <a:pPr algn="ctr"/>
+            <a:r>
+              <a:rPr lang="en-US" altLang="ko-KR" dirty="0"/>
+              <a:t>Session</a:t>
+            </a:r>
+            <a:endParaRPr lang="ko-KR" altLang="en-US" dirty="0"/>
+          </a:p>
+        </p:txBody>
+      </p:sp>
     </p:spTree>
     <p:extLst>
       <p:ext uri="{BB962C8B-B14F-4D97-AF65-F5344CB8AC3E}">
@@ -9638,7 +5596,7 @@
 </p:sld>
 </file>
 
-<file path=ppt/slides/slide16.xml><?xml version="1.0" encoding="utf-8"?>
+<file path=ppt/slides/slide11.xml><?xml version="1.0" encoding="utf-8"?>
 <p:sld xmlns:a="http://schemas.openxmlformats.org/drawingml/2006/main" xmlns:r="http://schemas.openxmlformats.org/officeDocument/2006/relationships" xmlns:p="http://schemas.openxmlformats.org/presentationml/2006/main">
   <p:cSld>
     <p:spTree>
@@ -9974,7 +5932,7 @@
 </p:sld>
 </file>
 
-<file path=ppt/slides/slide17.xml><?xml version="1.0" encoding="utf-8"?>
+<file path=ppt/slides/slide12.xml><?xml version="1.0" encoding="utf-8"?>
 <p:sld xmlns:a="http://schemas.openxmlformats.org/drawingml/2006/main" xmlns:r="http://schemas.openxmlformats.org/officeDocument/2006/relationships" xmlns:p="http://schemas.openxmlformats.org/presentationml/2006/main">
   <p:cSld>
     <p:spTree>
@@ -10010,7 +5968,995 @@
 </p:sld>
 </file>
 
-<file path=ppt/slides/slide18.xml><?xml version="1.0" encoding="utf-8"?>
+<file path=ppt/slides/slide13.xml><?xml version="1.0" encoding="utf-8"?>
+<p:sld xmlns:a="http://schemas.openxmlformats.org/drawingml/2006/main" xmlns:r="http://schemas.openxmlformats.org/officeDocument/2006/relationships" xmlns:p="http://schemas.openxmlformats.org/presentationml/2006/main">
+  <p:cSld>
+    <p:spTree>
+      <p:nvGrpSpPr>
+        <p:cNvPr id="1" name=""/>
+        <p:cNvGrpSpPr/>
+        <p:nvPr/>
+      </p:nvGrpSpPr>
+      <p:grpSpPr>
+        <a:xfrm>
+          <a:off x="0" y="0"/>
+          <a:ext cx="0" cy="0"/>
+          <a:chOff x="0" y="0"/>
+          <a:chExt cx="0" cy="0"/>
+        </a:xfrm>
+      </p:grpSpPr>
+      <p:sp>
+        <p:nvSpPr>
+          <p:cNvPr id="10" name="순서도: 대체 처리 9">
+            <a:extLst>
+              <a:ext uri="{FF2B5EF4-FFF2-40B4-BE49-F238E27FC236}">
+                <a16:creationId xmlns:a16="http://schemas.microsoft.com/office/drawing/2014/main" id="{724C97D8-D9E3-C9B3-4682-11DAC36E2691}"/>
+              </a:ext>
+            </a:extLst>
+          </p:cNvPr>
+          <p:cNvSpPr/>
+          <p:nvPr/>
+        </p:nvSpPr>
+        <p:spPr>
+          <a:xfrm>
+            <a:off x="1179341" y="1416146"/>
+            <a:ext cx="8635219" cy="2602523"/>
+          </a:xfrm>
+          <a:prstGeom prst="flowChartAlternateProcess">
+            <a:avLst/>
+          </a:prstGeom>
+          <a:solidFill>
+            <a:schemeClr val="accent1">
+              <a:lumMod val="20000"/>
+              <a:lumOff val="80000"/>
+            </a:schemeClr>
+          </a:solidFill>
+        </p:spPr>
+        <p:style>
+          <a:lnRef idx="2">
+            <a:schemeClr val="accent1">
+              <a:shade val="15000"/>
+            </a:schemeClr>
+          </a:lnRef>
+          <a:fillRef idx="1">
+            <a:schemeClr val="accent1"/>
+          </a:fillRef>
+          <a:effectRef idx="0">
+            <a:schemeClr val="accent1"/>
+          </a:effectRef>
+          <a:fontRef idx="minor">
+            <a:schemeClr val="lt1"/>
+          </a:fontRef>
+        </p:style>
+        <p:txBody>
+          <a:bodyPr rtlCol="0" anchor="ctr"/>
+          <a:lstStyle/>
+          <a:p>
+            <a:pPr algn="ctr"/>
+            <a:endParaRPr lang="ko-KR" altLang="en-US"/>
+          </a:p>
+        </p:txBody>
+      </p:sp>
+      <p:sp>
+        <p:nvSpPr>
+          <p:cNvPr id="4" name="타원 3">
+            <a:extLst>
+              <a:ext uri="{FF2B5EF4-FFF2-40B4-BE49-F238E27FC236}">
+                <a16:creationId xmlns:a16="http://schemas.microsoft.com/office/drawing/2014/main" id="{77A06D7F-148C-D4EB-7899-D9DBE4D48062}"/>
+              </a:ext>
+            </a:extLst>
+          </p:cNvPr>
+          <p:cNvSpPr/>
+          <p:nvPr/>
+        </p:nvSpPr>
+        <p:spPr>
+          <a:xfrm>
+            <a:off x="1938997" y="2319992"/>
+            <a:ext cx="1167617" cy="1167617"/>
+          </a:xfrm>
+          <a:prstGeom prst="ellipse">
+            <a:avLst/>
+          </a:prstGeom>
+          <a:solidFill>
+            <a:schemeClr val="bg2"/>
+          </a:solidFill>
+        </p:spPr>
+        <p:style>
+          <a:lnRef idx="2">
+            <a:schemeClr val="accent1">
+              <a:shade val="15000"/>
+            </a:schemeClr>
+          </a:lnRef>
+          <a:fillRef idx="1">
+            <a:schemeClr val="accent1"/>
+          </a:fillRef>
+          <a:effectRef idx="0">
+            <a:schemeClr val="accent1"/>
+          </a:effectRef>
+          <a:fontRef idx="minor">
+            <a:schemeClr val="lt1"/>
+          </a:fontRef>
+        </p:style>
+        <p:txBody>
+          <a:bodyPr rtlCol="0" anchor="ctr"/>
+          <a:lstStyle/>
+          <a:p>
+            <a:pPr algn="dist"/>
+            <a:r>
+              <a:rPr lang="en-US" altLang="ko-KR" dirty="0">
+                <a:solidFill>
+                  <a:sysClr val="windowText" lastClr="000000"/>
+                </a:solidFill>
+              </a:rPr>
+              <a:t>Agent</a:t>
+            </a:r>
+            <a:endParaRPr lang="ko-KR" altLang="en-US" dirty="0">
+              <a:solidFill>
+                <a:sysClr val="windowText" lastClr="000000"/>
+              </a:solidFill>
+            </a:endParaRPr>
+          </a:p>
+        </p:txBody>
+      </p:sp>
+      <p:sp>
+        <p:nvSpPr>
+          <p:cNvPr id="5" name="타원 4">
+            <a:extLst>
+              <a:ext uri="{FF2B5EF4-FFF2-40B4-BE49-F238E27FC236}">
+                <a16:creationId xmlns:a16="http://schemas.microsoft.com/office/drawing/2014/main" id="{460E86A9-60CB-486E-0D7F-B0F3EC48B081}"/>
+              </a:ext>
+            </a:extLst>
+          </p:cNvPr>
+          <p:cNvSpPr/>
+          <p:nvPr/>
+        </p:nvSpPr>
+        <p:spPr>
+          <a:xfrm>
+            <a:off x="5001205" y="2319993"/>
+            <a:ext cx="1167617" cy="1167617"/>
+          </a:xfrm>
+          <a:prstGeom prst="ellipse">
+            <a:avLst/>
+          </a:prstGeom>
+          <a:solidFill>
+            <a:schemeClr val="bg2"/>
+          </a:solidFill>
+        </p:spPr>
+        <p:style>
+          <a:lnRef idx="2">
+            <a:schemeClr val="accent1">
+              <a:shade val="15000"/>
+            </a:schemeClr>
+          </a:lnRef>
+          <a:fillRef idx="1">
+            <a:schemeClr val="accent1"/>
+          </a:fillRef>
+          <a:effectRef idx="0">
+            <a:schemeClr val="accent1"/>
+          </a:effectRef>
+          <a:fontRef idx="minor">
+            <a:schemeClr val="lt1"/>
+          </a:fontRef>
+        </p:style>
+        <p:txBody>
+          <a:bodyPr rtlCol="0" anchor="ctr"/>
+          <a:lstStyle/>
+          <a:p>
+            <a:pPr algn="dist"/>
+            <a:r>
+              <a:rPr lang="en-US" altLang="ko-KR" dirty="0">
+                <a:solidFill>
+                  <a:sysClr val="windowText" lastClr="000000"/>
+                </a:solidFill>
+              </a:rPr>
+              <a:t>Agent</a:t>
+            </a:r>
+            <a:endParaRPr lang="ko-KR" altLang="en-US" dirty="0">
+              <a:solidFill>
+                <a:sysClr val="windowText" lastClr="000000"/>
+              </a:solidFill>
+            </a:endParaRPr>
+          </a:p>
+        </p:txBody>
+      </p:sp>
+      <p:sp>
+        <p:nvSpPr>
+          <p:cNvPr id="6" name="타원 5">
+            <a:extLst>
+              <a:ext uri="{FF2B5EF4-FFF2-40B4-BE49-F238E27FC236}">
+                <a16:creationId xmlns:a16="http://schemas.microsoft.com/office/drawing/2014/main" id="{7F70E4CA-8996-E22B-14C5-F95B71FD4B46}"/>
+              </a:ext>
+            </a:extLst>
+          </p:cNvPr>
+          <p:cNvSpPr/>
+          <p:nvPr/>
+        </p:nvSpPr>
+        <p:spPr>
+          <a:xfrm>
+            <a:off x="3470101" y="2319994"/>
+            <a:ext cx="1167617" cy="1167617"/>
+          </a:xfrm>
+          <a:prstGeom prst="ellipse">
+            <a:avLst/>
+          </a:prstGeom>
+          <a:solidFill>
+            <a:schemeClr val="bg2"/>
+          </a:solidFill>
+        </p:spPr>
+        <p:style>
+          <a:lnRef idx="2">
+            <a:schemeClr val="accent1">
+              <a:shade val="15000"/>
+            </a:schemeClr>
+          </a:lnRef>
+          <a:fillRef idx="1">
+            <a:schemeClr val="accent1"/>
+          </a:fillRef>
+          <a:effectRef idx="0">
+            <a:schemeClr val="accent1"/>
+          </a:effectRef>
+          <a:fontRef idx="minor">
+            <a:schemeClr val="lt1"/>
+          </a:fontRef>
+        </p:style>
+        <p:txBody>
+          <a:bodyPr rtlCol="0" anchor="ctr"/>
+          <a:lstStyle/>
+          <a:p>
+            <a:pPr algn="dist"/>
+            <a:r>
+              <a:rPr lang="en-US" altLang="ko-KR" dirty="0">
+                <a:solidFill>
+                  <a:sysClr val="windowText" lastClr="000000"/>
+                </a:solidFill>
+              </a:rPr>
+              <a:t>Agent</a:t>
+            </a:r>
+            <a:endParaRPr lang="ko-KR" altLang="en-US" dirty="0">
+              <a:solidFill>
+                <a:sysClr val="windowText" lastClr="000000"/>
+              </a:solidFill>
+            </a:endParaRPr>
+          </a:p>
+        </p:txBody>
+      </p:sp>
+      <p:sp>
+        <p:nvSpPr>
+          <p:cNvPr id="7" name="TextBox 6">
+            <a:extLst>
+              <a:ext uri="{FF2B5EF4-FFF2-40B4-BE49-F238E27FC236}">
+                <a16:creationId xmlns:a16="http://schemas.microsoft.com/office/drawing/2014/main" id="{9AB560F0-928A-DB6C-CF30-2546640B4175}"/>
+              </a:ext>
+            </a:extLst>
+          </p:cNvPr>
+          <p:cNvSpPr txBox="1"/>
+          <p:nvPr/>
+        </p:nvSpPr>
+        <p:spPr>
+          <a:xfrm>
+            <a:off x="126609" y="126609"/>
+            <a:ext cx="4501663" cy="369332"/>
+          </a:xfrm>
+          <a:prstGeom prst="rect">
+            <a:avLst/>
+          </a:prstGeom>
+          <a:noFill/>
+        </p:spPr>
+        <p:txBody>
+          <a:bodyPr wrap="square" rtlCol="0">
+            <a:spAutoFit/>
+          </a:bodyPr>
+          <a:lstStyle/>
+          <a:p>
+            <a:r>
+              <a:rPr lang="en-US" altLang="ko-KR" dirty="0"/>
+              <a:t>Semantic-Kernel : Agent Group</a:t>
+            </a:r>
+            <a:endParaRPr lang="ko-KR" altLang="en-US" dirty="0"/>
+          </a:p>
+        </p:txBody>
+      </p:sp>
+      <p:sp>
+        <p:nvSpPr>
+          <p:cNvPr id="8" name="타원 7">
+            <a:extLst>
+              <a:ext uri="{FF2B5EF4-FFF2-40B4-BE49-F238E27FC236}">
+                <a16:creationId xmlns:a16="http://schemas.microsoft.com/office/drawing/2014/main" id="{95A9917E-8B6C-EF6A-7C9E-5D80CB626C3B}"/>
+              </a:ext>
+            </a:extLst>
+          </p:cNvPr>
+          <p:cNvSpPr/>
+          <p:nvPr/>
+        </p:nvSpPr>
+        <p:spPr>
+          <a:xfrm>
+            <a:off x="6532309" y="2319992"/>
+            <a:ext cx="1167617" cy="1167617"/>
+          </a:xfrm>
+          <a:prstGeom prst="ellipse">
+            <a:avLst/>
+          </a:prstGeom>
+          <a:solidFill>
+            <a:schemeClr val="bg2"/>
+          </a:solidFill>
+        </p:spPr>
+        <p:style>
+          <a:lnRef idx="2">
+            <a:schemeClr val="accent1">
+              <a:shade val="15000"/>
+            </a:schemeClr>
+          </a:lnRef>
+          <a:fillRef idx="1">
+            <a:schemeClr val="accent1"/>
+          </a:fillRef>
+          <a:effectRef idx="0">
+            <a:schemeClr val="accent1"/>
+          </a:effectRef>
+          <a:fontRef idx="minor">
+            <a:schemeClr val="lt1"/>
+          </a:fontRef>
+        </p:style>
+        <p:txBody>
+          <a:bodyPr rtlCol="0" anchor="ctr"/>
+          <a:lstStyle/>
+          <a:p>
+            <a:pPr algn="dist"/>
+            <a:r>
+              <a:rPr lang="en-US" altLang="ko-KR" dirty="0">
+                <a:solidFill>
+                  <a:sysClr val="windowText" lastClr="000000"/>
+                </a:solidFill>
+              </a:rPr>
+              <a:t>Agent</a:t>
+            </a:r>
+            <a:endParaRPr lang="ko-KR" altLang="en-US" dirty="0">
+              <a:solidFill>
+                <a:sysClr val="windowText" lastClr="000000"/>
+              </a:solidFill>
+            </a:endParaRPr>
+          </a:p>
+        </p:txBody>
+      </p:sp>
+      <p:sp>
+        <p:nvSpPr>
+          <p:cNvPr id="9" name="타원 8">
+            <a:extLst>
+              <a:ext uri="{FF2B5EF4-FFF2-40B4-BE49-F238E27FC236}">
+                <a16:creationId xmlns:a16="http://schemas.microsoft.com/office/drawing/2014/main" id="{1133F41B-3A31-B4EF-1726-C60F45B7F7CB}"/>
+              </a:ext>
+            </a:extLst>
+          </p:cNvPr>
+          <p:cNvSpPr/>
+          <p:nvPr/>
+        </p:nvSpPr>
+        <p:spPr>
+          <a:xfrm>
+            <a:off x="8063414" y="2319992"/>
+            <a:ext cx="1167617" cy="1167617"/>
+          </a:xfrm>
+          <a:prstGeom prst="ellipse">
+            <a:avLst/>
+          </a:prstGeom>
+          <a:solidFill>
+            <a:schemeClr val="bg2"/>
+          </a:solidFill>
+        </p:spPr>
+        <p:style>
+          <a:lnRef idx="2">
+            <a:schemeClr val="accent1">
+              <a:shade val="15000"/>
+            </a:schemeClr>
+          </a:lnRef>
+          <a:fillRef idx="1">
+            <a:schemeClr val="accent1"/>
+          </a:fillRef>
+          <a:effectRef idx="0">
+            <a:schemeClr val="accent1"/>
+          </a:effectRef>
+          <a:fontRef idx="minor">
+            <a:schemeClr val="lt1"/>
+          </a:fontRef>
+        </p:style>
+        <p:txBody>
+          <a:bodyPr rtlCol="0" anchor="ctr"/>
+          <a:lstStyle/>
+          <a:p>
+            <a:pPr algn="dist"/>
+            <a:r>
+              <a:rPr lang="en-US" altLang="ko-KR" dirty="0">
+                <a:solidFill>
+                  <a:sysClr val="windowText" lastClr="000000"/>
+                </a:solidFill>
+              </a:rPr>
+              <a:t>Agent</a:t>
+            </a:r>
+            <a:endParaRPr lang="ko-KR" altLang="en-US" dirty="0">
+              <a:solidFill>
+                <a:sysClr val="windowText" lastClr="000000"/>
+              </a:solidFill>
+            </a:endParaRPr>
+          </a:p>
+        </p:txBody>
+      </p:sp>
+      <p:sp>
+        <p:nvSpPr>
+          <p:cNvPr id="12" name="TextBox 11">
+            <a:extLst>
+              <a:ext uri="{FF2B5EF4-FFF2-40B4-BE49-F238E27FC236}">
+                <a16:creationId xmlns:a16="http://schemas.microsoft.com/office/drawing/2014/main" id="{ABACB585-1EFF-E344-E2C8-5B533260543E}"/>
+              </a:ext>
+            </a:extLst>
+          </p:cNvPr>
+          <p:cNvSpPr txBox="1"/>
+          <p:nvPr/>
+        </p:nvSpPr>
+        <p:spPr>
+          <a:xfrm>
+            <a:off x="4560275" y="1467960"/>
+            <a:ext cx="2049196" cy="400110"/>
+          </a:xfrm>
+          <a:prstGeom prst="rect">
+            <a:avLst/>
+          </a:prstGeom>
+          <a:noFill/>
+        </p:spPr>
+        <p:txBody>
+          <a:bodyPr wrap="square">
+            <a:spAutoFit/>
+          </a:bodyPr>
+          <a:lstStyle/>
+          <a:p>
+            <a:pPr algn="ctr"/>
+            <a:r>
+              <a:rPr lang="en-US" altLang="ko-KR" sz="2000" b="1" dirty="0"/>
+              <a:t>Agent Group</a:t>
+            </a:r>
+            <a:endParaRPr lang="ko-KR" altLang="en-US" sz="2000" b="1" dirty="0"/>
+          </a:p>
+        </p:txBody>
+      </p:sp>
+      <p:cxnSp>
+        <p:nvCxnSpPr>
+          <p:cNvPr id="14" name="연결선: 꺾임 13">
+            <a:extLst>
+              <a:ext uri="{FF2B5EF4-FFF2-40B4-BE49-F238E27FC236}">
+                <a16:creationId xmlns:a16="http://schemas.microsoft.com/office/drawing/2014/main" id="{B43E7B74-BD44-F3F8-C235-392976793617}"/>
+              </a:ext>
+            </a:extLst>
+          </p:cNvPr>
+          <p:cNvCxnSpPr>
+            <a:cxnSpLocks/>
+            <a:stCxn id="4" idx="4"/>
+            <a:endCxn id="15" idx="0"/>
+          </p:cNvCxnSpPr>
+          <p:nvPr/>
+        </p:nvCxnSpPr>
+        <p:spPr>
+          <a:xfrm rot="16200000" flipH="1">
+            <a:off x="2947998" y="3062417"/>
+            <a:ext cx="1656475" cy="2506858"/>
+          </a:xfrm>
+          <a:prstGeom prst="bentConnector3">
+            <a:avLst>
+              <a:gd name="adj1" fmla="val 50000"/>
+            </a:avLst>
+          </a:prstGeom>
+        </p:spPr>
+        <p:style>
+          <a:lnRef idx="2">
+            <a:schemeClr val="accent1"/>
+          </a:lnRef>
+          <a:fillRef idx="0">
+            <a:schemeClr val="accent1"/>
+          </a:fillRef>
+          <a:effectRef idx="1">
+            <a:schemeClr val="accent1"/>
+          </a:effectRef>
+          <a:fontRef idx="minor">
+            <a:schemeClr val="tx1"/>
+          </a:fontRef>
+        </p:style>
+      </p:cxnSp>
+      <p:sp>
+        <p:nvSpPr>
+          <p:cNvPr id="15" name="TextBox 14">
+            <a:extLst>
+              <a:ext uri="{FF2B5EF4-FFF2-40B4-BE49-F238E27FC236}">
+                <a16:creationId xmlns:a16="http://schemas.microsoft.com/office/drawing/2014/main" id="{8552AE20-1454-6096-5F2B-EDA7E6029A2F}"/>
+              </a:ext>
+            </a:extLst>
+          </p:cNvPr>
+          <p:cNvSpPr txBox="1"/>
+          <p:nvPr/>
+        </p:nvSpPr>
+        <p:spPr>
+          <a:xfrm>
+            <a:off x="4000792" y="5144084"/>
+            <a:ext cx="2057744" cy="400110"/>
+          </a:xfrm>
+          <a:prstGeom prst="rect">
+            <a:avLst/>
+          </a:prstGeom>
+          <a:noFill/>
+        </p:spPr>
+        <p:txBody>
+          <a:bodyPr wrap="square" rtlCol="0">
+            <a:spAutoFit/>
+          </a:bodyPr>
+          <a:lstStyle/>
+          <a:p>
+            <a:r>
+              <a:rPr lang="en-US" altLang="ko-KR" sz="2000" b="1" dirty="0"/>
+              <a:t>Select Strategy</a:t>
+            </a:r>
+            <a:endParaRPr lang="ko-KR" altLang="en-US" sz="2000" b="1" dirty="0"/>
+          </a:p>
+        </p:txBody>
+      </p:sp>
+      <p:sp>
+        <p:nvSpPr>
+          <p:cNvPr id="16" name="TextBox 15">
+            <a:extLst>
+              <a:ext uri="{FF2B5EF4-FFF2-40B4-BE49-F238E27FC236}">
+                <a16:creationId xmlns:a16="http://schemas.microsoft.com/office/drawing/2014/main" id="{2BEEFC0C-DADA-AD11-C1EC-0ECEBD859C58}"/>
+              </a:ext>
+            </a:extLst>
+          </p:cNvPr>
+          <p:cNvSpPr txBox="1"/>
+          <p:nvPr/>
+        </p:nvSpPr>
+        <p:spPr>
+          <a:xfrm>
+            <a:off x="7165145" y="5144083"/>
+            <a:ext cx="2600987" cy="400110"/>
+          </a:xfrm>
+          <a:prstGeom prst="rect">
+            <a:avLst/>
+          </a:prstGeom>
+          <a:noFill/>
+        </p:spPr>
+        <p:txBody>
+          <a:bodyPr wrap="square" rtlCol="0">
+            <a:spAutoFit/>
+          </a:bodyPr>
+          <a:lstStyle/>
+          <a:p>
+            <a:r>
+              <a:rPr lang="en-US" altLang="ko-KR" sz="2000" b="1" dirty="0"/>
+              <a:t>Terminate Strategy</a:t>
+            </a:r>
+            <a:endParaRPr lang="ko-KR" altLang="en-US" sz="2000" b="1" dirty="0"/>
+          </a:p>
+        </p:txBody>
+      </p:sp>
+      <p:sp>
+        <p:nvSpPr>
+          <p:cNvPr id="17" name="TextBox 16">
+            <a:extLst>
+              <a:ext uri="{FF2B5EF4-FFF2-40B4-BE49-F238E27FC236}">
+                <a16:creationId xmlns:a16="http://schemas.microsoft.com/office/drawing/2014/main" id="{29352870-B32B-7C4C-8CC0-2429EA03E954}"/>
+              </a:ext>
+            </a:extLst>
+          </p:cNvPr>
+          <p:cNvSpPr txBox="1"/>
+          <p:nvPr/>
+        </p:nvSpPr>
+        <p:spPr>
+          <a:xfrm>
+            <a:off x="463498" y="5144084"/>
+            <a:ext cx="891689" cy="400110"/>
+          </a:xfrm>
+          <a:prstGeom prst="rect">
+            <a:avLst/>
+          </a:prstGeom>
+          <a:noFill/>
+        </p:spPr>
+        <p:txBody>
+          <a:bodyPr wrap="square" rtlCol="0">
+            <a:spAutoFit/>
+          </a:bodyPr>
+          <a:lstStyle/>
+          <a:p>
+            <a:r>
+              <a:rPr lang="en-US" altLang="ko-KR" sz="2000" b="1" dirty="0"/>
+              <a:t>Input</a:t>
+            </a:r>
+            <a:endParaRPr lang="ko-KR" altLang="en-US" sz="2000" b="1" dirty="0"/>
+          </a:p>
+        </p:txBody>
+      </p:sp>
+      <p:cxnSp>
+        <p:nvCxnSpPr>
+          <p:cNvPr id="19" name="연결선: 꺾임 18">
+            <a:extLst>
+              <a:ext uri="{FF2B5EF4-FFF2-40B4-BE49-F238E27FC236}">
+                <a16:creationId xmlns:a16="http://schemas.microsoft.com/office/drawing/2014/main" id="{A1C8CF7F-C41A-1E98-845F-516CCC1BA851}"/>
+              </a:ext>
+            </a:extLst>
+          </p:cNvPr>
+          <p:cNvCxnSpPr>
+            <a:cxnSpLocks/>
+            <a:stCxn id="6" idx="4"/>
+            <a:endCxn id="15" idx="0"/>
+          </p:cNvCxnSpPr>
+          <p:nvPr/>
+        </p:nvCxnSpPr>
+        <p:spPr>
+          <a:xfrm rot="16200000" flipH="1">
+            <a:off x="3713551" y="3827970"/>
+            <a:ext cx="1656473" cy="975754"/>
+          </a:xfrm>
+          <a:prstGeom prst="bentConnector3">
+            <a:avLst>
+              <a:gd name="adj1" fmla="val 50000"/>
+            </a:avLst>
+          </a:prstGeom>
+        </p:spPr>
+        <p:style>
+          <a:lnRef idx="2">
+            <a:schemeClr val="accent1"/>
+          </a:lnRef>
+          <a:fillRef idx="0">
+            <a:schemeClr val="accent1"/>
+          </a:fillRef>
+          <a:effectRef idx="1">
+            <a:schemeClr val="accent1"/>
+          </a:effectRef>
+          <a:fontRef idx="minor">
+            <a:schemeClr val="tx1"/>
+          </a:fontRef>
+        </p:style>
+      </p:cxnSp>
+      <p:cxnSp>
+        <p:nvCxnSpPr>
+          <p:cNvPr id="20" name="연결선: 꺾임 19">
+            <a:extLst>
+              <a:ext uri="{FF2B5EF4-FFF2-40B4-BE49-F238E27FC236}">
+                <a16:creationId xmlns:a16="http://schemas.microsoft.com/office/drawing/2014/main" id="{E0CC2557-C5B2-9385-828D-6F31F18F6CD6}"/>
+              </a:ext>
+            </a:extLst>
+          </p:cNvPr>
+          <p:cNvCxnSpPr>
+            <a:cxnSpLocks/>
+            <a:stCxn id="5" idx="4"/>
+            <a:endCxn id="15" idx="0"/>
+          </p:cNvCxnSpPr>
+          <p:nvPr/>
+        </p:nvCxnSpPr>
+        <p:spPr>
+          <a:xfrm rot="5400000">
+            <a:off x="4479102" y="4038172"/>
+            <a:ext cx="1656474" cy="555350"/>
+          </a:xfrm>
+          <a:prstGeom prst="bentConnector3">
+            <a:avLst>
+              <a:gd name="adj1" fmla="val 50000"/>
+            </a:avLst>
+          </a:prstGeom>
+        </p:spPr>
+        <p:style>
+          <a:lnRef idx="2">
+            <a:schemeClr val="accent1"/>
+          </a:lnRef>
+          <a:fillRef idx="0">
+            <a:schemeClr val="accent1"/>
+          </a:fillRef>
+          <a:effectRef idx="1">
+            <a:schemeClr val="accent1"/>
+          </a:effectRef>
+          <a:fontRef idx="minor">
+            <a:schemeClr val="tx1"/>
+          </a:fontRef>
+        </p:style>
+      </p:cxnSp>
+      <p:cxnSp>
+        <p:nvCxnSpPr>
+          <p:cNvPr id="21" name="연결선: 꺾임 20">
+            <a:extLst>
+              <a:ext uri="{FF2B5EF4-FFF2-40B4-BE49-F238E27FC236}">
+                <a16:creationId xmlns:a16="http://schemas.microsoft.com/office/drawing/2014/main" id="{4700C522-89F6-DB0B-0777-71C3FF4C822E}"/>
+              </a:ext>
+            </a:extLst>
+          </p:cNvPr>
+          <p:cNvCxnSpPr>
+            <a:cxnSpLocks/>
+            <a:stCxn id="8" idx="4"/>
+            <a:endCxn id="15" idx="0"/>
+          </p:cNvCxnSpPr>
+          <p:nvPr/>
+        </p:nvCxnSpPr>
+        <p:spPr>
+          <a:xfrm rot="5400000">
+            <a:off x="5244654" y="3272619"/>
+            <a:ext cx="1656475" cy="2086454"/>
+          </a:xfrm>
+          <a:prstGeom prst="bentConnector3">
+            <a:avLst>
+              <a:gd name="adj1" fmla="val 50000"/>
+            </a:avLst>
+          </a:prstGeom>
+        </p:spPr>
+        <p:style>
+          <a:lnRef idx="2">
+            <a:schemeClr val="accent1"/>
+          </a:lnRef>
+          <a:fillRef idx="0">
+            <a:schemeClr val="accent1"/>
+          </a:fillRef>
+          <a:effectRef idx="1">
+            <a:schemeClr val="accent1"/>
+          </a:effectRef>
+          <a:fontRef idx="minor">
+            <a:schemeClr val="tx1"/>
+          </a:fontRef>
+        </p:style>
+      </p:cxnSp>
+      <p:cxnSp>
+        <p:nvCxnSpPr>
+          <p:cNvPr id="22" name="연결선: 꺾임 21">
+            <a:extLst>
+              <a:ext uri="{FF2B5EF4-FFF2-40B4-BE49-F238E27FC236}">
+                <a16:creationId xmlns:a16="http://schemas.microsoft.com/office/drawing/2014/main" id="{F8AEDDC6-3CBD-F50E-3621-7E2E4A0ED586}"/>
+              </a:ext>
+            </a:extLst>
+          </p:cNvPr>
+          <p:cNvCxnSpPr>
+            <a:cxnSpLocks/>
+            <a:stCxn id="9" idx="4"/>
+            <a:endCxn id="15" idx="0"/>
+          </p:cNvCxnSpPr>
+          <p:nvPr/>
+        </p:nvCxnSpPr>
+        <p:spPr>
+          <a:xfrm rot="5400000">
+            <a:off x="6010207" y="2507067"/>
+            <a:ext cx="1656475" cy="3617559"/>
+          </a:xfrm>
+          <a:prstGeom prst="bentConnector3">
+            <a:avLst>
+              <a:gd name="adj1" fmla="val 50000"/>
+            </a:avLst>
+          </a:prstGeom>
+        </p:spPr>
+        <p:style>
+          <a:lnRef idx="2">
+            <a:schemeClr val="accent1"/>
+          </a:lnRef>
+          <a:fillRef idx="0">
+            <a:schemeClr val="accent1"/>
+          </a:fillRef>
+          <a:effectRef idx="1">
+            <a:schemeClr val="accent1"/>
+          </a:effectRef>
+          <a:fontRef idx="minor">
+            <a:schemeClr val="tx1"/>
+          </a:fontRef>
+        </p:style>
+      </p:cxnSp>
+      <p:cxnSp>
+        <p:nvCxnSpPr>
+          <p:cNvPr id="35" name="직선 화살표 연결선 34">
+            <a:extLst>
+              <a:ext uri="{FF2B5EF4-FFF2-40B4-BE49-F238E27FC236}">
+                <a16:creationId xmlns:a16="http://schemas.microsoft.com/office/drawing/2014/main" id="{F3B7C695-328A-5FC3-9D2E-62DD1AF558EE}"/>
+              </a:ext>
+            </a:extLst>
+          </p:cNvPr>
+          <p:cNvCxnSpPr>
+            <a:stCxn id="17" idx="3"/>
+            <a:endCxn id="15" idx="1"/>
+          </p:cNvCxnSpPr>
+          <p:nvPr/>
+        </p:nvCxnSpPr>
+        <p:spPr>
+          <a:xfrm>
+            <a:off x="1355187" y="5344139"/>
+            <a:ext cx="2645605" cy="0"/>
+          </a:xfrm>
+          <a:prstGeom prst="straightConnector1">
+            <a:avLst/>
+          </a:prstGeom>
+          <a:ln>
+            <a:tailEnd type="triangle"/>
+          </a:ln>
+        </p:spPr>
+        <p:style>
+          <a:lnRef idx="2">
+            <a:schemeClr val="accent1"/>
+          </a:lnRef>
+          <a:fillRef idx="0">
+            <a:schemeClr val="accent1"/>
+          </a:fillRef>
+          <a:effectRef idx="1">
+            <a:schemeClr val="accent1"/>
+          </a:effectRef>
+          <a:fontRef idx="minor">
+            <a:schemeClr val="tx1"/>
+          </a:fontRef>
+        </p:style>
+      </p:cxnSp>
+      <p:cxnSp>
+        <p:nvCxnSpPr>
+          <p:cNvPr id="36" name="직선 화살표 연결선 35">
+            <a:extLst>
+              <a:ext uri="{FF2B5EF4-FFF2-40B4-BE49-F238E27FC236}">
+                <a16:creationId xmlns:a16="http://schemas.microsoft.com/office/drawing/2014/main" id="{018B8DB7-6A9E-68E8-A4CD-6351DE3E429E}"/>
+              </a:ext>
+            </a:extLst>
+          </p:cNvPr>
+          <p:cNvCxnSpPr>
+            <a:cxnSpLocks/>
+            <a:stCxn id="16" idx="3"/>
+            <a:endCxn id="11" idx="1"/>
+          </p:cNvCxnSpPr>
+          <p:nvPr/>
+        </p:nvCxnSpPr>
+        <p:spPr>
+          <a:xfrm flipV="1">
+            <a:off x="9766132" y="5340972"/>
+            <a:ext cx="1106609" cy="3166"/>
+          </a:xfrm>
+          <a:prstGeom prst="straightConnector1">
+            <a:avLst/>
+          </a:prstGeom>
+          <a:ln>
+            <a:tailEnd type="triangle"/>
+          </a:ln>
+        </p:spPr>
+        <p:style>
+          <a:lnRef idx="2">
+            <a:schemeClr val="accent1"/>
+          </a:lnRef>
+          <a:fillRef idx="0">
+            <a:schemeClr val="accent1"/>
+          </a:fillRef>
+          <a:effectRef idx="1">
+            <a:schemeClr val="accent1"/>
+          </a:effectRef>
+          <a:fontRef idx="minor">
+            <a:schemeClr val="tx1"/>
+          </a:fontRef>
+        </p:style>
+      </p:cxnSp>
+      <p:cxnSp>
+        <p:nvCxnSpPr>
+          <p:cNvPr id="42" name="연결선: 꺾임 41">
+            <a:extLst>
+              <a:ext uri="{FF2B5EF4-FFF2-40B4-BE49-F238E27FC236}">
+                <a16:creationId xmlns:a16="http://schemas.microsoft.com/office/drawing/2014/main" id="{8B851049-0FD0-879D-19B1-4EC359B64B2F}"/>
+              </a:ext>
+            </a:extLst>
+          </p:cNvPr>
+          <p:cNvCxnSpPr>
+            <a:cxnSpLocks/>
+            <a:stCxn id="10" idx="3"/>
+            <a:endCxn id="16" idx="0"/>
+          </p:cNvCxnSpPr>
+          <p:nvPr/>
+        </p:nvCxnSpPr>
+        <p:spPr>
+          <a:xfrm flipH="1">
+            <a:off x="8465639" y="2717408"/>
+            <a:ext cx="1348921" cy="2426675"/>
+          </a:xfrm>
+          <a:prstGeom prst="bentConnector4">
+            <a:avLst>
+              <a:gd name="adj1" fmla="val -16947"/>
+              <a:gd name="adj2" fmla="val 76812"/>
+            </a:avLst>
+          </a:prstGeom>
+          <a:ln>
+            <a:tailEnd type="triangle"/>
+          </a:ln>
+        </p:spPr>
+        <p:style>
+          <a:lnRef idx="2">
+            <a:schemeClr val="accent1"/>
+          </a:lnRef>
+          <a:fillRef idx="0">
+            <a:schemeClr val="accent1"/>
+          </a:fillRef>
+          <a:effectRef idx="1">
+            <a:schemeClr val="accent1"/>
+          </a:effectRef>
+          <a:fontRef idx="minor">
+            <a:schemeClr val="tx1"/>
+          </a:fontRef>
+        </p:style>
+      </p:cxnSp>
+      <p:cxnSp>
+        <p:nvCxnSpPr>
+          <p:cNvPr id="43" name="직선 화살표 연결선 42">
+            <a:extLst>
+              <a:ext uri="{FF2B5EF4-FFF2-40B4-BE49-F238E27FC236}">
+                <a16:creationId xmlns:a16="http://schemas.microsoft.com/office/drawing/2014/main" id="{F9F22246-01AD-1326-81B6-F4D366B9844E}"/>
+              </a:ext>
+            </a:extLst>
+          </p:cNvPr>
+          <p:cNvCxnSpPr>
+            <a:cxnSpLocks/>
+            <a:stCxn id="16" idx="1"/>
+            <a:endCxn id="15" idx="3"/>
+          </p:cNvCxnSpPr>
+          <p:nvPr/>
+        </p:nvCxnSpPr>
+        <p:spPr>
+          <a:xfrm flipH="1">
+            <a:off x="6058536" y="5344138"/>
+            <a:ext cx="1106609" cy="1"/>
+          </a:xfrm>
+          <a:prstGeom prst="straightConnector1">
+            <a:avLst/>
+          </a:prstGeom>
+          <a:ln>
+            <a:tailEnd type="triangle"/>
+          </a:ln>
+        </p:spPr>
+        <p:style>
+          <a:lnRef idx="2">
+            <a:schemeClr val="accent1"/>
+          </a:lnRef>
+          <a:fillRef idx="0">
+            <a:schemeClr val="accent1"/>
+          </a:fillRef>
+          <a:effectRef idx="1">
+            <a:schemeClr val="accent1"/>
+          </a:effectRef>
+          <a:fontRef idx="minor">
+            <a:schemeClr val="tx1"/>
+          </a:fontRef>
+        </p:style>
+      </p:cxnSp>
+      <p:sp>
+        <p:nvSpPr>
+          <p:cNvPr id="11" name="TextBox 10">
+            <a:extLst>
+              <a:ext uri="{FF2B5EF4-FFF2-40B4-BE49-F238E27FC236}">
+                <a16:creationId xmlns:a16="http://schemas.microsoft.com/office/drawing/2014/main" id="{FD2962AC-B3BD-A2DE-FC19-9AD72843B47C}"/>
+              </a:ext>
+            </a:extLst>
+          </p:cNvPr>
+          <p:cNvSpPr txBox="1"/>
+          <p:nvPr/>
+        </p:nvSpPr>
+        <p:spPr>
+          <a:xfrm>
+            <a:off x="10872741" y="5140917"/>
+            <a:ext cx="1105899" cy="400110"/>
+          </a:xfrm>
+          <a:prstGeom prst="rect">
+            <a:avLst/>
+          </a:prstGeom>
+          <a:noFill/>
+        </p:spPr>
+        <p:txBody>
+          <a:bodyPr wrap="square" rtlCol="0">
+            <a:spAutoFit/>
+          </a:bodyPr>
+          <a:lstStyle/>
+          <a:p>
+            <a:r>
+              <a:rPr lang="en-US" altLang="ko-KR" sz="2000" b="1" dirty="0"/>
+              <a:t>Output</a:t>
+            </a:r>
+            <a:endParaRPr lang="ko-KR" altLang="en-US" sz="2000" b="1" dirty="0"/>
+          </a:p>
+        </p:txBody>
+      </p:sp>
+    </p:spTree>
+    <p:extLst>
+      <p:ext uri="{BB962C8B-B14F-4D97-AF65-F5344CB8AC3E}">
+        <p14:creationId xmlns:p14="http://schemas.microsoft.com/office/powerpoint/2010/main" val="968393601"/>
+      </p:ext>
+    </p:extLst>
+  </p:cSld>
+  <p:clrMapOvr>
+    <a:masterClrMapping/>
+  </p:clrMapOvr>
+</p:sld>
+</file>
+
+<file path=ppt/slides/slide14.xml><?xml version="1.0" encoding="utf-8"?>
 <p:sld xmlns:a="http://schemas.openxmlformats.org/drawingml/2006/main" xmlns:r="http://schemas.openxmlformats.org/officeDocument/2006/relationships" xmlns:p="http://schemas.openxmlformats.org/presentationml/2006/main">
   <p:cSld>
     <p:spTree>
@@ -10018,7 +6964,2112 @@
         <p:cNvPr id="1" name="">
           <a:extLst>
             <a:ext uri="{FF2B5EF4-FFF2-40B4-BE49-F238E27FC236}">
-              <a16:creationId xmlns:a16="http://schemas.microsoft.com/office/drawing/2014/main" id="{120F7902-17BA-1221-7D0F-2B6D5FFD187F}"/>
+              <a16:creationId xmlns:a16="http://schemas.microsoft.com/office/drawing/2014/main" id="{321E4A71-13DB-9740-AB00-199FBF6A445F}"/>
+            </a:ext>
+          </a:extLst>
+        </p:cNvPr>
+        <p:cNvGrpSpPr/>
+        <p:nvPr/>
+      </p:nvGrpSpPr>
+      <p:grpSpPr>
+        <a:xfrm>
+          <a:off x="0" y="0"/>
+          <a:ext cx="0" cy="0"/>
+          <a:chOff x="0" y="0"/>
+          <a:chExt cx="0" cy="0"/>
+        </a:xfrm>
+      </p:grpSpPr>
+      <p:sp>
+        <p:nvSpPr>
+          <p:cNvPr id="12" name="사각형: 둥근 모서리 11">
+            <a:extLst>
+              <a:ext uri="{FF2B5EF4-FFF2-40B4-BE49-F238E27FC236}">
+                <a16:creationId xmlns:a16="http://schemas.microsoft.com/office/drawing/2014/main" id="{72E686F6-0BC7-B3C1-3DA1-64E0D199E263}"/>
+              </a:ext>
+            </a:extLst>
+          </p:cNvPr>
+          <p:cNvSpPr/>
+          <p:nvPr/>
+        </p:nvSpPr>
+        <p:spPr>
+          <a:xfrm>
+            <a:off x="3108960" y="701040"/>
+            <a:ext cx="5882640" cy="5836920"/>
+          </a:xfrm>
+          <a:prstGeom prst="roundRect">
+            <a:avLst/>
+          </a:prstGeom>
+          <a:solidFill>
+            <a:schemeClr val="accent1">
+              <a:lumMod val="20000"/>
+              <a:lumOff val="80000"/>
+            </a:schemeClr>
+          </a:solidFill>
+        </p:spPr>
+        <p:style>
+          <a:lnRef idx="2">
+            <a:schemeClr val="accent1">
+              <a:shade val="15000"/>
+            </a:schemeClr>
+          </a:lnRef>
+          <a:fillRef idx="1">
+            <a:schemeClr val="accent1"/>
+          </a:fillRef>
+          <a:effectRef idx="0">
+            <a:schemeClr val="accent1"/>
+          </a:effectRef>
+          <a:fontRef idx="minor">
+            <a:schemeClr val="lt1"/>
+          </a:fontRef>
+        </p:style>
+        <p:txBody>
+          <a:bodyPr rtlCol="0" anchor="ctr"/>
+          <a:lstStyle/>
+          <a:p>
+            <a:pPr algn="ctr"/>
+            <a:endParaRPr lang="ko-KR" altLang="en-US"/>
+          </a:p>
+        </p:txBody>
+      </p:sp>
+      <p:sp>
+        <p:nvSpPr>
+          <p:cNvPr id="11" name="직사각형 10">
+            <a:extLst>
+              <a:ext uri="{FF2B5EF4-FFF2-40B4-BE49-F238E27FC236}">
+                <a16:creationId xmlns:a16="http://schemas.microsoft.com/office/drawing/2014/main" id="{774D7B31-0450-E814-C72D-6DE6677F8505}"/>
+              </a:ext>
+            </a:extLst>
+          </p:cNvPr>
+          <p:cNvSpPr/>
+          <p:nvPr/>
+        </p:nvSpPr>
+        <p:spPr>
+          <a:xfrm>
+            <a:off x="5455920" y="3017520"/>
+            <a:ext cx="1737360" cy="1021080"/>
+          </a:xfrm>
+          <a:prstGeom prst="rect">
+            <a:avLst/>
+          </a:prstGeom>
+          <a:solidFill>
+            <a:schemeClr val="bg1">
+              <a:lumMod val="95000"/>
+            </a:schemeClr>
+          </a:solidFill>
+        </p:spPr>
+        <p:style>
+          <a:lnRef idx="2">
+            <a:schemeClr val="accent1">
+              <a:shade val="15000"/>
+            </a:schemeClr>
+          </a:lnRef>
+          <a:fillRef idx="1">
+            <a:schemeClr val="accent1"/>
+          </a:fillRef>
+          <a:effectRef idx="0">
+            <a:schemeClr val="accent1"/>
+          </a:effectRef>
+          <a:fontRef idx="minor">
+            <a:schemeClr val="lt1"/>
+          </a:fontRef>
+        </p:style>
+        <p:txBody>
+          <a:bodyPr rtlCol="0" anchor="ctr"/>
+          <a:lstStyle/>
+          <a:p>
+            <a:pPr algn="ctr"/>
+            <a:endParaRPr lang="ko-KR" altLang="en-US"/>
+          </a:p>
+        </p:txBody>
+      </p:sp>
+      <p:sp>
+        <p:nvSpPr>
+          <p:cNvPr id="10" name="직사각형 9">
+            <a:extLst>
+              <a:ext uri="{FF2B5EF4-FFF2-40B4-BE49-F238E27FC236}">
+                <a16:creationId xmlns:a16="http://schemas.microsoft.com/office/drawing/2014/main" id="{46CBC565-7C81-3485-F774-9892E8F23BE0}"/>
+              </a:ext>
+            </a:extLst>
+          </p:cNvPr>
+          <p:cNvSpPr/>
+          <p:nvPr/>
+        </p:nvSpPr>
+        <p:spPr>
+          <a:xfrm>
+            <a:off x="5303520" y="2865120"/>
+            <a:ext cx="1737360" cy="1021080"/>
+          </a:xfrm>
+          <a:prstGeom prst="rect">
+            <a:avLst/>
+          </a:prstGeom>
+          <a:solidFill>
+            <a:schemeClr val="bg1">
+              <a:lumMod val="95000"/>
+            </a:schemeClr>
+          </a:solidFill>
+        </p:spPr>
+        <p:style>
+          <a:lnRef idx="2">
+            <a:schemeClr val="accent1">
+              <a:shade val="15000"/>
+            </a:schemeClr>
+          </a:lnRef>
+          <a:fillRef idx="1">
+            <a:schemeClr val="accent1"/>
+          </a:fillRef>
+          <a:effectRef idx="0">
+            <a:schemeClr val="accent1"/>
+          </a:effectRef>
+          <a:fontRef idx="minor">
+            <a:schemeClr val="lt1"/>
+          </a:fontRef>
+        </p:style>
+        <p:txBody>
+          <a:bodyPr rtlCol="0" anchor="ctr"/>
+          <a:lstStyle/>
+          <a:p>
+            <a:pPr algn="ctr"/>
+            <a:endParaRPr lang="ko-KR" altLang="en-US"/>
+          </a:p>
+        </p:txBody>
+      </p:sp>
+      <p:sp>
+        <p:nvSpPr>
+          <p:cNvPr id="9" name="직사각형 8">
+            <a:extLst>
+              <a:ext uri="{FF2B5EF4-FFF2-40B4-BE49-F238E27FC236}">
+                <a16:creationId xmlns:a16="http://schemas.microsoft.com/office/drawing/2014/main" id="{5FDFC7E9-9AEB-20A5-C0A7-D0D0656A9E8B}"/>
+              </a:ext>
+            </a:extLst>
+          </p:cNvPr>
+          <p:cNvSpPr/>
+          <p:nvPr/>
+        </p:nvSpPr>
+        <p:spPr>
+          <a:xfrm>
+            <a:off x="5151120" y="2712720"/>
+            <a:ext cx="1737360" cy="1021080"/>
+          </a:xfrm>
+          <a:prstGeom prst="rect">
+            <a:avLst/>
+          </a:prstGeom>
+          <a:solidFill>
+            <a:schemeClr val="bg1">
+              <a:lumMod val="95000"/>
+            </a:schemeClr>
+          </a:solidFill>
+        </p:spPr>
+        <p:style>
+          <a:lnRef idx="2">
+            <a:schemeClr val="accent1">
+              <a:shade val="15000"/>
+            </a:schemeClr>
+          </a:lnRef>
+          <a:fillRef idx="1">
+            <a:schemeClr val="accent1"/>
+          </a:fillRef>
+          <a:effectRef idx="0">
+            <a:schemeClr val="accent1"/>
+          </a:effectRef>
+          <a:fontRef idx="minor">
+            <a:schemeClr val="lt1"/>
+          </a:fontRef>
+        </p:style>
+        <p:txBody>
+          <a:bodyPr rtlCol="0" anchor="ctr"/>
+          <a:lstStyle/>
+          <a:p>
+            <a:pPr algn="ctr"/>
+            <a:endParaRPr lang="ko-KR" altLang="en-US"/>
+          </a:p>
+        </p:txBody>
+      </p:sp>
+      <p:sp>
+        <p:nvSpPr>
+          <p:cNvPr id="8" name="직사각형 7">
+            <a:extLst>
+              <a:ext uri="{FF2B5EF4-FFF2-40B4-BE49-F238E27FC236}">
+                <a16:creationId xmlns:a16="http://schemas.microsoft.com/office/drawing/2014/main" id="{901B57DE-EB93-4318-5C17-0454155761B3}"/>
+              </a:ext>
+            </a:extLst>
+          </p:cNvPr>
+          <p:cNvSpPr/>
+          <p:nvPr/>
+        </p:nvSpPr>
+        <p:spPr>
+          <a:xfrm>
+            <a:off x="4998720" y="2560320"/>
+            <a:ext cx="1737360" cy="1021080"/>
+          </a:xfrm>
+          <a:prstGeom prst="rect">
+            <a:avLst/>
+          </a:prstGeom>
+          <a:solidFill>
+            <a:schemeClr val="bg1">
+              <a:lumMod val="95000"/>
+            </a:schemeClr>
+          </a:solidFill>
+        </p:spPr>
+        <p:style>
+          <a:lnRef idx="2">
+            <a:schemeClr val="accent1">
+              <a:shade val="15000"/>
+            </a:schemeClr>
+          </a:lnRef>
+          <a:fillRef idx="1">
+            <a:schemeClr val="accent1"/>
+          </a:fillRef>
+          <a:effectRef idx="0">
+            <a:schemeClr val="accent1"/>
+          </a:effectRef>
+          <a:fontRef idx="minor">
+            <a:schemeClr val="lt1"/>
+          </a:fontRef>
+        </p:style>
+        <p:txBody>
+          <a:bodyPr rtlCol="0" anchor="ctr"/>
+          <a:lstStyle/>
+          <a:p>
+            <a:pPr algn="ctr"/>
+            <a:endParaRPr lang="ko-KR" altLang="en-US"/>
+          </a:p>
+        </p:txBody>
+      </p:sp>
+      <p:sp>
+        <p:nvSpPr>
+          <p:cNvPr id="2" name="TextBox 1">
+            <a:extLst>
+              <a:ext uri="{FF2B5EF4-FFF2-40B4-BE49-F238E27FC236}">
+                <a16:creationId xmlns:a16="http://schemas.microsoft.com/office/drawing/2014/main" id="{06AE0E53-6D0B-E435-5AB1-E8485DA86F93}"/>
+              </a:ext>
+            </a:extLst>
+          </p:cNvPr>
+          <p:cNvSpPr txBox="1"/>
+          <p:nvPr/>
+        </p:nvSpPr>
+        <p:spPr>
+          <a:xfrm>
+            <a:off x="126609" y="126609"/>
+            <a:ext cx="4501663" cy="369332"/>
+          </a:xfrm>
+          <a:prstGeom prst="rect">
+            <a:avLst/>
+          </a:prstGeom>
+          <a:noFill/>
+        </p:spPr>
+        <p:txBody>
+          <a:bodyPr wrap="square" rtlCol="0">
+            <a:spAutoFit/>
+          </a:bodyPr>
+          <a:lstStyle/>
+          <a:p>
+            <a:r>
+              <a:rPr lang="en-US" altLang="ko-KR" dirty="0"/>
+              <a:t>Semantic-Kernel : Process</a:t>
+            </a:r>
+            <a:endParaRPr lang="ko-KR" altLang="en-US" dirty="0"/>
+          </a:p>
+        </p:txBody>
+      </p:sp>
+      <p:sp>
+        <p:nvSpPr>
+          <p:cNvPr id="7" name="직사각형 6">
+            <a:extLst>
+              <a:ext uri="{FF2B5EF4-FFF2-40B4-BE49-F238E27FC236}">
+                <a16:creationId xmlns:a16="http://schemas.microsoft.com/office/drawing/2014/main" id="{A9F21D65-80E0-5B5F-84FE-3A3E9B9D20E0}"/>
+              </a:ext>
+            </a:extLst>
+          </p:cNvPr>
+          <p:cNvSpPr/>
+          <p:nvPr/>
+        </p:nvSpPr>
+        <p:spPr>
+          <a:xfrm>
+            <a:off x="4846320" y="2407920"/>
+            <a:ext cx="1737360" cy="1021080"/>
+          </a:xfrm>
+          <a:prstGeom prst="rect">
+            <a:avLst/>
+          </a:prstGeom>
+          <a:solidFill>
+            <a:schemeClr val="bg1">
+              <a:lumMod val="95000"/>
+            </a:schemeClr>
+          </a:solidFill>
+        </p:spPr>
+        <p:style>
+          <a:lnRef idx="2">
+            <a:schemeClr val="accent1">
+              <a:shade val="15000"/>
+            </a:schemeClr>
+          </a:lnRef>
+          <a:fillRef idx="1">
+            <a:schemeClr val="accent1"/>
+          </a:fillRef>
+          <a:effectRef idx="0">
+            <a:schemeClr val="accent1"/>
+          </a:effectRef>
+          <a:fontRef idx="minor">
+            <a:schemeClr val="lt1"/>
+          </a:fontRef>
+        </p:style>
+        <p:txBody>
+          <a:bodyPr rtlCol="0" anchor="ctr"/>
+          <a:lstStyle/>
+          <a:p>
+            <a:pPr algn="ctr"/>
+            <a:r>
+              <a:rPr lang="en-US" altLang="ko-KR" dirty="0">
+                <a:solidFill>
+                  <a:schemeClr val="tx1"/>
+                </a:solidFill>
+              </a:rPr>
+              <a:t>Step</a:t>
+            </a:r>
+            <a:endParaRPr lang="ko-KR" altLang="en-US" dirty="0">
+              <a:solidFill>
+                <a:schemeClr val="tx1"/>
+              </a:solidFill>
+            </a:endParaRPr>
+          </a:p>
+        </p:txBody>
+      </p:sp>
+      <p:sp>
+        <p:nvSpPr>
+          <p:cNvPr id="13" name="TextBox 12">
+            <a:extLst>
+              <a:ext uri="{FF2B5EF4-FFF2-40B4-BE49-F238E27FC236}">
+                <a16:creationId xmlns:a16="http://schemas.microsoft.com/office/drawing/2014/main" id="{D3011BDF-1805-E24C-24C2-0636CE1DC6C6}"/>
+              </a:ext>
+            </a:extLst>
+          </p:cNvPr>
+          <p:cNvSpPr txBox="1"/>
+          <p:nvPr/>
+        </p:nvSpPr>
+        <p:spPr>
+          <a:xfrm>
+            <a:off x="5059680" y="878115"/>
+            <a:ext cx="2049196" cy="400110"/>
+          </a:xfrm>
+          <a:prstGeom prst="rect">
+            <a:avLst/>
+          </a:prstGeom>
+          <a:noFill/>
+        </p:spPr>
+        <p:txBody>
+          <a:bodyPr wrap="square">
+            <a:spAutoFit/>
+          </a:bodyPr>
+          <a:lstStyle/>
+          <a:p>
+            <a:pPr algn="ctr"/>
+            <a:r>
+              <a:rPr lang="en-US" altLang="ko-KR" sz="2000" b="1" dirty="0"/>
+              <a:t>Process</a:t>
+            </a:r>
+            <a:endParaRPr lang="ko-KR" altLang="en-US" sz="2000" b="1" dirty="0"/>
+          </a:p>
+        </p:txBody>
+      </p:sp>
+      <p:sp>
+        <p:nvSpPr>
+          <p:cNvPr id="14" name="TextBox 13">
+            <a:extLst>
+              <a:ext uri="{FF2B5EF4-FFF2-40B4-BE49-F238E27FC236}">
+                <a16:creationId xmlns:a16="http://schemas.microsoft.com/office/drawing/2014/main" id="{900EF213-B6C7-938D-B1CF-7332E67D90CD}"/>
+              </a:ext>
+            </a:extLst>
+          </p:cNvPr>
+          <p:cNvSpPr txBox="1"/>
+          <p:nvPr/>
+        </p:nvSpPr>
+        <p:spPr>
+          <a:xfrm>
+            <a:off x="1211431" y="2758440"/>
+            <a:ext cx="891689" cy="400110"/>
+          </a:xfrm>
+          <a:prstGeom prst="rect">
+            <a:avLst/>
+          </a:prstGeom>
+          <a:noFill/>
+        </p:spPr>
+        <p:txBody>
+          <a:bodyPr wrap="square" rtlCol="0">
+            <a:spAutoFit/>
+          </a:bodyPr>
+          <a:lstStyle/>
+          <a:p>
+            <a:r>
+              <a:rPr lang="en-US" altLang="ko-KR" sz="2000" b="1" dirty="0"/>
+              <a:t>Input</a:t>
+            </a:r>
+            <a:endParaRPr lang="ko-KR" altLang="en-US" sz="2000" b="1" dirty="0"/>
+          </a:p>
+        </p:txBody>
+      </p:sp>
+      <p:sp>
+        <p:nvSpPr>
+          <p:cNvPr id="15" name="TextBox 14">
+            <a:extLst>
+              <a:ext uri="{FF2B5EF4-FFF2-40B4-BE49-F238E27FC236}">
+                <a16:creationId xmlns:a16="http://schemas.microsoft.com/office/drawing/2014/main" id="{91FDBB93-42B5-4B7C-840B-E35BCD83478A}"/>
+              </a:ext>
+            </a:extLst>
+          </p:cNvPr>
+          <p:cNvSpPr txBox="1"/>
+          <p:nvPr/>
+        </p:nvSpPr>
+        <p:spPr>
+          <a:xfrm>
+            <a:off x="9936480" y="3307080"/>
+            <a:ext cx="1188720" cy="400110"/>
+          </a:xfrm>
+          <a:prstGeom prst="rect">
+            <a:avLst/>
+          </a:prstGeom>
+          <a:noFill/>
+        </p:spPr>
+        <p:txBody>
+          <a:bodyPr wrap="square" rtlCol="0">
+            <a:spAutoFit/>
+          </a:bodyPr>
+          <a:lstStyle/>
+          <a:p>
+            <a:r>
+              <a:rPr lang="en-US" altLang="ko-KR" sz="2000" b="1" dirty="0"/>
+              <a:t>Output</a:t>
+            </a:r>
+            <a:endParaRPr lang="ko-KR" altLang="en-US" sz="2000" b="1" dirty="0"/>
+          </a:p>
+        </p:txBody>
+      </p:sp>
+      <p:cxnSp>
+        <p:nvCxnSpPr>
+          <p:cNvPr id="17" name="직선 화살표 연결선 16">
+            <a:extLst>
+              <a:ext uri="{FF2B5EF4-FFF2-40B4-BE49-F238E27FC236}">
+                <a16:creationId xmlns:a16="http://schemas.microsoft.com/office/drawing/2014/main" id="{67A149B3-7E4C-A838-AB1D-9D4877B651A6}"/>
+              </a:ext>
+            </a:extLst>
+          </p:cNvPr>
+          <p:cNvCxnSpPr>
+            <a:stCxn id="14" idx="3"/>
+            <a:endCxn id="7" idx="1"/>
+          </p:cNvCxnSpPr>
+          <p:nvPr/>
+        </p:nvCxnSpPr>
+        <p:spPr>
+          <a:xfrm flipV="1">
+            <a:off x="2103120" y="2918460"/>
+            <a:ext cx="2743200" cy="40035"/>
+          </a:xfrm>
+          <a:prstGeom prst="straightConnector1">
+            <a:avLst/>
+          </a:prstGeom>
+          <a:ln>
+            <a:tailEnd type="triangle"/>
+          </a:ln>
+        </p:spPr>
+        <p:style>
+          <a:lnRef idx="2">
+            <a:schemeClr val="accent1"/>
+          </a:lnRef>
+          <a:fillRef idx="0">
+            <a:schemeClr val="accent1"/>
+          </a:fillRef>
+          <a:effectRef idx="1">
+            <a:schemeClr val="accent1"/>
+          </a:effectRef>
+          <a:fontRef idx="minor">
+            <a:schemeClr val="tx1"/>
+          </a:fontRef>
+        </p:style>
+      </p:cxnSp>
+      <p:cxnSp>
+        <p:nvCxnSpPr>
+          <p:cNvPr id="18" name="직선 화살표 연결선 17">
+            <a:extLst>
+              <a:ext uri="{FF2B5EF4-FFF2-40B4-BE49-F238E27FC236}">
+                <a16:creationId xmlns:a16="http://schemas.microsoft.com/office/drawing/2014/main" id="{0E9155FF-B83C-FDC9-227B-7CF582C3F3A2}"/>
+              </a:ext>
+            </a:extLst>
+          </p:cNvPr>
+          <p:cNvCxnSpPr>
+            <a:cxnSpLocks/>
+            <a:stCxn id="11" idx="3"/>
+            <a:endCxn id="15" idx="1"/>
+          </p:cNvCxnSpPr>
+          <p:nvPr/>
+        </p:nvCxnSpPr>
+        <p:spPr>
+          <a:xfrm flipV="1">
+            <a:off x="7193280" y="3507135"/>
+            <a:ext cx="2743200" cy="20925"/>
+          </a:xfrm>
+          <a:prstGeom prst="straightConnector1">
+            <a:avLst/>
+          </a:prstGeom>
+          <a:ln>
+            <a:tailEnd type="triangle"/>
+          </a:ln>
+        </p:spPr>
+        <p:style>
+          <a:lnRef idx="2">
+            <a:schemeClr val="accent1"/>
+          </a:lnRef>
+          <a:fillRef idx="0">
+            <a:schemeClr val="accent1"/>
+          </a:fillRef>
+          <a:effectRef idx="1">
+            <a:schemeClr val="accent1"/>
+          </a:effectRef>
+          <a:fontRef idx="minor">
+            <a:schemeClr val="tx1"/>
+          </a:fontRef>
+        </p:style>
+      </p:cxnSp>
+      <p:sp>
+        <p:nvSpPr>
+          <p:cNvPr id="21" name="TextBox 20">
+            <a:extLst>
+              <a:ext uri="{FF2B5EF4-FFF2-40B4-BE49-F238E27FC236}">
+                <a16:creationId xmlns:a16="http://schemas.microsoft.com/office/drawing/2014/main" id="{589CBF45-CD56-FFE0-3C5B-280EAF9B71E9}"/>
+              </a:ext>
+            </a:extLst>
+          </p:cNvPr>
+          <p:cNvSpPr txBox="1"/>
+          <p:nvPr/>
+        </p:nvSpPr>
+        <p:spPr>
+          <a:xfrm>
+            <a:off x="3358403" y="3025914"/>
+            <a:ext cx="1207993" cy="707886"/>
+          </a:xfrm>
+          <a:prstGeom prst="rect">
+            <a:avLst/>
+          </a:prstGeom>
+          <a:noFill/>
+        </p:spPr>
+        <p:txBody>
+          <a:bodyPr wrap="square" rtlCol="0">
+            <a:spAutoFit/>
+          </a:bodyPr>
+          <a:lstStyle/>
+          <a:p>
+            <a:pPr algn="ctr"/>
+            <a:r>
+              <a:rPr lang="en-US" altLang="ko-KR" sz="2000" b="1" dirty="0" err="1"/>
+              <a:t>OnInput</a:t>
+            </a:r>
+            <a:endParaRPr lang="en-US" altLang="ko-KR" sz="2000" b="1" dirty="0"/>
+          </a:p>
+          <a:p>
+            <a:pPr algn="ctr"/>
+            <a:r>
+              <a:rPr lang="en-US" altLang="ko-KR" sz="2000" b="1" dirty="0"/>
+              <a:t>Event</a:t>
+            </a:r>
+            <a:endParaRPr lang="ko-KR" altLang="en-US" sz="2000" b="1" dirty="0"/>
+          </a:p>
+        </p:txBody>
+      </p:sp>
+      <p:sp>
+        <p:nvSpPr>
+          <p:cNvPr id="22" name="TextBox 21">
+            <a:extLst>
+              <a:ext uri="{FF2B5EF4-FFF2-40B4-BE49-F238E27FC236}">
+                <a16:creationId xmlns:a16="http://schemas.microsoft.com/office/drawing/2014/main" id="{362F7C90-9802-A158-5CC2-11D0526266ED}"/>
+              </a:ext>
+            </a:extLst>
+          </p:cNvPr>
+          <p:cNvSpPr txBox="1"/>
+          <p:nvPr/>
+        </p:nvSpPr>
+        <p:spPr>
+          <a:xfrm>
+            <a:off x="7833360" y="3581400"/>
+            <a:ext cx="1207993" cy="400110"/>
+          </a:xfrm>
+          <a:prstGeom prst="rect">
+            <a:avLst/>
+          </a:prstGeom>
+          <a:noFill/>
+        </p:spPr>
+        <p:txBody>
+          <a:bodyPr wrap="square" rtlCol="0">
+            <a:spAutoFit/>
+          </a:bodyPr>
+          <a:lstStyle/>
+          <a:p>
+            <a:pPr algn="ctr"/>
+            <a:r>
+              <a:rPr lang="en-US" altLang="ko-KR" sz="2000" b="1" dirty="0"/>
+              <a:t>Stop</a:t>
+            </a:r>
+          </a:p>
+        </p:txBody>
+      </p:sp>
+      <p:cxnSp>
+        <p:nvCxnSpPr>
+          <p:cNvPr id="24" name="연결선: 구부러짐 23">
+            <a:extLst>
+              <a:ext uri="{FF2B5EF4-FFF2-40B4-BE49-F238E27FC236}">
+                <a16:creationId xmlns:a16="http://schemas.microsoft.com/office/drawing/2014/main" id="{A0F2106C-AF1B-B631-B430-052B68F19FE6}"/>
+              </a:ext>
+            </a:extLst>
+          </p:cNvPr>
+          <p:cNvCxnSpPr>
+            <a:cxnSpLocks/>
+            <a:stCxn id="11" idx="2"/>
+            <a:endCxn id="7" idx="0"/>
+          </p:cNvCxnSpPr>
+          <p:nvPr/>
+        </p:nvCxnSpPr>
+        <p:spPr>
+          <a:xfrm rot="5400000" flipH="1">
+            <a:off x="5204460" y="2918460"/>
+            <a:ext cx="1630680" cy="609600"/>
+          </a:xfrm>
+          <a:prstGeom prst="curvedConnector5">
+            <a:avLst>
+              <a:gd name="adj1" fmla="val -59812"/>
+              <a:gd name="adj2" fmla="val -247500"/>
+              <a:gd name="adj3" fmla="val 148598"/>
+            </a:avLst>
+          </a:prstGeom>
+          <a:ln>
+            <a:tailEnd type="triangle"/>
+          </a:ln>
+        </p:spPr>
+        <p:style>
+          <a:lnRef idx="2">
+            <a:schemeClr val="accent1"/>
+          </a:lnRef>
+          <a:fillRef idx="0">
+            <a:schemeClr val="accent1"/>
+          </a:fillRef>
+          <a:effectRef idx="1">
+            <a:schemeClr val="accent1"/>
+          </a:effectRef>
+          <a:fontRef idx="minor">
+            <a:schemeClr val="tx1"/>
+          </a:fontRef>
+        </p:style>
+      </p:cxnSp>
+      <p:sp>
+        <p:nvSpPr>
+          <p:cNvPr id="36" name="TextBox 35">
+            <a:extLst>
+              <a:ext uri="{FF2B5EF4-FFF2-40B4-BE49-F238E27FC236}">
+                <a16:creationId xmlns:a16="http://schemas.microsoft.com/office/drawing/2014/main" id="{62235E7B-1CBF-AFFC-E30A-A1F058E03D5E}"/>
+              </a:ext>
+            </a:extLst>
+          </p:cNvPr>
+          <p:cNvSpPr txBox="1"/>
+          <p:nvPr/>
+        </p:nvSpPr>
+        <p:spPr>
+          <a:xfrm>
+            <a:off x="6436883" y="5166360"/>
+            <a:ext cx="1207993" cy="707886"/>
+          </a:xfrm>
+          <a:prstGeom prst="rect">
+            <a:avLst/>
+          </a:prstGeom>
+          <a:noFill/>
+        </p:spPr>
+        <p:txBody>
+          <a:bodyPr wrap="square" rtlCol="0">
+            <a:spAutoFit/>
+          </a:bodyPr>
+          <a:lstStyle/>
+          <a:p>
+            <a:pPr algn="ctr"/>
+            <a:r>
+              <a:rPr lang="en-US" altLang="ko-KR" sz="2000" b="1" dirty="0"/>
+              <a:t>Send</a:t>
+            </a:r>
+          </a:p>
+          <a:p>
+            <a:pPr algn="ctr"/>
+            <a:r>
+              <a:rPr lang="en-US" altLang="ko-KR" sz="2000" b="1" dirty="0" err="1"/>
+              <a:t>EventTo</a:t>
+            </a:r>
+            <a:endParaRPr lang="ko-KR" altLang="en-US" sz="2000" b="1" dirty="0"/>
+          </a:p>
+        </p:txBody>
+      </p:sp>
+    </p:spTree>
+    <p:extLst>
+      <p:ext uri="{BB962C8B-B14F-4D97-AF65-F5344CB8AC3E}">
+        <p14:creationId xmlns:p14="http://schemas.microsoft.com/office/powerpoint/2010/main" val="2178062196"/>
+      </p:ext>
+    </p:extLst>
+  </p:cSld>
+  <p:clrMapOvr>
+    <a:masterClrMapping/>
+  </p:clrMapOvr>
+</p:sld>
+</file>
+
+<file path=ppt/slides/slide15.xml><?xml version="1.0" encoding="utf-8"?>
+<p:sld xmlns:a="http://schemas.openxmlformats.org/drawingml/2006/main" xmlns:r="http://schemas.openxmlformats.org/officeDocument/2006/relationships" xmlns:p="http://schemas.openxmlformats.org/presentationml/2006/main">
+  <p:cSld>
+    <p:spTree>
+      <p:nvGrpSpPr>
+        <p:cNvPr id="1" name="">
+          <a:extLst>
+            <a:ext uri="{FF2B5EF4-FFF2-40B4-BE49-F238E27FC236}">
+              <a16:creationId xmlns:a16="http://schemas.microsoft.com/office/drawing/2014/main" id="{4D7B6FAB-C9FA-4230-6776-34FC2B4988EA}"/>
+            </a:ext>
+          </a:extLst>
+        </p:cNvPr>
+        <p:cNvGrpSpPr/>
+        <p:nvPr/>
+      </p:nvGrpSpPr>
+      <p:grpSpPr>
+        <a:xfrm>
+          <a:off x="0" y="0"/>
+          <a:ext cx="0" cy="0"/>
+          <a:chOff x="0" y="0"/>
+          <a:chExt cx="0" cy="0"/>
+        </a:xfrm>
+      </p:grpSpPr>
+      <p:sp>
+        <p:nvSpPr>
+          <p:cNvPr id="2" name="TextBox 1">
+            <a:extLst>
+              <a:ext uri="{FF2B5EF4-FFF2-40B4-BE49-F238E27FC236}">
+                <a16:creationId xmlns:a16="http://schemas.microsoft.com/office/drawing/2014/main" id="{A31E2F63-2A08-95FB-18AE-CFC5369BA78D}"/>
+              </a:ext>
+            </a:extLst>
+          </p:cNvPr>
+          <p:cNvSpPr txBox="1"/>
+          <p:nvPr/>
+        </p:nvSpPr>
+        <p:spPr>
+          <a:xfrm>
+            <a:off x="126609" y="126609"/>
+            <a:ext cx="4501663" cy="369332"/>
+          </a:xfrm>
+          <a:prstGeom prst="rect">
+            <a:avLst/>
+          </a:prstGeom>
+          <a:noFill/>
+        </p:spPr>
+        <p:txBody>
+          <a:bodyPr wrap="square" rtlCol="0">
+            <a:spAutoFit/>
+          </a:bodyPr>
+          <a:lstStyle/>
+          <a:p>
+            <a:r>
+              <a:rPr lang="en-US" altLang="ko-KR" dirty="0" err="1"/>
+              <a:t>CrewAI</a:t>
+            </a:r>
+            <a:r>
+              <a:rPr lang="en-US" altLang="ko-KR" dirty="0"/>
+              <a:t> : Crews</a:t>
+            </a:r>
+            <a:endParaRPr lang="ko-KR" altLang="en-US" dirty="0"/>
+          </a:p>
+        </p:txBody>
+      </p:sp>
+      <p:sp>
+        <p:nvSpPr>
+          <p:cNvPr id="3" name="사각형: 둥근 모서리 2">
+            <a:extLst>
+              <a:ext uri="{FF2B5EF4-FFF2-40B4-BE49-F238E27FC236}">
+                <a16:creationId xmlns:a16="http://schemas.microsoft.com/office/drawing/2014/main" id="{C72DFD40-ED89-D97A-3FEC-C074FE03C70F}"/>
+              </a:ext>
+            </a:extLst>
+          </p:cNvPr>
+          <p:cNvSpPr/>
+          <p:nvPr/>
+        </p:nvSpPr>
+        <p:spPr>
+          <a:xfrm>
+            <a:off x="822960" y="868680"/>
+            <a:ext cx="4678680" cy="5631180"/>
+          </a:xfrm>
+          <a:prstGeom prst="roundRect">
+            <a:avLst/>
+          </a:prstGeom>
+          <a:solidFill>
+            <a:schemeClr val="accent1">
+              <a:lumMod val="20000"/>
+              <a:lumOff val="80000"/>
+            </a:schemeClr>
+          </a:solidFill>
+        </p:spPr>
+        <p:style>
+          <a:lnRef idx="2">
+            <a:schemeClr val="accent1">
+              <a:shade val="15000"/>
+            </a:schemeClr>
+          </a:lnRef>
+          <a:fillRef idx="1">
+            <a:schemeClr val="accent1"/>
+          </a:fillRef>
+          <a:effectRef idx="0">
+            <a:schemeClr val="accent1"/>
+          </a:effectRef>
+          <a:fontRef idx="minor">
+            <a:schemeClr val="lt1"/>
+          </a:fontRef>
+        </p:style>
+        <p:txBody>
+          <a:bodyPr rtlCol="0" anchor="ctr"/>
+          <a:lstStyle/>
+          <a:p>
+            <a:pPr algn="ctr"/>
+            <a:endParaRPr lang="ko-KR" altLang="en-US"/>
+          </a:p>
+        </p:txBody>
+      </p:sp>
+      <p:sp>
+        <p:nvSpPr>
+          <p:cNvPr id="7" name="사각형: 둥근 모서리 6">
+            <a:extLst>
+              <a:ext uri="{FF2B5EF4-FFF2-40B4-BE49-F238E27FC236}">
+                <a16:creationId xmlns:a16="http://schemas.microsoft.com/office/drawing/2014/main" id="{0F65811C-ACA6-86C4-1B90-7390C4551DE2}"/>
+              </a:ext>
+            </a:extLst>
+          </p:cNvPr>
+          <p:cNvSpPr/>
+          <p:nvPr/>
+        </p:nvSpPr>
+        <p:spPr>
+          <a:xfrm>
+            <a:off x="6690362" y="868680"/>
+            <a:ext cx="4678680" cy="4038600"/>
+          </a:xfrm>
+          <a:prstGeom prst="roundRect">
+            <a:avLst/>
+          </a:prstGeom>
+          <a:solidFill>
+            <a:schemeClr val="accent1">
+              <a:lumMod val="20000"/>
+              <a:lumOff val="80000"/>
+            </a:schemeClr>
+          </a:solidFill>
+        </p:spPr>
+        <p:style>
+          <a:lnRef idx="2">
+            <a:schemeClr val="accent1">
+              <a:shade val="15000"/>
+            </a:schemeClr>
+          </a:lnRef>
+          <a:fillRef idx="1">
+            <a:schemeClr val="accent1"/>
+          </a:fillRef>
+          <a:effectRef idx="0">
+            <a:schemeClr val="accent1"/>
+          </a:effectRef>
+          <a:fontRef idx="minor">
+            <a:schemeClr val="lt1"/>
+          </a:fontRef>
+        </p:style>
+        <p:txBody>
+          <a:bodyPr rtlCol="0" anchor="ctr"/>
+          <a:lstStyle/>
+          <a:p>
+            <a:pPr algn="ctr"/>
+            <a:endParaRPr lang="ko-KR" altLang="en-US"/>
+          </a:p>
+        </p:txBody>
+      </p:sp>
+      <p:sp>
+        <p:nvSpPr>
+          <p:cNvPr id="8" name="직사각형 7">
+            <a:extLst>
+              <a:ext uri="{FF2B5EF4-FFF2-40B4-BE49-F238E27FC236}">
+                <a16:creationId xmlns:a16="http://schemas.microsoft.com/office/drawing/2014/main" id="{A06FF5FB-1D94-88F2-60B0-409FFA62E2AD}"/>
+              </a:ext>
+            </a:extLst>
+          </p:cNvPr>
+          <p:cNvSpPr/>
+          <p:nvPr/>
+        </p:nvSpPr>
+        <p:spPr>
+          <a:xfrm>
+            <a:off x="1522681" y="1783079"/>
+            <a:ext cx="1326320" cy="853441"/>
+          </a:xfrm>
+          <a:prstGeom prst="rect">
+            <a:avLst/>
+          </a:prstGeom>
+          <a:solidFill>
+            <a:schemeClr val="bg1">
+              <a:lumMod val="95000"/>
+            </a:schemeClr>
+          </a:solidFill>
+        </p:spPr>
+        <p:style>
+          <a:lnRef idx="2">
+            <a:schemeClr val="accent1">
+              <a:shade val="15000"/>
+            </a:schemeClr>
+          </a:lnRef>
+          <a:fillRef idx="1">
+            <a:schemeClr val="accent1"/>
+          </a:fillRef>
+          <a:effectRef idx="0">
+            <a:schemeClr val="accent1"/>
+          </a:effectRef>
+          <a:fontRef idx="minor">
+            <a:schemeClr val="lt1"/>
+          </a:fontRef>
+        </p:style>
+        <p:txBody>
+          <a:bodyPr rtlCol="0" anchor="ctr"/>
+          <a:lstStyle/>
+          <a:p>
+            <a:pPr algn="ctr"/>
+            <a:r>
+              <a:rPr lang="en-US" altLang="ko-KR" dirty="0">
+                <a:solidFill>
+                  <a:schemeClr val="tx1"/>
+                </a:solidFill>
+              </a:rPr>
+              <a:t>Task</a:t>
+            </a:r>
+            <a:endParaRPr lang="ko-KR" altLang="en-US" dirty="0">
+              <a:solidFill>
+                <a:schemeClr val="tx1"/>
+              </a:solidFill>
+            </a:endParaRPr>
+          </a:p>
+        </p:txBody>
+      </p:sp>
+      <p:sp>
+        <p:nvSpPr>
+          <p:cNvPr id="9" name="타원 8">
+            <a:extLst>
+              <a:ext uri="{FF2B5EF4-FFF2-40B4-BE49-F238E27FC236}">
+                <a16:creationId xmlns:a16="http://schemas.microsoft.com/office/drawing/2014/main" id="{929D6B14-1D92-929A-57EE-C563C7ABD0F7}"/>
+              </a:ext>
+            </a:extLst>
+          </p:cNvPr>
+          <p:cNvSpPr/>
+          <p:nvPr/>
+        </p:nvSpPr>
+        <p:spPr>
+          <a:xfrm>
+            <a:off x="3591512" y="1630678"/>
+            <a:ext cx="1167617" cy="1167617"/>
+          </a:xfrm>
+          <a:prstGeom prst="ellipse">
+            <a:avLst/>
+          </a:prstGeom>
+          <a:solidFill>
+            <a:schemeClr val="bg2"/>
+          </a:solidFill>
+        </p:spPr>
+        <p:style>
+          <a:lnRef idx="2">
+            <a:schemeClr val="accent1">
+              <a:shade val="15000"/>
+            </a:schemeClr>
+          </a:lnRef>
+          <a:fillRef idx="1">
+            <a:schemeClr val="accent1"/>
+          </a:fillRef>
+          <a:effectRef idx="0">
+            <a:schemeClr val="accent1"/>
+          </a:effectRef>
+          <a:fontRef idx="minor">
+            <a:schemeClr val="lt1"/>
+          </a:fontRef>
+        </p:style>
+        <p:txBody>
+          <a:bodyPr rtlCol="0" anchor="ctr"/>
+          <a:lstStyle/>
+          <a:p>
+            <a:pPr algn="dist"/>
+            <a:r>
+              <a:rPr lang="en-US" altLang="ko-KR" dirty="0">
+                <a:solidFill>
+                  <a:sysClr val="windowText" lastClr="000000"/>
+                </a:solidFill>
+              </a:rPr>
+              <a:t>Agent</a:t>
+            </a:r>
+            <a:endParaRPr lang="ko-KR" altLang="en-US" dirty="0">
+              <a:solidFill>
+                <a:sysClr val="windowText" lastClr="000000"/>
+              </a:solidFill>
+            </a:endParaRPr>
+          </a:p>
+        </p:txBody>
+      </p:sp>
+      <p:cxnSp>
+        <p:nvCxnSpPr>
+          <p:cNvPr id="15" name="직선 연결선 14">
+            <a:extLst>
+              <a:ext uri="{FF2B5EF4-FFF2-40B4-BE49-F238E27FC236}">
+                <a16:creationId xmlns:a16="http://schemas.microsoft.com/office/drawing/2014/main" id="{54E2FE0D-FB07-77E8-54AE-3A9C6A4D9122}"/>
+              </a:ext>
+            </a:extLst>
+          </p:cNvPr>
+          <p:cNvCxnSpPr>
+            <a:stCxn id="8" idx="3"/>
+            <a:endCxn id="9" idx="2"/>
+          </p:cNvCxnSpPr>
+          <p:nvPr/>
+        </p:nvCxnSpPr>
+        <p:spPr>
+          <a:xfrm>
+            <a:off x="2849001" y="2209800"/>
+            <a:ext cx="742511" cy="4687"/>
+          </a:xfrm>
+          <a:prstGeom prst="line">
+            <a:avLst/>
+          </a:prstGeom>
+        </p:spPr>
+        <p:style>
+          <a:lnRef idx="2">
+            <a:schemeClr val="accent1"/>
+          </a:lnRef>
+          <a:fillRef idx="0">
+            <a:schemeClr val="accent1"/>
+          </a:fillRef>
+          <a:effectRef idx="1">
+            <a:schemeClr val="accent1"/>
+          </a:effectRef>
+          <a:fontRef idx="minor">
+            <a:schemeClr val="tx1"/>
+          </a:fontRef>
+        </p:style>
+      </p:cxnSp>
+      <p:sp>
+        <p:nvSpPr>
+          <p:cNvPr id="16" name="직사각형 15">
+            <a:extLst>
+              <a:ext uri="{FF2B5EF4-FFF2-40B4-BE49-F238E27FC236}">
+                <a16:creationId xmlns:a16="http://schemas.microsoft.com/office/drawing/2014/main" id="{E49711C3-38C0-40D4-CD14-7C60C512D5C9}"/>
+              </a:ext>
+            </a:extLst>
+          </p:cNvPr>
+          <p:cNvSpPr/>
+          <p:nvPr/>
+        </p:nvSpPr>
+        <p:spPr>
+          <a:xfrm>
+            <a:off x="1522681" y="3262475"/>
+            <a:ext cx="1326320" cy="853441"/>
+          </a:xfrm>
+          <a:prstGeom prst="rect">
+            <a:avLst/>
+          </a:prstGeom>
+          <a:solidFill>
+            <a:schemeClr val="bg1">
+              <a:lumMod val="95000"/>
+            </a:schemeClr>
+          </a:solidFill>
+        </p:spPr>
+        <p:style>
+          <a:lnRef idx="2">
+            <a:schemeClr val="accent1">
+              <a:shade val="15000"/>
+            </a:schemeClr>
+          </a:lnRef>
+          <a:fillRef idx="1">
+            <a:schemeClr val="accent1"/>
+          </a:fillRef>
+          <a:effectRef idx="0">
+            <a:schemeClr val="accent1"/>
+          </a:effectRef>
+          <a:fontRef idx="minor">
+            <a:schemeClr val="lt1"/>
+          </a:fontRef>
+        </p:style>
+        <p:txBody>
+          <a:bodyPr rtlCol="0" anchor="ctr"/>
+          <a:lstStyle/>
+          <a:p>
+            <a:pPr algn="ctr"/>
+            <a:r>
+              <a:rPr lang="en-US" altLang="ko-KR" dirty="0">
+                <a:solidFill>
+                  <a:schemeClr val="tx1"/>
+                </a:solidFill>
+              </a:rPr>
+              <a:t>Task</a:t>
+            </a:r>
+            <a:endParaRPr lang="ko-KR" altLang="en-US" dirty="0">
+              <a:solidFill>
+                <a:schemeClr val="tx1"/>
+              </a:solidFill>
+            </a:endParaRPr>
+          </a:p>
+        </p:txBody>
+      </p:sp>
+      <p:sp>
+        <p:nvSpPr>
+          <p:cNvPr id="17" name="타원 16">
+            <a:extLst>
+              <a:ext uri="{FF2B5EF4-FFF2-40B4-BE49-F238E27FC236}">
+                <a16:creationId xmlns:a16="http://schemas.microsoft.com/office/drawing/2014/main" id="{3B182012-4EFB-705C-93C9-508D02B0915A}"/>
+              </a:ext>
+            </a:extLst>
+          </p:cNvPr>
+          <p:cNvSpPr/>
+          <p:nvPr/>
+        </p:nvSpPr>
+        <p:spPr>
+          <a:xfrm>
+            <a:off x="3591512" y="3110074"/>
+            <a:ext cx="1167617" cy="1167617"/>
+          </a:xfrm>
+          <a:prstGeom prst="ellipse">
+            <a:avLst/>
+          </a:prstGeom>
+          <a:solidFill>
+            <a:schemeClr val="bg2"/>
+          </a:solidFill>
+        </p:spPr>
+        <p:style>
+          <a:lnRef idx="2">
+            <a:schemeClr val="accent1">
+              <a:shade val="15000"/>
+            </a:schemeClr>
+          </a:lnRef>
+          <a:fillRef idx="1">
+            <a:schemeClr val="accent1"/>
+          </a:fillRef>
+          <a:effectRef idx="0">
+            <a:schemeClr val="accent1"/>
+          </a:effectRef>
+          <a:fontRef idx="minor">
+            <a:schemeClr val="lt1"/>
+          </a:fontRef>
+        </p:style>
+        <p:txBody>
+          <a:bodyPr rtlCol="0" anchor="ctr"/>
+          <a:lstStyle/>
+          <a:p>
+            <a:pPr algn="dist"/>
+            <a:r>
+              <a:rPr lang="en-US" altLang="ko-KR" dirty="0">
+                <a:solidFill>
+                  <a:sysClr val="windowText" lastClr="000000"/>
+                </a:solidFill>
+              </a:rPr>
+              <a:t>Agent</a:t>
+            </a:r>
+            <a:endParaRPr lang="ko-KR" altLang="en-US" dirty="0">
+              <a:solidFill>
+                <a:sysClr val="windowText" lastClr="000000"/>
+              </a:solidFill>
+            </a:endParaRPr>
+          </a:p>
+        </p:txBody>
+      </p:sp>
+      <p:cxnSp>
+        <p:nvCxnSpPr>
+          <p:cNvPr id="18" name="직선 연결선 17">
+            <a:extLst>
+              <a:ext uri="{FF2B5EF4-FFF2-40B4-BE49-F238E27FC236}">
+                <a16:creationId xmlns:a16="http://schemas.microsoft.com/office/drawing/2014/main" id="{68C4A089-3F7A-28A4-7F33-FE8634B70977}"/>
+              </a:ext>
+            </a:extLst>
+          </p:cNvPr>
+          <p:cNvCxnSpPr>
+            <a:stCxn id="16" idx="3"/>
+            <a:endCxn id="17" idx="2"/>
+          </p:cNvCxnSpPr>
+          <p:nvPr/>
+        </p:nvCxnSpPr>
+        <p:spPr>
+          <a:xfrm>
+            <a:off x="2849001" y="3689196"/>
+            <a:ext cx="742511" cy="4687"/>
+          </a:xfrm>
+          <a:prstGeom prst="line">
+            <a:avLst/>
+          </a:prstGeom>
+        </p:spPr>
+        <p:style>
+          <a:lnRef idx="2">
+            <a:schemeClr val="accent1"/>
+          </a:lnRef>
+          <a:fillRef idx="0">
+            <a:schemeClr val="accent1"/>
+          </a:fillRef>
+          <a:effectRef idx="1">
+            <a:schemeClr val="accent1"/>
+          </a:effectRef>
+          <a:fontRef idx="minor">
+            <a:schemeClr val="tx1"/>
+          </a:fontRef>
+        </p:style>
+      </p:cxnSp>
+      <p:sp>
+        <p:nvSpPr>
+          <p:cNvPr id="19" name="직사각형 18">
+            <a:extLst>
+              <a:ext uri="{FF2B5EF4-FFF2-40B4-BE49-F238E27FC236}">
+                <a16:creationId xmlns:a16="http://schemas.microsoft.com/office/drawing/2014/main" id="{4F8C5861-478F-D1B1-65BB-17E2515DDBFA}"/>
+              </a:ext>
+            </a:extLst>
+          </p:cNvPr>
+          <p:cNvSpPr/>
+          <p:nvPr/>
+        </p:nvSpPr>
+        <p:spPr>
+          <a:xfrm>
+            <a:off x="1522681" y="4697329"/>
+            <a:ext cx="1326320" cy="853441"/>
+          </a:xfrm>
+          <a:prstGeom prst="rect">
+            <a:avLst/>
+          </a:prstGeom>
+          <a:solidFill>
+            <a:schemeClr val="bg1">
+              <a:lumMod val="95000"/>
+            </a:schemeClr>
+          </a:solidFill>
+        </p:spPr>
+        <p:style>
+          <a:lnRef idx="2">
+            <a:schemeClr val="accent1">
+              <a:shade val="15000"/>
+            </a:schemeClr>
+          </a:lnRef>
+          <a:fillRef idx="1">
+            <a:schemeClr val="accent1"/>
+          </a:fillRef>
+          <a:effectRef idx="0">
+            <a:schemeClr val="accent1"/>
+          </a:effectRef>
+          <a:fontRef idx="minor">
+            <a:schemeClr val="lt1"/>
+          </a:fontRef>
+        </p:style>
+        <p:txBody>
+          <a:bodyPr rtlCol="0" anchor="ctr"/>
+          <a:lstStyle/>
+          <a:p>
+            <a:pPr algn="ctr"/>
+            <a:r>
+              <a:rPr lang="en-US" altLang="ko-KR" dirty="0">
+                <a:solidFill>
+                  <a:schemeClr val="tx1"/>
+                </a:solidFill>
+              </a:rPr>
+              <a:t>Task</a:t>
+            </a:r>
+            <a:endParaRPr lang="ko-KR" altLang="en-US" dirty="0">
+              <a:solidFill>
+                <a:schemeClr val="tx1"/>
+              </a:solidFill>
+            </a:endParaRPr>
+          </a:p>
+        </p:txBody>
+      </p:sp>
+      <p:sp>
+        <p:nvSpPr>
+          <p:cNvPr id="20" name="타원 19">
+            <a:extLst>
+              <a:ext uri="{FF2B5EF4-FFF2-40B4-BE49-F238E27FC236}">
+                <a16:creationId xmlns:a16="http://schemas.microsoft.com/office/drawing/2014/main" id="{02785A4C-108B-BC12-2C43-81837048FDE3}"/>
+              </a:ext>
+            </a:extLst>
+          </p:cNvPr>
+          <p:cNvSpPr/>
+          <p:nvPr/>
+        </p:nvSpPr>
+        <p:spPr>
+          <a:xfrm>
+            <a:off x="3591512" y="4544928"/>
+            <a:ext cx="1167617" cy="1167617"/>
+          </a:xfrm>
+          <a:prstGeom prst="ellipse">
+            <a:avLst/>
+          </a:prstGeom>
+          <a:solidFill>
+            <a:schemeClr val="bg2"/>
+          </a:solidFill>
+        </p:spPr>
+        <p:style>
+          <a:lnRef idx="2">
+            <a:schemeClr val="accent1">
+              <a:shade val="15000"/>
+            </a:schemeClr>
+          </a:lnRef>
+          <a:fillRef idx="1">
+            <a:schemeClr val="accent1"/>
+          </a:fillRef>
+          <a:effectRef idx="0">
+            <a:schemeClr val="accent1"/>
+          </a:effectRef>
+          <a:fontRef idx="minor">
+            <a:schemeClr val="lt1"/>
+          </a:fontRef>
+        </p:style>
+        <p:txBody>
+          <a:bodyPr rtlCol="0" anchor="ctr"/>
+          <a:lstStyle/>
+          <a:p>
+            <a:pPr algn="dist"/>
+            <a:r>
+              <a:rPr lang="en-US" altLang="ko-KR" dirty="0">
+                <a:solidFill>
+                  <a:sysClr val="windowText" lastClr="000000"/>
+                </a:solidFill>
+              </a:rPr>
+              <a:t>Agent</a:t>
+            </a:r>
+            <a:endParaRPr lang="ko-KR" altLang="en-US" dirty="0">
+              <a:solidFill>
+                <a:sysClr val="windowText" lastClr="000000"/>
+              </a:solidFill>
+            </a:endParaRPr>
+          </a:p>
+        </p:txBody>
+      </p:sp>
+      <p:cxnSp>
+        <p:nvCxnSpPr>
+          <p:cNvPr id="21" name="직선 연결선 20">
+            <a:extLst>
+              <a:ext uri="{FF2B5EF4-FFF2-40B4-BE49-F238E27FC236}">
+                <a16:creationId xmlns:a16="http://schemas.microsoft.com/office/drawing/2014/main" id="{990384C5-5772-BB9C-FFBA-9973296FF364}"/>
+              </a:ext>
+            </a:extLst>
+          </p:cNvPr>
+          <p:cNvCxnSpPr>
+            <a:stCxn id="19" idx="3"/>
+            <a:endCxn id="20" idx="2"/>
+          </p:cNvCxnSpPr>
+          <p:nvPr/>
+        </p:nvCxnSpPr>
+        <p:spPr>
+          <a:xfrm>
+            <a:off x="2849001" y="5124050"/>
+            <a:ext cx="742511" cy="4687"/>
+          </a:xfrm>
+          <a:prstGeom prst="line">
+            <a:avLst/>
+          </a:prstGeom>
+        </p:spPr>
+        <p:style>
+          <a:lnRef idx="2">
+            <a:schemeClr val="accent1"/>
+          </a:lnRef>
+          <a:fillRef idx="0">
+            <a:schemeClr val="accent1"/>
+          </a:fillRef>
+          <a:effectRef idx="1">
+            <a:schemeClr val="accent1"/>
+          </a:effectRef>
+          <a:fontRef idx="minor">
+            <a:schemeClr val="tx1"/>
+          </a:fontRef>
+        </p:style>
+      </p:cxnSp>
+      <p:sp>
+        <p:nvSpPr>
+          <p:cNvPr id="22" name="직사각형 21">
+            <a:extLst>
+              <a:ext uri="{FF2B5EF4-FFF2-40B4-BE49-F238E27FC236}">
+                <a16:creationId xmlns:a16="http://schemas.microsoft.com/office/drawing/2014/main" id="{BA783A60-D6EF-3086-F563-E9A02F437025}"/>
+              </a:ext>
+            </a:extLst>
+          </p:cNvPr>
+          <p:cNvSpPr/>
+          <p:nvPr/>
+        </p:nvSpPr>
+        <p:spPr>
+          <a:xfrm>
+            <a:off x="7432871" y="1769943"/>
+            <a:ext cx="1326320" cy="853441"/>
+          </a:xfrm>
+          <a:prstGeom prst="rect">
+            <a:avLst/>
+          </a:prstGeom>
+          <a:solidFill>
+            <a:schemeClr val="bg1">
+              <a:lumMod val="95000"/>
+            </a:schemeClr>
+          </a:solidFill>
+        </p:spPr>
+        <p:style>
+          <a:lnRef idx="2">
+            <a:schemeClr val="accent1">
+              <a:shade val="15000"/>
+            </a:schemeClr>
+          </a:lnRef>
+          <a:fillRef idx="1">
+            <a:schemeClr val="accent1"/>
+          </a:fillRef>
+          <a:effectRef idx="0">
+            <a:schemeClr val="accent1"/>
+          </a:effectRef>
+          <a:fontRef idx="minor">
+            <a:schemeClr val="lt1"/>
+          </a:fontRef>
+        </p:style>
+        <p:txBody>
+          <a:bodyPr rtlCol="0" anchor="ctr"/>
+          <a:lstStyle/>
+          <a:p>
+            <a:pPr algn="ctr"/>
+            <a:r>
+              <a:rPr lang="en-US" altLang="ko-KR" dirty="0">
+                <a:solidFill>
+                  <a:schemeClr val="tx1"/>
+                </a:solidFill>
+              </a:rPr>
+              <a:t>Task</a:t>
+            </a:r>
+            <a:endParaRPr lang="ko-KR" altLang="en-US" dirty="0">
+              <a:solidFill>
+                <a:schemeClr val="tx1"/>
+              </a:solidFill>
+            </a:endParaRPr>
+          </a:p>
+        </p:txBody>
+      </p:sp>
+      <p:sp>
+        <p:nvSpPr>
+          <p:cNvPr id="23" name="타원 22">
+            <a:extLst>
+              <a:ext uri="{FF2B5EF4-FFF2-40B4-BE49-F238E27FC236}">
+                <a16:creationId xmlns:a16="http://schemas.microsoft.com/office/drawing/2014/main" id="{EDDAA906-E0DC-54F9-EDA0-6E29486EA828}"/>
+              </a:ext>
+            </a:extLst>
+          </p:cNvPr>
+          <p:cNvSpPr/>
+          <p:nvPr/>
+        </p:nvSpPr>
+        <p:spPr>
+          <a:xfrm>
+            <a:off x="9501702" y="1617542"/>
+            <a:ext cx="1167617" cy="1167617"/>
+          </a:xfrm>
+          <a:prstGeom prst="ellipse">
+            <a:avLst/>
+          </a:prstGeom>
+          <a:solidFill>
+            <a:schemeClr val="bg2"/>
+          </a:solidFill>
+        </p:spPr>
+        <p:style>
+          <a:lnRef idx="2">
+            <a:schemeClr val="accent1">
+              <a:shade val="15000"/>
+            </a:schemeClr>
+          </a:lnRef>
+          <a:fillRef idx="1">
+            <a:schemeClr val="accent1"/>
+          </a:fillRef>
+          <a:effectRef idx="0">
+            <a:schemeClr val="accent1"/>
+          </a:effectRef>
+          <a:fontRef idx="minor">
+            <a:schemeClr val="lt1"/>
+          </a:fontRef>
+        </p:style>
+        <p:txBody>
+          <a:bodyPr rtlCol="0" anchor="ctr"/>
+          <a:lstStyle/>
+          <a:p>
+            <a:pPr algn="dist"/>
+            <a:r>
+              <a:rPr lang="en-US" altLang="ko-KR" dirty="0">
+                <a:solidFill>
+                  <a:sysClr val="windowText" lastClr="000000"/>
+                </a:solidFill>
+              </a:rPr>
+              <a:t>Agent</a:t>
+            </a:r>
+            <a:endParaRPr lang="ko-KR" altLang="en-US" dirty="0">
+              <a:solidFill>
+                <a:sysClr val="windowText" lastClr="000000"/>
+              </a:solidFill>
+            </a:endParaRPr>
+          </a:p>
+        </p:txBody>
+      </p:sp>
+      <p:cxnSp>
+        <p:nvCxnSpPr>
+          <p:cNvPr id="24" name="직선 연결선 23">
+            <a:extLst>
+              <a:ext uri="{FF2B5EF4-FFF2-40B4-BE49-F238E27FC236}">
+                <a16:creationId xmlns:a16="http://schemas.microsoft.com/office/drawing/2014/main" id="{44EF5841-E7BF-8F82-5FC6-732A68FA75C2}"/>
+              </a:ext>
+            </a:extLst>
+          </p:cNvPr>
+          <p:cNvCxnSpPr>
+            <a:stCxn id="22" idx="3"/>
+            <a:endCxn id="23" idx="2"/>
+          </p:cNvCxnSpPr>
+          <p:nvPr/>
+        </p:nvCxnSpPr>
+        <p:spPr>
+          <a:xfrm>
+            <a:off x="8759191" y="2196664"/>
+            <a:ext cx="742511" cy="4687"/>
+          </a:xfrm>
+          <a:prstGeom prst="line">
+            <a:avLst/>
+          </a:prstGeom>
+        </p:spPr>
+        <p:style>
+          <a:lnRef idx="2">
+            <a:schemeClr val="accent1"/>
+          </a:lnRef>
+          <a:fillRef idx="0">
+            <a:schemeClr val="accent1"/>
+          </a:fillRef>
+          <a:effectRef idx="1">
+            <a:schemeClr val="accent1"/>
+          </a:effectRef>
+          <a:fontRef idx="minor">
+            <a:schemeClr val="tx1"/>
+          </a:fontRef>
+        </p:style>
+      </p:cxnSp>
+      <p:sp>
+        <p:nvSpPr>
+          <p:cNvPr id="25" name="직사각형 24">
+            <a:extLst>
+              <a:ext uri="{FF2B5EF4-FFF2-40B4-BE49-F238E27FC236}">
+                <a16:creationId xmlns:a16="http://schemas.microsoft.com/office/drawing/2014/main" id="{67F3B4B4-D120-1A95-96AF-A7A0C23EDB44}"/>
+              </a:ext>
+            </a:extLst>
+          </p:cNvPr>
+          <p:cNvSpPr/>
+          <p:nvPr/>
+        </p:nvSpPr>
+        <p:spPr>
+          <a:xfrm>
+            <a:off x="7429429" y="3333924"/>
+            <a:ext cx="1326320" cy="853441"/>
+          </a:xfrm>
+          <a:prstGeom prst="rect">
+            <a:avLst/>
+          </a:prstGeom>
+          <a:solidFill>
+            <a:schemeClr val="bg1">
+              <a:lumMod val="95000"/>
+            </a:schemeClr>
+          </a:solidFill>
+        </p:spPr>
+        <p:style>
+          <a:lnRef idx="2">
+            <a:schemeClr val="accent1">
+              <a:shade val="15000"/>
+            </a:schemeClr>
+          </a:lnRef>
+          <a:fillRef idx="1">
+            <a:schemeClr val="accent1"/>
+          </a:fillRef>
+          <a:effectRef idx="0">
+            <a:schemeClr val="accent1"/>
+          </a:effectRef>
+          <a:fontRef idx="minor">
+            <a:schemeClr val="lt1"/>
+          </a:fontRef>
+        </p:style>
+        <p:txBody>
+          <a:bodyPr rtlCol="0" anchor="ctr"/>
+          <a:lstStyle/>
+          <a:p>
+            <a:pPr algn="ctr"/>
+            <a:r>
+              <a:rPr lang="en-US" altLang="ko-KR" dirty="0">
+                <a:solidFill>
+                  <a:schemeClr val="tx1"/>
+                </a:solidFill>
+              </a:rPr>
+              <a:t>Task</a:t>
+            </a:r>
+            <a:endParaRPr lang="ko-KR" altLang="en-US" dirty="0">
+              <a:solidFill>
+                <a:schemeClr val="tx1"/>
+              </a:solidFill>
+            </a:endParaRPr>
+          </a:p>
+        </p:txBody>
+      </p:sp>
+      <p:sp>
+        <p:nvSpPr>
+          <p:cNvPr id="26" name="타원 25">
+            <a:extLst>
+              <a:ext uri="{FF2B5EF4-FFF2-40B4-BE49-F238E27FC236}">
+                <a16:creationId xmlns:a16="http://schemas.microsoft.com/office/drawing/2014/main" id="{5240F2F2-E13E-4B31-E7ED-6213200C77DD}"/>
+              </a:ext>
+            </a:extLst>
+          </p:cNvPr>
+          <p:cNvSpPr/>
+          <p:nvPr/>
+        </p:nvSpPr>
+        <p:spPr>
+          <a:xfrm>
+            <a:off x="9498260" y="3181523"/>
+            <a:ext cx="1167617" cy="1167617"/>
+          </a:xfrm>
+          <a:prstGeom prst="ellipse">
+            <a:avLst/>
+          </a:prstGeom>
+          <a:solidFill>
+            <a:schemeClr val="bg2"/>
+          </a:solidFill>
+        </p:spPr>
+        <p:style>
+          <a:lnRef idx="2">
+            <a:schemeClr val="accent1">
+              <a:shade val="15000"/>
+            </a:schemeClr>
+          </a:lnRef>
+          <a:fillRef idx="1">
+            <a:schemeClr val="accent1"/>
+          </a:fillRef>
+          <a:effectRef idx="0">
+            <a:schemeClr val="accent1"/>
+          </a:effectRef>
+          <a:fontRef idx="minor">
+            <a:schemeClr val="lt1"/>
+          </a:fontRef>
+        </p:style>
+        <p:txBody>
+          <a:bodyPr rtlCol="0" anchor="ctr"/>
+          <a:lstStyle/>
+          <a:p>
+            <a:pPr algn="dist"/>
+            <a:r>
+              <a:rPr lang="en-US" altLang="ko-KR" dirty="0">
+                <a:solidFill>
+                  <a:sysClr val="windowText" lastClr="000000"/>
+                </a:solidFill>
+              </a:rPr>
+              <a:t>Agent</a:t>
+            </a:r>
+            <a:endParaRPr lang="ko-KR" altLang="en-US" dirty="0">
+              <a:solidFill>
+                <a:sysClr val="windowText" lastClr="000000"/>
+              </a:solidFill>
+            </a:endParaRPr>
+          </a:p>
+        </p:txBody>
+      </p:sp>
+      <p:cxnSp>
+        <p:nvCxnSpPr>
+          <p:cNvPr id="27" name="직선 연결선 26">
+            <a:extLst>
+              <a:ext uri="{FF2B5EF4-FFF2-40B4-BE49-F238E27FC236}">
+                <a16:creationId xmlns:a16="http://schemas.microsoft.com/office/drawing/2014/main" id="{FDD12A8B-0314-51FE-7ED6-98B7960B476B}"/>
+              </a:ext>
+            </a:extLst>
+          </p:cNvPr>
+          <p:cNvCxnSpPr>
+            <a:stCxn id="25" idx="3"/>
+            <a:endCxn id="26" idx="2"/>
+          </p:cNvCxnSpPr>
+          <p:nvPr/>
+        </p:nvCxnSpPr>
+        <p:spPr>
+          <a:xfrm>
+            <a:off x="8755749" y="3760645"/>
+            <a:ext cx="742511" cy="4687"/>
+          </a:xfrm>
+          <a:prstGeom prst="line">
+            <a:avLst/>
+          </a:prstGeom>
+        </p:spPr>
+        <p:style>
+          <a:lnRef idx="2">
+            <a:schemeClr val="accent1"/>
+          </a:lnRef>
+          <a:fillRef idx="0">
+            <a:schemeClr val="accent1"/>
+          </a:fillRef>
+          <a:effectRef idx="1">
+            <a:schemeClr val="accent1"/>
+          </a:effectRef>
+          <a:fontRef idx="minor">
+            <a:schemeClr val="tx1"/>
+          </a:fontRef>
+        </p:style>
+      </p:cxnSp>
+      <p:sp>
+        <p:nvSpPr>
+          <p:cNvPr id="28" name="타원 27">
+            <a:extLst>
+              <a:ext uri="{FF2B5EF4-FFF2-40B4-BE49-F238E27FC236}">
+                <a16:creationId xmlns:a16="http://schemas.microsoft.com/office/drawing/2014/main" id="{1AD1E1EF-BF39-963D-E899-D7AFE73D663A}"/>
+              </a:ext>
+            </a:extLst>
+          </p:cNvPr>
+          <p:cNvSpPr/>
+          <p:nvPr/>
+        </p:nvSpPr>
+        <p:spPr>
+          <a:xfrm>
+            <a:off x="8543195" y="5275271"/>
+            <a:ext cx="1167617" cy="1167617"/>
+          </a:xfrm>
+          <a:prstGeom prst="ellipse">
+            <a:avLst/>
+          </a:prstGeom>
+          <a:solidFill>
+            <a:schemeClr val="bg2"/>
+          </a:solidFill>
+        </p:spPr>
+        <p:style>
+          <a:lnRef idx="2">
+            <a:schemeClr val="accent1">
+              <a:shade val="15000"/>
+            </a:schemeClr>
+          </a:lnRef>
+          <a:fillRef idx="1">
+            <a:schemeClr val="accent1"/>
+          </a:fillRef>
+          <a:effectRef idx="0">
+            <a:schemeClr val="accent1"/>
+          </a:effectRef>
+          <a:fontRef idx="minor">
+            <a:schemeClr val="lt1"/>
+          </a:fontRef>
+        </p:style>
+        <p:txBody>
+          <a:bodyPr rtlCol="0" anchor="ctr"/>
+          <a:lstStyle/>
+          <a:p>
+            <a:pPr algn="dist"/>
+            <a:r>
+              <a:rPr lang="en-US" altLang="ko-KR" dirty="0">
+                <a:solidFill>
+                  <a:sysClr val="windowText" lastClr="000000"/>
+                </a:solidFill>
+              </a:rPr>
+              <a:t>Agent</a:t>
+            </a:r>
+            <a:endParaRPr lang="ko-KR" altLang="en-US" dirty="0">
+              <a:solidFill>
+                <a:sysClr val="windowText" lastClr="000000"/>
+              </a:solidFill>
+            </a:endParaRPr>
+          </a:p>
+        </p:txBody>
+      </p:sp>
+      <p:sp>
+        <p:nvSpPr>
+          <p:cNvPr id="29" name="TextBox 28">
+            <a:extLst>
+              <a:ext uri="{FF2B5EF4-FFF2-40B4-BE49-F238E27FC236}">
+                <a16:creationId xmlns:a16="http://schemas.microsoft.com/office/drawing/2014/main" id="{1899DD3A-FFD8-3329-C30A-73D748CC3089}"/>
+              </a:ext>
+            </a:extLst>
+          </p:cNvPr>
+          <p:cNvSpPr txBox="1"/>
+          <p:nvPr/>
+        </p:nvSpPr>
+        <p:spPr>
+          <a:xfrm>
+            <a:off x="1911226" y="969554"/>
+            <a:ext cx="2502148" cy="400110"/>
+          </a:xfrm>
+          <a:prstGeom prst="rect">
+            <a:avLst/>
+          </a:prstGeom>
+          <a:noFill/>
+        </p:spPr>
+        <p:txBody>
+          <a:bodyPr wrap="square">
+            <a:spAutoFit/>
+          </a:bodyPr>
+          <a:lstStyle/>
+          <a:p>
+            <a:pPr algn="ctr"/>
+            <a:r>
+              <a:rPr lang="en-US" altLang="ko-KR" sz="2000" b="1" i="0" dirty="0">
+                <a:effectLst/>
+                <a:latin typeface="__Inter_e5ab12"/>
+              </a:rPr>
+              <a:t>Sequential </a:t>
+            </a:r>
+            <a:r>
+              <a:rPr lang="en-US" altLang="ko-KR" sz="2000" b="1" dirty="0"/>
+              <a:t>Process</a:t>
+            </a:r>
+            <a:endParaRPr lang="ko-KR" altLang="en-US" sz="2000" b="1" dirty="0"/>
+          </a:p>
+        </p:txBody>
+      </p:sp>
+      <p:sp>
+        <p:nvSpPr>
+          <p:cNvPr id="30" name="TextBox 29">
+            <a:extLst>
+              <a:ext uri="{FF2B5EF4-FFF2-40B4-BE49-F238E27FC236}">
+                <a16:creationId xmlns:a16="http://schemas.microsoft.com/office/drawing/2014/main" id="{EAE34BE1-68D3-93C0-B2D7-D0739A862C1C}"/>
+              </a:ext>
+            </a:extLst>
+          </p:cNvPr>
+          <p:cNvSpPr txBox="1"/>
+          <p:nvPr/>
+        </p:nvSpPr>
+        <p:spPr>
+          <a:xfrm>
+            <a:off x="7814969" y="969554"/>
+            <a:ext cx="2502148" cy="400110"/>
+          </a:xfrm>
+          <a:prstGeom prst="rect">
+            <a:avLst/>
+          </a:prstGeom>
+          <a:noFill/>
+        </p:spPr>
+        <p:txBody>
+          <a:bodyPr wrap="square">
+            <a:spAutoFit/>
+          </a:bodyPr>
+          <a:lstStyle/>
+          <a:p>
+            <a:pPr algn="ctr"/>
+            <a:r>
+              <a:rPr lang="en-US" altLang="ko-KR" sz="2000" b="1" i="0" dirty="0">
+                <a:effectLst/>
+                <a:latin typeface="__Inter_e5ab12"/>
+              </a:rPr>
+              <a:t>Hierarchical </a:t>
+            </a:r>
+            <a:r>
+              <a:rPr lang="en-US" altLang="ko-KR" sz="2000" b="1" dirty="0"/>
+              <a:t>Process</a:t>
+            </a:r>
+            <a:endParaRPr lang="ko-KR" altLang="en-US" sz="2000" b="1" dirty="0"/>
+          </a:p>
+        </p:txBody>
+      </p:sp>
+      <p:cxnSp>
+        <p:nvCxnSpPr>
+          <p:cNvPr id="32" name="연결선: 꺾임 31">
+            <a:extLst>
+              <a:ext uri="{FF2B5EF4-FFF2-40B4-BE49-F238E27FC236}">
+                <a16:creationId xmlns:a16="http://schemas.microsoft.com/office/drawing/2014/main" id="{8F32BEB9-CFFC-A82E-EF6A-2ABD148F2350}"/>
+              </a:ext>
+            </a:extLst>
+          </p:cNvPr>
+          <p:cNvCxnSpPr>
+            <a:stCxn id="22" idx="1"/>
+            <a:endCxn id="28" idx="2"/>
+          </p:cNvCxnSpPr>
+          <p:nvPr/>
+        </p:nvCxnSpPr>
+        <p:spPr>
+          <a:xfrm rot="10800000" flipH="1" flipV="1">
+            <a:off x="7432871" y="2196664"/>
+            <a:ext cx="1110324" cy="3662416"/>
+          </a:xfrm>
+          <a:prstGeom prst="bentConnector3">
+            <a:avLst>
+              <a:gd name="adj1" fmla="val -20589"/>
+            </a:avLst>
+          </a:prstGeom>
+        </p:spPr>
+        <p:style>
+          <a:lnRef idx="2">
+            <a:schemeClr val="accent1"/>
+          </a:lnRef>
+          <a:fillRef idx="0">
+            <a:schemeClr val="accent1"/>
+          </a:fillRef>
+          <a:effectRef idx="1">
+            <a:schemeClr val="accent1"/>
+          </a:effectRef>
+          <a:fontRef idx="minor">
+            <a:schemeClr val="tx1"/>
+          </a:fontRef>
+        </p:style>
+      </p:cxnSp>
+      <p:cxnSp>
+        <p:nvCxnSpPr>
+          <p:cNvPr id="33" name="연결선: 꺾임 32">
+            <a:extLst>
+              <a:ext uri="{FF2B5EF4-FFF2-40B4-BE49-F238E27FC236}">
+                <a16:creationId xmlns:a16="http://schemas.microsoft.com/office/drawing/2014/main" id="{69C75F89-6459-F5D8-0663-0F3CA5C997C5}"/>
+              </a:ext>
+            </a:extLst>
+          </p:cNvPr>
+          <p:cNvCxnSpPr>
+            <a:cxnSpLocks/>
+            <a:stCxn id="25" idx="1"/>
+            <a:endCxn id="28" idx="2"/>
+          </p:cNvCxnSpPr>
+          <p:nvPr/>
+        </p:nvCxnSpPr>
+        <p:spPr>
+          <a:xfrm rot="10800000" flipH="1" flipV="1">
+            <a:off x="7429429" y="3760644"/>
+            <a:ext cx="1113766" cy="2098435"/>
+          </a:xfrm>
+          <a:prstGeom prst="bentConnector3">
+            <a:avLst>
+              <a:gd name="adj1" fmla="val -20525"/>
+            </a:avLst>
+          </a:prstGeom>
+        </p:spPr>
+        <p:style>
+          <a:lnRef idx="2">
+            <a:schemeClr val="accent1"/>
+          </a:lnRef>
+          <a:fillRef idx="0">
+            <a:schemeClr val="accent1"/>
+          </a:fillRef>
+          <a:effectRef idx="1">
+            <a:schemeClr val="accent1"/>
+          </a:effectRef>
+          <a:fontRef idx="minor">
+            <a:schemeClr val="tx1"/>
+          </a:fontRef>
+        </p:style>
+      </p:cxnSp>
+      <p:sp>
+        <p:nvSpPr>
+          <p:cNvPr id="36" name="TextBox 35">
+            <a:extLst>
+              <a:ext uri="{FF2B5EF4-FFF2-40B4-BE49-F238E27FC236}">
+                <a16:creationId xmlns:a16="http://schemas.microsoft.com/office/drawing/2014/main" id="{B62BE92F-57E1-82D8-2CC3-497B6236765E}"/>
+              </a:ext>
+            </a:extLst>
+          </p:cNvPr>
+          <p:cNvSpPr txBox="1"/>
+          <p:nvPr/>
+        </p:nvSpPr>
+        <p:spPr>
+          <a:xfrm>
+            <a:off x="7335202" y="5950929"/>
+            <a:ext cx="1207993" cy="400110"/>
+          </a:xfrm>
+          <a:prstGeom prst="rect">
+            <a:avLst/>
+          </a:prstGeom>
+          <a:noFill/>
+        </p:spPr>
+        <p:txBody>
+          <a:bodyPr wrap="square" rtlCol="0">
+            <a:spAutoFit/>
+          </a:bodyPr>
+          <a:lstStyle/>
+          <a:p>
+            <a:pPr algn="ctr"/>
+            <a:r>
+              <a:rPr lang="en-US" altLang="ko-KR" sz="2000" b="1" dirty="0"/>
+              <a:t>Select</a:t>
+            </a:r>
+          </a:p>
+        </p:txBody>
+      </p:sp>
+      <p:cxnSp>
+        <p:nvCxnSpPr>
+          <p:cNvPr id="38" name="직선 화살표 연결선 37">
+            <a:extLst>
+              <a:ext uri="{FF2B5EF4-FFF2-40B4-BE49-F238E27FC236}">
+                <a16:creationId xmlns:a16="http://schemas.microsoft.com/office/drawing/2014/main" id="{83408AC2-F292-23A4-C529-0E93D149C700}"/>
+              </a:ext>
+            </a:extLst>
+          </p:cNvPr>
+          <p:cNvCxnSpPr>
+            <a:stCxn id="8" idx="2"/>
+            <a:endCxn id="16" idx="0"/>
+          </p:cNvCxnSpPr>
+          <p:nvPr/>
+        </p:nvCxnSpPr>
+        <p:spPr>
+          <a:xfrm>
+            <a:off x="2185841" y="2636520"/>
+            <a:ext cx="0" cy="625955"/>
+          </a:xfrm>
+          <a:prstGeom prst="straightConnector1">
+            <a:avLst/>
+          </a:prstGeom>
+          <a:ln>
+            <a:tailEnd type="triangle"/>
+          </a:ln>
+        </p:spPr>
+        <p:style>
+          <a:lnRef idx="2">
+            <a:schemeClr val="accent1"/>
+          </a:lnRef>
+          <a:fillRef idx="0">
+            <a:schemeClr val="accent1"/>
+          </a:fillRef>
+          <a:effectRef idx="1">
+            <a:schemeClr val="accent1"/>
+          </a:effectRef>
+          <a:fontRef idx="minor">
+            <a:schemeClr val="tx1"/>
+          </a:fontRef>
+        </p:style>
+      </p:cxnSp>
+      <p:cxnSp>
+        <p:nvCxnSpPr>
+          <p:cNvPr id="39" name="직선 화살표 연결선 38">
+            <a:extLst>
+              <a:ext uri="{FF2B5EF4-FFF2-40B4-BE49-F238E27FC236}">
+                <a16:creationId xmlns:a16="http://schemas.microsoft.com/office/drawing/2014/main" id="{1E1ABB62-CF64-0481-93C0-3E85F0B29079}"/>
+              </a:ext>
+            </a:extLst>
+          </p:cNvPr>
+          <p:cNvCxnSpPr>
+            <a:cxnSpLocks/>
+            <a:stCxn id="16" idx="2"/>
+            <a:endCxn id="19" idx="0"/>
+          </p:cNvCxnSpPr>
+          <p:nvPr/>
+        </p:nvCxnSpPr>
+        <p:spPr>
+          <a:xfrm>
+            <a:off x="2185841" y="4115916"/>
+            <a:ext cx="0" cy="581413"/>
+          </a:xfrm>
+          <a:prstGeom prst="straightConnector1">
+            <a:avLst/>
+          </a:prstGeom>
+          <a:ln>
+            <a:tailEnd type="triangle"/>
+          </a:ln>
+        </p:spPr>
+        <p:style>
+          <a:lnRef idx="2">
+            <a:schemeClr val="accent1"/>
+          </a:lnRef>
+          <a:fillRef idx="0">
+            <a:schemeClr val="accent1"/>
+          </a:fillRef>
+          <a:effectRef idx="1">
+            <a:schemeClr val="accent1"/>
+          </a:effectRef>
+          <a:fontRef idx="minor">
+            <a:schemeClr val="tx1"/>
+          </a:fontRef>
+        </p:style>
+      </p:cxnSp>
+    </p:spTree>
+    <p:extLst>
+      <p:ext uri="{BB962C8B-B14F-4D97-AF65-F5344CB8AC3E}">
+        <p14:creationId xmlns:p14="http://schemas.microsoft.com/office/powerpoint/2010/main" val="1525461706"/>
+      </p:ext>
+    </p:extLst>
+  </p:cSld>
+  <p:clrMapOvr>
+    <a:masterClrMapping/>
+  </p:clrMapOvr>
+</p:sld>
+</file>
+
+<file path=ppt/slides/slide16.xml><?xml version="1.0" encoding="utf-8"?>
+<p:sld xmlns:a="http://schemas.openxmlformats.org/drawingml/2006/main" xmlns:r="http://schemas.openxmlformats.org/officeDocument/2006/relationships" xmlns:p="http://schemas.openxmlformats.org/presentationml/2006/main">
+  <p:cSld>
+    <p:spTree>
+      <p:nvGrpSpPr>
+        <p:cNvPr id="1" name="">
+          <a:extLst>
+            <a:ext uri="{FF2B5EF4-FFF2-40B4-BE49-F238E27FC236}">
+              <a16:creationId xmlns:a16="http://schemas.microsoft.com/office/drawing/2014/main" id="{1B322608-C3A9-4E3D-89DF-C4E565492583}"/>
             </a:ext>
           </a:extLst>
         </p:cNvPr>
@@ -10036,7 +9087,7 @@
     </p:spTree>
     <p:extLst>
       <p:ext uri="{BB962C8B-B14F-4D97-AF65-F5344CB8AC3E}">
-        <p14:creationId xmlns:p14="http://schemas.microsoft.com/office/powerpoint/2010/main" val="3885861103"/>
+        <p14:creationId xmlns:p14="http://schemas.microsoft.com/office/powerpoint/2010/main" val="2821367248"/>
       </p:ext>
     </p:extLst>
   </p:cSld>
@@ -11115,13 +10166,7 @@
   <p:cSld>
     <p:spTree>
       <p:nvGrpSpPr>
-        <p:cNvPr id="1" name="">
-          <a:extLst>
-            <a:ext uri="{FF2B5EF4-FFF2-40B4-BE49-F238E27FC236}">
-              <a16:creationId xmlns:a16="http://schemas.microsoft.com/office/drawing/2014/main" id="{740F9D13-6DB8-1DE9-2B3A-C8A87E83DAB2}"/>
-            </a:ext>
-          </a:extLst>
-        </p:cNvPr>
+        <p:cNvPr id="1" name=""/>
         <p:cNvGrpSpPr/>
         <p:nvPr/>
       </p:nvGrpSpPr>
@@ -11133,10 +10178,946 @@
           <a:chExt cx="0" cy="0"/>
         </a:xfrm>
       </p:grpSpPr>
+      <p:sp>
+        <p:nvSpPr>
+          <p:cNvPr id="7" name="타원 6">
+            <a:extLst>
+              <a:ext uri="{FF2B5EF4-FFF2-40B4-BE49-F238E27FC236}">
+                <a16:creationId xmlns:a16="http://schemas.microsoft.com/office/drawing/2014/main" id="{B81D355E-CF28-EC78-133F-4B584F1E800B}"/>
+              </a:ext>
+            </a:extLst>
+          </p:cNvPr>
+          <p:cNvSpPr/>
+          <p:nvPr/>
+        </p:nvSpPr>
+        <p:spPr>
+          <a:xfrm>
+            <a:off x="398928" y="716642"/>
+            <a:ext cx="1468665" cy="1468665"/>
+          </a:xfrm>
+          <a:prstGeom prst="ellipse">
+            <a:avLst/>
+          </a:prstGeom>
+        </p:spPr>
+        <p:style>
+          <a:lnRef idx="2">
+            <a:schemeClr val="accent1">
+              <a:shade val="15000"/>
+            </a:schemeClr>
+          </a:lnRef>
+          <a:fillRef idx="1">
+            <a:schemeClr val="accent1"/>
+          </a:fillRef>
+          <a:effectRef idx="0">
+            <a:schemeClr val="accent1"/>
+          </a:effectRef>
+          <a:fontRef idx="minor">
+            <a:schemeClr val="lt1"/>
+          </a:fontRef>
+        </p:style>
+        <p:txBody>
+          <a:bodyPr rtlCol="0" anchor="ctr"/>
+          <a:lstStyle/>
+          <a:p>
+            <a:pPr algn="ctr"/>
+            <a:r>
+              <a:rPr lang="en-US" altLang="ko-KR" dirty="0"/>
+              <a:t>Chat</a:t>
+            </a:r>
+          </a:p>
+          <a:p>
+            <a:pPr algn="ctr"/>
+            <a:r>
+              <a:rPr lang="en-US" altLang="ko-KR" dirty="0"/>
+              <a:t>Session</a:t>
+            </a:r>
+            <a:endParaRPr lang="ko-KR" altLang="en-US" dirty="0"/>
+          </a:p>
+        </p:txBody>
+      </p:sp>
+      <p:sp>
+        <p:nvSpPr>
+          <p:cNvPr id="8" name="타원 7">
+            <a:extLst>
+              <a:ext uri="{FF2B5EF4-FFF2-40B4-BE49-F238E27FC236}">
+                <a16:creationId xmlns:a16="http://schemas.microsoft.com/office/drawing/2014/main" id="{2722E318-DC5A-9A85-58B0-E37275B7A0C9}"/>
+              </a:ext>
+            </a:extLst>
+          </p:cNvPr>
+          <p:cNvSpPr/>
+          <p:nvPr/>
+        </p:nvSpPr>
+        <p:spPr>
+          <a:xfrm>
+            <a:off x="1697725" y="3072039"/>
+            <a:ext cx="1468665" cy="1468665"/>
+          </a:xfrm>
+          <a:prstGeom prst="ellipse">
+            <a:avLst/>
+          </a:prstGeom>
+        </p:spPr>
+        <p:style>
+          <a:lnRef idx="2">
+            <a:schemeClr val="accent1">
+              <a:shade val="15000"/>
+            </a:schemeClr>
+          </a:lnRef>
+          <a:fillRef idx="1">
+            <a:schemeClr val="accent1"/>
+          </a:fillRef>
+          <a:effectRef idx="0">
+            <a:schemeClr val="accent1"/>
+          </a:effectRef>
+          <a:fontRef idx="minor">
+            <a:schemeClr val="lt1"/>
+          </a:fontRef>
+        </p:style>
+        <p:txBody>
+          <a:bodyPr rtlCol="0" anchor="ctr"/>
+          <a:lstStyle/>
+          <a:p>
+            <a:pPr algn="ctr"/>
+            <a:r>
+              <a:rPr lang="en-US" altLang="ko-KR" dirty="0"/>
+              <a:t>Agent</a:t>
+            </a:r>
+            <a:endParaRPr lang="ko-KR" altLang="en-US" dirty="0"/>
+          </a:p>
+        </p:txBody>
+      </p:sp>
+      <p:sp>
+        <p:nvSpPr>
+          <p:cNvPr id="9" name="타원 8">
+            <a:extLst>
+              <a:ext uri="{FF2B5EF4-FFF2-40B4-BE49-F238E27FC236}">
+                <a16:creationId xmlns:a16="http://schemas.microsoft.com/office/drawing/2014/main" id="{F9633076-A23B-8C1F-9FBA-F74910AA925F}"/>
+              </a:ext>
+            </a:extLst>
+          </p:cNvPr>
+          <p:cNvSpPr/>
+          <p:nvPr/>
+        </p:nvSpPr>
+        <p:spPr>
+          <a:xfrm>
+            <a:off x="1678810" y="673099"/>
+            <a:ext cx="1468665" cy="1468665"/>
+          </a:xfrm>
+          <a:prstGeom prst="ellipse">
+            <a:avLst/>
+          </a:prstGeom>
+        </p:spPr>
+        <p:style>
+          <a:lnRef idx="2">
+            <a:schemeClr val="accent1">
+              <a:shade val="15000"/>
+            </a:schemeClr>
+          </a:lnRef>
+          <a:fillRef idx="1">
+            <a:schemeClr val="accent1"/>
+          </a:fillRef>
+          <a:effectRef idx="0">
+            <a:schemeClr val="accent1"/>
+          </a:effectRef>
+          <a:fontRef idx="minor">
+            <a:schemeClr val="lt1"/>
+          </a:fontRef>
+        </p:style>
+        <p:txBody>
+          <a:bodyPr rtlCol="0" anchor="ctr"/>
+          <a:lstStyle/>
+          <a:p>
+            <a:pPr algn="ctr"/>
+            <a:r>
+              <a:rPr lang="en-US" altLang="ko-KR" dirty="0"/>
+              <a:t>DB</a:t>
+            </a:r>
+          </a:p>
+          <a:p>
+            <a:pPr algn="ctr"/>
+            <a:r>
+              <a:rPr lang="en-US" altLang="ko-KR" dirty="0"/>
+              <a:t>Job</a:t>
+            </a:r>
+            <a:endParaRPr lang="ko-KR" altLang="en-US" dirty="0"/>
+          </a:p>
+        </p:txBody>
+      </p:sp>
+      <p:sp>
+        <p:nvSpPr>
+          <p:cNvPr id="10" name="타원 9">
+            <a:extLst>
+              <a:ext uri="{FF2B5EF4-FFF2-40B4-BE49-F238E27FC236}">
+                <a16:creationId xmlns:a16="http://schemas.microsoft.com/office/drawing/2014/main" id="{815952A6-DDBE-964C-C58D-97185E2BAC0A}"/>
+              </a:ext>
+            </a:extLst>
+          </p:cNvPr>
+          <p:cNvSpPr/>
+          <p:nvPr/>
+        </p:nvSpPr>
+        <p:spPr>
+          <a:xfrm>
+            <a:off x="4521861" y="-600087"/>
+            <a:ext cx="1074550" cy="1074550"/>
+          </a:xfrm>
+          <a:prstGeom prst="ellipse">
+            <a:avLst/>
+          </a:prstGeom>
+        </p:spPr>
+        <p:style>
+          <a:lnRef idx="2">
+            <a:schemeClr val="accent1">
+              <a:shade val="15000"/>
+            </a:schemeClr>
+          </a:lnRef>
+          <a:fillRef idx="1">
+            <a:schemeClr val="accent1"/>
+          </a:fillRef>
+          <a:effectRef idx="0">
+            <a:schemeClr val="accent1"/>
+          </a:effectRef>
+          <a:fontRef idx="minor">
+            <a:schemeClr val="lt1"/>
+          </a:fontRef>
+        </p:style>
+        <p:txBody>
+          <a:bodyPr rtlCol="0" anchor="ctr"/>
+          <a:lstStyle/>
+          <a:p>
+            <a:pPr algn="ctr"/>
+            <a:r>
+              <a:rPr lang="en-US" altLang="ko-KR" dirty="0"/>
+              <a:t>Workflow</a:t>
+            </a:r>
+            <a:endParaRPr lang="ko-KR" altLang="en-US" dirty="0"/>
+          </a:p>
+        </p:txBody>
+      </p:sp>
+      <p:sp>
+        <p:nvSpPr>
+          <p:cNvPr id="13" name="순서도: 대체 처리 12">
+            <a:extLst>
+              <a:ext uri="{FF2B5EF4-FFF2-40B4-BE49-F238E27FC236}">
+                <a16:creationId xmlns:a16="http://schemas.microsoft.com/office/drawing/2014/main" id="{DEEE1E5C-E076-50D4-CC64-9F711AA8D2B1}"/>
+              </a:ext>
+            </a:extLst>
+          </p:cNvPr>
+          <p:cNvSpPr/>
+          <p:nvPr/>
+        </p:nvSpPr>
+        <p:spPr>
+          <a:xfrm>
+            <a:off x="5102678" y="2868839"/>
+            <a:ext cx="6763657" cy="3663498"/>
+          </a:xfrm>
+          <a:prstGeom prst="flowChartAlternateProcess">
+            <a:avLst/>
+          </a:prstGeom>
+        </p:spPr>
+        <p:style>
+          <a:lnRef idx="2">
+            <a:schemeClr val="accent1">
+              <a:shade val="15000"/>
+            </a:schemeClr>
+          </a:lnRef>
+          <a:fillRef idx="1">
+            <a:schemeClr val="accent1"/>
+          </a:fillRef>
+          <a:effectRef idx="0">
+            <a:schemeClr val="accent1"/>
+          </a:effectRef>
+          <a:fontRef idx="minor">
+            <a:schemeClr val="lt1"/>
+          </a:fontRef>
+        </p:style>
+        <p:txBody>
+          <a:bodyPr rtlCol="0" anchor="ctr"/>
+          <a:lstStyle/>
+          <a:p>
+            <a:pPr algn="ctr"/>
+            <a:r>
+              <a:rPr lang="en-US" altLang="ko-KR" dirty="0"/>
+              <a:t>Hive</a:t>
+            </a:r>
+            <a:endParaRPr lang="ko-KR" altLang="en-US" dirty="0"/>
+          </a:p>
+        </p:txBody>
+      </p:sp>
+      <p:cxnSp>
+        <p:nvCxnSpPr>
+          <p:cNvPr id="15" name="직선 화살표 연결선 14">
+            <a:extLst>
+              <a:ext uri="{FF2B5EF4-FFF2-40B4-BE49-F238E27FC236}">
+                <a16:creationId xmlns:a16="http://schemas.microsoft.com/office/drawing/2014/main" id="{61D5A8AE-AEB7-7D36-B246-C57244ED9D21}"/>
+              </a:ext>
+            </a:extLst>
+          </p:cNvPr>
+          <p:cNvCxnSpPr>
+            <a:cxnSpLocks/>
+            <a:stCxn id="8" idx="0"/>
+            <a:endCxn id="7" idx="4"/>
+          </p:cNvCxnSpPr>
+          <p:nvPr/>
+        </p:nvCxnSpPr>
+        <p:spPr>
+          <a:xfrm flipH="1" flipV="1">
+            <a:off x="1133261" y="2185307"/>
+            <a:ext cx="1298797" cy="886732"/>
+          </a:xfrm>
+          <a:prstGeom prst="straightConnector1">
+            <a:avLst/>
+          </a:prstGeom>
+          <a:ln>
+            <a:tailEnd type="triangle"/>
+          </a:ln>
+        </p:spPr>
+        <p:style>
+          <a:lnRef idx="2">
+            <a:schemeClr val="accent1"/>
+          </a:lnRef>
+          <a:fillRef idx="0">
+            <a:schemeClr val="accent1"/>
+          </a:fillRef>
+          <a:effectRef idx="1">
+            <a:schemeClr val="accent1"/>
+          </a:effectRef>
+          <a:fontRef idx="minor">
+            <a:schemeClr val="tx1"/>
+          </a:fontRef>
+        </p:style>
+      </p:cxnSp>
+      <p:cxnSp>
+        <p:nvCxnSpPr>
+          <p:cNvPr id="17" name="직선 화살표 연결선 16">
+            <a:extLst>
+              <a:ext uri="{FF2B5EF4-FFF2-40B4-BE49-F238E27FC236}">
+                <a16:creationId xmlns:a16="http://schemas.microsoft.com/office/drawing/2014/main" id="{7699D5F1-D4B5-B6DF-DF9E-D85DE929F64B}"/>
+              </a:ext>
+            </a:extLst>
+          </p:cNvPr>
+          <p:cNvCxnSpPr>
+            <a:cxnSpLocks/>
+            <a:stCxn id="8" idx="0"/>
+            <a:endCxn id="9" idx="4"/>
+          </p:cNvCxnSpPr>
+          <p:nvPr/>
+        </p:nvCxnSpPr>
+        <p:spPr>
+          <a:xfrm flipH="1" flipV="1">
+            <a:off x="2413143" y="2141764"/>
+            <a:ext cx="18915" cy="930275"/>
+          </a:xfrm>
+          <a:prstGeom prst="straightConnector1">
+            <a:avLst/>
+          </a:prstGeom>
+          <a:ln>
+            <a:tailEnd type="triangle"/>
+          </a:ln>
+        </p:spPr>
+        <p:style>
+          <a:lnRef idx="2">
+            <a:schemeClr val="accent1"/>
+          </a:lnRef>
+          <a:fillRef idx="0">
+            <a:schemeClr val="accent1"/>
+          </a:fillRef>
+          <a:effectRef idx="1">
+            <a:schemeClr val="accent1"/>
+          </a:effectRef>
+          <a:fontRef idx="minor">
+            <a:schemeClr val="tx1"/>
+          </a:fontRef>
+        </p:style>
+      </p:cxnSp>
+      <p:sp>
+        <p:nvSpPr>
+          <p:cNvPr id="23" name="타원 22">
+            <a:extLst>
+              <a:ext uri="{FF2B5EF4-FFF2-40B4-BE49-F238E27FC236}">
+                <a16:creationId xmlns:a16="http://schemas.microsoft.com/office/drawing/2014/main" id="{8C8FBEC1-540A-CA1D-F9E9-E7CF5EFF4CAD}"/>
+              </a:ext>
+            </a:extLst>
+          </p:cNvPr>
+          <p:cNvSpPr/>
+          <p:nvPr/>
+        </p:nvSpPr>
+        <p:spPr>
+          <a:xfrm>
+            <a:off x="8439610" y="4944382"/>
+            <a:ext cx="1468665" cy="1468665"/>
+          </a:xfrm>
+          <a:prstGeom prst="ellipse">
+            <a:avLst/>
+          </a:prstGeom>
+        </p:spPr>
+        <p:style>
+          <a:lnRef idx="2">
+            <a:schemeClr val="accent1">
+              <a:shade val="15000"/>
+            </a:schemeClr>
+          </a:lnRef>
+          <a:fillRef idx="1">
+            <a:schemeClr val="accent1"/>
+          </a:fillRef>
+          <a:effectRef idx="0">
+            <a:schemeClr val="accent1"/>
+          </a:effectRef>
+          <a:fontRef idx="minor">
+            <a:schemeClr val="lt1"/>
+          </a:fontRef>
+        </p:style>
+        <p:txBody>
+          <a:bodyPr rtlCol="0" anchor="ctr"/>
+          <a:lstStyle/>
+          <a:p>
+            <a:pPr algn="ctr"/>
+            <a:r>
+              <a:rPr lang="en-US" altLang="ko-KR" dirty="0"/>
+              <a:t>Agent</a:t>
+            </a:r>
+            <a:endParaRPr lang="ko-KR" altLang="en-US" dirty="0"/>
+          </a:p>
+        </p:txBody>
+      </p:sp>
+      <p:sp>
+        <p:nvSpPr>
+          <p:cNvPr id="24" name="타원 23">
+            <a:extLst>
+              <a:ext uri="{FF2B5EF4-FFF2-40B4-BE49-F238E27FC236}">
+                <a16:creationId xmlns:a16="http://schemas.microsoft.com/office/drawing/2014/main" id="{3962CE19-D107-8C20-4EFA-CAB97195D57D}"/>
+              </a:ext>
+            </a:extLst>
+          </p:cNvPr>
+          <p:cNvSpPr/>
+          <p:nvPr/>
+        </p:nvSpPr>
+        <p:spPr>
+          <a:xfrm>
+            <a:off x="9173942" y="4944382"/>
+            <a:ext cx="1468665" cy="1468665"/>
+          </a:xfrm>
+          <a:prstGeom prst="ellipse">
+            <a:avLst/>
+          </a:prstGeom>
+        </p:spPr>
+        <p:style>
+          <a:lnRef idx="2">
+            <a:schemeClr val="accent1">
+              <a:shade val="15000"/>
+            </a:schemeClr>
+          </a:lnRef>
+          <a:fillRef idx="1">
+            <a:schemeClr val="accent1"/>
+          </a:fillRef>
+          <a:effectRef idx="0">
+            <a:schemeClr val="accent1"/>
+          </a:effectRef>
+          <a:fontRef idx="minor">
+            <a:schemeClr val="lt1"/>
+          </a:fontRef>
+        </p:style>
+        <p:txBody>
+          <a:bodyPr rtlCol="0" anchor="ctr"/>
+          <a:lstStyle/>
+          <a:p>
+            <a:pPr algn="ctr"/>
+            <a:r>
+              <a:rPr lang="en-US" altLang="ko-KR" dirty="0"/>
+              <a:t>Agent</a:t>
+            </a:r>
+            <a:endParaRPr lang="ko-KR" altLang="en-US" dirty="0"/>
+          </a:p>
+        </p:txBody>
+      </p:sp>
+      <p:sp>
+        <p:nvSpPr>
+          <p:cNvPr id="25" name="타원 24">
+            <a:extLst>
+              <a:ext uri="{FF2B5EF4-FFF2-40B4-BE49-F238E27FC236}">
+                <a16:creationId xmlns:a16="http://schemas.microsoft.com/office/drawing/2014/main" id="{E2CE61B7-B9FD-D852-9EC6-E79712364267}"/>
+              </a:ext>
+            </a:extLst>
+          </p:cNvPr>
+          <p:cNvSpPr/>
+          <p:nvPr/>
+        </p:nvSpPr>
+        <p:spPr>
+          <a:xfrm>
+            <a:off x="9920105" y="4944382"/>
+            <a:ext cx="1468665" cy="1468665"/>
+          </a:xfrm>
+          <a:prstGeom prst="ellipse">
+            <a:avLst/>
+          </a:prstGeom>
+        </p:spPr>
+        <p:style>
+          <a:lnRef idx="2">
+            <a:schemeClr val="accent1">
+              <a:shade val="15000"/>
+            </a:schemeClr>
+          </a:lnRef>
+          <a:fillRef idx="1">
+            <a:schemeClr val="accent1"/>
+          </a:fillRef>
+          <a:effectRef idx="0">
+            <a:schemeClr val="accent1"/>
+          </a:effectRef>
+          <a:fontRef idx="minor">
+            <a:schemeClr val="lt1"/>
+          </a:fontRef>
+        </p:style>
+        <p:txBody>
+          <a:bodyPr rtlCol="0" anchor="ctr"/>
+          <a:lstStyle/>
+          <a:p>
+            <a:pPr algn="ctr"/>
+            <a:r>
+              <a:rPr lang="en-US" altLang="ko-KR" dirty="0"/>
+              <a:t>Agent</a:t>
+            </a:r>
+            <a:endParaRPr lang="ko-KR" altLang="en-US" dirty="0"/>
+          </a:p>
+        </p:txBody>
+      </p:sp>
+      <p:sp>
+        <p:nvSpPr>
+          <p:cNvPr id="26" name="타원 25">
+            <a:extLst>
+              <a:ext uri="{FF2B5EF4-FFF2-40B4-BE49-F238E27FC236}">
+                <a16:creationId xmlns:a16="http://schemas.microsoft.com/office/drawing/2014/main" id="{7F78E4B2-29A2-C279-0C71-D77DE6C6F2DD}"/>
+              </a:ext>
+            </a:extLst>
+          </p:cNvPr>
+          <p:cNvSpPr/>
+          <p:nvPr/>
+        </p:nvSpPr>
+        <p:spPr>
+          <a:xfrm>
+            <a:off x="5361667" y="3088777"/>
+            <a:ext cx="1468665" cy="1468665"/>
+          </a:xfrm>
+          <a:prstGeom prst="ellipse">
+            <a:avLst/>
+          </a:prstGeom>
+        </p:spPr>
+        <p:style>
+          <a:lnRef idx="2">
+            <a:schemeClr val="accent1">
+              <a:shade val="15000"/>
+            </a:schemeClr>
+          </a:lnRef>
+          <a:fillRef idx="1">
+            <a:schemeClr val="accent1"/>
+          </a:fillRef>
+          <a:effectRef idx="0">
+            <a:schemeClr val="accent1"/>
+          </a:effectRef>
+          <a:fontRef idx="minor">
+            <a:schemeClr val="lt1"/>
+          </a:fontRef>
+        </p:style>
+        <p:txBody>
+          <a:bodyPr rtlCol="0" anchor="ctr"/>
+          <a:lstStyle/>
+          <a:p>
+            <a:pPr algn="ctr"/>
+            <a:r>
+              <a:rPr lang="en-US" altLang="ko-KR" dirty="0"/>
+              <a:t>Chat</a:t>
+            </a:r>
+          </a:p>
+          <a:p>
+            <a:pPr algn="ctr"/>
+            <a:r>
+              <a:rPr lang="en-US" altLang="ko-KR" dirty="0"/>
+              <a:t>Session</a:t>
+            </a:r>
+            <a:endParaRPr lang="ko-KR" altLang="en-US" dirty="0"/>
+          </a:p>
+        </p:txBody>
+      </p:sp>
+      <p:sp>
+        <p:nvSpPr>
+          <p:cNvPr id="27" name="타원 26">
+            <a:extLst>
+              <a:ext uri="{FF2B5EF4-FFF2-40B4-BE49-F238E27FC236}">
+                <a16:creationId xmlns:a16="http://schemas.microsoft.com/office/drawing/2014/main" id="{7834B259-DFE8-428B-26F8-9192C44CDA7F}"/>
+              </a:ext>
+            </a:extLst>
+          </p:cNvPr>
+          <p:cNvSpPr/>
+          <p:nvPr/>
+        </p:nvSpPr>
+        <p:spPr>
+          <a:xfrm>
+            <a:off x="6247908" y="3088777"/>
+            <a:ext cx="1468665" cy="1468665"/>
+          </a:xfrm>
+          <a:prstGeom prst="ellipse">
+            <a:avLst/>
+          </a:prstGeom>
+        </p:spPr>
+        <p:style>
+          <a:lnRef idx="2">
+            <a:schemeClr val="accent1">
+              <a:shade val="15000"/>
+            </a:schemeClr>
+          </a:lnRef>
+          <a:fillRef idx="1">
+            <a:schemeClr val="accent1"/>
+          </a:fillRef>
+          <a:effectRef idx="0">
+            <a:schemeClr val="accent1"/>
+          </a:effectRef>
+          <a:fontRef idx="minor">
+            <a:schemeClr val="lt1"/>
+          </a:fontRef>
+        </p:style>
+        <p:txBody>
+          <a:bodyPr rtlCol="0" anchor="ctr"/>
+          <a:lstStyle/>
+          <a:p>
+            <a:pPr algn="ctr"/>
+            <a:r>
+              <a:rPr lang="en-US" altLang="ko-KR" dirty="0"/>
+              <a:t>Job</a:t>
+            </a:r>
+            <a:endParaRPr lang="ko-KR" altLang="en-US" dirty="0"/>
+          </a:p>
+        </p:txBody>
+      </p:sp>
+      <p:sp>
+        <p:nvSpPr>
+          <p:cNvPr id="28" name="타원 27">
+            <a:extLst>
+              <a:ext uri="{FF2B5EF4-FFF2-40B4-BE49-F238E27FC236}">
+                <a16:creationId xmlns:a16="http://schemas.microsoft.com/office/drawing/2014/main" id="{D07129B4-F1DC-DF01-285D-A49496814CC6}"/>
+              </a:ext>
+            </a:extLst>
+          </p:cNvPr>
+          <p:cNvSpPr/>
+          <p:nvPr/>
+        </p:nvSpPr>
+        <p:spPr>
+          <a:xfrm>
+            <a:off x="1697724" y="4787674"/>
+            <a:ext cx="1468665" cy="1468665"/>
+          </a:xfrm>
+          <a:prstGeom prst="ellipse">
+            <a:avLst/>
+          </a:prstGeom>
+        </p:spPr>
+        <p:style>
+          <a:lnRef idx="2">
+            <a:schemeClr val="accent1">
+              <a:shade val="15000"/>
+            </a:schemeClr>
+          </a:lnRef>
+          <a:fillRef idx="1">
+            <a:schemeClr val="accent1"/>
+          </a:fillRef>
+          <a:effectRef idx="0">
+            <a:schemeClr val="accent1"/>
+          </a:effectRef>
+          <a:fontRef idx="minor">
+            <a:schemeClr val="lt1"/>
+          </a:fontRef>
+        </p:style>
+        <p:txBody>
+          <a:bodyPr rtlCol="0" anchor="ctr"/>
+          <a:lstStyle/>
+          <a:p>
+            <a:pPr algn="ctr"/>
+            <a:r>
+              <a:rPr lang="en-US" altLang="ko-KR" dirty="0" err="1"/>
+              <a:t>IService</a:t>
+            </a:r>
+            <a:endParaRPr lang="ko-KR" altLang="en-US" dirty="0"/>
+          </a:p>
+        </p:txBody>
+      </p:sp>
+      <p:cxnSp>
+        <p:nvCxnSpPr>
+          <p:cNvPr id="29" name="직선 연결선 28">
+            <a:extLst>
+              <a:ext uri="{FF2B5EF4-FFF2-40B4-BE49-F238E27FC236}">
+                <a16:creationId xmlns:a16="http://schemas.microsoft.com/office/drawing/2014/main" id="{D594718F-32E2-6220-0C4A-49BA0027C4D0}"/>
+              </a:ext>
+            </a:extLst>
+          </p:cNvPr>
+          <p:cNvCxnSpPr>
+            <a:cxnSpLocks/>
+            <a:stCxn id="8" idx="4"/>
+            <a:endCxn id="28" idx="0"/>
+          </p:cNvCxnSpPr>
+          <p:nvPr/>
+        </p:nvCxnSpPr>
+        <p:spPr>
+          <a:xfrm flipH="1">
+            <a:off x="2432057" y="4540704"/>
+            <a:ext cx="1" cy="246970"/>
+          </a:xfrm>
+          <a:prstGeom prst="line">
+            <a:avLst/>
+          </a:prstGeom>
+        </p:spPr>
+        <p:style>
+          <a:lnRef idx="2">
+            <a:schemeClr val="accent1"/>
+          </a:lnRef>
+          <a:fillRef idx="0">
+            <a:schemeClr val="accent1"/>
+          </a:fillRef>
+          <a:effectRef idx="1">
+            <a:schemeClr val="accent1"/>
+          </a:effectRef>
+          <a:fontRef idx="minor">
+            <a:schemeClr val="tx1"/>
+          </a:fontRef>
+        </p:style>
+      </p:cxnSp>
+      <p:sp>
+        <p:nvSpPr>
+          <p:cNvPr id="37" name="타원 36">
+            <a:extLst>
+              <a:ext uri="{FF2B5EF4-FFF2-40B4-BE49-F238E27FC236}">
+                <a16:creationId xmlns:a16="http://schemas.microsoft.com/office/drawing/2014/main" id="{71ABD378-FDDB-06CC-8383-836FF036A859}"/>
+              </a:ext>
+            </a:extLst>
+          </p:cNvPr>
+          <p:cNvSpPr/>
+          <p:nvPr/>
+        </p:nvSpPr>
+        <p:spPr>
+          <a:xfrm>
+            <a:off x="3021149" y="745557"/>
+            <a:ext cx="1468665" cy="1468665"/>
+          </a:xfrm>
+          <a:prstGeom prst="ellipse">
+            <a:avLst/>
+          </a:prstGeom>
+        </p:spPr>
+        <p:style>
+          <a:lnRef idx="2">
+            <a:schemeClr val="accent1">
+              <a:shade val="15000"/>
+            </a:schemeClr>
+          </a:lnRef>
+          <a:fillRef idx="1">
+            <a:schemeClr val="accent1"/>
+          </a:fillRef>
+          <a:effectRef idx="0">
+            <a:schemeClr val="accent1"/>
+          </a:effectRef>
+          <a:fontRef idx="minor">
+            <a:schemeClr val="lt1"/>
+          </a:fontRef>
+        </p:style>
+        <p:txBody>
+          <a:bodyPr rtlCol="0" anchor="ctr"/>
+          <a:lstStyle/>
+          <a:p>
+            <a:pPr algn="ctr"/>
+            <a:r>
+              <a:rPr lang="en-US" altLang="ko-KR" dirty="0"/>
+              <a:t>Summa</a:t>
+            </a:r>
+          </a:p>
+          <a:p>
+            <a:pPr algn="ctr"/>
+            <a:r>
+              <a:rPr lang="en-US" altLang="ko-KR" dirty="0"/>
+              <a:t>Job</a:t>
+            </a:r>
+            <a:endParaRPr lang="ko-KR" altLang="en-US" dirty="0"/>
+          </a:p>
+        </p:txBody>
+      </p:sp>
+      <p:cxnSp>
+        <p:nvCxnSpPr>
+          <p:cNvPr id="39" name="직선 화살표 연결선 38">
+            <a:extLst>
+              <a:ext uri="{FF2B5EF4-FFF2-40B4-BE49-F238E27FC236}">
+                <a16:creationId xmlns:a16="http://schemas.microsoft.com/office/drawing/2014/main" id="{BF2C511D-6083-D4B6-8E4D-2DC2483A77FB}"/>
+              </a:ext>
+            </a:extLst>
+          </p:cNvPr>
+          <p:cNvCxnSpPr>
+            <a:cxnSpLocks/>
+            <a:stCxn id="8" idx="0"/>
+            <a:endCxn id="37" idx="4"/>
+          </p:cNvCxnSpPr>
+          <p:nvPr/>
+        </p:nvCxnSpPr>
+        <p:spPr>
+          <a:xfrm flipV="1">
+            <a:off x="2432058" y="2214222"/>
+            <a:ext cx="1323424" cy="857817"/>
+          </a:xfrm>
+          <a:prstGeom prst="straightConnector1">
+            <a:avLst/>
+          </a:prstGeom>
+          <a:ln>
+            <a:tailEnd type="triangle"/>
+          </a:ln>
+        </p:spPr>
+        <p:style>
+          <a:lnRef idx="2">
+            <a:schemeClr val="accent1"/>
+          </a:lnRef>
+          <a:fillRef idx="0">
+            <a:schemeClr val="accent1"/>
+          </a:fillRef>
+          <a:effectRef idx="1">
+            <a:schemeClr val="accent1"/>
+          </a:effectRef>
+          <a:fontRef idx="minor">
+            <a:schemeClr val="tx1"/>
+          </a:fontRef>
+        </p:style>
+      </p:cxnSp>
+      <p:sp>
+        <p:nvSpPr>
+          <p:cNvPr id="46" name="타원 45">
+            <a:extLst>
+              <a:ext uri="{FF2B5EF4-FFF2-40B4-BE49-F238E27FC236}">
+                <a16:creationId xmlns:a16="http://schemas.microsoft.com/office/drawing/2014/main" id="{7051D9B0-73BB-BBC9-AA37-7205D644CB7A}"/>
+              </a:ext>
+            </a:extLst>
+          </p:cNvPr>
+          <p:cNvSpPr/>
+          <p:nvPr/>
+        </p:nvSpPr>
+        <p:spPr>
+          <a:xfrm>
+            <a:off x="4319945" y="783033"/>
+            <a:ext cx="1468665" cy="1468665"/>
+          </a:xfrm>
+          <a:prstGeom prst="ellipse">
+            <a:avLst/>
+          </a:prstGeom>
+        </p:spPr>
+        <p:style>
+          <a:lnRef idx="2">
+            <a:schemeClr val="accent1">
+              <a:shade val="15000"/>
+            </a:schemeClr>
+          </a:lnRef>
+          <a:fillRef idx="1">
+            <a:schemeClr val="accent1"/>
+          </a:fillRef>
+          <a:effectRef idx="0">
+            <a:schemeClr val="accent1"/>
+          </a:effectRef>
+          <a:fontRef idx="minor">
+            <a:schemeClr val="lt1"/>
+          </a:fontRef>
+        </p:style>
+        <p:txBody>
+          <a:bodyPr rtlCol="0" anchor="ctr"/>
+          <a:lstStyle/>
+          <a:p>
+            <a:pPr algn="ctr"/>
+            <a:r>
+              <a:rPr lang="en-US" altLang="ko-KR" dirty="0"/>
+              <a:t>User</a:t>
+            </a:r>
+          </a:p>
+          <a:p>
+            <a:pPr algn="ctr"/>
+            <a:r>
+              <a:rPr lang="en-US" altLang="ko-KR" dirty="0"/>
+              <a:t>Job</a:t>
+            </a:r>
+            <a:endParaRPr lang="ko-KR" altLang="en-US" dirty="0"/>
+          </a:p>
+        </p:txBody>
+      </p:sp>
+      <p:cxnSp>
+        <p:nvCxnSpPr>
+          <p:cNvPr id="47" name="직선 화살표 연결선 46">
+            <a:extLst>
+              <a:ext uri="{FF2B5EF4-FFF2-40B4-BE49-F238E27FC236}">
+                <a16:creationId xmlns:a16="http://schemas.microsoft.com/office/drawing/2014/main" id="{2297FAEA-3378-AFEA-2343-29A3F5CEAB89}"/>
+              </a:ext>
+            </a:extLst>
+          </p:cNvPr>
+          <p:cNvCxnSpPr>
+            <a:cxnSpLocks/>
+            <a:stCxn id="8" idx="0"/>
+            <a:endCxn id="46" idx="4"/>
+          </p:cNvCxnSpPr>
+          <p:nvPr/>
+        </p:nvCxnSpPr>
+        <p:spPr>
+          <a:xfrm flipV="1">
+            <a:off x="2432058" y="2251698"/>
+            <a:ext cx="2622220" cy="820341"/>
+          </a:xfrm>
+          <a:prstGeom prst="straightConnector1">
+            <a:avLst/>
+          </a:prstGeom>
+          <a:ln>
+            <a:tailEnd type="triangle"/>
+          </a:ln>
+        </p:spPr>
+        <p:style>
+          <a:lnRef idx="2">
+            <a:schemeClr val="accent1"/>
+          </a:lnRef>
+          <a:fillRef idx="0">
+            <a:schemeClr val="accent1"/>
+          </a:fillRef>
+          <a:effectRef idx="1">
+            <a:schemeClr val="accent1"/>
+          </a:effectRef>
+          <a:fontRef idx="minor">
+            <a:schemeClr val="tx1"/>
+          </a:fontRef>
+        </p:style>
+      </p:cxnSp>
+      <p:cxnSp>
+        <p:nvCxnSpPr>
+          <p:cNvPr id="51" name="직선 연결선 50">
+            <a:extLst>
+              <a:ext uri="{FF2B5EF4-FFF2-40B4-BE49-F238E27FC236}">
+                <a16:creationId xmlns:a16="http://schemas.microsoft.com/office/drawing/2014/main" id="{F8AF8BA9-5AB9-E3DD-9308-E94E634F8B9B}"/>
+              </a:ext>
+            </a:extLst>
+          </p:cNvPr>
+          <p:cNvCxnSpPr>
+            <a:stCxn id="10" idx="4"/>
+            <a:endCxn id="46" idx="0"/>
+          </p:cNvCxnSpPr>
+          <p:nvPr/>
+        </p:nvCxnSpPr>
+        <p:spPr>
+          <a:xfrm flipH="1">
+            <a:off x="5054278" y="474463"/>
+            <a:ext cx="4858" cy="308570"/>
+          </a:xfrm>
+          <a:prstGeom prst="line">
+            <a:avLst/>
+          </a:prstGeom>
+        </p:spPr>
+        <p:style>
+          <a:lnRef idx="2">
+            <a:schemeClr val="accent1"/>
+          </a:lnRef>
+          <a:fillRef idx="0">
+            <a:schemeClr val="accent1"/>
+          </a:fillRef>
+          <a:effectRef idx="1">
+            <a:schemeClr val="accent1"/>
+          </a:effectRef>
+          <a:fontRef idx="minor">
+            <a:schemeClr val="tx1"/>
+          </a:fontRef>
+        </p:style>
+      </p:cxnSp>
     </p:spTree>
     <p:extLst>
       <p:ext uri="{BB962C8B-B14F-4D97-AF65-F5344CB8AC3E}">
-        <p14:creationId xmlns:p14="http://schemas.microsoft.com/office/powerpoint/2010/main" val="2726694495"/>
+        <p14:creationId xmlns:p14="http://schemas.microsoft.com/office/powerpoint/2010/main" val="2635623590"/>
       </p:ext>
     </p:extLst>
   </p:cSld>

--- a/docs/STRUCTURE.pptx
+++ b/docs/STRUCTURE.pptx
@@ -248,7 +248,7 @@
           <a:p>
             <a:fld id="{6687B94C-1665-4908-8FE0-ED182C7E5EF6}" type="datetimeFigureOut">
               <a:rPr lang="ko-KR" altLang="en-US" smtClean="0"/>
-              <a:t>2025-02-19</a:t>
+              <a:t>2025-02-20</a:t>
             </a:fld>
             <a:endParaRPr lang="ko-KR" altLang="en-US"/>
           </a:p>
@@ -830,7 +830,7 @@
           <a:p>
             <a:fld id="{C7A64008-E368-4B02-AA8A-14F001AD3B84}" type="datetimeFigureOut">
               <a:rPr lang="ko-KR" altLang="en-US" smtClean="0"/>
-              <a:t>2025-02-19</a:t>
+              <a:t>2025-02-20</a:t>
             </a:fld>
             <a:endParaRPr lang="ko-KR" altLang="en-US"/>
           </a:p>
@@ -1028,7 +1028,7 @@
           <a:p>
             <a:fld id="{C7A64008-E368-4B02-AA8A-14F001AD3B84}" type="datetimeFigureOut">
               <a:rPr lang="ko-KR" altLang="en-US" smtClean="0"/>
-              <a:t>2025-02-19</a:t>
+              <a:t>2025-02-20</a:t>
             </a:fld>
             <a:endParaRPr lang="ko-KR" altLang="en-US"/>
           </a:p>
@@ -1236,7 +1236,7 @@
           <a:p>
             <a:fld id="{C7A64008-E368-4B02-AA8A-14F001AD3B84}" type="datetimeFigureOut">
               <a:rPr lang="ko-KR" altLang="en-US" smtClean="0"/>
-              <a:t>2025-02-19</a:t>
+              <a:t>2025-02-20</a:t>
             </a:fld>
             <a:endParaRPr lang="ko-KR" altLang="en-US"/>
           </a:p>
@@ -1434,7 +1434,7 @@
           <a:p>
             <a:fld id="{C7A64008-E368-4B02-AA8A-14F001AD3B84}" type="datetimeFigureOut">
               <a:rPr lang="ko-KR" altLang="en-US" smtClean="0"/>
-              <a:t>2025-02-19</a:t>
+              <a:t>2025-02-20</a:t>
             </a:fld>
             <a:endParaRPr lang="ko-KR" altLang="en-US"/>
           </a:p>
@@ -1709,7 +1709,7 @@
           <a:p>
             <a:fld id="{C7A64008-E368-4B02-AA8A-14F001AD3B84}" type="datetimeFigureOut">
               <a:rPr lang="ko-KR" altLang="en-US" smtClean="0"/>
-              <a:t>2025-02-19</a:t>
+              <a:t>2025-02-20</a:t>
             </a:fld>
             <a:endParaRPr lang="ko-KR" altLang="en-US"/>
           </a:p>
@@ -1974,7 +1974,7 @@
           <a:p>
             <a:fld id="{C7A64008-E368-4B02-AA8A-14F001AD3B84}" type="datetimeFigureOut">
               <a:rPr lang="ko-KR" altLang="en-US" smtClean="0"/>
-              <a:t>2025-02-19</a:t>
+              <a:t>2025-02-20</a:t>
             </a:fld>
             <a:endParaRPr lang="ko-KR" altLang="en-US"/>
           </a:p>
@@ -2386,7 +2386,7 @@
           <a:p>
             <a:fld id="{C7A64008-E368-4B02-AA8A-14F001AD3B84}" type="datetimeFigureOut">
               <a:rPr lang="ko-KR" altLang="en-US" smtClean="0"/>
-              <a:t>2025-02-19</a:t>
+              <a:t>2025-02-20</a:t>
             </a:fld>
             <a:endParaRPr lang="ko-KR" altLang="en-US"/>
           </a:p>
@@ -2527,7 +2527,7 @@
           <a:p>
             <a:fld id="{C7A64008-E368-4B02-AA8A-14F001AD3B84}" type="datetimeFigureOut">
               <a:rPr lang="ko-KR" altLang="en-US" smtClean="0"/>
-              <a:t>2025-02-19</a:t>
+              <a:t>2025-02-20</a:t>
             </a:fld>
             <a:endParaRPr lang="ko-KR" altLang="en-US"/>
           </a:p>
@@ -2640,7 +2640,7 @@
           <a:p>
             <a:fld id="{C7A64008-E368-4B02-AA8A-14F001AD3B84}" type="datetimeFigureOut">
               <a:rPr lang="ko-KR" altLang="en-US" smtClean="0"/>
-              <a:t>2025-02-19</a:t>
+              <a:t>2025-02-20</a:t>
             </a:fld>
             <a:endParaRPr lang="ko-KR" altLang="en-US"/>
           </a:p>
@@ -2951,7 +2951,7 @@
           <a:p>
             <a:fld id="{C7A64008-E368-4B02-AA8A-14F001AD3B84}" type="datetimeFigureOut">
               <a:rPr lang="ko-KR" altLang="en-US" smtClean="0"/>
-              <a:t>2025-02-19</a:t>
+              <a:t>2025-02-20</a:t>
             </a:fld>
             <a:endParaRPr lang="ko-KR" altLang="en-US"/>
           </a:p>
@@ -3239,7 +3239,7 @@
           <a:p>
             <a:fld id="{C7A64008-E368-4B02-AA8A-14F001AD3B84}" type="datetimeFigureOut">
               <a:rPr lang="ko-KR" altLang="en-US" smtClean="0"/>
-              <a:t>2025-02-19</a:t>
+              <a:t>2025-02-20</a:t>
             </a:fld>
             <a:endParaRPr lang="ko-KR" altLang="en-US"/>
           </a:p>
@@ -3480,7 +3480,7 @@
           <a:p>
             <a:fld id="{C7A64008-E368-4B02-AA8A-14F001AD3B84}" type="datetimeFigureOut">
               <a:rPr lang="ko-KR" altLang="en-US" smtClean="0"/>
-              <a:t>2025-02-19</a:t>
+              <a:t>2025-02-20</a:t>
             </a:fld>
             <a:endParaRPr lang="ko-KR" altLang="en-US"/>
           </a:p>
@@ -5621,10 +5621,10 @@
       </p:grpSpPr>
       <p:sp>
         <p:nvSpPr>
-          <p:cNvPr id="7" name="타원 6">
-            <a:extLst>
-              <a:ext uri="{FF2B5EF4-FFF2-40B4-BE49-F238E27FC236}">
-                <a16:creationId xmlns:a16="http://schemas.microsoft.com/office/drawing/2014/main" id="{B3BE9D9A-AFC6-121F-9146-3A34CFA3767E}"/>
+          <p:cNvPr id="9" name="타원 8">
+            <a:extLst>
+              <a:ext uri="{FF2B5EF4-FFF2-40B4-BE49-F238E27FC236}">
+                <a16:creationId xmlns:a16="http://schemas.microsoft.com/office/drawing/2014/main" id="{5AEB574D-CA9B-1CBF-7BAC-603FD6129AEA}"/>
               </a:ext>
             </a:extLst>
           </p:cNvPr>
@@ -5633,8 +5633,8 @@
         </p:nvSpPr>
         <p:spPr>
           <a:xfrm>
-            <a:off x="602124" y="716642"/>
-            <a:ext cx="1468665" cy="1468665"/>
+            <a:off x="1296251" y="523714"/>
+            <a:ext cx="1912748" cy="1912748"/>
           </a:xfrm>
           <a:prstGeom prst="ellipse">
             <a:avLst/>
@@ -5663,7 +5663,7 @@
             <a:pPr algn="ctr"/>
             <a:r>
               <a:rPr lang="en-US" altLang="ko-KR" dirty="0"/>
-              <a:t>Session</a:t>
+              <a:t>Agent</a:t>
             </a:r>
             <a:endParaRPr lang="ko-KR" altLang="en-US" dirty="0"/>
           </a:p>
@@ -5671,10 +5671,10 @@
       </p:sp>
       <p:sp>
         <p:nvSpPr>
-          <p:cNvPr id="9" name="타원 8">
-            <a:extLst>
-              <a:ext uri="{FF2B5EF4-FFF2-40B4-BE49-F238E27FC236}">
-                <a16:creationId xmlns:a16="http://schemas.microsoft.com/office/drawing/2014/main" id="{5AEB574D-CA9B-1CBF-7BAC-603FD6129AEA}"/>
+          <p:cNvPr id="13" name="순서도: 대체 처리 12">
+            <a:extLst>
+              <a:ext uri="{FF2B5EF4-FFF2-40B4-BE49-F238E27FC236}">
+                <a16:creationId xmlns:a16="http://schemas.microsoft.com/office/drawing/2014/main" id="{FA398CB6-32BE-D2B1-F1BB-CE7D34BDA8A3}"/>
               </a:ext>
             </a:extLst>
           </p:cNvPr>
@@ -5683,10 +5683,10 @@
         </p:nvSpPr>
         <p:spPr>
           <a:xfrm>
-            <a:off x="2887850" y="716642"/>
-            <a:ext cx="1468665" cy="1468665"/>
-          </a:xfrm>
-          <a:prstGeom prst="ellipse">
+            <a:off x="5102678" y="2868839"/>
+            <a:ext cx="6763657" cy="3663498"/>
+          </a:xfrm>
+          <a:prstGeom prst="flowChartAlternateProcess">
             <a:avLst/>
           </a:prstGeom>
         </p:spPr>
@@ -5712,8 +5712,8 @@
           <a:p>
             <a:pPr algn="ctr"/>
             <a:r>
-              <a:rPr lang="en-US" altLang="ko-KR" dirty="0"/>
-              <a:t>Job</a:t>
+              <a:rPr lang="en-US" altLang="ko-KR" dirty="0" err="1"/>
+              <a:t>HiveMind</a:t>
             </a:r>
             <a:endParaRPr lang="ko-KR" altLang="en-US" dirty="0"/>
           </a:p>
@@ -5721,10 +5721,10 @@
       </p:sp>
       <p:sp>
         <p:nvSpPr>
-          <p:cNvPr id="13" name="순서도: 대체 처리 12">
-            <a:extLst>
-              <a:ext uri="{FF2B5EF4-FFF2-40B4-BE49-F238E27FC236}">
-                <a16:creationId xmlns:a16="http://schemas.microsoft.com/office/drawing/2014/main" id="{FA398CB6-32BE-D2B1-F1BB-CE7D34BDA8A3}"/>
+          <p:cNvPr id="23" name="타원 22">
+            <a:extLst>
+              <a:ext uri="{FF2B5EF4-FFF2-40B4-BE49-F238E27FC236}">
+                <a16:creationId xmlns:a16="http://schemas.microsoft.com/office/drawing/2014/main" id="{D6138673-DFAD-D2B2-74AA-056E6971C340}"/>
               </a:ext>
             </a:extLst>
           </p:cNvPr>
@@ -5733,10 +5733,10 @@
         </p:nvSpPr>
         <p:spPr>
           <a:xfrm>
-            <a:off x="5102678" y="2868839"/>
-            <a:ext cx="6763657" cy="3663498"/>
-          </a:xfrm>
-          <a:prstGeom prst="flowChartAlternateProcess">
+            <a:off x="8439610" y="4944382"/>
+            <a:ext cx="1468665" cy="1468665"/>
+          </a:xfrm>
+          <a:prstGeom prst="ellipse">
             <a:avLst/>
           </a:prstGeom>
         </p:spPr>
@@ -5762,8 +5762,8 @@
           <a:p>
             <a:pPr algn="ctr"/>
             <a:r>
-              <a:rPr lang="en-US" altLang="ko-KR" dirty="0" err="1"/>
-              <a:t>HiveMind</a:t>
+              <a:rPr lang="en-US" altLang="ko-KR" dirty="0"/>
+              <a:t>Agent</a:t>
             </a:r>
             <a:endParaRPr lang="ko-KR" altLang="en-US" dirty="0"/>
           </a:p>
@@ -5771,10 +5771,10 @@
       </p:sp>
       <p:sp>
         <p:nvSpPr>
-          <p:cNvPr id="23" name="타원 22">
-            <a:extLst>
-              <a:ext uri="{FF2B5EF4-FFF2-40B4-BE49-F238E27FC236}">
-                <a16:creationId xmlns:a16="http://schemas.microsoft.com/office/drawing/2014/main" id="{D6138673-DFAD-D2B2-74AA-056E6971C340}"/>
+          <p:cNvPr id="24" name="타원 23">
+            <a:extLst>
+              <a:ext uri="{FF2B5EF4-FFF2-40B4-BE49-F238E27FC236}">
+                <a16:creationId xmlns:a16="http://schemas.microsoft.com/office/drawing/2014/main" id="{D2CEE16D-2867-E323-BDD0-710B03364BBC}"/>
               </a:ext>
             </a:extLst>
           </p:cNvPr>
@@ -5783,7 +5783,7 @@
         </p:nvSpPr>
         <p:spPr>
           <a:xfrm>
-            <a:off x="8439610" y="4944382"/>
+            <a:off x="9173942" y="4944382"/>
             <a:ext cx="1468665" cy="1468665"/>
           </a:xfrm>
           <a:prstGeom prst="ellipse">
@@ -5821,10 +5821,10 @@
       </p:sp>
       <p:sp>
         <p:nvSpPr>
-          <p:cNvPr id="24" name="타원 23">
-            <a:extLst>
-              <a:ext uri="{FF2B5EF4-FFF2-40B4-BE49-F238E27FC236}">
-                <a16:creationId xmlns:a16="http://schemas.microsoft.com/office/drawing/2014/main" id="{D2CEE16D-2867-E323-BDD0-710B03364BBC}"/>
+          <p:cNvPr id="25" name="타원 24">
+            <a:extLst>
+              <a:ext uri="{FF2B5EF4-FFF2-40B4-BE49-F238E27FC236}">
+                <a16:creationId xmlns:a16="http://schemas.microsoft.com/office/drawing/2014/main" id="{4D463B4D-92D2-35D8-A759-06E67BD07F1E}"/>
               </a:ext>
             </a:extLst>
           </p:cNvPr>
@@ -5833,7 +5833,7 @@
         </p:nvSpPr>
         <p:spPr>
           <a:xfrm>
-            <a:off x="9173942" y="4944382"/>
+            <a:off x="9920105" y="4944382"/>
             <a:ext cx="1468665" cy="1468665"/>
           </a:xfrm>
           <a:prstGeom prst="ellipse">
@@ -5871,10 +5871,10 @@
       </p:sp>
       <p:sp>
         <p:nvSpPr>
-          <p:cNvPr id="25" name="타원 24">
-            <a:extLst>
-              <a:ext uri="{FF2B5EF4-FFF2-40B4-BE49-F238E27FC236}">
-                <a16:creationId xmlns:a16="http://schemas.microsoft.com/office/drawing/2014/main" id="{4D463B4D-92D2-35D8-A759-06E67BD07F1E}"/>
+          <p:cNvPr id="2" name="타원 1">
+            <a:extLst>
+              <a:ext uri="{FF2B5EF4-FFF2-40B4-BE49-F238E27FC236}">
+                <a16:creationId xmlns:a16="http://schemas.microsoft.com/office/drawing/2014/main" id="{8DAAE3A2-7A30-FADD-8B01-D89328798262}"/>
               </a:ext>
             </a:extLst>
           </p:cNvPr>
@@ -5883,8 +5883,8 @@
         </p:nvSpPr>
         <p:spPr>
           <a:xfrm>
-            <a:off x="9920105" y="4944382"/>
-            <a:ext cx="1468665" cy="1468665"/>
+            <a:off x="1131639" y="3130856"/>
+            <a:ext cx="2247056" cy="2247056"/>
           </a:xfrm>
           <a:prstGeom prst="ellipse">
             <a:avLst/>
@@ -5912,13 +5912,102 @@
           <a:p>
             <a:pPr algn="ctr"/>
             <a:r>
+              <a:rPr lang="en-US" altLang="ko-KR" dirty="0" err="1"/>
+              <a:t>IService</a:t>
+            </a:r>
+            <a:endParaRPr lang="ko-KR" altLang="en-US" dirty="0"/>
+          </a:p>
+        </p:txBody>
+      </p:sp>
+      <p:sp>
+        <p:nvSpPr>
+          <p:cNvPr id="7" name="타원 6">
+            <a:extLst>
+              <a:ext uri="{FF2B5EF4-FFF2-40B4-BE49-F238E27FC236}">
+                <a16:creationId xmlns:a16="http://schemas.microsoft.com/office/drawing/2014/main" id="{B3BE9D9A-AFC6-121F-9146-3A34CFA3767E}"/>
+              </a:ext>
+            </a:extLst>
+          </p:cNvPr>
+          <p:cNvSpPr/>
+          <p:nvPr/>
+        </p:nvSpPr>
+        <p:spPr>
+          <a:xfrm>
+            <a:off x="2376609" y="4465448"/>
+            <a:ext cx="1468665" cy="1468665"/>
+          </a:xfrm>
+          <a:prstGeom prst="ellipse">
+            <a:avLst/>
+          </a:prstGeom>
+        </p:spPr>
+        <p:style>
+          <a:lnRef idx="2">
+            <a:schemeClr val="accent1">
+              <a:shade val="15000"/>
+            </a:schemeClr>
+          </a:lnRef>
+          <a:fillRef idx="1">
+            <a:schemeClr val="accent1"/>
+          </a:fillRef>
+          <a:effectRef idx="0">
+            <a:schemeClr val="accent1"/>
+          </a:effectRef>
+          <a:fontRef idx="minor">
+            <a:schemeClr val="lt1"/>
+          </a:fontRef>
+        </p:style>
+        <p:txBody>
+          <a:bodyPr rtlCol="0" anchor="ctr"/>
+          <a:lstStyle/>
+          <a:p>
+            <a:pPr algn="ctr"/>
+            <a:r>
               <a:rPr lang="en-US" altLang="ko-KR" dirty="0"/>
-              <a:t>Agent</a:t>
+              <a:t>Session</a:t>
             </a:r>
             <a:endParaRPr lang="ko-KR" altLang="en-US" dirty="0"/>
           </a:p>
         </p:txBody>
       </p:sp>
+      <p:cxnSp>
+        <p:nvCxnSpPr>
+          <p:cNvPr id="4" name="직선 연결선 3">
+            <a:extLst>
+              <a:ext uri="{FF2B5EF4-FFF2-40B4-BE49-F238E27FC236}">
+                <a16:creationId xmlns:a16="http://schemas.microsoft.com/office/drawing/2014/main" id="{D630F43F-F71A-E5A9-EB18-291F018985AF}"/>
+              </a:ext>
+            </a:extLst>
+          </p:cNvPr>
+          <p:cNvCxnSpPr>
+            <a:stCxn id="9" idx="4"/>
+            <a:endCxn id="2" idx="0"/>
+          </p:cNvCxnSpPr>
+          <p:nvPr/>
+        </p:nvCxnSpPr>
+        <p:spPr>
+          <a:xfrm>
+            <a:off x="2252625" y="2436462"/>
+            <a:ext cx="2542" cy="694394"/>
+          </a:xfrm>
+          <a:prstGeom prst="line">
+            <a:avLst/>
+          </a:prstGeom>
+        </p:spPr>
+        <p:style>
+          <a:lnRef idx="2">
+            <a:schemeClr val="accent1"/>
+          </a:lnRef>
+          <a:fillRef idx="0">
+            <a:schemeClr val="accent1"/>
+          </a:fillRef>
+          <a:effectRef idx="1">
+            <a:schemeClr val="accent1"/>
+          </a:effectRef>
+          <a:fontRef idx="minor">
+            <a:schemeClr val="tx1"/>
+          </a:fontRef>
+        </p:style>
+      </p:cxnSp>
     </p:spTree>
     <p:extLst>
       <p:ext uri="{BB962C8B-B14F-4D97-AF65-F5344CB8AC3E}">

--- a/docs/STRUCTURE.pptx
+++ b/docs/STRUCTURE.pptx
@@ -248,7 +248,7 @@
           <a:p>
             <a:fld id="{6687B94C-1665-4908-8FE0-ED182C7E5EF6}" type="datetimeFigureOut">
               <a:rPr lang="ko-KR" altLang="en-US" smtClean="0"/>
-              <a:t>2025-02-20</a:t>
+              <a:t>2025-03-19</a:t>
             </a:fld>
             <a:endParaRPr lang="ko-KR" altLang="en-US"/>
           </a:p>
@@ -830,7 +830,7 @@
           <a:p>
             <a:fld id="{C7A64008-E368-4B02-AA8A-14F001AD3B84}" type="datetimeFigureOut">
               <a:rPr lang="ko-KR" altLang="en-US" smtClean="0"/>
-              <a:t>2025-02-20</a:t>
+              <a:t>2025-03-19</a:t>
             </a:fld>
             <a:endParaRPr lang="ko-KR" altLang="en-US"/>
           </a:p>
@@ -1028,7 +1028,7 @@
           <a:p>
             <a:fld id="{C7A64008-E368-4B02-AA8A-14F001AD3B84}" type="datetimeFigureOut">
               <a:rPr lang="ko-KR" altLang="en-US" smtClean="0"/>
-              <a:t>2025-02-20</a:t>
+              <a:t>2025-03-19</a:t>
             </a:fld>
             <a:endParaRPr lang="ko-KR" altLang="en-US"/>
           </a:p>
@@ -1236,7 +1236,7 @@
           <a:p>
             <a:fld id="{C7A64008-E368-4B02-AA8A-14F001AD3B84}" type="datetimeFigureOut">
               <a:rPr lang="ko-KR" altLang="en-US" smtClean="0"/>
-              <a:t>2025-02-20</a:t>
+              <a:t>2025-03-19</a:t>
             </a:fld>
             <a:endParaRPr lang="ko-KR" altLang="en-US"/>
           </a:p>
@@ -1434,7 +1434,7 @@
           <a:p>
             <a:fld id="{C7A64008-E368-4B02-AA8A-14F001AD3B84}" type="datetimeFigureOut">
               <a:rPr lang="ko-KR" altLang="en-US" smtClean="0"/>
-              <a:t>2025-02-20</a:t>
+              <a:t>2025-03-19</a:t>
             </a:fld>
             <a:endParaRPr lang="ko-KR" altLang="en-US"/>
           </a:p>
@@ -1709,7 +1709,7 @@
           <a:p>
             <a:fld id="{C7A64008-E368-4B02-AA8A-14F001AD3B84}" type="datetimeFigureOut">
               <a:rPr lang="ko-KR" altLang="en-US" smtClean="0"/>
-              <a:t>2025-02-20</a:t>
+              <a:t>2025-03-19</a:t>
             </a:fld>
             <a:endParaRPr lang="ko-KR" altLang="en-US"/>
           </a:p>
@@ -1974,7 +1974,7 @@
           <a:p>
             <a:fld id="{C7A64008-E368-4B02-AA8A-14F001AD3B84}" type="datetimeFigureOut">
               <a:rPr lang="ko-KR" altLang="en-US" smtClean="0"/>
-              <a:t>2025-02-20</a:t>
+              <a:t>2025-03-19</a:t>
             </a:fld>
             <a:endParaRPr lang="ko-KR" altLang="en-US"/>
           </a:p>
@@ -2386,7 +2386,7 @@
           <a:p>
             <a:fld id="{C7A64008-E368-4B02-AA8A-14F001AD3B84}" type="datetimeFigureOut">
               <a:rPr lang="ko-KR" altLang="en-US" smtClean="0"/>
-              <a:t>2025-02-20</a:t>
+              <a:t>2025-03-19</a:t>
             </a:fld>
             <a:endParaRPr lang="ko-KR" altLang="en-US"/>
           </a:p>
@@ -2527,7 +2527,7 @@
           <a:p>
             <a:fld id="{C7A64008-E368-4B02-AA8A-14F001AD3B84}" type="datetimeFigureOut">
               <a:rPr lang="ko-KR" altLang="en-US" smtClean="0"/>
-              <a:t>2025-02-20</a:t>
+              <a:t>2025-03-19</a:t>
             </a:fld>
             <a:endParaRPr lang="ko-KR" altLang="en-US"/>
           </a:p>
@@ -2640,7 +2640,7 @@
           <a:p>
             <a:fld id="{C7A64008-E368-4B02-AA8A-14F001AD3B84}" type="datetimeFigureOut">
               <a:rPr lang="ko-KR" altLang="en-US" smtClean="0"/>
-              <a:t>2025-02-20</a:t>
+              <a:t>2025-03-19</a:t>
             </a:fld>
             <a:endParaRPr lang="ko-KR" altLang="en-US"/>
           </a:p>
@@ -2951,7 +2951,7 @@
           <a:p>
             <a:fld id="{C7A64008-E368-4B02-AA8A-14F001AD3B84}" type="datetimeFigureOut">
               <a:rPr lang="ko-KR" altLang="en-US" smtClean="0"/>
-              <a:t>2025-02-20</a:t>
+              <a:t>2025-03-19</a:t>
             </a:fld>
             <a:endParaRPr lang="ko-KR" altLang="en-US"/>
           </a:p>
@@ -3239,7 +3239,7 @@
           <a:p>
             <a:fld id="{C7A64008-E368-4B02-AA8A-14F001AD3B84}" type="datetimeFigureOut">
               <a:rPr lang="ko-KR" altLang="en-US" smtClean="0"/>
-              <a:t>2025-02-20</a:t>
+              <a:t>2025-03-19</a:t>
             </a:fld>
             <a:endParaRPr lang="ko-KR" altLang="en-US"/>
           </a:p>
@@ -3480,7 +3480,7 @@
           <a:p>
             <a:fld id="{C7A64008-E368-4B02-AA8A-14F001AD3B84}" type="datetimeFigureOut">
               <a:rPr lang="ko-KR" altLang="en-US" smtClean="0"/>
-              <a:t>2025-02-20</a:t>
+              <a:t>2025-03-19</a:t>
             </a:fld>
             <a:endParaRPr lang="ko-KR" altLang="en-US"/>
           </a:p>
@@ -4702,10 +4702,10 @@
       </p:grpSpPr>
       <p:sp>
         <p:nvSpPr>
-          <p:cNvPr id="7" name="타원 6">
-            <a:extLst>
-              <a:ext uri="{FF2B5EF4-FFF2-40B4-BE49-F238E27FC236}">
-                <a16:creationId xmlns:a16="http://schemas.microsoft.com/office/drawing/2014/main" id="{82CF2392-D1E9-DCB6-23CF-355DF34DA93D}"/>
+          <p:cNvPr id="26" name="타원 25">
+            <a:extLst>
+              <a:ext uri="{FF2B5EF4-FFF2-40B4-BE49-F238E27FC236}">
+                <a16:creationId xmlns:a16="http://schemas.microsoft.com/office/drawing/2014/main" id="{3660AE43-176B-BD66-3573-8A140277E428}"/>
               </a:ext>
             </a:extLst>
           </p:cNvPr>
@@ -4714,8 +4714,8 @@
         </p:nvSpPr>
         <p:spPr>
           <a:xfrm>
-            <a:off x="2616905" y="716642"/>
-            <a:ext cx="1468665" cy="1468665"/>
+            <a:off x="5476126" y="882988"/>
+            <a:ext cx="1539014" cy="1539014"/>
           </a:xfrm>
           <a:prstGeom prst="ellipse">
             <a:avLst/>
@@ -4744,25 +4744,17 @@
             <a:pPr algn="ctr"/>
             <a:r>
               <a:rPr lang="en-US" altLang="ko-KR" dirty="0"/>
-              <a:t>Chat</a:t>
-            </a:r>
-          </a:p>
-          <a:p>
-            <a:pPr algn="ctr"/>
-            <a:r>
-              <a:rPr lang="en-US" altLang="ko-KR" dirty="0"/>
-              <a:t>Agent</a:t>
-            </a:r>
-            <a:endParaRPr lang="ko-KR" altLang="en-US" dirty="0"/>
-          </a:p>
-        </p:txBody>
-      </p:sp>
-      <p:sp>
-        <p:nvSpPr>
-          <p:cNvPr id="8" name="타원 7">
-            <a:extLst>
-              <a:ext uri="{FF2B5EF4-FFF2-40B4-BE49-F238E27FC236}">
-                <a16:creationId xmlns:a16="http://schemas.microsoft.com/office/drawing/2014/main" id="{929A8564-A210-245D-A853-45F90B7C5E9B}"/>
+              <a:t>Memory</a:t>
+            </a:r>
+          </a:p>
+        </p:txBody>
+      </p:sp>
+      <p:sp>
+        <p:nvSpPr>
+          <p:cNvPr id="10" name="타원 9">
+            <a:extLst>
+              <a:ext uri="{FF2B5EF4-FFF2-40B4-BE49-F238E27FC236}">
+                <a16:creationId xmlns:a16="http://schemas.microsoft.com/office/drawing/2014/main" id="{8A3E4BB4-1BDE-31FA-C3AF-B840EA29C5AD}"/>
               </a:ext>
             </a:extLst>
           </p:cNvPr>
@@ -4771,8 +4763,8 @@
         </p:nvSpPr>
         <p:spPr>
           <a:xfrm>
-            <a:off x="5361125" y="716642"/>
-            <a:ext cx="1468665" cy="1468665"/>
+            <a:off x="7668480" y="3364792"/>
+            <a:ext cx="1797934" cy="1797934"/>
           </a:xfrm>
           <a:prstGeom prst="ellipse">
             <a:avLst/>
@@ -4800,19 +4792,25 @@
           <a:p>
             <a:pPr algn="ctr"/>
             <a:r>
-              <a:rPr lang="en-US" altLang="ko-KR" dirty="0" err="1"/>
-              <a:t>IAgent</a:t>
-            </a:r>
-            <a:endParaRPr lang="ko-KR" altLang="en-US" dirty="0"/>
-          </a:p>
-        </p:txBody>
-      </p:sp>
-      <p:sp>
-        <p:nvSpPr>
-          <p:cNvPr id="9" name="타원 8">
-            <a:extLst>
-              <a:ext uri="{FF2B5EF4-FFF2-40B4-BE49-F238E27FC236}">
-                <a16:creationId xmlns:a16="http://schemas.microsoft.com/office/drawing/2014/main" id="{508554DC-C448-5E56-8ECB-B9CB9C0F398B}"/>
+              <a:rPr lang="en-US" altLang="ko-KR" dirty="0"/>
+              <a:t>Vector</a:t>
+            </a:r>
+          </a:p>
+          <a:p>
+            <a:pPr algn="ctr"/>
+            <a:r>
+              <a:rPr lang="en-US" altLang="ko-KR" dirty="0"/>
+              <a:t>DB</a:t>
+            </a:r>
+          </a:p>
+        </p:txBody>
+      </p:sp>
+      <p:sp>
+        <p:nvSpPr>
+          <p:cNvPr id="11" name="타원 10">
+            <a:extLst>
+              <a:ext uri="{FF2B5EF4-FFF2-40B4-BE49-F238E27FC236}">
+                <a16:creationId xmlns:a16="http://schemas.microsoft.com/office/drawing/2014/main" id="{CAFD7738-7414-0B24-4ACE-E6F3D4DB3D73}"/>
               </a:ext>
             </a:extLst>
           </p:cNvPr>
@@ -4821,8 +4819,8 @@
         </p:nvSpPr>
         <p:spPr>
           <a:xfrm>
-            <a:off x="2601406" y="2471057"/>
-            <a:ext cx="1468665" cy="1468665"/>
+            <a:off x="5346666" y="3364792"/>
+            <a:ext cx="1797934" cy="1797934"/>
           </a:xfrm>
           <a:prstGeom prst="ellipse">
             <a:avLst/>
@@ -4850,26 +4848,19 @@
           <a:p>
             <a:pPr algn="ctr"/>
             <a:r>
-              <a:rPr lang="en-US" altLang="ko-KR" dirty="0"/>
-              <a:t>DB</a:t>
-            </a:r>
-          </a:p>
-          <a:p>
-            <a:pPr algn="ctr"/>
-            <a:r>
-              <a:rPr lang="en-US" altLang="ko-KR" dirty="0"/>
-              <a:t>Agent</a:t>
-            </a:r>
-            <a:endParaRPr lang="ko-KR" altLang="en-US" dirty="0"/>
-          </a:p>
-        </p:txBody>
-      </p:sp>
-      <p:sp>
-        <p:nvSpPr>
-          <p:cNvPr id="13" name="순서도: 대체 처리 12">
-            <a:extLst>
-              <a:ext uri="{FF2B5EF4-FFF2-40B4-BE49-F238E27FC236}">
-                <a16:creationId xmlns:a16="http://schemas.microsoft.com/office/drawing/2014/main" id="{E8F55305-9569-C73F-DE1C-04FE19E9B089}"/>
+              <a:rPr lang="en-US" altLang="ko-KR" dirty="0" err="1"/>
+              <a:t>InMemory</a:t>
+            </a:r>
+            <a:endParaRPr lang="en-US" altLang="ko-KR" dirty="0"/>
+          </a:p>
+        </p:txBody>
+      </p:sp>
+      <p:sp>
+        <p:nvSpPr>
+          <p:cNvPr id="12" name="타원 11">
+            <a:extLst>
+              <a:ext uri="{FF2B5EF4-FFF2-40B4-BE49-F238E27FC236}">
+                <a16:creationId xmlns:a16="http://schemas.microsoft.com/office/drawing/2014/main" id="{08B4DF82-CF89-80CF-A9B2-AC784A0FA28E}"/>
               </a:ext>
             </a:extLst>
           </p:cNvPr>
@@ -4878,10 +4869,10 @@
         </p:nvSpPr>
         <p:spPr>
           <a:xfrm>
-            <a:off x="5966847" y="2929179"/>
-            <a:ext cx="5899488" cy="3603157"/>
-          </a:xfrm>
-          <a:prstGeom prst="flowChartAlternateProcess">
+            <a:off x="2943827" y="3364792"/>
+            <a:ext cx="1797934" cy="1797934"/>
+          </a:xfrm>
+          <a:prstGeom prst="ellipse">
             <a:avLst/>
           </a:prstGeom>
         </p:spPr>
@@ -4907,297 +4898,39 @@
           <a:p>
             <a:pPr algn="ctr"/>
             <a:r>
-              <a:rPr lang="en-US" altLang="ko-KR" dirty="0" err="1"/>
-              <a:t>IHive</a:t>
-            </a:r>
-            <a:endParaRPr lang="ko-KR" altLang="en-US" dirty="0"/>
-          </a:p>
-        </p:txBody>
-      </p:sp>
-      <p:sp>
-        <p:nvSpPr>
-          <p:cNvPr id="23" name="타원 22">
-            <a:extLst>
-              <a:ext uri="{FF2B5EF4-FFF2-40B4-BE49-F238E27FC236}">
-                <a16:creationId xmlns:a16="http://schemas.microsoft.com/office/drawing/2014/main" id="{2EBC607C-2CFB-B709-1560-C7F0F54E8E29}"/>
-              </a:ext>
-            </a:extLst>
-          </p:cNvPr>
-          <p:cNvSpPr/>
-          <p:nvPr/>
-        </p:nvSpPr>
-        <p:spPr>
-          <a:xfrm>
-            <a:off x="8656582" y="4944382"/>
-            <a:ext cx="1468665" cy="1468665"/>
-          </a:xfrm>
-          <a:prstGeom prst="ellipse">
-            <a:avLst/>
-          </a:prstGeom>
-        </p:spPr>
-        <p:style>
-          <a:lnRef idx="2">
-            <a:schemeClr val="accent1">
-              <a:shade val="15000"/>
-            </a:schemeClr>
-          </a:lnRef>
-          <a:fillRef idx="1">
-            <a:schemeClr val="accent1"/>
-          </a:fillRef>
-          <a:effectRef idx="0">
-            <a:schemeClr val="accent1"/>
-          </a:effectRef>
-          <a:fontRef idx="minor">
-            <a:schemeClr val="lt1"/>
-          </a:fontRef>
-        </p:style>
-        <p:txBody>
-          <a:bodyPr rtlCol="0" anchor="ctr"/>
-          <a:lstStyle/>
+              <a:rPr lang="en-US" altLang="ko-KR" dirty="0"/>
+              <a:t>Storage</a:t>
+            </a:r>
+          </a:p>
           <a:p>
             <a:pPr algn="ctr"/>
             <a:r>
-              <a:rPr lang="en-US" altLang="ko-KR" dirty="0" err="1"/>
-              <a:t>IAgent</a:t>
-            </a:r>
-            <a:endParaRPr lang="ko-KR" altLang="en-US" dirty="0"/>
-          </a:p>
-        </p:txBody>
-      </p:sp>
-      <p:sp>
-        <p:nvSpPr>
-          <p:cNvPr id="24" name="타원 23">
-            <a:extLst>
-              <a:ext uri="{FF2B5EF4-FFF2-40B4-BE49-F238E27FC236}">
-                <a16:creationId xmlns:a16="http://schemas.microsoft.com/office/drawing/2014/main" id="{A3963964-4408-161B-F79E-9C0534C43E09}"/>
-              </a:ext>
-            </a:extLst>
-          </p:cNvPr>
-          <p:cNvSpPr/>
-          <p:nvPr/>
-        </p:nvSpPr>
-        <p:spPr>
-          <a:xfrm>
-            <a:off x="9390914" y="4944382"/>
-            <a:ext cx="1468665" cy="1468665"/>
-          </a:xfrm>
-          <a:prstGeom prst="ellipse">
-            <a:avLst/>
-          </a:prstGeom>
-        </p:spPr>
-        <p:style>
-          <a:lnRef idx="2">
-            <a:schemeClr val="accent1">
-              <a:shade val="15000"/>
-            </a:schemeClr>
-          </a:lnRef>
-          <a:fillRef idx="1">
-            <a:schemeClr val="accent1"/>
-          </a:fillRef>
-          <a:effectRef idx="0">
-            <a:schemeClr val="accent1"/>
-          </a:effectRef>
-          <a:fontRef idx="minor">
-            <a:schemeClr val="lt1"/>
-          </a:fontRef>
-        </p:style>
-        <p:txBody>
-          <a:bodyPr rtlCol="0" anchor="ctr"/>
-          <a:lstStyle/>
-          <a:p>
-            <a:pPr algn="ctr"/>
-            <a:r>
-              <a:rPr lang="en-US" altLang="ko-KR" dirty="0" err="1"/>
-              <a:t>IAgent</a:t>
-            </a:r>
-            <a:endParaRPr lang="ko-KR" altLang="en-US" dirty="0"/>
-          </a:p>
-        </p:txBody>
-      </p:sp>
-      <p:sp>
-        <p:nvSpPr>
-          <p:cNvPr id="25" name="타원 24">
-            <a:extLst>
-              <a:ext uri="{FF2B5EF4-FFF2-40B4-BE49-F238E27FC236}">
-                <a16:creationId xmlns:a16="http://schemas.microsoft.com/office/drawing/2014/main" id="{F5C1965A-3349-FE15-7FDE-B7EA333A20D0}"/>
-              </a:ext>
-            </a:extLst>
-          </p:cNvPr>
-          <p:cNvSpPr/>
-          <p:nvPr/>
-        </p:nvSpPr>
-        <p:spPr>
-          <a:xfrm>
-            <a:off x="10137077" y="4944382"/>
-            <a:ext cx="1468665" cy="1468665"/>
-          </a:xfrm>
-          <a:prstGeom prst="ellipse">
-            <a:avLst/>
-          </a:prstGeom>
-        </p:spPr>
-        <p:style>
-          <a:lnRef idx="2">
-            <a:schemeClr val="accent1">
-              <a:shade val="15000"/>
-            </a:schemeClr>
-          </a:lnRef>
-          <a:fillRef idx="1">
-            <a:schemeClr val="accent1"/>
-          </a:fillRef>
-          <a:effectRef idx="0">
-            <a:schemeClr val="accent1"/>
-          </a:effectRef>
-          <a:fontRef idx="minor">
-            <a:schemeClr val="lt1"/>
-          </a:fontRef>
-        </p:style>
-        <p:txBody>
-          <a:bodyPr rtlCol="0" anchor="ctr"/>
-          <a:lstStyle/>
-          <a:p>
-            <a:pPr algn="ctr"/>
-            <a:r>
-              <a:rPr lang="en-US" altLang="ko-KR" dirty="0" err="1"/>
-              <a:t>IAgent</a:t>
-            </a:r>
-            <a:endParaRPr lang="ko-KR" altLang="en-US" dirty="0"/>
-          </a:p>
-        </p:txBody>
-      </p:sp>
-      <p:sp>
-        <p:nvSpPr>
-          <p:cNvPr id="26" name="타원 25">
-            <a:extLst>
-              <a:ext uri="{FF2B5EF4-FFF2-40B4-BE49-F238E27FC236}">
-                <a16:creationId xmlns:a16="http://schemas.microsoft.com/office/drawing/2014/main" id="{3660AE43-176B-BD66-3573-8A140277E428}"/>
-              </a:ext>
-            </a:extLst>
-          </p:cNvPr>
-          <p:cNvSpPr/>
-          <p:nvPr/>
-        </p:nvSpPr>
-        <p:spPr>
-          <a:xfrm>
-            <a:off x="2647452" y="-1006578"/>
-            <a:ext cx="1393591" cy="1393591"/>
-          </a:xfrm>
-          <a:prstGeom prst="ellipse">
-            <a:avLst/>
-          </a:prstGeom>
-        </p:spPr>
-        <p:style>
-          <a:lnRef idx="2">
-            <a:schemeClr val="accent1">
-              <a:shade val="15000"/>
-            </a:schemeClr>
-          </a:lnRef>
-          <a:fillRef idx="1">
-            <a:schemeClr val="accent1"/>
-          </a:fillRef>
-          <a:effectRef idx="0">
-            <a:schemeClr val="accent1"/>
-          </a:effectRef>
-          <a:fontRef idx="minor">
-            <a:schemeClr val="lt1"/>
-          </a:fontRef>
-        </p:style>
-        <p:txBody>
-          <a:bodyPr rtlCol="0" anchor="ctr"/>
-          <a:lstStyle/>
-          <a:p>
-            <a:pPr algn="ctr"/>
-            <a:r>
               <a:rPr lang="en-US" altLang="ko-KR" dirty="0"/>
-              <a:t>Chat</a:t>
-            </a:r>
-          </a:p>
-          <a:p>
-            <a:pPr algn="ctr"/>
-            <a:r>
-              <a:rPr lang="en-US" altLang="ko-KR" dirty="0"/>
-              <a:t>Session</a:t>
-            </a:r>
-            <a:endParaRPr lang="ko-KR" altLang="en-US" dirty="0"/>
-          </a:p>
-        </p:txBody>
-      </p:sp>
-      <p:sp>
-        <p:nvSpPr>
-          <p:cNvPr id="2" name="타원 1">
-            <a:extLst>
-              <a:ext uri="{FF2B5EF4-FFF2-40B4-BE49-F238E27FC236}">
-                <a16:creationId xmlns:a16="http://schemas.microsoft.com/office/drawing/2014/main" id="{A18A680A-101C-C61E-2325-5E77E26B3734}"/>
-              </a:ext>
-            </a:extLst>
-          </p:cNvPr>
-          <p:cNvSpPr/>
-          <p:nvPr/>
-        </p:nvSpPr>
-        <p:spPr>
-          <a:xfrm>
-            <a:off x="2606040" y="4350657"/>
-            <a:ext cx="1468665" cy="1468665"/>
-          </a:xfrm>
-          <a:prstGeom prst="ellipse">
-            <a:avLst/>
-          </a:prstGeom>
-        </p:spPr>
-        <p:style>
-          <a:lnRef idx="2">
-            <a:schemeClr val="accent1">
-              <a:shade val="15000"/>
-            </a:schemeClr>
-          </a:lnRef>
-          <a:fillRef idx="1">
-            <a:schemeClr val="accent1"/>
-          </a:fillRef>
-          <a:effectRef idx="0">
-            <a:schemeClr val="accent1"/>
-          </a:effectRef>
-          <a:fontRef idx="minor">
-            <a:schemeClr val="lt1"/>
-          </a:fontRef>
-        </p:style>
-        <p:txBody>
-          <a:bodyPr rtlCol="0" anchor="ctr"/>
-          <a:lstStyle/>
-          <a:p>
-            <a:pPr algn="ctr"/>
-            <a:r>
-              <a:rPr lang="en-US" altLang="ko-KR" dirty="0"/>
-              <a:t>Summa</a:t>
-            </a:r>
-          </a:p>
-          <a:p>
-            <a:pPr algn="ctr"/>
-            <a:r>
-              <a:rPr lang="en-US" altLang="ko-KR" dirty="0"/>
-              <a:t>Agent</a:t>
-            </a:r>
-            <a:endParaRPr lang="ko-KR" altLang="en-US" dirty="0"/>
+              <a:t>Manager</a:t>
+            </a:r>
           </a:p>
         </p:txBody>
       </p:sp>
       <p:cxnSp>
         <p:nvCxnSpPr>
-          <p:cNvPr id="4" name="직선 연결선 3">
-            <a:extLst>
-              <a:ext uri="{FF2B5EF4-FFF2-40B4-BE49-F238E27FC236}">
-                <a16:creationId xmlns:a16="http://schemas.microsoft.com/office/drawing/2014/main" id="{D9474845-ED72-1B7E-22EC-9BC00EF33907}"/>
+          <p:cNvPr id="14" name="직선 연결선 13">
+            <a:extLst>
+              <a:ext uri="{FF2B5EF4-FFF2-40B4-BE49-F238E27FC236}">
+                <a16:creationId xmlns:a16="http://schemas.microsoft.com/office/drawing/2014/main" id="{96042768-2CAB-C7B9-DDE6-E863A08861E4}"/>
               </a:ext>
             </a:extLst>
           </p:cNvPr>
           <p:cNvCxnSpPr>
             <a:cxnSpLocks/>
-            <a:stCxn id="8" idx="2"/>
-            <a:endCxn id="7" idx="6"/>
+            <a:stCxn id="12" idx="0"/>
+            <a:endCxn id="26" idx="4"/>
           </p:cNvCxnSpPr>
           <p:nvPr/>
         </p:nvCxnSpPr>
         <p:spPr>
-          <a:xfrm flipH="1">
-            <a:off x="4085570" y="1450975"/>
-            <a:ext cx="1275555" cy="0"/>
+          <a:xfrm flipV="1">
+            <a:off x="3842794" y="2422002"/>
+            <a:ext cx="2402839" cy="942790"/>
           </a:xfrm>
           <a:prstGeom prst="line">
             <a:avLst/>
@@ -5220,24 +4953,24 @@
       </p:cxnSp>
       <p:cxnSp>
         <p:nvCxnSpPr>
-          <p:cNvPr id="5" name="직선 연결선 4">
-            <a:extLst>
-              <a:ext uri="{FF2B5EF4-FFF2-40B4-BE49-F238E27FC236}">
-                <a16:creationId xmlns:a16="http://schemas.microsoft.com/office/drawing/2014/main" id="{FEA2115D-533F-1F14-AF22-0B01D3F351BC}"/>
+          <p:cNvPr id="17" name="직선 연결선 16">
+            <a:extLst>
+              <a:ext uri="{FF2B5EF4-FFF2-40B4-BE49-F238E27FC236}">
+                <a16:creationId xmlns:a16="http://schemas.microsoft.com/office/drawing/2014/main" id="{C5434C33-1CC8-E991-1533-310BE57E40A6}"/>
               </a:ext>
             </a:extLst>
           </p:cNvPr>
           <p:cNvCxnSpPr>
             <a:cxnSpLocks/>
-            <a:stCxn id="8" idx="2"/>
-            <a:endCxn id="9" idx="6"/>
+            <a:stCxn id="11" idx="0"/>
+            <a:endCxn id="26" idx="4"/>
           </p:cNvCxnSpPr>
           <p:nvPr/>
         </p:nvCxnSpPr>
         <p:spPr>
-          <a:xfrm flipH="1">
-            <a:off x="4070071" y="1450975"/>
-            <a:ext cx="1291054" cy="1754415"/>
+          <a:xfrm flipV="1">
+            <a:off x="6245633" y="2422002"/>
+            <a:ext cx="0" cy="942790"/>
           </a:xfrm>
           <a:prstGeom prst="line">
             <a:avLst/>
@@ -5260,24 +4993,24 @@
       </p:cxnSp>
       <p:cxnSp>
         <p:nvCxnSpPr>
-          <p:cNvPr id="6" name="직선 연결선 5">
-            <a:extLst>
-              <a:ext uri="{FF2B5EF4-FFF2-40B4-BE49-F238E27FC236}">
-                <a16:creationId xmlns:a16="http://schemas.microsoft.com/office/drawing/2014/main" id="{06999B3B-B03F-C0C2-5D87-0FF41F7E3AD4}"/>
+          <p:cNvPr id="20" name="직선 연결선 19">
+            <a:extLst>
+              <a:ext uri="{FF2B5EF4-FFF2-40B4-BE49-F238E27FC236}">
+                <a16:creationId xmlns:a16="http://schemas.microsoft.com/office/drawing/2014/main" id="{3BACB924-8255-7240-18AE-CFD113291684}"/>
               </a:ext>
             </a:extLst>
           </p:cNvPr>
           <p:cNvCxnSpPr>
             <a:cxnSpLocks/>
-            <a:stCxn id="8" idx="2"/>
-            <a:endCxn id="2" idx="6"/>
+            <a:stCxn id="10" idx="0"/>
+            <a:endCxn id="26" idx="4"/>
           </p:cNvCxnSpPr>
           <p:nvPr/>
         </p:nvCxnSpPr>
         <p:spPr>
-          <a:xfrm flipH="1">
-            <a:off x="4074705" y="1450975"/>
-            <a:ext cx="1286420" cy="3634015"/>
+          <a:xfrm flipH="1" flipV="1">
+            <a:off x="6245633" y="2422002"/>
+            <a:ext cx="2321814" cy="942790"/>
           </a:xfrm>
           <a:prstGeom prst="line">
             <a:avLst/>
@@ -5298,291 +5031,6 @@
           </a:fontRef>
         </p:style>
       </p:cxnSp>
-      <p:sp>
-        <p:nvSpPr>
-          <p:cNvPr id="36" name="타원 35">
-            <a:extLst>
-              <a:ext uri="{FF2B5EF4-FFF2-40B4-BE49-F238E27FC236}">
-                <a16:creationId xmlns:a16="http://schemas.microsoft.com/office/drawing/2014/main" id="{281F5C2D-31CE-C0D8-AEEC-F25D4A1ED6FC}"/>
-              </a:ext>
-            </a:extLst>
-          </p:cNvPr>
-          <p:cNvSpPr/>
-          <p:nvPr/>
-        </p:nvSpPr>
-        <p:spPr>
-          <a:xfrm>
-            <a:off x="7194949" y="716641"/>
-            <a:ext cx="1468665" cy="1468665"/>
-          </a:xfrm>
-          <a:prstGeom prst="ellipse">
-            <a:avLst/>
-          </a:prstGeom>
-        </p:spPr>
-        <p:style>
-          <a:lnRef idx="2">
-            <a:schemeClr val="accent1">
-              <a:shade val="15000"/>
-            </a:schemeClr>
-          </a:lnRef>
-          <a:fillRef idx="1">
-            <a:schemeClr val="accent1"/>
-          </a:fillRef>
-          <a:effectRef idx="0">
-            <a:schemeClr val="accent1"/>
-          </a:effectRef>
-          <a:fontRef idx="minor">
-            <a:schemeClr val="lt1"/>
-          </a:fontRef>
-        </p:style>
-        <p:txBody>
-          <a:bodyPr rtlCol="0" anchor="ctr"/>
-          <a:lstStyle/>
-          <a:p>
-            <a:pPr algn="ctr"/>
-            <a:r>
-              <a:rPr lang="en-US" altLang="ko-KR" dirty="0" err="1"/>
-              <a:t>IService</a:t>
-            </a:r>
-            <a:endParaRPr lang="ko-KR" altLang="en-US" dirty="0"/>
-          </a:p>
-        </p:txBody>
-      </p:sp>
-      <p:cxnSp>
-        <p:nvCxnSpPr>
-          <p:cNvPr id="38" name="직선 연결선 37">
-            <a:extLst>
-              <a:ext uri="{FF2B5EF4-FFF2-40B4-BE49-F238E27FC236}">
-                <a16:creationId xmlns:a16="http://schemas.microsoft.com/office/drawing/2014/main" id="{8E37C3E9-227B-EBF2-576C-B36BA2A05A36}"/>
-              </a:ext>
-            </a:extLst>
-          </p:cNvPr>
-          <p:cNvCxnSpPr>
-            <a:stCxn id="8" idx="6"/>
-            <a:endCxn id="36" idx="2"/>
-          </p:cNvCxnSpPr>
-          <p:nvPr/>
-        </p:nvCxnSpPr>
-        <p:spPr>
-          <a:xfrm flipV="1">
-            <a:off x="6829790" y="1450974"/>
-            <a:ext cx="365159" cy="1"/>
-          </a:xfrm>
-          <a:prstGeom prst="line">
-            <a:avLst/>
-          </a:prstGeom>
-        </p:spPr>
-        <p:style>
-          <a:lnRef idx="2">
-            <a:schemeClr val="accent1"/>
-          </a:lnRef>
-          <a:fillRef idx="0">
-            <a:schemeClr val="accent1"/>
-          </a:fillRef>
-          <a:effectRef idx="1">
-            <a:schemeClr val="accent1"/>
-          </a:effectRef>
-          <a:fontRef idx="minor">
-            <a:schemeClr val="tx1"/>
-          </a:fontRef>
-        </p:style>
-      </p:cxnSp>
-      <p:cxnSp>
-        <p:nvCxnSpPr>
-          <p:cNvPr id="41" name="직선 화살표 연결선 40">
-            <a:extLst>
-              <a:ext uri="{FF2B5EF4-FFF2-40B4-BE49-F238E27FC236}">
-                <a16:creationId xmlns:a16="http://schemas.microsoft.com/office/drawing/2014/main" id="{977F581A-A51A-DBAA-FB22-D67D94721DC8}"/>
-              </a:ext>
-            </a:extLst>
-          </p:cNvPr>
-          <p:cNvCxnSpPr>
-            <a:stCxn id="7" idx="0"/>
-            <a:endCxn id="26" idx="4"/>
-          </p:cNvCxnSpPr>
-          <p:nvPr/>
-        </p:nvCxnSpPr>
-        <p:spPr>
-          <a:xfrm flipH="1" flipV="1">
-            <a:off x="3344248" y="387013"/>
-            <a:ext cx="6990" cy="329629"/>
-          </a:xfrm>
-          <a:prstGeom prst="straightConnector1">
-            <a:avLst/>
-          </a:prstGeom>
-          <a:ln>
-            <a:tailEnd type="triangle"/>
-          </a:ln>
-        </p:spPr>
-        <p:style>
-          <a:lnRef idx="2">
-            <a:schemeClr val="accent1"/>
-          </a:lnRef>
-          <a:fillRef idx="0">
-            <a:schemeClr val="accent1"/>
-          </a:fillRef>
-          <a:effectRef idx="1">
-            <a:schemeClr val="accent1"/>
-          </a:effectRef>
-          <a:fontRef idx="minor">
-            <a:schemeClr val="tx1"/>
-          </a:fontRef>
-        </p:style>
-      </p:cxnSp>
-      <p:sp>
-        <p:nvSpPr>
-          <p:cNvPr id="42" name="타원 41">
-            <a:extLst>
-              <a:ext uri="{FF2B5EF4-FFF2-40B4-BE49-F238E27FC236}">
-                <a16:creationId xmlns:a16="http://schemas.microsoft.com/office/drawing/2014/main" id="{69EAE4E9-B829-194E-F95D-B23EFEF607EE}"/>
-              </a:ext>
-            </a:extLst>
-          </p:cNvPr>
-          <p:cNvSpPr/>
-          <p:nvPr/>
-        </p:nvSpPr>
-        <p:spPr>
-          <a:xfrm>
-            <a:off x="408577" y="722489"/>
-            <a:ext cx="1468665" cy="1468665"/>
-          </a:xfrm>
-          <a:prstGeom prst="ellipse">
-            <a:avLst/>
-          </a:prstGeom>
-        </p:spPr>
-        <p:style>
-          <a:lnRef idx="2">
-            <a:schemeClr val="accent1">
-              <a:shade val="15000"/>
-            </a:schemeClr>
-          </a:lnRef>
-          <a:fillRef idx="1">
-            <a:schemeClr val="accent1"/>
-          </a:fillRef>
-          <a:effectRef idx="0">
-            <a:schemeClr val="accent1"/>
-          </a:effectRef>
-          <a:fontRef idx="minor">
-            <a:schemeClr val="lt1"/>
-          </a:fontRef>
-        </p:style>
-        <p:txBody>
-          <a:bodyPr rtlCol="0" anchor="ctr"/>
-          <a:lstStyle/>
-          <a:p>
-            <a:pPr algn="ctr"/>
-            <a:r>
-              <a:rPr lang="en-US" altLang="ko-KR" dirty="0"/>
-              <a:t>User</a:t>
-            </a:r>
-          </a:p>
-          <a:p>
-            <a:pPr algn="ctr"/>
-            <a:r>
-              <a:rPr lang="en-US" altLang="ko-KR" dirty="0"/>
-              <a:t>Agent</a:t>
-            </a:r>
-            <a:endParaRPr lang="ko-KR" altLang="en-US" dirty="0"/>
-          </a:p>
-        </p:txBody>
-      </p:sp>
-      <p:cxnSp>
-        <p:nvCxnSpPr>
-          <p:cNvPr id="43" name="직선 연결선 42">
-            <a:extLst>
-              <a:ext uri="{FF2B5EF4-FFF2-40B4-BE49-F238E27FC236}">
-                <a16:creationId xmlns:a16="http://schemas.microsoft.com/office/drawing/2014/main" id="{8489DE57-1D5D-EBF5-BE81-4976B66D4297}"/>
-              </a:ext>
-            </a:extLst>
-          </p:cNvPr>
-          <p:cNvCxnSpPr>
-            <a:cxnSpLocks/>
-            <a:stCxn id="7" idx="2"/>
-            <a:endCxn id="42" idx="6"/>
-          </p:cNvCxnSpPr>
-          <p:nvPr/>
-        </p:nvCxnSpPr>
-        <p:spPr>
-          <a:xfrm flipH="1">
-            <a:off x="1877242" y="1450975"/>
-            <a:ext cx="739663" cy="5847"/>
-          </a:xfrm>
-          <a:prstGeom prst="line">
-            <a:avLst/>
-          </a:prstGeom>
-        </p:spPr>
-        <p:style>
-          <a:lnRef idx="2">
-            <a:schemeClr val="accent1"/>
-          </a:lnRef>
-          <a:fillRef idx="0">
-            <a:schemeClr val="accent1"/>
-          </a:fillRef>
-          <a:effectRef idx="1">
-            <a:schemeClr val="accent1"/>
-          </a:effectRef>
-          <a:fontRef idx="minor">
-            <a:schemeClr val="tx1"/>
-          </a:fontRef>
-        </p:style>
-      </p:cxnSp>
-      <p:sp>
-        <p:nvSpPr>
-          <p:cNvPr id="3" name="타원 2">
-            <a:extLst>
-              <a:ext uri="{FF2B5EF4-FFF2-40B4-BE49-F238E27FC236}">
-                <a16:creationId xmlns:a16="http://schemas.microsoft.com/office/drawing/2014/main" id="{E7016FA1-52D4-313B-6E76-E4CDA7E004C2}"/>
-              </a:ext>
-            </a:extLst>
-          </p:cNvPr>
-          <p:cNvSpPr/>
-          <p:nvPr/>
-        </p:nvSpPr>
-        <p:spPr>
-          <a:xfrm>
-            <a:off x="10009595" y="716641"/>
-            <a:ext cx="1468665" cy="1468665"/>
-          </a:xfrm>
-          <a:prstGeom prst="ellipse">
-            <a:avLst/>
-          </a:prstGeom>
-        </p:spPr>
-        <p:style>
-          <a:lnRef idx="2">
-            <a:schemeClr val="accent1">
-              <a:shade val="15000"/>
-            </a:schemeClr>
-          </a:lnRef>
-          <a:fillRef idx="1">
-            <a:schemeClr val="accent1"/>
-          </a:fillRef>
-          <a:effectRef idx="0">
-            <a:schemeClr val="accent1"/>
-          </a:effectRef>
-          <a:fontRef idx="minor">
-            <a:schemeClr val="lt1"/>
-          </a:fontRef>
-        </p:style>
-        <p:txBody>
-          <a:bodyPr rtlCol="0" anchor="ctr"/>
-          <a:lstStyle/>
-          <a:p>
-            <a:pPr algn="ctr"/>
-            <a:r>
-              <a:rPr lang="en-US" altLang="ko-KR" dirty="0"/>
-              <a:t>Chat</a:t>
-            </a:r>
-          </a:p>
-          <a:p>
-            <a:pPr algn="ctr"/>
-            <a:r>
-              <a:rPr lang="en-US" altLang="ko-KR" dirty="0"/>
-              <a:t>Session</a:t>
-            </a:r>
-            <a:endParaRPr lang="ko-KR" altLang="en-US" dirty="0"/>
-          </a:p>
-        </p:txBody>
-      </p:sp>
     </p:spTree>
     <p:extLst>
       <p:ext uri="{BB962C8B-B14F-4D97-AF65-F5344CB8AC3E}">
@@ -5619,395 +5067,6 @@
           <a:chExt cx="0" cy="0"/>
         </a:xfrm>
       </p:grpSpPr>
-      <p:sp>
-        <p:nvSpPr>
-          <p:cNvPr id="9" name="타원 8">
-            <a:extLst>
-              <a:ext uri="{FF2B5EF4-FFF2-40B4-BE49-F238E27FC236}">
-                <a16:creationId xmlns:a16="http://schemas.microsoft.com/office/drawing/2014/main" id="{5AEB574D-CA9B-1CBF-7BAC-603FD6129AEA}"/>
-              </a:ext>
-            </a:extLst>
-          </p:cNvPr>
-          <p:cNvSpPr/>
-          <p:nvPr/>
-        </p:nvSpPr>
-        <p:spPr>
-          <a:xfrm>
-            <a:off x="1296251" y="523714"/>
-            <a:ext cx="1912748" cy="1912748"/>
-          </a:xfrm>
-          <a:prstGeom prst="ellipse">
-            <a:avLst/>
-          </a:prstGeom>
-        </p:spPr>
-        <p:style>
-          <a:lnRef idx="2">
-            <a:schemeClr val="accent1">
-              <a:shade val="15000"/>
-            </a:schemeClr>
-          </a:lnRef>
-          <a:fillRef idx="1">
-            <a:schemeClr val="accent1"/>
-          </a:fillRef>
-          <a:effectRef idx="0">
-            <a:schemeClr val="accent1"/>
-          </a:effectRef>
-          <a:fontRef idx="minor">
-            <a:schemeClr val="lt1"/>
-          </a:fontRef>
-        </p:style>
-        <p:txBody>
-          <a:bodyPr rtlCol="0" anchor="ctr"/>
-          <a:lstStyle/>
-          <a:p>
-            <a:pPr algn="ctr"/>
-            <a:r>
-              <a:rPr lang="en-US" altLang="ko-KR" dirty="0"/>
-              <a:t>Agent</a:t>
-            </a:r>
-            <a:endParaRPr lang="ko-KR" altLang="en-US" dirty="0"/>
-          </a:p>
-        </p:txBody>
-      </p:sp>
-      <p:sp>
-        <p:nvSpPr>
-          <p:cNvPr id="13" name="순서도: 대체 처리 12">
-            <a:extLst>
-              <a:ext uri="{FF2B5EF4-FFF2-40B4-BE49-F238E27FC236}">
-                <a16:creationId xmlns:a16="http://schemas.microsoft.com/office/drawing/2014/main" id="{FA398CB6-32BE-D2B1-F1BB-CE7D34BDA8A3}"/>
-              </a:ext>
-            </a:extLst>
-          </p:cNvPr>
-          <p:cNvSpPr/>
-          <p:nvPr/>
-        </p:nvSpPr>
-        <p:spPr>
-          <a:xfrm>
-            <a:off x="5102678" y="2868839"/>
-            <a:ext cx="6763657" cy="3663498"/>
-          </a:xfrm>
-          <a:prstGeom prst="flowChartAlternateProcess">
-            <a:avLst/>
-          </a:prstGeom>
-        </p:spPr>
-        <p:style>
-          <a:lnRef idx="2">
-            <a:schemeClr val="accent1">
-              <a:shade val="15000"/>
-            </a:schemeClr>
-          </a:lnRef>
-          <a:fillRef idx="1">
-            <a:schemeClr val="accent1"/>
-          </a:fillRef>
-          <a:effectRef idx="0">
-            <a:schemeClr val="accent1"/>
-          </a:effectRef>
-          <a:fontRef idx="minor">
-            <a:schemeClr val="lt1"/>
-          </a:fontRef>
-        </p:style>
-        <p:txBody>
-          <a:bodyPr rtlCol="0" anchor="ctr"/>
-          <a:lstStyle/>
-          <a:p>
-            <a:pPr algn="ctr"/>
-            <a:r>
-              <a:rPr lang="en-US" altLang="ko-KR" dirty="0" err="1"/>
-              <a:t>HiveMind</a:t>
-            </a:r>
-            <a:endParaRPr lang="ko-KR" altLang="en-US" dirty="0"/>
-          </a:p>
-        </p:txBody>
-      </p:sp>
-      <p:sp>
-        <p:nvSpPr>
-          <p:cNvPr id="23" name="타원 22">
-            <a:extLst>
-              <a:ext uri="{FF2B5EF4-FFF2-40B4-BE49-F238E27FC236}">
-                <a16:creationId xmlns:a16="http://schemas.microsoft.com/office/drawing/2014/main" id="{D6138673-DFAD-D2B2-74AA-056E6971C340}"/>
-              </a:ext>
-            </a:extLst>
-          </p:cNvPr>
-          <p:cNvSpPr/>
-          <p:nvPr/>
-        </p:nvSpPr>
-        <p:spPr>
-          <a:xfrm>
-            <a:off x="8439610" y="4944382"/>
-            <a:ext cx="1468665" cy="1468665"/>
-          </a:xfrm>
-          <a:prstGeom prst="ellipse">
-            <a:avLst/>
-          </a:prstGeom>
-        </p:spPr>
-        <p:style>
-          <a:lnRef idx="2">
-            <a:schemeClr val="accent1">
-              <a:shade val="15000"/>
-            </a:schemeClr>
-          </a:lnRef>
-          <a:fillRef idx="1">
-            <a:schemeClr val="accent1"/>
-          </a:fillRef>
-          <a:effectRef idx="0">
-            <a:schemeClr val="accent1"/>
-          </a:effectRef>
-          <a:fontRef idx="minor">
-            <a:schemeClr val="lt1"/>
-          </a:fontRef>
-        </p:style>
-        <p:txBody>
-          <a:bodyPr rtlCol="0" anchor="ctr"/>
-          <a:lstStyle/>
-          <a:p>
-            <a:pPr algn="ctr"/>
-            <a:r>
-              <a:rPr lang="en-US" altLang="ko-KR" dirty="0"/>
-              <a:t>Agent</a:t>
-            </a:r>
-            <a:endParaRPr lang="ko-KR" altLang="en-US" dirty="0"/>
-          </a:p>
-        </p:txBody>
-      </p:sp>
-      <p:sp>
-        <p:nvSpPr>
-          <p:cNvPr id="24" name="타원 23">
-            <a:extLst>
-              <a:ext uri="{FF2B5EF4-FFF2-40B4-BE49-F238E27FC236}">
-                <a16:creationId xmlns:a16="http://schemas.microsoft.com/office/drawing/2014/main" id="{D2CEE16D-2867-E323-BDD0-710B03364BBC}"/>
-              </a:ext>
-            </a:extLst>
-          </p:cNvPr>
-          <p:cNvSpPr/>
-          <p:nvPr/>
-        </p:nvSpPr>
-        <p:spPr>
-          <a:xfrm>
-            <a:off x="9173942" y="4944382"/>
-            <a:ext cx="1468665" cy="1468665"/>
-          </a:xfrm>
-          <a:prstGeom prst="ellipse">
-            <a:avLst/>
-          </a:prstGeom>
-        </p:spPr>
-        <p:style>
-          <a:lnRef idx="2">
-            <a:schemeClr val="accent1">
-              <a:shade val="15000"/>
-            </a:schemeClr>
-          </a:lnRef>
-          <a:fillRef idx="1">
-            <a:schemeClr val="accent1"/>
-          </a:fillRef>
-          <a:effectRef idx="0">
-            <a:schemeClr val="accent1"/>
-          </a:effectRef>
-          <a:fontRef idx="minor">
-            <a:schemeClr val="lt1"/>
-          </a:fontRef>
-        </p:style>
-        <p:txBody>
-          <a:bodyPr rtlCol="0" anchor="ctr"/>
-          <a:lstStyle/>
-          <a:p>
-            <a:pPr algn="ctr"/>
-            <a:r>
-              <a:rPr lang="en-US" altLang="ko-KR" dirty="0"/>
-              <a:t>Agent</a:t>
-            </a:r>
-            <a:endParaRPr lang="ko-KR" altLang="en-US" dirty="0"/>
-          </a:p>
-        </p:txBody>
-      </p:sp>
-      <p:sp>
-        <p:nvSpPr>
-          <p:cNvPr id="25" name="타원 24">
-            <a:extLst>
-              <a:ext uri="{FF2B5EF4-FFF2-40B4-BE49-F238E27FC236}">
-                <a16:creationId xmlns:a16="http://schemas.microsoft.com/office/drawing/2014/main" id="{4D463B4D-92D2-35D8-A759-06E67BD07F1E}"/>
-              </a:ext>
-            </a:extLst>
-          </p:cNvPr>
-          <p:cNvSpPr/>
-          <p:nvPr/>
-        </p:nvSpPr>
-        <p:spPr>
-          <a:xfrm>
-            <a:off x="9920105" y="4944382"/>
-            <a:ext cx="1468665" cy="1468665"/>
-          </a:xfrm>
-          <a:prstGeom prst="ellipse">
-            <a:avLst/>
-          </a:prstGeom>
-        </p:spPr>
-        <p:style>
-          <a:lnRef idx="2">
-            <a:schemeClr val="accent1">
-              <a:shade val="15000"/>
-            </a:schemeClr>
-          </a:lnRef>
-          <a:fillRef idx="1">
-            <a:schemeClr val="accent1"/>
-          </a:fillRef>
-          <a:effectRef idx="0">
-            <a:schemeClr val="accent1"/>
-          </a:effectRef>
-          <a:fontRef idx="minor">
-            <a:schemeClr val="lt1"/>
-          </a:fontRef>
-        </p:style>
-        <p:txBody>
-          <a:bodyPr rtlCol="0" anchor="ctr"/>
-          <a:lstStyle/>
-          <a:p>
-            <a:pPr algn="ctr"/>
-            <a:r>
-              <a:rPr lang="en-US" altLang="ko-KR" dirty="0"/>
-              <a:t>Agent</a:t>
-            </a:r>
-            <a:endParaRPr lang="ko-KR" altLang="en-US" dirty="0"/>
-          </a:p>
-        </p:txBody>
-      </p:sp>
-      <p:sp>
-        <p:nvSpPr>
-          <p:cNvPr id="2" name="타원 1">
-            <a:extLst>
-              <a:ext uri="{FF2B5EF4-FFF2-40B4-BE49-F238E27FC236}">
-                <a16:creationId xmlns:a16="http://schemas.microsoft.com/office/drawing/2014/main" id="{8DAAE3A2-7A30-FADD-8B01-D89328798262}"/>
-              </a:ext>
-            </a:extLst>
-          </p:cNvPr>
-          <p:cNvSpPr/>
-          <p:nvPr/>
-        </p:nvSpPr>
-        <p:spPr>
-          <a:xfrm>
-            <a:off x="1131639" y="3130856"/>
-            <a:ext cx="2247056" cy="2247056"/>
-          </a:xfrm>
-          <a:prstGeom prst="ellipse">
-            <a:avLst/>
-          </a:prstGeom>
-        </p:spPr>
-        <p:style>
-          <a:lnRef idx="2">
-            <a:schemeClr val="accent1">
-              <a:shade val="15000"/>
-            </a:schemeClr>
-          </a:lnRef>
-          <a:fillRef idx="1">
-            <a:schemeClr val="accent1"/>
-          </a:fillRef>
-          <a:effectRef idx="0">
-            <a:schemeClr val="accent1"/>
-          </a:effectRef>
-          <a:fontRef idx="minor">
-            <a:schemeClr val="lt1"/>
-          </a:fontRef>
-        </p:style>
-        <p:txBody>
-          <a:bodyPr rtlCol="0" anchor="ctr"/>
-          <a:lstStyle/>
-          <a:p>
-            <a:pPr algn="ctr"/>
-            <a:r>
-              <a:rPr lang="en-US" altLang="ko-KR" dirty="0" err="1"/>
-              <a:t>IService</a:t>
-            </a:r>
-            <a:endParaRPr lang="ko-KR" altLang="en-US" dirty="0"/>
-          </a:p>
-        </p:txBody>
-      </p:sp>
-      <p:sp>
-        <p:nvSpPr>
-          <p:cNvPr id="7" name="타원 6">
-            <a:extLst>
-              <a:ext uri="{FF2B5EF4-FFF2-40B4-BE49-F238E27FC236}">
-                <a16:creationId xmlns:a16="http://schemas.microsoft.com/office/drawing/2014/main" id="{B3BE9D9A-AFC6-121F-9146-3A34CFA3767E}"/>
-              </a:ext>
-            </a:extLst>
-          </p:cNvPr>
-          <p:cNvSpPr/>
-          <p:nvPr/>
-        </p:nvSpPr>
-        <p:spPr>
-          <a:xfrm>
-            <a:off x="2376609" y="4465448"/>
-            <a:ext cx="1468665" cy="1468665"/>
-          </a:xfrm>
-          <a:prstGeom prst="ellipse">
-            <a:avLst/>
-          </a:prstGeom>
-        </p:spPr>
-        <p:style>
-          <a:lnRef idx="2">
-            <a:schemeClr val="accent1">
-              <a:shade val="15000"/>
-            </a:schemeClr>
-          </a:lnRef>
-          <a:fillRef idx="1">
-            <a:schemeClr val="accent1"/>
-          </a:fillRef>
-          <a:effectRef idx="0">
-            <a:schemeClr val="accent1"/>
-          </a:effectRef>
-          <a:fontRef idx="minor">
-            <a:schemeClr val="lt1"/>
-          </a:fontRef>
-        </p:style>
-        <p:txBody>
-          <a:bodyPr rtlCol="0" anchor="ctr"/>
-          <a:lstStyle/>
-          <a:p>
-            <a:pPr algn="ctr"/>
-            <a:r>
-              <a:rPr lang="en-US" altLang="ko-KR" dirty="0"/>
-              <a:t>Session</a:t>
-            </a:r>
-            <a:endParaRPr lang="ko-KR" altLang="en-US" dirty="0"/>
-          </a:p>
-        </p:txBody>
-      </p:sp>
-      <p:cxnSp>
-        <p:nvCxnSpPr>
-          <p:cNvPr id="4" name="직선 연결선 3">
-            <a:extLst>
-              <a:ext uri="{FF2B5EF4-FFF2-40B4-BE49-F238E27FC236}">
-                <a16:creationId xmlns:a16="http://schemas.microsoft.com/office/drawing/2014/main" id="{D630F43F-F71A-E5A9-EB18-291F018985AF}"/>
-              </a:ext>
-            </a:extLst>
-          </p:cNvPr>
-          <p:cNvCxnSpPr>
-            <a:stCxn id="9" idx="4"/>
-            <a:endCxn id="2" idx="0"/>
-          </p:cNvCxnSpPr>
-          <p:nvPr/>
-        </p:nvCxnSpPr>
-        <p:spPr>
-          <a:xfrm>
-            <a:off x="2252625" y="2436462"/>
-            <a:ext cx="2542" cy="694394"/>
-          </a:xfrm>
-          <a:prstGeom prst="line">
-            <a:avLst/>
-          </a:prstGeom>
-        </p:spPr>
-        <p:style>
-          <a:lnRef idx="2">
-            <a:schemeClr val="accent1"/>
-          </a:lnRef>
-          <a:fillRef idx="0">
-            <a:schemeClr val="accent1"/>
-          </a:fillRef>
-          <a:effectRef idx="1">
-            <a:schemeClr val="accent1"/>
-          </a:effectRef>
-          <a:fontRef idx="minor">
-            <a:schemeClr val="tx1"/>
-          </a:fontRef>
-        </p:style>
-      </p:cxnSp>
     </p:spTree>
     <p:extLst>
       <p:ext uri="{BB962C8B-B14F-4D97-AF65-F5344CB8AC3E}">
@@ -10269,10 +9328,10 @@
       </p:grpSpPr>
       <p:sp>
         <p:nvSpPr>
-          <p:cNvPr id="7" name="타원 6">
-            <a:extLst>
-              <a:ext uri="{FF2B5EF4-FFF2-40B4-BE49-F238E27FC236}">
-                <a16:creationId xmlns:a16="http://schemas.microsoft.com/office/drawing/2014/main" id="{B81D355E-CF28-EC78-133F-4B584F1E800B}"/>
+          <p:cNvPr id="8" name="타원 7">
+            <a:extLst>
+              <a:ext uri="{FF2B5EF4-FFF2-40B4-BE49-F238E27FC236}">
+                <a16:creationId xmlns:a16="http://schemas.microsoft.com/office/drawing/2014/main" id="{2722E318-DC5A-9A85-58B0-E37275B7A0C9}"/>
               </a:ext>
             </a:extLst>
           </p:cNvPr>
@@ -10281,8 +9340,8 @@
         </p:nvSpPr>
         <p:spPr>
           <a:xfrm>
-            <a:off x="398928" y="716642"/>
-            <a:ext cx="1468665" cy="1468665"/>
+            <a:off x="4012663" y="1134822"/>
+            <a:ext cx="1357992" cy="1393742"/>
           </a:xfrm>
           <a:prstGeom prst="ellipse">
             <a:avLst/>
@@ -10311,14 +9370,7 @@
             <a:pPr algn="ctr"/>
             <a:r>
               <a:rPr lang="en-US" altLang="ko-KR" dirty="0"/>
-              <a:t>Chat</a:t>
-            </a:r>
-          </a:p>
-          <a:p>
-            <a:pPr algn="ctr"/>
-            <a:r>
-              <a:rPr lang="en-US" altLang="ko-KR" dirty="0"/>
-              <a:t>Session</a:t>
+              <a:t>Agent</a:t>
             </a:r>
             <a:endParaRPr lang="ko-KR" altLang="en-US" dirty="0"/>
           </a:p>
@@ -10326,10 +9378,10 @@
       </p:sp>
       <p:sp>
         <p:nvSpPr>
-          <p:cNvPr id="8" name="타원 7">
-            <a:extLst>
-              <a:ext uri="{FF2B5EF4-FFF2-40B4-BE49-F238E27FC236}">
-                <a16:creationId xmlns:a16="http://schemas.microsoft.com/office/drawing/2014/main" id="{2722E318-DC5A-9A85-58B0-E37275B7A0C9}"/>
+          <p:cNvPr id="23" name="타원 22">
+            <a:extLst>
+              <a:ext uri="{FF2B5EF4-FFF2-40B4-BE49-F238E27FC236}">
+                <a16:creationId xmlns:a16="http://schemas.microsoft.com/office/drawing/2014/main" id="{8C8FBEC1-540A-CA1D-F9E9-E7CF5EFF4CAD}"/>
               </a:ext>
             </a:extLst>
           </p:cNvPr>
@@ -10338,7 +9390,7 @@
         </p:nvSpPr>
         <p:spPr>
           <a:xfrm>
-            <a:off x="1697725" y="3072039"/>
+            <a:off x="7457954" y="2564955"/>
             <a:ext cx="1468665" cy="1468665"/>
           </a:xfrm>
           <a:prstGeom prst="ellipse">
@@ -10368,7 +9420,14 @@
             <a:pPr algn="ctr"/>
             <a:r>
               <a:rPr lang="en-US" altLang="ko-KR" dirty="0"/>
-              <a:t>Agent</a:t>
+              <a:t>Chat</a:t>
+            </a:r>
+          </a:p>
+          <a:p>
+            <a:pPr algn="ctr"/>
+            <a:r>
+              <a:rPr lang="en-US" altLang="ko-KR" dirty="0"/>
+              <a:t>Service</a:t>
             </a:r>
             <a:endParaRPr lang="ko-KR" altLang="en-US" dirty="0"/>
           </a:p>
@@ -10376,10 +9435,10 @@
       </p:sp>
       <p:sp>
         <p:nvSpPr>
-          <p:cNvPr id="9" name="타원 8">
-            <a:extLst>
-              <a:ext uri="{FF2B5EF4-FFF2-40B4-BE49-F238E27FC236}">
-                <a16:creationId xmlns:a16="http://schemas.microsoft.com/office/drawing/2014/main" id="{F9633076-A23B-8C1F-9FBA-F74910AA925F}"/>
+          <p:cNvPr id="24" name="타원 23">
+            <a:extLst>
+              <a:ext uri="{FF2B5EF4-FFF2-40B4-BE49-F238E27FC236}">
+                <a16:creationId xmlns:a16="http://schemas.microsoft.com/office/drawing/2014/main" id="{3962CE19-D107-8C20-4EFA-CAB97195D57D}"/>
               </a:ext>
             </a:extLst>
           </p:cNvPr>
@@ -10388,7 +9447,7 @@
         </p:nvSpPr>
         <p:spPr>
           <a:xfrm>
-            <a:off x="1678810" y="673099"/>
+            <a:off x="9692062" y="1004039"/>
             <a:ext cx="1468665" cy="1468665"/>
           </a:xfrm>
           <a:prstGeom prst="ellipse">
@@ -10418,14 +9477,7 @@
             <a:pPr algn="ctr"/>
             <a:r>
               <a:rPr lang="en-US" altLang="ko-KR" dirty="0"/>
-              <a:t>DB</a:t>
-            </a:r>
-          </a:p>
-          <a:p>
-            <a:pPr algn="ctr"/>
-            <a:r>
-              <a:rPr lang="en-US" altLang="ko-KR" dirty="0"/>
-              <a:t>Job</a:t>
+              <a:t>Provider</a:t>
             </a:r>
             <a:endParaRPr lang="ko-KR" altLang="en-US" dirty="0"/>
           </a:p>
@@ -10433,10 +9485,10 @@
       </p:sp>
       <p:sp>
         <p:nvSpPr>
-          <p:cNvPr id="10" name="타원 9">
-            <a:extLst>
-              <a:ext uri="{FF2B5EF4-FFF2-40B4-BE49-F238E27FC236}">
-                <a16:creationId xmlns:a16="http://schemas.microsoft.com/office/drawing/2014/main" id="{815952A6-DDBE-964C-C58D-97185E2BAC0A}"/>
+          <p:cNvPr id="26" name="타원 25">
+            <a:extLst>
+              <a:ext uri="{FF2B5EF4-FFF2-40B4-BE49-F238E27FC236}">
+                <a16:creationId xmlns:a16="http://schemas.microsoft.com/office/drawing/2014/main" id="{7F78E4B2-29A2-C279-0C71-D77DE6C6F2DD}"/>
               </a:ext>
             </a:extLst>
           </p:cNvPr>
@@ -10445,8 +9497,8 @@
         </p:nvSpPr>
         <p:spPr>
           <a:xfrm>
-            <a:off x="4521861" y="-600087"/>
-            <a:ext cx="1074550" cy="1074550"/>
+            <a:off x="1341130" y="2732129"/>
+            <a:ext cx="1393742" cy="1393742"/>
           </a:xfrm>
           <a:prstGeom prst="ellipse">
             <a:avLst/>
@@ -10475,7 +9527,7 @@
             <a:pPr algn="ctr"/>
             <a:r>
               <a:rPr lang="en-US" altLang="ko-KR" dirty="0"/>
-              <a:t>Workflow</a:t>
+              <a:t>Session</a:t>
             </a:r>
             <a:endParaRPr lang="ko-KR" altLang="en-US" dirty="0"/>
           </a:p>
@@ -10483,10 +9535,10 @@
       </p:sp>
       <p:sp>
         <p:nvSpPr>
-          <p:cNvPr id="13" name="순서도: 대체 처리 12">
-            <a:extLst>
-              <a:ext uri="{FF2B5EF4-FFF2-40B4-BE49-F238E27FC236}">
-                <a16:creationId xmlns:a16="http://schemas.microsoft.com/office/drawing/2014/main" id="{DEEE1E5C-E076-50D4-CC64-9F711AA8D2B1}"/>
+          <p:cNvPr id="27" name="타원 26">
+            <a:extLst>
+              <a:ext uri="{FF2B5EF4-FFF2-40B4-BE49-F238E27FC236}">
+                <a16:creationId xmlns:a16="http://schemas.microsoft.com/office/drawing/2014/main" id="{7834B259-DFE8-428B-26F8-9192C44CDA7F}"/>
               </a:ext>
             </a:extLst>
           </p:cNvPr>
@@ -10495,10 +9547,10 @@
         </p:nvSpPr>
         <p:spPr>
           <a:xfrm>
-            <a:off x="5102678" y="2868839"/>
-            <a:ext cx="6763657" cy="3663498"/>
-          </a:xfrm>
-          <a:prstGeom prst="flowChartAlternateProcess">
+            <a:off x="1599797" y="2293925"/>
+            <a:ext cx="876408" cy="876408"/>
+          </a:xfrm>
+          <a:prstGeom prst="ellipse">
             <a:avLst/>
           </a:prstGeom>
         </p:spPr>
@@ -10525,7 +9577,107 @@
             <a:pPr algn="ctr"/>
             <a:r>
               <a:rPr lang="en-US" altLang="ko-KR" dirty="0"/>
-              <a:t>Hive</a:t>
+              <a:t>Job</a:t>
+            </a:r>
+            <a:endParaRPr lang="ko-KR" altLang="en-US" dirty="0"/>
+          </a:p>
+        </p:txBody>
+      </p:sp>
+      <p:sp>
+        <p:nvSpPr>
+          <p:cNvPr id="19" name="타원 18">
+            <a:extLst>
+              <a:ext uri="{FF2B5EF4-FFF2-40B4-BE49-F238E27FC236}">
+                <a16:creationId xmlns:a16="http://schemas.microsoft.com/office/drawing/2014/main" id="{0A66A2EE-2301-6763-F3D2-EED0E8E9E1BD}"/>
+              </a:ext>
+            </a:extLst>
+          </p:cNvPr>
+          <p:cNvSpPr/>
+          <p:nvPr/>
+        </p:nvSpPr>
+        <p:spPr>
+          <a:xfrm>
+            <a:off x="4012663" y="2670639"/>
+            <a:ext cx="1357992" cy="1393742"/>
+          </a:xfrm>
+          <a:prstGeom prst="ellipse">
+            <a:avLst/>
+          </a:prstGeom>
+        </p:spPr>
+        <p:style>
+          <a:lnRef idx="2">
+            <a:schemeClr val="accent1">
+              <a:shade val="15000"/>
+            </a:schemeClr>
+          </a:lnRef>
+          <a:fillRef idx="1">
+            <a:schemeClr val="accent1"/>
+          </a:fillRef>
+          <a:effectRef idx="0">
+            <a:schemeClr val="accent1"/>
+          </a:effectRef>
+          <a:fontRef idx="minor">
+            <a:schemeClr val="lt1"/>
+          </a:fontRef>
+        </p:style>
+        <p:txBody>
+          <a:bodyPr rtlCol="0" anchor="ctr"/>
+          <a:lstStyle/>
+          <a:p>
+            <a:pPr algn="ctr"/>
+            <a:r>
+              <a:rPr lang="en-US" altLang="ko-KR" dirty="0"/>
+              <a:t>Agent</a:t>
+            </a:r>
+            <a:endParaRPr lang="ko-KR" altLang="en-US" dirty="0"/>
+          </a:p>
+        </p:txBody>
+      </p:sp>
+      <p:sp>
+        <p:nvSpPr>
+          <p:cNvPr id="20" name="타원 19">
+            <a:extLst>
+              <a:ext uri="{FF2B5EF4-FFF2-40B4-BE49-F238E27FC236}">
+                <a16:creationId xmlns:a16="http://schemas.microsoft.com/office/drawing/2014/main" id="{B6A4C13C-A634-7536-9302-6C9E81166DFC}"/>
+              </a:ext>
+            </a:extLst>
+          </p:cNvPr>
+          <p:cNvSpPr/>
+          <p:nvPr/>
+        </p:nvSpPr>
+        <p:spPr>
+          <a:xfrm>
+            <a:off x="4012663" y="4308677"/>
+            <a:ext cx="1357992" cy="1393742"/>
+          </a:xfrm>
+          <a:prstGeom prst="ellipse">
+            <a:avLst/>
+          </a:prstGeom>
+        </p:spPr>
+        <p:style>
+          <a:lnRef idx="2">
+            <a:schemeClr val="accent1">
+              <a:shade val="15000"/>
+            </a:schemeClr>
+          </a:lnRef>
+          <a:fillRef idx="1">
+            <a:schemeClr val="accent1"/>
+          </a:fillRef>
+          <a:effectRef idx="0">
+            <a:schemeClr val="accent1"/>
+          </a:effectRef>
+          <a:fontRef idx="minor">
+            <a:schemeClr val="lt1"/>
+          </a:fontRef>
+        </p:style>
+        <p:txBody>
+          <a:bodyPr rtlCol="0" anchor="ctr"/>
+          <a:lstStyle/>
+          <a:p>
+            <a:pPr algn="ctr"/>
+            <a:r>
+              <a:rPr lang="en-US" altLang="ko-KR" dirty="0"/>
+              <a:t>Agent</a:t>
             </a:r>
             <a:endParaRPr lang="ko-KR" altLang="en-US" dirty="0"/>
           </a:p>
@@ -10533,31 +9685,27 @@
       </p:sp>
       <p:cxnSp>
         <p:nvCxnSpPr>
-          <p:cNvPr id="15" name="직선 화살표 연결선 14">
-            <a:extLst>
-              <a:ext uri="{FF2B5EF4-FFF2-40B4-BE49-F238E27FC236}">
-                <a16:creationId xmlns:a16="http://schemas.microsoft.com/office/drawing/2014/main" id="{61D5A8AE-AEB7-7D36-B246-C57244ED9D21}"/>
+          <p:cNvPr id="22" name="직선 연결선 21">
+            <a:extLst>
+              <a:ext uri="{FF2B5EF4-FFF2-40B4-BE49-F238E27FC236}">
+                <a16:creationId xmlns:a16="http://schemas.microsoft.com/office/drawing/2014/main" id="{85DAD766-86E8-BC65-9B77-C0FEE43D590C}"/>
               </a:ext>
             </a:extLst>
           </p:cNvPr>
           <p:cNvCxnSpPr>
-            <a:cxnSpLocks/>
-            <a:stCxn id="8" idx="0"/>
-            <a:endCxn id="7" idx="4"/>
+            <a:stCxn id="26" idx="6"/>
+            <a:endCxn id="8" idx="2"/>
           </p:cNvCxnSpPr>
           <p:nvPr/>
         </p:nvCxnSpPr>
         <p:spPr>
-          <a:xfrm flipH="1" flipV="1">
-            <a:off x="1133261" y="2185307"/>
-            <a:ext cx="1298797" cy="886732"/>
-          </a:xfrm>
-          <a:prstGeom prst="straightConnector1">
+          <a:xfrm flipV="1">
+            <a:off x="2734872" y="1831693"/>
+            <a:ext cx="1277791" cy="1597307"/>
+          </a:xfrm>
+          <a:prstGeom prst="line">
             <a:avLst/>
           </a:prstGeom>
-          <a:ln>
-            <a:tailEnd type="triangle"/>
-          </a:ln>
         </p:spPr>
         <p:style>
           <a:lnRef idx="2">
@@ -10576,578 +9724,28 @@
       </p:cxnSp>
       <p:cxnSp>
         <p:nvCxnSpPr>
-          <p:cNvPr id="17" name="직선 화살표 연결선 16">
-            <a:extLst>
-              <a:ext uri="{FF2B5EF4-FFF2-40B4-BE49-F238E27FC236}">
-                <a16:creationId xmlns:a16="http://schemas.microsoft.com/office/drawing/2014/main" id="{7699D5F1-D4B5-B6DF-DF9E-D85DE929F64B}"/>
+          <p:cNvPr id="30" name="직선 연결선 29">
+            <a:extLst>
+              <a:ext uri="{FF2B5EF4-FFF2-40B4-BE49-F238E27FC236}">
+                <a16:creationId xmlns:a16="http://schemas.microsoft.com/office/drawing/2014/main" id="{68DF6FE2-F992-4FCF-F6AD-4CB33A8D2E38}"/>
               </a:ext>
             </a:extLst>
           </p:cNvPr>
           <p:cNvCxnSpPr>
             <a:cxnSpLocks/>
-            <a:stCxn id="8" idx="0"/>
-            <a:endCxn id="9" idx="4"/>
+            <a:stCxn id="26" idx="6"/>
+            <a:endCxn id="19" idx="2"/>
           </p:cNvCxnSpPr>
           <p:nvPr/>
         </p:nvCxnSpPr>
         <p:spPr>
-          <a:xfrm flipH="1" flipV="1">
-            <a:off x="2413143" y="2141764"/>
-            <a:ext cx="18915" cy="930275"/>
-          </a:xfrm>
-          <a:prstGeom prst="straightConnector1">
-            <a:avLst/>
-          </a:prstGeom>
-          <a:ln>
-            <a:tailEnd type="triangle"/>
-          </a:ln>
-        </p:spPr>
-        <p:style>
-          <a:lnRef idx="2">
-            <a:schemeClr val="accent1"/>
-          </a:lnRef>
-          <a:fillRef idx="0">
-            <a:schemeClr val="accent1"/>
-          </a:fillRef>
-          <a:effectRef idx="1">
-            <a:schemeClr val="accent1"/>
-          </a:effectRef>
-          <a:fontRef idx="minor">
-            <a:schemeClr val="tx1"/>
-          </a:fontRef>
-        </p:style>
-      </p:cxnSp>
-      <p:sp>
-        <p:nvSpPr>
-          <p:cNvPr id="23" name="타원 22">
-            <a:extLst>
-              <a:ext uri="{FF2B5EF4-FFF2-40B4-BE49-F238E27FC236}">
-                <a16:creationId xmlns:a16="http://schemas.microsoft.com/office/drawing/2014/main" id="{8C8FBEC1-540A-CA1D-F9E9-E7CF5EFF4CAD}"/>
-              </a:ext>
-            </a:extLst>
-          </p:cNvPr>
-          <p:cNvSpPr/>
-          <p:nvPr/>
-        </p:nvSpPr>
-        <p:spPr>
-          <a:xfrm>
-            <a:off x="8439610" y="4944382"/>
-            <a:ext cx="1468665" cy="1468665"/>
-          </a:xfrm>
-          <a:prstGeom prst="ellipse">
-            <a:avLst/>
-          </a:prstGeom>
-        </p:spPr>
-        <p:style>
-          <a:lnRef idx="2">
-            <a:schemeClr val="accent1">
-              <a:shade val="15000"/>
-            </a:schemeClr>
-          </a:lnRef>
-          <a:fillRef idx="1">
-            <a:schemeClr val="accent1"/>
-          </a:fillRef>
-          <a:effectRef idx="0">
-            <a:schemeClr val="accent1"/>
-          </a:effectRef>
-          <a:fontRef idx="minor">
-            <a:schemeClr val="lt1"/>
-          </a:fontRef>
-        </p:style>
-        <p:txBody>
-          <a:bodyPr rtlCol="0" anchor="ctr"/>
-          <a:lstStyle/>
-          <a:p>
-            <a:pPr algn="ctr"/>
-            <a:r>
-              <a:rPr lang="en-US" altLang="ko-KR" dirty="0"/>
-              <a:t>Agent</a:t>
-            </a:r>
-            <a:endParaRPr lang="ko-KR" altLang="en-US" dirty="0"/>
-          </a:p>
-        </p:txBody>
-      </p:sp>
-      <p:sp>
-        <p:nvSpPr>
-          <p:cNvPr id="24" name="타원 23">
-            <a:extLst>
-              <a:ext uri="{FF2B5EF4-FFF2-40B4-BE49-F238E27FC236}">
-                <a16:creationId xmlns:a16="http://schemas.microsoft.com/office/drawing/2014/main" id="{3962CE19-D107-8C20-4EFA-CAB97195D57D}"/>
-              </a:ext>
-            </a:extLst>
-          </p:cNvPr>
-          <p:cNvSpPr/>
-          <p:nvPr/>
-        </p:nvSpPr>
-        <p:spPr>
-          <a:xfrm>
-            <a:off x="9173942" y="4944382"/>
-            <a:ext cx="1468665" cy="1468665"/>
-          </a:xfrm>
-          <a:prstGeom prst="ellipse">
-            <a:avLst/>
-          </a:prstGeom>
-        </p:spPr>
-        <p:style>
-          <a:lnRef idx="2">
-            <a:schemeClr val="accent1">
-              <a:shade val="15000"/>
-            </a:schemeClr>
-          </a:lnRef>
-          <a:fillRef idx="1">
-            <a:schemeClr val="accent1"/>
-          </a:fillRef>
-          <a:effectRef idx="0">
-            <a:schemeClr val="accent1"/>
-          </a:effectRef>
-          <a:fontRef idx="minor">
-            <a:schemeClr val="lt1"/>
-          </a:fontRef>
-        </p:style>
-        <p:txBody>
-          <a:bodyPr rtlCol="0" anchor="ctr"/>
-          <a:lstStyle/>
-          <a:p>
-            <a:pPr algn="ctr"/>
-            <a:r>
-              <a:rPr lang="en-US" altLang="ko-KR" dirty="0"/>
-              <a:t>Agent</a:t>
-            </a:r>
-            <a:endParaRPr lang="ko-KR" altLang="en-US" dirty="0"/>
-          </a:p>
-        </p:txBody>
-      </p:sp>
-      <p:sp>
-        <p:nvSpPr>
-          <p:cNvPr id="25" name="타원 24">
-            <a:extLst>
-              <a:ext uri="{FF2B5EF4-FFF2-40B4-BE49-F238E27FC236}">
-                <a16:creationId xmlns:a16="http://schemas.microsoft.com/office/drawing/2014/main" id="{E2CE61B7-B9FD-D852-9EC6-E79712364267}"/>
-              </a:ext>
-            </a:extLst>
-          </p:cNvPr>
-          <p:cNvSpPr/>
-          <p:nvPr/>
-        </p:nvSpPr>
-        <p:spPr>
-          <a:xfrm>
-            <a:off x="9920105" y="4944382"/>
-            <a:ext cx="1468665" cy="1468665"/>
-          </a:xfrm>
-          <a:prstGeom prst="ellipse">
-            <a:avLst/>
-          </a:prstGeom>
-        </p:spPr>
-        <p:style>
-          <a:lnRef idx="2">
-            <a:schemeClr val="accent1">
-              <a:shade val="15000"/>
-            </a:schemeClr>
-          </a:lnRef>
-          <a:fillRef idx="1">
-            <a:schemeClr val="accent1"/>
-          </a:fillRef>
-          <a:effectRef idx="0">
-            <a:schemeClr val="accent1"/>
-          </a:effectRef>
-          <a:fontRef idx="minor">
-            <a:schemeClr val="lt1"/>
-          </a:fontRef>
-        </p:style>
-        <p:txBody>
-          <a:bodyPr rtlCol="0" anchor="ctr"/>
-          <a:lstStyle/>
-          <a:p>
-            <a:pPr algn="ctr"/>
-            <a:r>
-              <a:rPr lang="en-US" altLang="ko-KR" dirty="0"/>
-              <a:t>Agent</a:t>
-            </a:r>
-            <a:endParaRPr lang="ko-KR" altLang="en-US" dirty="0"/>
-          </a:p>
-        </p:txBody>
-      </p:sp>
-      <p:sp>
-        <p:nvSpPr>
-          <p:cNvPr id="26" name="타원 25">
-            <a:extLst>
-              <a:ext uri="{FF2B5EF4-FFF2-40B4-BE49-F238E27FC236}">
-                <a16:creationId xmlns:a16="http://schemas.microsoft.com/office/drawing/2014/main" id="{7F78E4B2-29A2-C279-0C71-D77DE6C6F2DD}"/>
-              </a:ext>
-            </a:extLst>
-          </p:cNvPr>
-          <p:cNvSpPr/>
-          <p:nvPr/>
-        </p:nvSpPr>
-        <p:spPr>
-          <a:xfrm>
-            <a:off x="5361667" y="3088777"/>
-            <a:ext cx="1468665" cy="1468665"/>
-          </a:xfrm>
-          <a:prstGeom prst="ellipse">
-            <a:avLst/>
-          </a:prstGeom>
-        </p:spPr>
-        <p:style>
-          <a:lnRef idx="2">
-            <a:schemeClr val="accent1">
-              <a:shade val="15000"/>
-            </a:schemeClr>
-          </a:lnRef>
-          <a:fillRef idx="1">
-            <a:schemeClr val="accent1"/>
-          </a:fillRef>
-          <a:effectRef idx="0">
-            <a:schemeClr val="accent1"/>
-          </a:effectRef>
-          <a:fontRef idx="minor">
-            <a:schemeClr val="lt1"/>
-          </a:fontRef>
-        </p:style>
-        <p:txBody>
-          <a:bodyPr rtlCol="0" anchor="ctr"/>
-          <a:lstStyle/>
-          <a:p>
-            <a:pPr algn="ctr"/>
-            <a:r>
-              <a:rPr lang="en-US" altLang="ko-KR" dirty="0"/>
-              <a:t>Chat</a:t>
-            </a:r>
-          </a:p>
-          <a:p>
-            <a:pPr algn="ctr"/>
-            <a:r>
-              <a:rPr lang="en-US" altLang="ko-KR" dirty="0"/>
-              <a:t>Session</a:t>
-            </a:r>
-            <a:endParaRPr lang="ko-KR" altLang="en-US" dirty="0"/>
-          </a:p>
-        </p:txBody>
-      </p:sp>
-      <p:sp>
-        <p:nvSpPr>
-          <p:cNvPr id="27" name="타원 26">
-            <a:extLst>
-              <a:ext uri="{FF2B5EF4-FFF2-40B4-BE49-F238E27FC236}">
-                <a16:creationId xmlns:a16="http://schemas.microsoft.com/office/drawing/2014/main" id="{7834B259-DFE8-428B-26F8-9192C44CDA7F}"/>
-              </a:ext>
-            </a:extLst>
-          </p:cNvPr>
-          <p:cNvSpPr/>
-          <p:nvPr/>
-        </p:nvSpPr>
-        <p:spPr>
-          <a:xfrm>
-            <a:off x="6247908" y="3088777"/>
-            <a:ext cx="1468665" cy="1468665"/>
-          </a:xfrm>
-          <a:prstGeom prst="ellipse">
-            <a:avLst/>
-          </a:prstGeom>
-        </p:spPr>
-        <p:style>
-          <a:lnRef idx="2">
-            <a:schemeClr val="accent1">
-              <a:shade val="15000"/>
-            </a:schemeClr>
-          </a:lnRef>
-          <a:fillRef idx="1">
-            <a:schemeClr val="accent1"/>
-          </a:fillRef>
-          <a:effectRef idx="0">
-            <a:schemeClr val="accent1"/>
-          </a:effectRef>
-          <a:fontRef idx="minor">
-            <a:schemeClr val="lt1"/>
-          </a:fontRef>
-        </p:style>
-        <p:txBody>
-          <a:bodyPr rtlCol="0" anchor="ctr"/>
-          <a:lstStyle/>
-          <a:p>
-            <a:pPr algn="ctr"/>
-            <a:r>
-              <a:rPr lang="en-US" altLang="ko-KR" dirty="0"/>
-              <a:t>Job</a:t>
-            </a:r>
-            <a:endParaRPr lang="ko-KR" altLang="en-US" dirty="0"/>
-          </a:p>
-        </p:txBody>
-      </p:sp>
-      <p:sp>
-        <p:nvSpPr>
-          <p:cNvPr id="28" name="타원 27">
-            <a:extLst>
-              <a:ext uri="{FF2B5EF4-FFF2-40B4-BE49-F238E27FC236}">
-                <a16:creationId xmlns:a16="http://schemas.microsoft.com/office/drawing/2014/main" id="{D07129B4-F1DC-DF01-285D-A49496814CC6}"/>
-              </a:ext>
-            </a:extLst>
-          </p:cNvPr>
-          <p:cNvSpPr/>
-          <p:nvPr/>
-        </p:nvSpPr>
-        <p:spPr>
-          <a:xfrm>
-            <a:off x="1697724" y="4787674"/>
-            <a:ext cx="1468665" cy="1468665"/>
-          </a:xfrm>
-          <a:prstGeom prst="ellipse">
-            <a:avLst/>
-          </a:prstGeom>
-        </p:spPr>
-        <p:style>
-          <a:lnRef idx="2">
-            <a:schemeClr val="accent1">
-              <a:shade val="15000"/>
-            </a:schemeClr>
-          </a:lnRef>
-          <a:fillRef idx="1">
-            <a:schemeClr val="accent1"/>
-          </a:fillRef>
-          <a:effectRef idx="0">
-            <a:schemeClr val="accent1"/>
-          </a:effectRef>
-          <a:fontRef idx="minor">
-            <a:schemeClr val="lt1"/>
-          </a:fontRef>
-        </p:style>
-        <p:txBody>
-          <a:bodyPr rtlCol="0" anchor="ctr"/>
-          <a:lstStyle/>
-          <a:p>
-            <a:pPr algn="ctr"/>
-            <a:r>
-              <a:rPr lang="en-US" altLang="ko-KR" dirty="0" err="1"/>
-              <a:t>IService</a:t>
-            </a:r>
-            <a:endParaRPr lang="ko-KR" altLang="en-US" dirty="0"/>
-          </a:p>
-        </p:txBody>
-      </p:sp>
-      <p:cxnSp>
-        <p:nvCxnSpPr>
-          <p:cNvPr id="29" name="직선 연결선 28">
-            <a:extLst>
-              <a:ext uri="{FF2B5EF4-FFF2-40B4-BE49-F238E27FC236}">
-                <a16:creationId xmlns:a16="http://schemas.microsoft.com/office/drawing/2014/main" id="{D594718F-32E2-6220-0C4A-49BA0027C4D0}"/>
-              </a:ext>
-            </a:extLst>
-          </p:cNvPr>
-          <p:cNvCxnSpPr>
-            <a:cxnSpLocks/>
-            <a:stCxn id="8" idx="4"/>
-            <a:endCxn id="28" idx="0"/>
-          </p:cNvCxnSpPr>
-          <p:nvPr/>
-        </p:nvCxnSpPr>
-        <p:spPr>
-          <a:xfrm flipH="1">
-            <a:off x="2432057" y="4540704"/>
-            <a:ext cx="1" cy="246970"/>
+          <a:xfrm flipV="1">
+            <a:off x="2734872" y="3367510"/>
+            <a:ext cx="1277791" cy="61490"/>
           </a:xfrm>
           <a:prstGeom prst="line">
             <a:avLst/>
           </a:prstGeom>
-        </p:spPr>
-        <p:style>
-          <a:lnRef idx="2">
-            <a:schemeClr val="accent1"/>
-          </a:lnRef>
-          <a:fillRef idx="0">
-            <a:schemeClr val="accent1"/>
-          </a:fillRef>
-          <a:effectRef idx="1">
-            <a:schemeClr val="accent1"/>
-          </a:effectRef>
-          <a:fontRef idx="minor">
-            <a:schemeClr val="tx1"/>
-          </a:fontRef>
-        </p:style>
-      </p:cxnSp>
-      <p:sp>
-        <p:nvSpPr>
-          <p:cNvPr id="37" name="타원 36">
-            <a:extLst>
-              <a:ext uri="{FF2B5EF4-FFF2-40B4-BE49-F238E27FC236}">
-                <a16:creationId xmlns:a16="http://schemas.microsoft.com/office/drawing/2014/main" id="{71ABD378-FDDB-06CC-8383-836FF036A859}"/>
-              </a:ext>
-            </a:extLst>
-          </p:cNvPr>
-          <p:cNvSpPr/>
-          <p:nvPr/>
-        </p:nvSpPr>
-        <p:spPr>
-          <a:xfrm>
-            <a:off x="3021149" y="745557"/>
-            <a:ext cx="1468665" cy="1468665"/>
-          </a:xfrm>
-          <a:prstGeom prst="ellipse">
-            <a:avLst/>
-          </a:prstGeom>
-        </p:spPr>
-        <p:style>
-          <a:lnRef idx="2">
-            <a:schemeClr val="accent1">
-              <a:shade val="15000"/>
-            </a:schemeClr>
-          </a:lnRef>
-          <a:fillRef idx="1">
-            <a:schemeClr val="accent1"/>
-          </a:fillRef>
-          <a:effectRef idx="0">
-            <a:schemeClr val="accent1"/>
-          </a:effectRef>
-          <a:fontRef idx="minor">
-            <a:schemeClr val="lt1"/>
-          </a:fontRef>
-        </p:style>
-        <p:txBody>
-          <a:bodyPr rtlCol="0" anchor="ctr"/>
-          <a:lstStyle/>
-          <a:p>
-            <a:pPr algn="ctr"/>
-            <a:r>
-              <a:rPr lang="en-US" altLang="ko-KR" dirty="0"/>
-              <a:t>Summa</a:t>
-            </a:r>
-          </a:p>
-          <a:p>
-            <a:pPr algn="ctr"/>
-            <a:r>
-              <a:rPr lang="en-US" altLang="ko-KR" dirty="0"/>
-              <a:t>Job</a:t>
-            </a:r>
-            <a:endParaRPr lang="ko-KR" altLang="en-US" dirty="0"/>
-          </a:p>
-        </p:txBody>
-      </p:sp>
-      <p:cxnSp>
-        <p:nvCxnSpPr>
-          <p:cNvPr id="39" name="직선 화살표 연결선 38">
-            <a:extLst>
-              <a:ext uri="{FF2B5EF4-FFF2-40B4-BE49-F238E27FC236}">
-                <a16:creationId xmlns:a16="http://schemas.microsoft.com/office/drawing/2014/main" id="{BF2C511D-6083-D4B6-8E4D-2DC2483A77FB}"/>
-              </a:ext>
-            </a:extLst>
-          </p:cNvPr>
-          <p:cNvCxnSpPr>
-            <a:cxnSpLocks/>
-            <a:stCxn id="8" idx="0"/>
-            <a:endCxn id="37" idx="4"/>
-          </p:cNvCxnSpPr>
-          <p:nvPr/>
-        </p:nvCxnSpPr>
-        <p:spPr>
-          <a:xfrm flipV="1">
-            <a:off x="2432058" y="2214222"/>
-            <a:ext cx="1323424" cy="857817"/>
-          </a:xfrm>
-          <a:prstGeom prst="straightConnector1">
-            <a:avLst/>
-          </a:prstGeom>
-          <a:ln>
-            <a:tailEnd type="triangle"/>
-          </a:ln>
-        </p:spPr>
-        <p:style>
-          <a:lnRef idx="2">
-            <a:schemeClr val="accent1"/>
-          </a:lnRef>
-          <a:fillRef idx="0">
-            <a:schemeClr val="accent1"/>
-          </a:fillRef>
-          <a:effectRef idx="1">
-            <a:schemeClr val="accent1"/>
-          </a:effectRef>
-          <a:fontRef idx="minor">
-            <a:schemeClr val="tx1"/>
-          </a:fontRef>
-        </p:style>
-      </p:cxnSp>
-      <p:sp>
-        <p:nvSpPr>
-          <p:cNvPr id="46" name="타원 45">
-            <a:extLst>
-              <a:ext uri="{FF2B5EF4-FFF2-40B4-BE49-F238E27FC236}">
-                <a16:creationId xmlns:a16="http://schemas.microsoft.com/office/drawing/2014/main" id="{7051D9B0-73BB-BBC9-AA37-7205D644CB7A}"/>
-              </a:ext>
-            </a:extLst>
-          </p:cNvPr>
-          <p:cNvSpPr/>
-          <p:nvPr/>
-        </p:nvSpPr>
-        <p:spPr>
-          <a:xfrm>
-            <a:off x="4319945" y="783033"/>
-            <a:ext cx="1468665" cy="1468665"/>
-          </a:xfrm>
-          <a:prstGeom prst="ellipse">
-            <a:avLst/>
-          </a:prstGeom>
-        </p:spPr>
-        <p:style>
-          <a:lnRef idx="2">
-            <a:schemeClr val="accent1">
-              <a:shade val="15000"/>
-            </a:schemeClr>
-          </a:lnRef>
-          <a:fillRef idx="1">
-            <a:schemeClr val="accent1"/>
-          </a:fillRef>
-          <a:effectRef idx="0">
-            <a:schemeClr val="accent1"/>
-          </a:effectRef>
-          <a:fontRef idx="minor">
-            <a:schemeClr val="lt1"/>
-          </a:fontRef>
-        </p:style>
-        <p:txBody>
-          <a:bodyPr rtlCol="0" anchor="ctr"/>
-          <a:lstStyle/>
-          <a:p>
-            <a:pPr algn="ctr"/>
-            <a:r>
-              <a:rPr lang="en-US" altLang="ko-KR" dirty="0"/>
-              <a:t>User</a:t>
-            </a:r>
-          </a:p>
-          <a:p>
-            <a:pPr algn="ctr"/>
-            <a:r>
-              <a:rPr lang="en-US" altLang="ko-KR" dirty="0"/>
-              <a:t>Job</a:t>
-            </a:r>
-            <a:endParaRPr lang="ko-KR" altLang="en-US" dirty="0"/>
-          </a:p>
-        </p:txBody>
-      </p:sp>
-      <p:cxnSp>
-        <p:nvCxnSpPr>
-          <p:cNvPr id="47" name="직선 화살표 연결선 46">
-            <a:extLst>
-              <a:ext uri="{FF2B5EF4-FFF2-40B4-BE49-F238E27FC236}">
-                <a16:creationId xmlns:a16="http://schemas.microsoft.com/office/drawing/2014/main" id="{2297FAEA-3378-AFEA-2343-29A3F5CEAB89}"/>
-              </a:ext>
-            </a:extLst>
-          </p:cNvPr>
-          <p:cNvCxnSpPr>
-            <a:cxnSpLocks/>
-            <a:stCxn id="8" idx="0"/>
-            <a:endCxn id="46" idx="4"/>
-          </p:cNvCxnSpPr>
-          <p:nvPr/>
-        </p:nvCxnSpPr>
-        <p:spPr>
-          <a:xfrm flipV="1">
-            <a:off x="2432058" y="2251698"/>
-            <a:ext cx="2622220" cy="820341"/>
-          </a:xfrm>
-          <a:prstGeom prst="straightConnector1">
-            <a:avLst/>
-          </a:prstGeom>
-          <a:ln>
-            <a:tailEnd type="triangle"/>
-          </a:ln>
         </p:spPr>
         <p:style>
           <a:lnRef idx="2">
@@ -11166,23 +9764,244 @@
       </p:cxnSp>
       <p:cxnSp>
         <p:nvCxnSpPr>
-          <p:cNvPr id="51" name="직선 연결선 50">
-            <a:extLst>
-              <a:ext uri="{FF2B5EF4-FFF2-40B4-BE49-F238E27FC236}">
-                <a16:creationId xmlns:a16="http://schemas.microsoft.com/office/drawing/2014/main" id="{F8AF8BA9-5AB9-E3DD-9308-E94E634F8B9B}"/>
+          <p:cNvPr id="31" name="직선 연결선 30">
+            <a:extLst>
+              <a:ext uri="{FF2B5EF4-FFF2-40B4-BE49-F238E27FC236}">
+                <a16:creationId xmlns:a16="http://schemas.microsoft.com/office/drawing/2014/main" id="{253A737B-61B5-E447-A617-57BD72F3B912}"/>
               </a:ext>
             </a:extLst>
           </p:cNvPr>
           <p:cNvCxnSpPr>
-            <a:stCxn id="10" idx="4"/>
-            <a:endCxn id="46" idx="0"/>
+            <a:cxnSpLocks/>
+            <a:stCxn id="26" idx="6"/>
+            <a:endCxn id="20" idx="2"/>
           </p:cNvCxnSpPr>
           <p:nvPr/>
         </p:nvCxnSpPr>
         <p:spPr>
-          <a:xfrm flipH="1">
-            <a:off x="5054278" y="474463"/>
-            <a:ext cx="4858" cy="308570"/>
+          <a:xfrm>
+            <a:off x="2734872" y="3429000"/>
+            <a:ext cx="1277791" cy="1576548"/>
+          </a:xfrm>
+          <a:prstGeom prst="line">
+            <a:avLst/>
+          </a:prstGeom>
+        </p:spPr>
+        <p:style>
+          <a:lnRef idx="2">
+            <a:schemeClr val="accent1"/>
+          </a:lnRef>
+          <a:fillRef idx="0">
+            <a:schemeClr val="accent1"/>
+          </a:fillRef>
+          <a:effectRef idx="1">
+            <a:schemeClr val="accent1"/>
+          </a:effectRef>
+          <a:fontRef idx="minor">
+            <a:schemeClr val="tx1"/>
+          </a:fontRef>
+        </p:style>
+      </p:cxnSp>
+      <p:sp>
+        <p:nvSpPr>
+          <p:cNvPr id="36" name="타원 35">
+            <a:extLst>
+              <a:ext uri="{FF2B5EF4-FFF2-40B4-BE49-F238E27FC236}">
+                <a16:creationId xmlns:a16="http://schemas.microsoft.com/office/drawing/2014/main" id="{A18A43C7-CA55-A88D-EC90-C163B948E207}"/>
+              </a:ext>
+            </a:extLst>
+          </p:cNvPr>
+          <p:cNvSpPr/>
+          <p:nvPr/>
+        </p:nvSpPr>
+        <p:spPr>
+          <a:xfrm>
+            <a:off x="9692063" y="2564955"/>
+            <a:ext cx="1468665" cy="1468665"/>
+          </a:xfrm>
+          <a:prstGeom prst="ellipse">
+            <a:avLst/>
+          </a:prstGeom>
+        </p:spPr>
+        <p:style>
+          <a:lnRef idx="2">
+            <a:schemeClr val="accent1">
+              <a:shade val="15000"/>
+            </a:schemeClr>
+          </a:lnRef>
+          <a:fillRef idx="1">
+            <a:schemeClr val="accent1"/>
+          </a:fillRef>
+          <a:effectRef idx="0">
+            <a:schemeClr val="accent1"/>
+          </a:effectRef>
+          <a:fontRef idx="minor">
+            <a:schemeClr val="lt1"/>
+          </a:fontRef>
+        </p:style>
+        <p:txBody>
+          <a:bodyPr rtlCol="0" anchor="ctr"/>
+          <a:lstStyle/>
+          <a:p>
+            <a:pPr algn="ctr"/>
+            <a:r>
+              <a:rPr lang="en-US" altLang="ko-KR" dirty="0"/>
+              <a:t>Provider</a:t>
+            </a:r>
+            <a:endParaRPr lang="ko-KR" altLang="en-US" dirty="0"/>
+          </a:p>
+        </p:txBody>
+      </p:sp>
+      <p:sp>
+        <p:nvSpPr>
+          <p:cNvPr id="38" name="타원 37">
+            <a:extLst>
+              <a:ext uri="{FF2B5EF4-FFF2-40B4-BE49-F238E27FC236}">
+                <a16:creationId xmlns:a16="http://schemas.microsoft.com/office/drawing/2014/main" id="{B6CE8095-CA31-DF5B-C5E8-646C2B964A4F}"/>
+              </a:ext>
+            </a:extLst>
+          </p:cNvPr>
+          <p:cNvSpPr/>
+          <p:nvPr/>
+        </p:nvSpPr>
+        <p:spPr>
+          <a:xfrm>
+            <a:off x="9692062" y="4125871"/>
+            <a:ext cx="1468665" cy="1468665"/>
+          </a:xfrm>
+          <a:prstGeom prst="ellipse">
+            <a:avLst/>
+          </a:prstGeom>
+        </p:spPr>
+        <p:style>
+          <a:lnRef idx="2">
+            <a:schemeClr val="accent1">
+              <a:shade val="15000"/>
+            </a:schemeClr>
+          </a:lnRef>
+          <a:fillRef idx="1">
+            <a:schemeClr val="accent1"/>
+          </a:fillRef>
+          <a:effectRef idx="0">
+            <a:schemeClr val="accent1"/>
+          </a:effectRef>
+          <a:fontRef idx="minor">
+            <a:schemeClr val="lt1"/>
+          </a:fontRef>
+        </p:style>
+        <p:txBody>
+          <a:bodyPr rtlCol="0" anchor="ctr"/>
+          <a:lstStyle/>
+          <a:p>
+            <a:pPr algn="ctr"/>
+            <a:r>
+              <a:rPr lang="en-US" altLang="ko-KR" dirty="0"/>
+              <a:t>Provider</a:t>
+            </a:r>
+            <a:endParaRPr lang="ko-KR" altLang="en-US" dirty="0"/>
+          </a:p>
+        </p:txBody>
+      </p:sp>
+      <p:cxnSp>
+        <p:nvCxnSpPr>
+          <p:cNvPr id="40" name="직선 연결선 39">
+            <a:extLst>
+              <a:ext uri="{FF2B5EF4-FFF2-40B4-BE49-F238E27FC236}">
+                <a16:creationId xmlns:a16="http://schemas.microsoft.com/office/drawing/2014/main" id="{43834100-C5EF-F82C-7949-53990AA0276A}"/>
+              </a:ext>
+            </a:extLst>
+          </p:cNvPr>
+          <p:cNvCxnSpPr>
+            <a:cxnSpLocks/>
+            <a:stCxn id="23" idx="6"/>
+            <a:endCxn id="36" idx="2"/>
+          </p:cNvCxnSpPr>
+          <p:nvPr/>
+        </p:nvCxnSpPr>
+        <p:spPr>
+          <a:xfrm>
+            <a:off x="8926619" y="3299288"/>
+            <a:ext cx="765444" cy="0"/>
+          </a:xfrm>
+          <a:prstGeom prst="line">
+            <a:avLst/>
+          </a:prstGeom>
+        </p:spPr>
+        <p:style>
+          <a:lnRef idx="2">
+            <a:schemeClr val="accent1"/>
+          </a:lnRef>
+          <a:fillRef idx="0">
+            <a:schemeClr val="accent1"/>
+          </a:fillRef>
+          <a:effectRef idx="1">
+            <a:schemeClr val="accent1"/>
+          </a:effectRef>
+          <a:fontRef idx="minor">
+            <a:schemeClr val="tx1"/>
+          </a:fontRef>
+        </p:style>
+      </p:cxnSp>
+      <p:cxnSp>
+        <p:nvCxnSpPr>
+          <p:cNvPr id="43" name="직선 연결선 42">
+            <a:extLst>
+              <a:ext uri="{FF2B5EF4-FFF2-40B4-BE49-F238E27FC236}">
+                <a16:creationId xmlns:a16="http://schemas.microsoft.com/office/drawing/2014/main" id="{0D2C3023-B651-EFDC-8917-ADA61EBCCFE8}"/>
+              </a:ext>
+            </a:extLst>
+          </p:cNvPr>
+          <p:cNvCxnSpPr>
+            <a:cxnSpLocks/>
+            <a:stCxn id="23" idx="6"/>
+            <a:endCxn id="24" idx="2"/>
+          </p:cNvCxnSpPr>
+          <p:nvPr/>
+        </p:nvCxnSpPr>
+        <p:spPr>
+          <a:xfrm flipV="1">
+            <a:off x="8926619" y="1738372"/>
+            <a:ext cx="765443" cy="1560916"/>
+          </a:xfrm>
+          <a:prstGeom prst="line">
+            <a:avLst/>
+          </a:prstGeom>
+        </p:spPr>
+        <p:style>
+          <a:lnRef idx="2">
+            <a:schemeClr val="accent1"/>
+          </a:lnRef>
+          <a:fillRef idx="0">
+            <a:schemeClr val="accent1"/>
+          </a:fillRef>
+          <a:effectRef idx="1">
+            <a:schemeClr val="accent1"/>
+          </a:effectRef>
+          <a:fontRef idx="minor">
+            <a:schemeClr val="tx1"/>
+          </a:fontRef>
+        </p:style>
+      </p:cxnSp>
+      <p:cxnSp>
+        <p:nvCxnSpPr>
+          <p:cNvPr id="48" name="직선 연결선 47">
+            <a:extLst>
+              <a:ext uri="{FF2B5EF4-FFF2-40B4-BE49-F238E27FC236}">
+                <a16:creationId xmlns:a16="http://schemas.microsoft.com/office/drawing/2014/main" id="{4EC1219C-6896-C131-E616-EB6B0DB95EDC}"/>
+              </a:ext>
+            </a:extLst>
+          </p:cNvPr>
+          <p:cNvCxnSpPr>
+            <a:cxnSpLocks/>
+            <a:stCxn id="23" idx="6"/>
+            <a:endCxn id="38" idx="2"/>
+          </p:cNvCxnSpPr>
+          <p:nvPr/>
+        </p:nvCxnSpPr>
+        <p:spPr>
+          <a:xfrm>
+            <a:off x="8926619" y="3299288"/>
+            <a:ext cx="765443" cy="1560916"/>
           </a:xfrm>
           <a:prstGeom prst="line">
             <a:avLst/>

--- a/docs/STRUCTURE.pptx
+++ b/docs/STRUCTURE.pptx
@@ -248,7 +248,7 @@
           <a:p>
             <a:fld id="{6687B94C-1665-4908-8FE0-ED182C7E5EF6}" type="datetimeFigureOut">
               <a:rPr lang="ko-KR" altLang="en-US" smtClean="0"/>
-              <a:t>2025-03-19</a:t>
+              <a:t>2025-03-21</a:t>
             </a:fld>
             <a:endParaRPr lang="ko-KR" altLang="en-US"/>
           </a:p>
@@ -830,7 +830,7 @@
           <a:p>
             <a:fld id="{C7A64008-E368-4B02-AA8A-14F001AD3B84}" type="datetimeFigureOut">
               <a:rPr lang="ko-KR" altLang="en-US" smtClean="0"/>
-              <a:t>2025-03-19</a:t>
+              <a:t>2025-03-21</a:t>
             </a:fld>
             <a:endParaRPr lang="ko-KR" altLang="en-US"/>
           </a:p>
@@ -1028,7 +1028,7 @@
           <a:p>
             <a:fld id="{C7A64008-E368-4B02-AA8A-14F001AD3B84}" type="datetimeFigureOut">
               <a:rPr lang="ko-KR" altLang="en-US" smtClean="0"/>
-              <a:t>2025-03-19</a:t>
+              <a:t>2025-03-21</a:t>
             </a:fld>
             <a:endParaRPr lang="ko-KR" altLang="en-US"/>
           </a:p>
@@ -1236,7 +1236,7 @@
           <a:p>
             <a:fld id="{C7A64008-E368-4B02-AA8A-14F001AD3B84}" type="datetimeFigureOut">
               <a:rPr lang="ko-KR" altLang="en-US" smtClean="0"/>
-              <a:t>2025-03-19</a:t>
+              <a:t>2025-03-21</a:t>
             </a:fld>
             <a:endParaRPr lang="ko-KR" altLang="en-US"/>
           </a:p>
@@ -1434,7 +1434,7 @@
           <a:p>
             <a:fld id="{C7A64008-E368-4B02-AA8A-14F001AD3B84}" type="datetimeFigureOut">
               <a:rPr lang="ko-KR" altLang="en-US" smtClean="0"/>
-              <a:t>2025-03-19</a:t>
+              <a:t>2025-03-21</a:t>
             </a:fld>
             <a:endParaRPr lang="ko-KR" altLang="en-US"/>
           </a:p>
@@ -1709,7 +1709,7 @@
           <a:p>
             <a:fld id="{C7A64008-E368-4B02-AA8A-14F001AD3B84}" type="datetimeFigureOut">
               <a:rPr lang="ko-KR" altLang="en-US" smtClean="0"/>
-              <a:t>2025-03-19</a:t>
+              <a:t>2025-03-21</a:t>
             </a:fld>
             <a:endParaRPr lang="ko-KR" altLang="en-US"/>
           </a:p>
@@ -1974,7 +1974,7 @@
           <a:p>
             <a:fld id="{C7A64008-E368-4B02-AA8A-14F001AD3B84}" type="datetimeFigureOut">
               <a:rPr lang="ko-KR" altLang="en-US" smtClean="0"/>
-              <a:t>2025-03-19</a:t>
+              <a:t>2025-03-21</a:t>
             </a:fld>
             <a:endParaRPr lang="ko-KR" altLang="en-US"/>
           </a:p>
@@ -2386,7 +2386,7 @@
           <a:p>
             <a:fld id="{C7A64008-E368-4B02-AA8A-14F001AD3B84}" type="datetimeFigureOut">
               <a:rPr lang="ko-KR" altLang="en-US" smtClean="0"/>
-              <a:t>2025-03-19</a:t>
+              <a:t>2025-03-21</a:t>
             </a:fld>
             <a:endParaRPr lang="ko-KR" altLang="en-US"/>
           </a:p>
@@ -2527,7 +2527,7 @@
           <a:p>
             <a:fld id="{C7A64008-E368-4B02-AA8A-14F001AD3B84}" type="datetimeFigureOut">
               <a:rPr lang="ko-KR" altLang="en-US" smtClean="0"/>
-              <a:t>2025-03-19</a:t>
+              <a:t>2025-03-21</a:t>
             </a:fld>
             <a:endParaRPr lang="ko-KR" altLang="en-US"/>
           </a:p>
@@ -2640,7 +2640,7 @@
           <a:p>
             <a:fld id="{C7A64008-E368-4B02-AA8A-14F001AD3B84}" type="datetimeFigureOut">
               <a:rPr lang="ko-KR" altLang="en-US" smtClean="0"/>
-              <a:t>2025-03-19</a:t>
+              <a:t>2025-03-21</a:t>
             </a:fld>
             <a:endParaRPr lang="ko-KR" altLang="en-US"/>
           </a:p>
@@ -2951,7 +2951,7 @@
           <a:p>
             <a:fld id="{C7A64008-E368-4B02-AA8A-14F001AD3B84}" type="datetimeFigureOut">
               <a:rPr lang="ko-KR" altLang="en-US" smtClean="0"/>
-              <a:t>2025-03-19</a:t>
+              <a:t>2025-03-21</a:t>
             </a:fld>
             <a:endParaRPr lang="ko-KR" altLang="en-US"/>
           </a:p>
@@ -3239,7 +3239,7 @@
           <a:p>
             <a:fld id="{C7A64008-E368-4B02-AA8A-14F001AD3B84}" type="datetimeFigureOut">
               <a:rPr lang="ko-KR" altLang="en-US" smtClean="0"/>
-              <a:t>2025-03-19</a:t>
+              <a:t>2025-03-21</a:t>
             </a:fld>
             <a:endParaRPr lang="ko-KR" altLang="en-US"/>
           </a:p>
@@ -3480,7 +3480,7 @@
           <a:p>
             <a:fld id="{C7A64008-E368-4B02-AA8A-14F001AD3B84}" type="datetimeFigureOut">
               <a:rPr lang="ko-KR" altLang="en-US" smtClean="0"/>
-              <a:t>2025-03-19</a:t>
+              <a:t>2025-03-21</a:t>
             </a:fld>
             <a:endParaRPr lang="ko-KR" altLang="en-US"/>
           </a:p>
@@ -9340,7 +9340,7 @@
         </p:nvSpPr>
         <p:spPr>
           <a:xfrm>
-            <a:off x="4012663" y="1134822"/>
+            <a:off x="2721855" y="5070465"/>
             <a:ext cx="1357992" cy="1393742"/>
           </a:xfrm>
           <a:prstGeom prst="ellipse">
@@ -9390,7 +9390,7 @@
         </p:nvSpPr>
         <p:spPr>
           <a:xfrm>
-            <a:off x="7457954" y="2564955"/>
+            <a:off x="7113825" y="1721736"/>
             <a:ext cx="1468665" cy="1468665"/>
           </a:xfrm>
           <a:prstGeom prst="ellipse">
@@ -9420,16 +9420,15 @@
             <a:pPr algn="ctr"/>
             <a:r>
               <a:rPr lang="en-US" altLang="ko-KR" dirty="0"/>
-              <a:t>Chat</a:t>
+              <a:t>Service</a:t>
             </a:r>
           </a:p>
           <a:p>
             <a:pPr algn="ctr"/>
             <a:r>
               <a:rPr lang="en-US" altLang="ko-KR" dirty="0"/>
-              <a:t>Service</a:t>
-            </a:r>
-            <a:endParaRPr lang="ko-KR" altLang="en-US" dirty="0"/>
+              <a:t>Provider</a:t>
+            </a:r>
           </a:p>
         </p:txBody>
       </p:sp>
@@ -9447,7 +9446,7 @@
         </p:nvSpPr>
         <p:spPr>
           <a:xfrm>
-            <a:off x="9692062" y="1004039"/>
+            <a:off x="9347933" y="160820"/>
             <a:ext cx="1468665" cy="1468665"/>
           </a:xfrm>
           <a:prstGeom prst="ellipse">
@@ -9477,7 +9476,14 @@
             <a:pPr algn="ctr"/>
             <a:r>
               <a:rPr lang="en-US" altLang="ko-KR" dirty="0"/>
-              <a:t>Provider</a:t>
+              <a:t>Chat</a:t>
+            </a:r>
+          </a:p>
+          <a:p>
+            <a:pPr algn="ctr"/>
+            <a:r>
+              <a:rPr lang="en-US" altLang="ko-KR" dirty="0"/>
+              <a:t>Service</a:t>
             </a:r>
             <a:endParaRPr lang="ko-KR" altLang="en-US" dirty="0"/>
           </a:p>
@@ -9497,7 +9503,7 @@
         </p:nvSpPr>
         <p:spPr>
           <a:xfrm>
-            <a:off x="1341130" y="2732129"/>
+            <a:off x="3456013" y="1776994"/>
             <a:ext cx="1393742" cy="1393742"/>
           </a:xfrm>
           <a:prstGeom prst="ellipse">
@@ -9527,6 +9533,13 @@
             <a:pPr algn="ctr"/>
             <a:r>
               <a:rPr lang="en-US" altLang="ko-KR" dirty="0"/>
+              <a:t>Hive</a:t>
+            </a:r>
+          </a:p>
+          <a:p>
+            <a:pPr algn="ctr"/>
+            <a:r>
+              <a:rPr lang="en-US" altLang="ko-KR" dirty="0"/>
               <a:t>Session</a:t>
             </a:r>
             <a:endParaRPr lang="ko-KR" altLang="en-US" dirty="0"/>
@@ -9547,7 +9560,7 @@
         </p:nvSpPr>
         <p:spPr>
           <a:xfrm>
-            <a:off x="1599797" y="2293925"/>
+            <a:off x="3695016" y="1161783"/>
             <a:ext cx="876408" cy="876408"/>
           </a:xfrm>
           <a:prstGeom prst="ellipse">
@@ -9597,7 +9610,7 @@
         </p:nvSpPr>
         <p:spPr>
           <a:xfrm>
-            <a:off x="4012663" y="2670639"/>
+            <a:off x="4235422" y="5070465"/>
             <a:ext cx="1357992" cy="1393742"/>
           </a:xfrm>
           <a:prstGeom prst="ellipse">
@@ -9647,7 +9660,7 @@
         </p:nvSpPr>
         <p:spPr>
           <a:xfrm>
-            <a:off x="4012663" y="4308677"/>
+            <a:off x="5762826" y="5070465"/>
             <a:ext cx="1357992" cy="1393742"/>
           </a:xfrm>
           <a:prstGeom prst="ellipse">
@@ -9683,125 +9696,6 @@
           </a:p>
         </p:txBody>
       </p:sp>
-      <p:cxnSp>
-        <p:nvCxnSpPr>
-          <p:cNvPr id="22" name="직선 연결선 21">
-            <a:extLst>
-              <a:ext uri="{FF2B5EF4-FFF2-40B4-BE49-F238E27FC236}">
-                <a16:creationId xmlns:a16="http://schemas.microsoft.com/office/drawing/2014/main" id="{85DAD766-86E8-BC65-9B77-C0FEE43D590C}"/>
-              </a:ext>
-            </a:extLst>
-          </p:cNvPr>
-          <p:cNvCxnSpPr>
-            <a:stCxn id="26" idx="6"/>
-            <a:endCxn id="8" idx="2"/>
-          </p:cNvCxnSpPr>
-          <p:nvPr/>
-        </p:nvCxnSpPr>
-        <p:spPr>
-          <a:xfrm flipV="1">
-            <a:off x="2734872" y="1831693"/>
-            <a:ext cx="1277791" cy="1597307"/>
-          </a:xfrm>
-          <a:prstGeom prst="line">
-            <a:avLst/>
-          </a:prstGeom>
-        </p:spPr>
-        <p:style>
-          <a:lnRef idx="2">
-            <a:schemeClr val="accent1"/>
-          </a:lnRef>
-          <a:fillRef idx="0">
-            <a:schemeClr val="accent1"/>
-          </a:fillRef>
-          <a:effectRef idx="1">
-            <a:schemeClr val="accent1"/>
-          </a:effectRef>
-          <a:fontRef idx="minor">
-            <a:schemeClr val="tx1"/>
-          </a:fontRef>
-        </p:style>
-      </p:cxnSp>
-      <p:cxnSp>
-        <p:nvCxnSpPr>
-          <p:cNvPr id="30" name="직선 연결선 29">
-            <a:extLst>
-              <a:ext uri="{FF2B5EF4-FFF2-40B4-BE49-F238E27FC236}">
-                <a16:creationId xmlns:a16="http://schemas.microsoft.com/office/drawing/2014/main" id="{68DF6FE2-F992-4FCF-F6AD-4CB33A8D2E38}"/>
-              </a:ext>
-            </a:extLst>
-          </p:cNvPr>
-          <p:cNvCxnSpPr>
-            <a:cxnSpLocks/>
-            <a:stCxn id="26" idx="6"/>
-            <a:endCxn id="19" idx="2"/>
-          </p:cNvCxnSpPr>
-          <p:nvPr/>
-        </p:nvCxnSpPr>
-        <p:spPr>
-          <a:xfrm flipV="1">
-            <a:off x="2734872" y="3367510"/>
-            <a:ext cx="1277791" cy="61490"/>
-          </a:xfrm>
-          <a:prstGeom prst="line">
-            <a:avLst/>
-          </a:prstGeom>
-        </p:spPr>
-        <p:style>
-          <a:lnRef idx="2">
-            <a:schemeClr val="accent1"/>
-          </a:lnRef>
-          <a:fillRef idx="0">
-            <a:schemeClr val="accent1"/>
-          </a:fillRef>
-          <a:effectRef idx="1">
-            <a:schemeClr val="accent1"/>
-          </a:effectRef>
-          <a:fontRef idx="minor">
-            <a:schemeClr val="tx1"/>
-          </a:fontRef>
-        </p:style>
-      </p:cxnSp>
-      <p:cxnSp>
-        <p:nvCxnSpPr>
-          <p:cNvPr id="31" name="직선 연결선 30">
-            <a:extLst>
-              <a:ext uri="{FF2B5EF4-FFF2-40B4-BE49-F238E27FC236}">
-                <a16:creationId xmlns:a16="http://schemas.microsoft.com/office/drawing/2014/main" id="{253A737B-61B5-E447-A617-57BD72F3B912}"/>
-              </a:ext>
-            </a:extLst>
-          </p:cNvPr>
-          <p:cNvCxnSpPr>
-            <a:cxnSpLocks/>
-            <a:stCxn id="26" idx="6"/>
-            <a:endCxn id="20" idx="2"/>
-          </p:cNvCxnSpPr>
-          <p:nvPr/>
-        </p:nvCxnSpPr>
-        <p:spPr>
-          <a:xfrm>
-            <a:off x="2734872" y="3429000"/>
-            <a:ext cx="1277791" cy="1576548"/>
-          </a:xfrm>
-          <a:prstGeom prst="line">
-            <a:avLst/>
-          </a:prstGeom>
-        </p:spPr>
-        <p:style>
-          <a:lnRef idx="2">
-            <a:schemeClr val="accent1"/>
-          </a:lnRef>
-          <a:fillRef idx="0">
-            <a:schemeClr val="accent1"/>
-          </a:fillRef>
-          <a:effectRef idx="1">
-            <a:schemeClr val="accent1"/>
-          </a:effectRef>
-          <a:fontRef idx="minor">
-            <a:schemeClr val="tx1"/>
-          </a:fontRef>
-        </p:style>
-      </p:cxnSp>
       <p:sp>
         <p:nvSpPr>
           <p:cNvPr id="36" name="타원 35">
@@ -9816,7 +9710,7 @@
         </p:nvSpPr>
         <p:spPr>
           <a:xfrm>
-            <a:off x="9692063" y="2564955"/>
+            <a:off x="9347934" y="1721736"/>
             <a:ext cx="1468665" cy="1468665"/>
           </a:xfrm>
           <a:prstGeom prst="ellipse">
@@ -9846,7 +9740,14 @@
             <a:pPr algn="ctr"/>
             <a:r>
               <a:rPr lang="en-US" altLang="ko-KR" dirty="0"/>
-              <a:t>Provider</a:t>
+              <a:t>Chat</a:t>
+            </a:r>
+          </a:p>
+          <a:p>
+            <a:pPr algn="ctr"/>
+            <a:r>
+              <a:rPr lang="en-US" altLang="ko-KR" dirty="0"/>
+              <a:t>Service</a:t>
             </a:r>
             <a:endParaRPr lang="ko-KR" altLang="en-US" dirty="0"/>
           </a:p>
@@ -9866,7 +9767,7 @@
         </p:nvSpPr>
         <p:spPr>
           <a:xfrm>
-            <a:off x="9692062" y="4125871"/>
+            <a:off x="9347933" y="3282652"/>
             <a:ext cx="1468665" cy="1468665"/>
           </a:xfrm>
           <a:prstGeom prst="ellipse">
@@ -9896,7 +9797,14 @@
             <a:pPr algn="ctr"/>
             <a:r>
               <a:rPr lang="en-US" altLang="ko-KR" dirty="0"/>
-              <a:t>Provider</a:t>
+              <a:t>Chat</a:t>
+            </a:r>
+          </a:p>
+          <a:p>
+            <a:pPr algn="ctr"/>
+            <a:r>
+              <a:rPr lang="en-US" altLang="ko-KR" dirty="0"/>
+              <a:t>Service</a:t>
             </a:r>
             <a:endParaRPr lang="ko-KR" altLang="en-US" dirty="0"/>
           </a:p>
@@ -9920,7 +9828,7 @@
         </p:nvCxnSpPr>
         <p:spPr>
           <a:xfrm>
-            <a:off x="8926619" y="3299288"/>
+            <a:off x="8582490" y="2456069"/>
             <a:ext cx="765444" cy="0"/>
           </a:xfrm>
           <a:prstGeom prst="line">
@@ -9960,7 +9868,7 @@
         </p:nvCxnSpPr>
         <p:spPr>
           <a:xfrm flipV="1">
-            <a:off x="8926619" y="1738372"/>
+            <a:off x="8582490" y="895153"/>
             <a:ext cx="765443" cy="1560916"/>
           </a:xfrm>
           <a:prstGeom prst="line">
@@ -10000,8 +9908,268 @@
         </p:nvCxnSpPr>
         <p:spPr>
           <a:xfrm>
-            <a:off x="8926619" y="3299288"/>
+            <a:off x="8582490" y="2456069"/>
             <a:ext cx="765443" cy="1560916"/>
+          </a:xfrm>
+          <a:prstGeom prst="line">
+            <a:avLst/>
+          </a:prstGeom>
+        </p:spPr>
+        <p:style>
+          <a:lnRef idx="2">
+            <a:schemeClr val="accent1"/>
+          </a:lnRef>
+          <a:fillRef idx="0">
+            <a:schemeClr val="accent1"/>
+          </a:fillRef>
+          <a:effectRef idx="1">
+            <a:schemeClr val="accent1"/>
+          </a:effectRef>
+          <a:fontRef idx="minor">
+            <a:schemeClr val="tx1"/>
+          </a:fontRef>
+        </p:style>
+      </p:cxnSp>
+      <p:cxnSp>
+        <p:nvCxnSpPr>
+          <p:cNvPr id="3" name="직선 화살표 연결선 2">
+            <a:extLst>
+              <a:ext uri="{FF2B5EF4-FFF2-40B4-BE49-F238E27FC236}">
+                <a16:creationId xmlns:a16="http://schemas.microsoft.com/office/drawing/2014/main" id="{4855C7DD-4752-296E-08E8-39A8AFD0E124}"/>
+              </a:ext>
+            </a:extLst>
+          </p:cNvPr>
+          <p:cNvCxnSpPr>
+            <a:cxnSpLocks/>
+            <a:stCxn id="23" idx="2"/>
+            <a:endCxn id="26" idx="6"/>
+          </p:cNvCxnSpPr>
+          <p:nvPr/>
+        </p:nvCxnSpPr>
+        <p:spPr>
+          <a:xfrm flipH="1">
+            <a:off x="4849755" y="2456069"/>
+            <a:ext cx="2264070" cy="17796"/>
+          </a:xfrm>
+          <a:prstGeom prst="straightConnector1">
+            <a:avLst/>
+          </a:prstGeom>
+          <a:ln>
+            <a:tailEnd type="triangle"/>
+          </a:ln>
+        </p:spPr>
+        <p:style>
+          <a:lnRef idx="2">
+            <a:schemeClr val="accent1"/>
+          </a:lnRef>
+          <a:fillRef idx="0">
+            <a:schemeClr val="accent1"/>
+          </a:fillRef>
+          <a:effectRef idx="1">
+            <a:schemeClr val="accent1"/>
+          </a:effectRef>
+          <a:fontRef idx="minor">
+            <a:schemeClr val="tx1"/>
+          </a:fontRef>
+        </p:style>
+      </p:cxnSp>
+      <p:cxnSp>
+        <p:nvCxnSpPr>
+          <p:cNvPr id="4" name="직선 연결선 3">
+            <a:extLst>
+              <a:ext uri="{FF2B5EF4-FFF2-40B4-BE49-F238E27FC236}">
+                <a16:creationId xmlns:a16="http://schemas.microsoft.com/office/drawing/2014/main" id="{D88C6C1A-2FD9-3639-F227-DB94691305CD}"/>
+              </a:ext>
+            </a:extLst>
+          </p:cNvPr>
+          <p:cNvCxnSpPr>
+            <a:cxnSpLocks/>
+            <a:stCxn id="26" idx="4"/>
+            <a:endCxn id="8" idx="0"/>
+          </p:cNvCxnSpPr>
+          <p:nvPr/>
+        </p:nvCxnSpPr>
+        <p:spPr>
+          <a:xfrm flipH="1">
+            <a:off x="3400851" y="3170736"/>
+            <a:ext cx="752033" cy="1899729"/>
+          </a:xfrm>
+          <a:prstGeom prst="line">
+            <a:avLst/>
+          </a:prstGeom>
+        </p:spPr>
+        <p:style>
+          <a:lnRef idx="2">
+            <a:schemeClr val="accent1"/>
+          </a:lnRef>
+          <a:fillRef idx="0">
+            <a:schemeClr val="accent1"/>
+          </a:fillRef>
+          <a:effectRef idx="1">
+            <a:schemeClr val="accent1"/>
+          </a:effectRef>
+          <a:fontRef idx="minor">
+            <a:schemeClr val="tx1"/>
+          </a:fontRef>
+        </p:style>
+      </p:cxnSp>
+      <p:cxnSp>
+        <p:nvCxnSpPr>
+          <p:cNvPr id="7" name="직선 연결선 6">
+            <a:extLst>
+              <a:ext uri="{FF2B5EF4-FFF2-40B4-BE49-F238E27FC236}">
+                <a16:creationId xmlns:a16="http://schemas.microsoft.com/office/drawing/2014/main" id="{BF449717-9AAD-C569-A200-10C7A25617BC}"/>
+              </a:ext>
+            </a:extLst>
+          </p:cNvPr>
+          <p:cNvCxnSpPr>
+            <a:cxnSpLocks/>
+            <a:stCxn id="26" idx="4"/>
+            <a:endCxn id="19" idx="0"/>
+          </p:cNvCxnSpPr>
+          <p:nvPr/>
+        </p:nvCxnSpPr>
+        <p:spPr>
+          <a:xfrm>
+            <a:off x="4152884" y="3170736"/>
+            <a:ext cx="761534" cy="1899729"/>
+          </a:xfrm>
+          <a:prstGeom prst="line">
+            <a:avLst/>
+          </a:prstGeom>
+        </p:spPr>
+        <p:style>
+          <a:lnRef idx="2">
+            <a:schemeClr val="accent1"/>
+          </a:lnRef>
+          <a:fillRef idx="0">
+            <a:schemeClr val="accent1"/>
+          </a:fillRef>
+          <a:effectRef idx="1">
+            <a:schemeClr val="accent1"/>
+          </a:effectRef>
+          <a:fontRef idx="minor">
+            <a:schemeClr val="tx1"/>
+          </a:fontRef>
+        </p:style>
+      </p:cxnSp>
+      <p:cxnSp>
+        <p:nvCxnSpPr>
+          <p:cNvPr id="11" name="직선 연결선 10">
+            <a:extLst>
+              <a:ext uri="{FF2B5EF4-FFF2-40B4-BE49-F238E27FC236}">
+                <a16:creationId xmlns:a16="http://schemas.microsoft.com/office/drawing/2014/main" id="{9E7A603B-37A2-627D-CBF2-FBFB2F66D6AF}"/>
+              </a:ext>
+            </a:extLst>
+          </p:cNvPr>
+          <p:cNvCxnSpPr>
+            <a:cxnSpLocks/>
+            <a:stCxn id="26" idx="4"/>
+            <a:endCxn id="20" idx="0"/>
+          </p:cNvCxnSpPr>
+          <p:nvPr/>
+        </p:nvCxnSpPr>
+        <p:spPr>
+          <a:xfrm>
+            <a:off x="4152884" y="3170736"/>
+            <a:ext cx="2288938" cy="1899729"/>
+          </a:xfrm>
+          <a:prstGeom prst="line">
+            <a:avLst/>
+          </a:prstGeom>
+        </p:spPr>
+        <p:style>
+          <a:lnRef idx="2">
+            <a:schemeClr val="accent1"/>
+          </a:lnRef>
+          <a:fillRef idx="0">
+            <a:schemeClr val="accent1"/>
+          </a:fillRef>
+          <a:effectRef idx="1">
+            <a:schemeClr val="accent1"/>
+          </a:effectRef>
+          <a:fontRef idx="minor">
+            <a:schemeClr val="tx1"/>
+          </a:fontRef>
+        </p:style>
+      </p:cxnSp>
+      <p:sp>
+        <p:nvSpPr>
+          <p:cNvPr id="14" name="타원 13">
+            <a:extLst>
+              <a:ext uri="{FF2B5EF4-FFF2-40B4-BE49-F238E27FC236}">
+                <a16:creationId xmlns:a16="http://schemas.microsoft.com/office/drawing/2014/main" id="{10F02A0A-073B-A555-720E-7B53AE82C9C7}"/>
+              </a:ext>
+            </a:extLst>
+          </p:cNvPr>
+          <p:cNvSpPr/>
+          <p:nvPr/>
+        </p:nvSpPr>
+        <p:spPr>
+          <a:xfrm>
+            <a:off x="1202060" y="5070465"/>
+            <a:ext cx="1357992" cy="1393742"/>
+          </a:xfrm>
+          <a:prstGeom prst="ellipse">
+            <a:avLst/>
+          </a:prstGeom>
+        </p:spPr>
+        <p:style>
+          <a:lnRef idx="2">
+            <a:schemeClr val="accent1">
+              <a:shade val="15000"/>
+            </a:schemeClr>
+          </a:lnRef>
+          <a:fillRef idx="1">
+            <a:schemeClr val="accent1"/>
+          </a:fillRef>
+          <a:effectRef idx="0">
+            <a:schemeClr val="accent1"/>
+          </a:effectRef>
+          <a:fontRef idx="minor">
+            <a:schemeClr val="lt1"/>
+          </a:fontRef>
+        </p:style>
+        <p:txBody>
+          <a:bodyPr rtlCol="0" anchor="ctr"/>
+          <a:lstStyle/>
+          <a:p>
+            <a:pPr algn="ctr"/>
+            <a:r>
+              <a:rPr lang="en-US" altLang="ko-KR" dirty="0"/>
+              <a:t>Master</a:t>
+            </a:r>
+          </a:p>
+          <a:p>
+            <a:pPr algn="ctr"/>
+            <a:r>
+              <a:rPr lang="en-US" altLang="ko-KR" dirty="0"/>
+              <a:t>Agent</a:t>
+            </a:r>
+            <a:endParaRPr lang="ko-KR" altLang="en-US" dirty="0"/>
+          </a:p>
+        </p:txBody>
+      </p:sp>
+      <p:cxnSp>
+        <p:nvCxnSpPr>
+          <p:cNvPr id="15" name="직선 연결선 14">
+            <a:extLst>
+              <a:ext uri="{FF2B5EF4-FFF2-40B4-BE49-F238E27FC236}">
+                <a16:creationId xmlns:a16="http://schemas.microsoft.com/office/drawing/2014/main" id="{3F377405-E2E7-65C6-EF23-D6CBEE92EE00}"/>
+              </a:ext>
+            </a:extLst>
+          </p:cNvPr>
+          <p:cNvCxnSpPr>
+            <a:cxnSpLocks/>
+            <a:stCxn id="26" idx="4"/>
+            <a:endCxn id="14" idx="0"/>
+          </p:cNvCxnSpPr>
+          <p:nvPr/>
+        </p:nvCxnSpPr>
+        <p:spPr>
+          <a:xfrm flipH="1">
+            <a:off x="1881056" y="3170736"/>
+            <a:ext cx="2271828" cy="1899729"/>
           </a:xfrm>
           <a:prstGeom prst="line">
             <a:avLst/>
